--- a/KB2023_DB_PROJECT_PPT_서정빈.pptx
+++ b/KB2023_DB_PROJECT_PPT_서정빈.pptx
@@ -14,6 +14,7 @@
     <p:sldId id="262" r:id="rId8"/>
     <p:sldId id="263" r:id="rId9"/>
     <p:sldId id="264" r:id="rId10"/>
+    <p:sldId id="265" r:id="rId11"/>
   </p:sldIdLst>
   <p:sldSz cx="18288000" cy="10287000" type="screen4x3"/>
   <p:notesSz cx="10287000" cy="18288000"/>
@@ -3192,1527 +3193,9 @@
 </p:sld>
 </file>
 
-<file path=ppt/slides/slide2.xml><?xml version="1.0" encoding="utf-8"?>
+<file path=ppt/slides/slide10.xml><?xml version="1.0" encoding="utf-8"?>
 <p:sld xmlns:a="http://schemas.openxmlformats.org/drawingml/2006/main" xmlns:r="http://schemas.openxmlformats.org/officeDocument/2006/relationships" xmlns:p="http://schemas.openxmlformats.org/presentationml/2006/main">
-  <p:cSld name="Slide 2">
-    <p:bg>
-      <p:bgPr>
-        <a:solidFill>
-          <a:srgbClr val="FFFFFF"/>
-        </a:solidFill>
-        <a:effectLst/>
-      </p:bgPr>
-    </p:bg>
-    <p:spTree>
-      <p:nvGrpSpPr>
-        <p:cNvPr id="1" name=""/>
-        <p:cNvGrpSpPr/>
-        <p:nvPr/>
-      </p:nvGrpSpPr>
-      <p:grpSpPr>
-        <a:xfrm>
-          <a:off x="0" y="0"/>
-          <a:ext cx="0" cy="0"/>
-          <a:chOff x="0" y="0"/>
-          <a:chExt cx="0" cy="0"/>
-        </a:xfrm>
-      </p:grpSpPr>
-      <p:grpSp>
-        <p:nvGrpSpPr>
-          <p:cNvPr id="1001" name="그룹 1001"/>
-          <p:cNvGrpSpPr/>
-          <p:nvPr/>
-        </p:nvGrpSpPr>
-        <p:grpSpPr>
-          <a:xfrm>
-            <a:off x="9637948" y="4401880"/>
-            <a:ext cx="7074958" cy="2932271"/>
-            <a:chOff x="9637948" y="4401880"/>
-            <a:chExt cx="7074958" cy="2932271"/>
-          </a:xfrm>
-        </p:grpSpPr>
-        <p:grpSp>
-          <p:nvGrpSpPr>
-            <p:cNvPr id="1002" name="그룹 1002"/>
-            <p:cNvGrpSpPr/>
-            <p:nvPr/>
-          </p:nvGrpSpPr>
-          <p:grpSpPr>
-            <a:xfrm>
-              <a:off x="9888199" y="6745030"/>
-              <a:ext cx="1895563" cy="589121"/>
-              <a:chOff x="9888199" y="6745030"/>
-              <a:chExt cx="1895563" cy="589121"/>
-            </a:xfrm>
-          </p:grpSpPr>
-          <p:pic>
-            <p:nvPicPr>
-              <p:cNvPr id="4" name="Object 3"/>
-              <p:cNvPicPr>
-                <a:picLocks noChangeAspect="1"/>
-              </p:cNvPicPr>
-              <p:nvPr/>
-            </p:nvPicPr>
-            <p:blipFill>
-              <a:blip r:embed="rId2" cstate="print"/>
-              <a:stretch>
-                <a:fillRect/>
-              </a:stretch>
-            </p:blipFill>
-            <p:spPr>
-              <a:xfrm>
-                <a:off x="9888199" y="6745030"/>
-                <a:ext cx="1895563" cy="589121"/>
-              </a:xfrm>
-              <a:prstGeom prst="rect">
-                <a:avLst/>
-              </a:prstGeom>
-            </p:spPr>
-          </p:pic>
-        </p:grpSp>
-        <p:grpSp>
-          <p:nvGrpSpPr>
-            <p:cNvPr id="1003" name="그룹 1003"/>
-            <p:cNvGrpSpPr/>
-            <p:nvPr/>
-          </p:nvGrpSpPr>
-          <p:grpSpPr>
-            <a:xfrm>
-              <a:off x="9637948" y="5017460"/>
-              <a:ext cx="5344909" cy="589121"/>
-              <a:chOff x="9637948" y="5017460"/>
-              <a:chExt cx="5344909" cy="589121"/>
-            </a:xfrm>
-          </p:grpSpPr>
-          <p:pic>
-            <p:nvPicPr>
-              <p:cNvPr id="7" name="Object 6"/>
-              <p:cNvPicPr>
-                <a:picLocks noChangeAspect="1"/>
-              </p:cNvPicPr>
-              <p:nvPr/>
-            </p:nvPicPr>
-            <p:blipFill>
-              <a:blip r:embed="rId3" cstate="print"/>
-              <a:stretch>
-                <a:fillRect/>
-              </a:stretch>
-            </p:blipFill>
-            <p:spPr>
-              <a:xfrm>
-                <a:off x="9637948" y="5017460"/>
-                <a:ext cx="5344909" cy="589121"/>
-              </a:xfrm>
-              <a:prstGeom prst="rect">
-                <a:avLst/>
-              </a:prstGeom>
-            </p:spPr>
-          </p:pic>
-        </p:grpSp>
-        <p:pic>
-          <p:nvPicPr>
-            <p:cNvPr id="9" name="Object 8"/>
-            <p:cNvPicPr>
-              <a:picLocks noChangeAspect="1"/>
-            </p:cNvPicPr>
-            <p:nvPr/>
-          </p:nvPicPr>
-          <p:blipFill>
-            <a:blip r:embed="rId4" cstate="print"/>
-            <a:stretch>
-              <a:fillRect/>
-            </a:stretch>
-          </p:blipFill>
-          <p:spPr>
-            <a:xfrm>
-              <a:off x="9565899" y="4329831"/>
-              <a:ext cx="7158748" cy="3139053"/>
-            </a:xfrm>
-            <a:prstGeom prst="rect">
-              <a:avLst/>
-            </a:prstGeom>
-          </p:spPr>
-        </p:pic>
-      </p:grpSp>
-      <p:grpSp>
-        <p:nvGrpSpPr>
-          <p:cNvPr id="1004" name="그룹 1004"/>
-          <p:cNvGrpSpPr/>
-          <p:nvPr/>
-        </p:nvGrpSpPr>
-        <p:grpSpPr>
-          <a:xfrm>
-            <a:off x="3965453" y="3439995"/>
-            <a:ext cx="4117708" cy="3405725"/>
-            <a:chOff x="3965453" y="3439995"/>
-            <a:chExt cx="4117708" cy="3405725"/>
-          </a:xfrm>
-        </p:grpSpPr>
-        <p:pic>
-          <p:nvPicPr>
-            <p:cNvPr id="12" name="Object 11"/>
-            <p:cNvPicPr>
-              <a:picLocks noChangeAspect="1"/>
-            </p:cNvPicPr>
-            <p:nvPr/>
-          </p:nvPicPr>
-          <p:blipFill>
-            <a:blip r:embed="rId5" cstate="print"/>
-            <a:stretch>
-              <a:fillRect/>
-            </a:stretch>
-          </p:blipFill>
-          <p:spPr>
-            <a:xfrm>
-              <a:off x="3965453" y="3439995"/>
-              <a:ext cx="4117708" cy="3405725"/>
-            </a:xfrm>
-            <a:prstGeom prst="rect">
-              <a:avLst/>
-            </a:prstGeom>
-          </p:spPr>
-        </p:pic>
-      </p:grpSp>
-      <p:pic>
-        <p:nvPicPr>
-          <p:cNvPr id="14" name="Object 13"/>
-          <p:cNvPicPr>
-            <a:picLocks noChangeAspect="1"/>
-          </p:cNvPicPr>
-          <p:nvPr/>
-        </p:nvPicPr>
-        <p:blipFill>
-          <a:blip r:embed="rId6" cstate="print"/>
-          <a:stretch>
-            <a:fillRect/>
-          </a:stretch>
-        </p:blipFill>
-        <p:spPr>
-          <a:xfrm>
-            <a:off x="509722" y="409250"/>
-            <a:ext cx="9814499" cy="1674747"/>
-          </a:xfrm>
-          <a:prstGeom prst="rect">
-            <a:avLst/>
-          </a:prstGeom>
-        </p:spPr>
-      </p:pic>
-      <p:grpSp>
-        <p:nvGrpSpPr>
-          <p:cNvPr id="1005" name="그룹 1005"/>
-          <p:cNvGrpSpPr/>
-          <p:nvPr/>
-        </p:nvGrpSpPr>
-        <p:grpSpPr>
-          <a:xfrm>
-            <a:off x="-57143" y="1685430"/>
-            <a:ext cx="18394831" cy="14286"/>
-            <a:chOff x="-57143" y="1685430"/>
-            <a:chExt cx="18394831" cy="14286"/>
-          </a:xfrm>
-        </p:grpSpPr>
-        <p:pic>
-          <p:nvPicPr>
-            <p:cNvPr id="16" name="Object 15"/>
-            <p:cNvPicPr>
-              <a:picLocks noChangeAspect="1"/>
-            </p:cNvPicPr>
-            <p:nvPr/>
-          </p:nvPicPr>
-          <p:blipFill>
-            <a:blip r:embed="rId7" cstate="print"/>
-            <a:stretch>
-              <a:fillRect/>
-            </a:stretch>
-          </p:blipFill>
-          <p:spPr>
-            <a:xfrm>
-              <a:off x="-57143" y="1685430"/>
-              <a:ext cx="18394831" cy="14286"/>
-            </a:xfrm>
-            <a:prstGeom prst="rect">
-              <a:avLst/>
-            </a:prstGeom>
-          </p:spPr>
-        </p:pic>
-      </p:grpSp>
-      <p:pic>
-        <p:nvPicPr>
-          <p:cNvPr id="18" name="Object 17"/>
-          <p:cNvPicPr>
-            <a:picLocks noChangeAspect="1"/>
-          </p:cNvPicPr>
-          <p:nvPr/>
-        </p:nvPicPr>
-        <p:blipFill>
-          <a:blip r:embed="rId8" cstate="print"/>
-          <a:stretch>
-            <a:fillRect/>
-          </a:stretch>
-        </p:blipFill>
-        <p:spPr>
-          <a:xfrm>
-            <a:off x="10051335" y="1085449"/>
-            <a:ext cx="3044870" cy="662556"/>
-          </a:xfrm>
-          <a:prstGeom prst="rect">
-            <a:avLst/>
-          </a:prstGeom>
-        </p:spPr>
-      </p:pic>
-      <p:grpSp>
-        <p:nvGrpSpPr>
-          <p:cNvPr id="1006" name="그룹 1006"/>
-          <p:cNvGrpSpPr/>
-          <p:nvPr/>
-        </p:nvGrpSpPr>
-        <p:grpSpPr>
-          <a:xfrm>
-            <a:off x="4612265" y="4114799"/>
-            <a:ext cx="1341081" cy="1341081"/>
-            <a:chOff x="4612265" y="4114799"/>
-            <a:chExt cx="1341081" cy="1341081"/>
-          </a:xfrm>
-        </p:grpSpPr>
-        <p:pic>
-          <p:nvPicPr>
-            <p:cNvPr id="20" name="Object 19"/>
-            <p:cNvPicPr>
-              <a:picLocks noChangeAspect="1"/>
-            </p:cNvPicPr>
-            <p:nvPr/>
-          </p:nvPicPr>
-          <p:blipFill>
-            <a:blip r:embed="rId9" cstate="print"/>
-            <a:stretch>
-              <a:fillRect/>
-            </a:stretch>
-          </p:blipFill>
-          <p:spPr>
-            <a:xfrm rot="-900000">
-              <a:off x="4612265" y="4114799"/>
-              <a:ext cx="1341081" cy="1341081"/>
-            </a:xfrm>
-            <a:prstGeom prst="rect">
-              <a:avLst/>
-            </a:prstGeom>
-          </p:spPr>
-        </p:pic>
-      </p:grpSp>
-      <p:grpSp>
-        <p:nvGrpSpPr>
-          <p:cNvPr id="1007" name="그룹 1007"/>
-          <p:cNvGrpSpPr/>
-          <p:nvPr/>
-        </p:nvGrpSpPr>
-        <p:grpSpPr>
-          <a:xfrm>
-            <a:off x="1013590" y="6373574"/>
-            <a:ext cx="3216874" cy="3216874"/>
-            <a:chOff x="1013590" y="6373574"/>
-            <a:chExt cx="3216874" cy="3216874"/>
-          </a:xfrm>
-        </p:grpSpPr>
-        <p:pic>
-          <p:nvPicPr>
-            <p:cNvPr id="23" name="Object 22"/>
-            <p:cNvPicPr>
-              <a:picLocks noChangeAspect="1"/>
-            </p:cNvPicPr>
-            <p:nvPr/>
-          </p:nvPicPr>
-          <p:blipFill>
-            <a:blip r:embed="rId10" cstate="print"/>
-            <a:stretch>
-              <a:fillRect/>
-            </a:stretch>
-          </p:blipFill>
-          <p:spPr>
-            <a:xfrm>
-              <a:off x="1013590" y="6373574"/>
-              <a:ext cx="3216874" cy="3216874"/>
-            </a:xfrm>
-            <a:prstGeom prst="rect">
-              <a:avLst/>
-            </a:prstGeom>
-          </p:spPr>
-        </p:pic>
-      </p:grpSp>
-      <p:grpSp>
-        <p:nvGrpSpPr>
-          <p:cNvPr id="1008" name="그룹 1008"/>
-          <p:cNvGrpSpPr/>
-          <p:nvPr/>
-        </p:nvGrpSpPr>
-        <p:grpSpPr>
-          <a:xfrm>
-            <a:off x="6041061" y="4055895"/>
-            <a:ext cx="1523433" cy="1523433"/>
-            <a:chOff x="6041061" y="4055895"/>
-            <a:chExt cx="1523433" cy="1523433"/>
-          </a:xfrm>
-        </p:grpSpPr>
-        <p:pic>
-          <p:nvPicPr>
-            <p:cNvPr id="26" name="Object 25"/>
-            <p:cNvPicPr>
-              <a:picLocks noChangeAspect="1"/>
-            </p:cNvPicPr>
-            <p:nvPr/>
-          </p:nvPicPr>
-          <p:blipFill>
-            <a:blip r:embed="rId11" cstate="print"/>
-            <a:stretch>
-              <a:fillRect/>
-            </a:stretch>
-          </p:blipFill>
-          <p:spPr>
-            <a:xfrm rot="1380000">
-              <a:off x="6041061" y="4055895"/>
-              <a:ext cx="1523433" cy="1523433"/>
-            </a:xfrm>
-            <a:prstGeom prst="rect">
-              <a:avLst/>
-            </a:prstGeom>
-          </p:spPr>
-        </p:pic>
-      </p:grpSp>
-    </p:spTree>
-  </p:cSld>
-  <p:clrMapOvr>
-    <a:masterClrMapping/>
-  </p:clrMapOvr>
-</p:sld>
-</file>
-
-<file path=ppt/slides/slide3.xml><?xml version="1.0" encoding="utf-8"?>
-<p:sld xmlns:a="http://schemas.openxmlformats.org/drawingml/2006/main" xmlns:r="http://schemas.openxmlformats.org/officeDocument/2006/relationships" xmlns:p="http://schemas.openxmlformats.org/presentationml/2006/main">
-  <p:cSld name="Slide 3">
-    <p:bg>
-      <p:bgPr>
-        <a:solidFill>
-          <a:srgbClr val="FFFFFF"/>
-        </a:solidFill>
-        <a:effectLst/>
-      </p:bgPr>
-    </p:bg>
-    <p:spTree>
-      <p:nvGrpSpPr>
-        <p:cNvPr id="1" name=""/>
-        <p:cNvGrpSpPr/>
-        <p:nvPr/>
-      </p:nvGrpSpPr>
-      <p:grpSpPr>
-        <a:xfrm>
-          <a:off x="0" y="0"/>
-          <a:ext cx="0" cy="0"/>
-          <a:chOff x="0" y="0"/>
-          <a:chExt cx="0" cy="0"/>
-        </a:xfrm>
-      </p:grpSpPr>
-      <p:pic>
-        <p:nvPicPr>
-          <p:cNvPr id="2" name="Object 1"/>
-          <p:cNvPicPr>
-            <a:picLocks noChangeAspect="1"/>
-          </p:cNvPicPr>
-          <p:nvPr/>
-        </p:nvPicPr>
-        <p:blipFill>
-          <a:blip r:embed="rId2" cstate="print"/>
-          <a:stretch>
-            <a:fillRect/>
-          </a:stretch>
-        </p:blipFill>
-        <p:spPr>
-          <a:xfrm>
-            <a:off x="509722" y="409250"/>
-            <a:ext cx="9814499" cy="1674747"/>
-          </a:xfrm>
-          <a:prstGeom prst="rect">
-            <a:avLst/>
-          </a:prstGeom>
-        </p:spPr>
-      </p:pic>
-      <p:grpSp>
-        <p:nvGrpSpPr>
-          <p:cNvPr id="1001" name="그룹 1001"/>
-          <p:cNvGrpSpPr/>
-          <p:nvPr/>
-        </p:nvGrpSpPr>
-        <p:grpSpPr>
-          <a:xfrm>
-            <a:off x="-57143" y="1685430"/>
-            <a:ext cx="18394831" cy="14286"/>
-            <a:chOff x="-57143" y="1685430"/>
-            <a:chExt cx="18394831" cy="14286"/>
-          </a:xfrm>
-        </p:grpSpPr>
-        <p:pic>
-          <p:nvPicPr>
-            <p:cNvPr id="4" name="Object 3"/>
-            <p:cNvPicPr>
-              <a:picLocks noChangeAspect="1"/>
-            </p:cNvPicPr>
-            <p:nvPr/>
-          </p:nvPicPr>
-          <p:blipFill>
-            <a:blip r:embed="rId3" cstate="print"/>
-            <a:stretch>
-              <a:fillRect/>
-            </a:stretch>
-          </p:blipFill>
-          <p:spPr>
-            <a:xfrm>
-              <a:off x="-57143" y="1685430"/>
-              <a:ext cx="18394831" cy="14286"/>
-            </a:xfrm>
-            <a:prstGeom prst="rect">
-              <a:avLst/>
-            </a:prstGeom>
-          </p:spPr>
-        </p:pic>
-      </p:grpSp>
-      <p:pic>
-        <p:nvPicPr>
-          <p:cNvPr id="6" name="Object 5"/>
-          <p:cNvPicPr>
-            <a:picLocks noChangeAspect="1"/>
-          </p:cNvPicPr>
-          <p:nvPr/>
-        </p:nvPicPr>
-        <p:blipFill>
-          <a:blip r:embed="rId4" cstate="print"/>
-          <a:stretch>
-            <a:fillRect/>
-          </a:stretch>
-        </p:blipFill>
-        <p:spPr>
-          <a:xfrm>
-            <a:off x="10051335" y="1085449"/>
-            <a:ext cx="5855737" cy="663899"/>
-          </a:xfrm>
-          <a:prstGeom prst="rect">
-            <a:avLst/>
-          </a:prstGeom>
-        </p:spPr>
-      </p:pic>
-      <p:grpSp>
-        <p:nvGrpSpPr>
-          <p:cNvPr id="1002" name="그룹 1002"/>
-          <p:cNvGrpSpPr/>
-          <p:nvPr/>
-        </p:nvGrpSpPr>
-        <p:grpSpPr>
-          <a:xfrm>
-            <a:off x="652575" y="2047481"/>
-            <a:ext cx="12466770" cy="7888485"/>
-            <a:chOff x="652575" y="2047481"/>
-            <a:chExt cx="12466770" cy="7888485"/>
-          </a:xfrm>
-        </p:grpSpPr>
-        <p:pic>
-          <p:nvPicPr>
-            <p:cNvPr id="8" name="Object 7"/>
-            <p:cNvPicPr>
-              <a:picLocks noChangeAspect="1"/>
-            </p:cNvPicPr>
-            <p:nvPr/>
-          </p:nvPicPr>
-          <p:blipFill>
-            <a:blip r:embed="rId5" cstate="print"/>
-            <a:stretch>
-              <a:fillRect/>
-            </a:stretch>
-          </p:blipFill>
-          <p:spPr>
-            <a:xfrm>
-              <a:off x="652575" y="2047481"/>
-              <a:ext cx="12466770" cy="7888485"/>
-            </a:xfrm>
-            <a:prstGeom prst="rect">
-              <a:avLst/>
-            </a:prstGeom>
-          </p:spPr>
-        </p:pic>
-      </p:grpSp>
-      <p:grpSp>
-        <p:nvGrpSpPr>
-          <p:cNvPr id="1003" name="그룹 1003"/>
-          <p:cNvGrpSpPr/>
-          <p:nvPr/>
-        </p:nvGrpSpPr>
-        <p:grpSpPr>
-          <a:xfrm>
-            <a:off x="1474120" y="3213251"/>
-            <a:ext cx="6627556" cy="2103520"/>
-            <a:chOff x="1474120" y="3213251"/>
-            <a:chExt cx="6627556" cy="2103520"/>
-          </a:xfrm>
-        </p:grpSpPr>
-        <p:pic>
-          <p:nvPicPr>
-            <p:cNvPr id="11" name="Object 10"/>
-            <p:cNvPicPr>
-              <a:picLocks noChangeAspect="1"/>
-            </p:cNvPicPr>
-            <p:nvPr/>
-          </p:nvPicPr>
-          <p:blipFill>
-            <a:blip r:embed="rId6" cstate="print"/>
-            <a:stretch>
-              <a:fillRect/>
-            </a:stretch>
-          </p:blipFill>
-          <p:spPr>
-            <a:xfrm>
-              <a:off x="1474120" y="3213251"/>
-              <a:ext cx="6627556" cy="2103520"/>
-            </a:xfrm>
-            <a:prstGeom prst="rect">
-              <a:avLst/>
-            </a:prstGeom>
-          </p:spPr>
-        </p:pic>
-      </p:grpSp>
-      <p:grpSp>
-        <p:nvGrpSpPr>
-          <p:cNvPr id="1004" name="그룹 1004"/>
-          <p:cNvGrpSpPr/>
-          <p:nvPr/>
-        </p:nvGrpSpPr>
-        <p:grpSpPr>
-          <a:xfrm>
-            <a:off x="9321390" y="3453024"/>
-            <a:ext cx="8462831" cy="1623973"/>
-            <a:chOff x="9321390" y="3453024"/>
-            <a:chExt cx="8462831" cy="1623973"/>
-          </a:xfrm>
-        </p:grpSpPr>
-        <p:grpSp>
-          <p:nvGrpSpPr>
-            <p:cNvPr id="1005" name="그룹 1005"/>
-            <p:cNvGrpSpPr/>
-            <p:nvPr/>
-          </p:nvGrpSpPr>
-          <p:grpSpPr>
-            <a:xfrm>
-              <a:off x="9321390" y="3453024"/>
-              <a:ext cx="8462831" cy="1623973"/>
-              <a:chOff x="9321390" y="3453024"/>
-              <a:chExt cx="8462831" cy="1623973"/>
-            </a:xfrm>
-          </p:grpSpPr>
-          <p:pic>
-            <p:nvPicPr>
-              <p:cNvPr id="15" name="Object 14"/>
-              <p:cNvPicPr>
-                <a:picLocks noChangeAspect="1"/>
-              </p:cNvPicPr>
-              <p:nvPr/>
-            </p:nvPicPr>
-            <p:blipFill>
-              <a:blip r:embed="rId7" cstate="print"/>
-              <a:stretch>
-                <a:fillRect/>
-              </a:stretch>
-            </p:blipFill>
-            <p:spPr>
-              <a:xfrm>
-                <a:off x="9321390" y="3453024"/>
-                <a:ext cx="8462831" cy="1623973"/>
-              </a:xfrm>
-              <a:prstGeom prst="rect">
-                <a:avLst/>
-              </a:prstGeom>
-            </p:spPr>
-          </p:pic>
-        </p:grpSp>
-        <p:grpSp>
-          <p:nvGrpSpPr>
-            <p:cNvPr id="1006" name="그룹 1006"/>
-            <p:cNvGrpSpPr/>
-            <p:nvPr/>
-          </p:nvGrpSpPr>
-          <p:grpSpPr>
-            <a:xfrm>
-              <a:off x="9511516" y="3717760"/>
-              <a:ext cx="8069541" cy="1001842"/>
-              <a:chOff x="9511516" y="3717760"/>
-              <a:chExt cx="8069541" cy="1001842"/>
-            </a:xfrm>
-          </p:grpSpPr>
-          <p:pic>
-            <p:nvPicPr>
-              <p:cNvPr id="18" name="Object 17"/>
-              <p:cNvPicPr>
-                <a:picLocks noChangeAspect="1"/>
-              </p:cNvPicPr>
-              <p:nvPr/>
-            </p:nvPicPr>
-            <p:blipFill>
-              <a:blip r:embed="rId8" cstate="print"/>
-              <a:stretch>
-                <a:fillRect/>
-              </a:stretch>
-            </p:blipFill>
-            <p:spPr>
-              <a:xfrm>
-                <a:off x="9511516" y="3717760"/>
-                <a:ext cx="8069541" cy="1001842"/>
-              </a:xfrm>
-              <a:prstGeom prst="rect">
-                <a:avLst/>
-              </a:prstGeom>
-            </p:spPr>
-          </p:pic>
-        </p:grpSp>
-      </p:grpSp>
-      <p:grpSp>
-        <p:nvGrpSpPr>
-          <p:cNvPr id="1007" name="그룹 1007"/>
-          <p:cNvGrpSpPr/>
-          <p:nvPr/>
-        </p:nvGrpSpPr>
-        <p:grpSpPr>
-          <a:xfrm>
-            <a:off x="8305519" y="3832851"/>
-            <a:ext cx="837338" cy="864318"/>
-            <a:chOff x="8305519" y="3832851"/>
-            <a:chExt cx="837338" cy="864318"/>
-          </a:xfrm>
-        </p:grpSpPr>
-        <p:pic>
-          <p:nvPicPr>
-            <p:cNvPr id="22" name="Object 21"/>
-            <p:cNvPicPr>
-              <a:picLocks noChangeAspect="1"/>
-            </p:cNvPicPr>
-            <p:nvPr/>
-          </p:nvPicPr>
-          <p:blipFill>
-            <a:blip r:embed="rId9" cstate="print"/>
-            <a:stretch>
-              <a:fillRect/>
-            </a:stretch>
-          </p:blipFill>
-          <p:spPr>
-            <a:xfrm>
-              <a:off x="8305519" y="3832851"/>
-              <a:ext cx="837338" cy="864318"/>
-            </a:xfrm>
-            <a:prstGeom prst="rect">
-              <a:avLst/>
-            </a:prstGeom>
-          </p:spPr>
-        </p:pic>
-      </p:grpSp>
-    </p:spTree>
-  </p:cSld>
-  <p:clrMapOvr>
-    <a:masterClrMapping/>
-  </p:clrMapOvr>
-</p:sld>
-</file>
-
-<file path=ppt/slides/slide4.xml><?xml version="1.0" encoding="utf-8"?>
-<p:sld xmlns:a="http://schemas.openxmlformats.org/drawingml/2006/main" xmlns:r="http://schemas.openxmlformats.org/officeDocument/2006/relationships" xmlns:p="http://schemas.openxmlformats.org/presentationml/2006/main">
-  <p:cSld name="Slide 4">
-    <p:bg>
-      <p:bgPr>
-        <a:solidFill>
-          <a:srgbClr val="FFFFFF"/>
-        </a:solidFill>
-        <a:effectLst/>
-      </p:bgPr>
-    </p:bg>
-    <p:spTree>
-      <p:nvGrpSpPr>
-        <p:cNvPr id="1" name=""/>
-        <p:cNvGrpSpPr/>
-        <p:nvPr/>
-      </p:nvGrpSpPr>
-      <p:grpSpPr>
-        <a:xfrm>
-          <a:off x="0" y="0"/>
-          <a:ext cx="0" cy="0"/>
-          <a:chOff x="0" y="0"/>
-          <a:chExt cx="0" cy="0"/>
-        </a:xfrm>
-      </p:grpSpPr>
-      <p:pic>
-        <p:nvPicPr>
-          <p:cNvPr id="2" name="Object 1"/>
-          <p:cNvPicPr>
-            <a:picLocks noChangeAspect="1"/>
-          </p:cNvPicPr>
-          <p:nvPr/>
-        </p:nvPicPr>
-        <p:blipFill>
-          <a:blip r:embed="rId2" cstate="print"/>
-          <a:stretch>
-            <a:fillRect/>
-          </a:stretch>
-        </p:blipFill>
-        <p:spPr>
-          <a:xfrm>
-            <a:off x="509722" y="409250"/>
-            <a:ext cx="9814499" cy="1674747"/>
-          </a:xfrm>
-          <a:prstGeom prst="rect">
-            <a:avLst/>
-          </a:prstGeom>
-        </p:spPr>
-      </p:pic>
-      <p:grpSp>
-        <p:nvGrpSpPr>
-          <p:cNvPr id="1001" name="그룹 1001"/>
-          <p:cNvGrpSpPr/>
-          <p:nvPr/>
-        </p:nvGrpSpPr>
-        <p:grpSpPr>
-          <a:xfrm>
-            <a:off x="-57143" y="1685430"/>
-            <a:ext cx="18394831" cy="14286"/>
-            <a:chOff x="-57143" y="1685430"/>
-            <a:chExt cx="18394831" cy="14286"/>
-          </a:xfrm>
-        </p:grpSpPr>
-        <p:pic>
-          <p:nvPicPr>
-            <p:cNvPr id="4" name="Object 3"/>
-            <p:cNvPicPr>
-              <a:picLocks noChangeAspect="1"/>
-            </p:cNvPicPr>
-            <p:nvPr/>
-          </p:nvPicPr>
-          <p:blipFill>
-            <a:blip r:embed="rId3" cstate="print"/>
-            <a:stretch>
-              <a:fillRect/>
-            </a:stretch>
-          </p:blipFill>
-          <p:spPr>
-            <a:xfrm>
-              <a:off x="-57143" y="1685430"/>
-              <a:ext cx="18394831" cy="14286"/>
-            </a:xfrm>
-            <a:prstGeom prst="rect">
-              <a:avLst/>
-            </a:prstGeom>
-          </p:spPr>
-        </p:pic>
-      </p:grpSp>
-      <p:pic>
-        <p:nvPicPr>
-          <p:cNvPr id="6" name="Object 5"/>
-          <p:cNvPicPr>
-            <a:picLocks noChangeAspect="1"/>
-          </p:cNvPicPr>
-          <p:nvPr/>
-        </p:nvPicPr>
-        <p:blipFill>
-          <a:blip r:embed="rId4" cstate="print"/>
-          <a:stretch>
-            <a:fillRect/>
-          </a:stretch>
-        </p:blipFill>
-        <p:spPr>
-          <a:xfrm>
-            <a:off x="10051335" y="1085449"/>
-            <a:ext cx="5857642" cy="663899"/>
-          </a:xfrm>
-          <a:prstGeom prst="rect">
-            <a:avLst/>
-          </a:prstGeom>
-        </p:spPr>
-      </p:pic>
-      <p:grpSp>
-        <p:nvGrpSpPr>
-          <p:cNvPr id="1002" name="그룹 1002"/>
-          <p:cNvGrpSpPr/>
-          <p:nvPr/>
-        </p:nvGrpSpPr>
-        <p:grpSpPr>
-          <a:xfrm>
-            <a:off x="652575" y="1875211"/>
-            <a:ext cx="15205428" cy="8050966"/>
-            <a:chOff x="652575" y="1875211"/>
-            <a:chExt cx="15205428" cy="8050966"/>
-          </a:xfrm>
-        </p:grpSpPr>
-        <p:pic>
-          <p:nvPicPr>
-            <p:cNvPr id="8" name="Object 7"/>
-            <p:cNvPicPr>
-              <a:picLocks noChangeAspect="1"/>
-            </p:cNvPicPr>
-            <p:nvPr/>
-          </p:nvPicPr>
-          <p:blipFill>
-            <a:blip r:embed="rId5" cstate="print"/>
-            <a:stretch>
-              <a:fillRect/>
-            </a:stretch>
-          </p:blipFill>
-          <p:spPr>
-            <a:xfrm>
-              <a:off x="652575" y="1875211"/>
-              <a:ext cx="15205428" cy="8050966"/>
-            </a:xfrm>
-            <a:prstGeom prst="rect">
-              <a:avLst/>
-            </a:prstGeom>
-          </p:spPr>
-        </p:pic>
-      </p:grpSp>
-    </p:spTree>
-  </p:cSld>
-  <p:clrMapOvr>
-    <a:masterClrMapping/>
-  </p:clrMapOvr>
-</p:sld>
-</file>
-
-<file path=ppt/slides/slide5.xml><?xml version="1.0" encoding="utf-8"?>
-<p:sld xmlns:a="http://schemas.openxmlformats.org/drawingml/2006/main" xmlns:r="http://schemas.openxmlformats.org/officeDocument/2006/relationships" xmlns:p="http://schemas.openxmlformats.org/presentationml/2006/main">
-  <p:cSld name="Slide 5">
-    <p:bg>
-      <p:bgPr>
-        <a:solidFill>
-          <a:srgbClr val="FFFFFF"/>
-        </a:solidFill>
-        <a:effectLst/>
-      </p:bgPr>
-    </p:bg>
-    <p:spTree>
-      <p:nvGrpSpPr>
-        <p:cNvPr id="1" name=""/>
-        <p:cNvGrpSpPr/>
-        <p:nvPr/>
-      </p:nvGrpSpPr>
-      <p:grpSpPr>
-        <a:xfrm>
-          <a:off x="0" y="0"/>
-          <a:ext cx="0" cy="0"/>
-          <a:chOff x="0" y="0"/>
-          <a:chExt cx="0" cy="0"/>
-        </a:xfrm>
-      </p:grpSpPr>
-      <p:pic>
-        <p:nvPicPr>
-          <p:cNvPr id="2" name="Object 1"/>
-          <p:cNvPicPr>
-            <a:picLocks noChangeAspect="1"/>
-          </p:cNvPicPr>
-          <p:nvPr/>
-        </p:nvPicPr>
-        <p:blipFill>
-          <a:blip r:embed="rId2" cstate="print"/>
-          <a:stretch>
-            <a:fillRect/>
-          </a:stretch>
-        </p:blipFill>
-        <p:spPr>
-          <a:xfrm>
-            <a:off x="509722" y="409250"/>
-            <a:ext cx="9814499" cy="1674747"/>
-          </a:xfrm>
-          <a:prstGeom prst="rect">
-            <a:avLst/>
-          </a:prstGeom>
-        </p:spPr>
-      </p:pic>
-      <p:grpSp>
-        <p:nvGrpSpPr>
-          <p:cNvPr id="1001" name="그룹 1001"/>
-          <p:cNvGrpSpPr/>
-          <p:nvPr/>
-        </p:nvGrpSpPr>
-        <p:grpSpPr>
-          <a:xfrm>
-            <a:off x="-57143" y="1685430"/>
-            <a:ext cx="18394831" cy="14286"/>
-            <a:chOff x="-57143" y="1685430"/>
-            <a:chExt cx="18394831" cy="14286"/>
-          </a:xfrm>
-        </p:grpSpPr>
-        <p:pic>
-          <p:nvPicPr>
-            <p:cNvPr id="4" name="Object 3"/>
-            <p:cNvPicPr>
-              <a:picLocks noChangeAspect="1"/>
-            </p:cNvPicPr>
-            <p:nvPr/>
-          </p:nvPicPr>
-          <p:blipFill>
-            <a:blip r:embed="rId3" cstate="print"/>
-            <a:stretch>
-              <a:fillRect/>
-            </a:stretch>
-          </p:blipFill>
-          <p:spPr>
-            <a:xfrm>
-              <a:off x="-57143" y="1685430"/>
-              <a:ext cx="18394831" cy="14286"/>
-            </a:xfrm>
-            <a:prstGeom prst="rect">
-              <a:avLst/>
-            </a:prstGeom>
-          </p:spPr>
-        </p:pic>
-      </p:grpSp>
-      <p:pic>
-        <p:nvPicPr>
-          <p:cNvPr id="6" name="Object 5"/>
-          <p:cNvPicPr>
-            <a:picLocks noChangeAspect="1"/>
-          </p:cNvPicPr>
-          <p:nvPr/>
-        </p:nvPicPr>
-        <p:blipFill>
-          <a:blip r:embed="rId4" cstate="print"/>
-          <a:stretch>
-            <a:fillRect/>
-          </a:stretch>
-        </p:blipFill>
-        <p:spPr>
-          <a:xfrm>
-            <a:off x="10051335" y="1085449"/>
-            <a:ext cx="5855737" cy="663899"/>
-          </a:xfrm>
-          <a:prstGeom prst="rect">
-            <a:avLst/>
-          </a:prstGeom>
-        </p:spPr>
-      </p:pic>
-      <p:grpSp>
-        <p:nvGrpSpPr>
-          <p:cNvPr id="1002" name="그룹 1002"/>
-          <p:cNvGrpSpPr/>
-          <p:nvPr/>
-        </p:nvGrpSpPr>
-        <p:grpSpPr>
-          <a:xfrm>
-            <a:off x="652575" y="2376785"/>
-            <a:ext cx="15059252" cy="6264649"/>
-            <a:chOff x="652575" y="2376785"/>
-            <a:chExt cx="15059252" cy="6264649"/>
-          </a:xfrm>
-        </p:grpSpPr>
-        <p:pic>
-          <p:nvPicPr>
-            <p:cNvPr id="8" name="Object 7"/>
-            <p:cNvPicPr>
-              <a:picLocks noChangeAspect="1"/>
-            </p:cNvPicPr>
-            <p:nvPr/>
-          </p:nvPicPr>
-          <p:blipFill>
-            <a:blip r:embed="rId5" cstate="print"/>
-            <a:stretch>
-              <a:fillRect/>
-            </a:stretch>
-          </p:blipFill>
-          <p:spPr>
-            <a:xfrm>
-              <a:off x="652575" y="2376785"/>
-              <a:ext cx="15059252" cy="6264649"/>
-            </a:xfrm>
-            <a:prstGeom prst="rect">
-              <a:avLst/>
-            </a:prstGeom>
-          </p:spPr>
-        </p:pic>
-      </p:grpSp>
-    </p:spTree>
-  </p:cSld>
-  <p:clrMapOvr>
-    <a:masterClrMapping/>
-  </p:clrMapOvr>
-</p:sld>
-</file>
-
-<file path=ppt/slides/slide6.xml><?xml version="1.0" encoding="utf-8"?>
-<p:sld xmlns:a="http://schemas.openxmlformats.org/drawingml/2006/main" xmlns:r="http://schemas.openxmlformats.org/officeDocument/2006/relationships" xmlns:p="http://schemas.openxmlformats.org/presentationml/2006/main">
-  <p:cSld name="Slide 6">
-    <p:bg>
-      <p:bgPr>
-        <a:solidFill>
-          <a:srgbClr val="FFFFFF"/>
-        </a:solidFill>
-        <a:effectLst/>
-      </p:bgPr>
-    </p:bg>
-    <p:spTree>
-      <p:nvGrpSpPr>
-        <p:cNvPr id="1" name=""/>
-        <p:cNvGrpSpPr/>
-        <p:nvPr/>
-      </p:nvGrpSpPr>
-      <p:grpSpPr>
-        <a:xfrm>
-          <a:off x="0" y="0"/>
-          <a:ext cx="0" cy="0"/>
-          <a:chOff x="0" y="0"/>
-          <a:chExt cx="0" cy="0"/>
-        </a:xfrm>
-      </p:grpSpPr>
-      <p:pic>
-        <p:nvPicPr>
-          <p:cNvPr id="2" name="Object 1"/>
-          <p:cNvPicPr>
-            <a:picLocks noChangeAspect="1"/>
-          </p:cNvPicPr>
-          <p:nvPr/>
-        </p:nvPicPr>
-        <p:blipFill>
-          <a:blip r:embed="rId2" cstate="print"/>
-          <a:stretch>
-            <a:fillRect/>
-          </a:stretch>
-        </p:blipFill>
-        <p:spPr>
-          <a:xfrm>
-            <a:off x="509722" y="409250"/>
-            <a:ext cx="9814499" cy="1674747"/>
-          </a:xfrm>
-          <a:prstGeom prst="rect">
-            <a:avLst/>
-          </a:prstGeom>
-        </p:spPr>
-      </p:pic>
-      <p:grpSp>
-        <p:nvGrpSpPr>
-          <p:cNvPr id="1001" name="그룹 1001"/>
-          <p:cNvGrpSpPr/>
-          <p:nvPr/>
-        </p:nvGrpSpPr>
-        <p:grpSpPr>
-          <a:xfrm>
-            <a:off x="-57143" y="1685430"/>
-            <a:ext cx="18394831" cy="14286"/>
-            <a:chOff x="-57143" y="1685430"/>
-            <a:chExt cx="18394831" cy="14286"/>
-          </a:xfrm>
-        </p:grpSpPr>
-        <p:pic>
-          <p:nvPicPr>
-            <p:cNvPr id="4" name="Object 3"/>
-            <p:cNvPicPr>
-              <a:picLocks noChangeAspect="1"/>
-            </p:cNvPicPr>
-            <p:nvPr/>
-          </p:nvPicPr>
-          <p:blipFill>
-            <a:blip r:embed="rId3" cstate="print"/>
-            <a:stretch>
-              <a:fillRect/>
-            </a:stretch>
-          </p:blipFill>
-          <p:spPr>
-            <a:xfrm>
-              <a:off x="-57143" y="1685430"/>
-              <a:ext cx="18394831" cy="14286"/>
-            </a:xfrm>
-            <a:prstGeom prst="rect">
-              <a:avLst/>
-            </a:prstGeom>
-          </p:spPr>
-        </p:pic>
-      </p:grpSp>
-      <p:grpSp>
-        <p:nvGrpSpPr>
-          <p:cNvPr id="1002" name="그룹 1002"/>
-          <p:cNvGrpSpPr/>
-          <p:nvPr/>
-        </p:nvGrpSpPr>
-        <p:grpSpPr>
-          <a:xfrm>
-            <a:off x="652575" y="2542420"/>
-            <a:ext cx="13044661" cy="6608605"/>
-            <a:chOff x="652575" y="2542420"/>
-            <a:chExt cx="13044661" cy="6608605"/>
-          </a:xfrm>
-        </p:grpSpPr>
-        <p:pic>
-          <p:nvPicPr>
-            <p:cNvPr id="7" name="Object 6"/>
-            <p:cNvPicPr>
-              <a:picLocks noChangeAspect="1"/>
-            </p:cNvPicPr>
-            <p:nvPr/>
-          </p:nvPicPr>
-          <p:blipFill>
-            <a:blip r:embed="rId4" cstate="print"/>
-            <a:stretch>
-              <a:fillRect/>
-            </a:stretch>
-          </p:blipFill>
-          <p:spPr>
-            <a:xfrm>
-              <a:off x="652575" y="2542420"/>
-              <a:ext cx="13044661" cy="6608605"/>
-            </a:xfrm>
-            <a:prstGeom prst="rect">
-              <a:avLst/>
-            </a:prstGeom>
-          </p:spPr>
-        </p:pic>
-      </p:grpSp>
-      <p:pic>
-        <p:nvPicPr>
-          <p:cNvPr id="9" name="Object 8"/>
-          <p:cNvPicPr>
-            <a:picLocks noChangeAspect="1"/>
-          </p:cNvPicPr>
-          <p:nvPr/>
-        </p:nvPicPr>
-        <p:blipFill>
-          <a:blip r:embed="rId5" cstate="print"/>
-          <a:stretch>
-            <a:fillRect/>
-          </a:stretch>
-        </p:blipFill>
-        <p:spPr>
-          <a:xfrm>
-            <a:off x="10051335" y="1085449"/>
-            <a:ext cx="5870975" cy="663899"/>
-          </a:xfrm>
-          <a:prstGeom prst="rect">
-            <a:avLst/>
-          </a:prstGeom>
-        </p:spPr>
-      </p:pic>
-    </p:spTree>
-  </p:cSld>
-  <p:clrMapOvr>
-    <a:masterClrMapping/>
-  </p:clrMapOvr>
-</p:sld>
-</file>
-
-<file path=ppt/slides/slide7.xml><?xml version="1.0" encoding="utf-8"?>
-<p:sld xmlns:a="http://schemas.openxmlformats.org/drawingml/2006/main" xmlns:r="http://schemas.openxmlformats.org/officeDocument/2006/relationships" xmlns:p="http://schemas.openxmlformats.org/presentationml/2006/main">
-  <p:cSld name="Slide 7">
-    <p:bg>
-      <p:bgPr>
-        <a:solidFill>
-          <a:srgbClr val="FFFFFF"/>
-        </a:solidFill>
-        <a:effectLst/>
-      </p:bgPr>
-    </p:bg>
-    <p:spTree>
-      <p:nvGrpSpPr>
-        <p:cNvPr id="1" name=""/>
-        <p:cNvGrpSpPr/>
-        <p:nvPr/>
-      </p:nvGrpSpPr>
-      <p:grpSpPr>
-        <a:xfrm>
-          <a:off x="0" y="0"/>
-          <a:ext cx="0" cy="0"/>
-          <a:chOff x="0" y="0"/>
-          <a:chExt cx="0" cy="0"/>
-        </a:xfrm>
-      </p:grpSpPr>
-      <p:pic>
-        <p:nvPicPr>
-          <p:cNvPr id="2" name="Object 1"/>
-          <p:cNvPicPr>
-            <a:picLocks noChangeAspect="1"/>
-          </p:cNvPicPr>
-          <p:nvPr/>
-        </p:nvPicPr>
-        <p:blipFill>
-          <a:blip r:embed="rId2" cstate="print"/>
-          <a:stretch>
-            <a:fillRect/>
-          </a:stretch>
-        </p:blipFill>
-        <p:spPr>
-          <a:xfrm>
-            <a:off x="509722" y="409250"/>
-            <a:ext cx="9814499" cy="1674747"/>
-          </a:xfrm>
-          <a:prstGeom prst="rect">
-            <a:avLst/>
-          </a:prstGeom>
-        </p:spPr>
-      </p:pic>
-      <p:grpSp>
-        <p:nvGrpSpPr>
-          <p:cNvPr id="1001" name="그룹 1001"/>
-          <p:cNvGrpSpPr/>
-          <p:nvPr/>
-        </p:nvGrpSpPr>
-        <p:grpSpPr>
-          <a:xfrm>
-            <a:off x="-57143" y="1685430"/>
-            <a:ext cx="18394831" cy="14286"/>
-            <a:chOff x="-57143" y="1685430"/>
-            <a:chExt cx="18394831" cy="14286"/>
-          </a:xfrm>
-        </p:grpSpPr>
-        <p:pic>
-          <p:nvPicPr>
-            <p:cNvPr id="4" name="Object 3"/>
-            <p:cNvPicPr>
-              <a:picLocks noChangeAspect="1"/>
-            </p:cNvPicPr>
-            <p:nvPr/>
-          </p:nvPicPr>
-          <p:blipFill>
-            <a:blip r:embed="rId3" cstate="print"/>
-            <a:stretch>
-              <a:fillRect/>
-            </a:stretch>
-          </p:blipFill>
-          <p:spPr>
-            <a:xfrm>
-              <a:off x="-57143" y="1685430"/>
-              <a:ext cx="18394831" cy="14286"/>
-            </a:xfrm>
-            <a:prstGeom prst="rect">
-              <a:avLst/>
-            </a:prstGeom>
-          </p:spPr>
-        </p:pic>
-      </p:grpSp>
-      <p:pic>
-        <p:nvPicPr>
-          <p:cNvPr id="6" name="Object 5"/>
-          <p:cNvPicPr>
-            <a:picLocks noChangeAspect="1"/>
-          </p:cNvPicPr>
-          <p:nvPr/>
-        </p:nvPicPr>
-        <p:blipFill>
-          <a:blip r:embed="rId4" cstate="print"/>
-          <a:stretch>
-            <a:fillRect/>
-          </a:stretch>
-        </p:blipFill>
-        <p:spPr>
-          <a:xfrm>
-            <a:off x="10051335" y="1085449"/>
-            <a:ext cx="5857642" cy="663899"/>
-          </a:xfrm>
-          <a:prstGeom prst="rect">
-            <a:avLst/>
-          </a:prstGeom>
-        </p:spPr>
-      </p:pic>
-      <p:grpSp>
-        <p:nvGrpSpPr>
-          <p:cNvPr id="1002" name="그룹 1002"/>
-          <p:cNvGrpSpPr/>
-          <p:nvPr/>
-        </p:nvGrpSpPr>
-        <p:grpSpPr>
-          <a:xfrm>
-            <a:off x="652575" y="1896457"/>
-            <a:ext cx="14381616" cy="7733690"/>
-            <a:chOff x="652575" y="1896457"/>
-            <a:chExt cx="14381616" cy="7733690"/>
-          </a:xfrm>
-        </p:grpSpPr>
-        <p:pic>
-          <p:nvPicPr>
-            <p:cNvPr id="8" name="Object 7"/>
-            <p:cNvPicPr>
-              <a:picLocks noChangeAspect="1"/>
-            </p:cNvPicPr>
-            <p:nvPr/>
-          </p:nvPicPr>
-          <p:blipFill>
-            <a:blip r:embed="rId5" cstate="print"/>
-            <a:stretch>
-              <a:fillRect/>
-            </a:stretch>
-          </p:blipFill>
-          <p:spPr>
-            <a:xfrm>
-              <a:off x="652575" y="1896457"/>
-              <a:ext cx="14381616" cy="7733690"/>
-            </a:xfrm>
-            <a:prstGeom prst="rect">
-              <a:avLst/>
-            </a:prstGeom>
-          </p:spPr>
-        </p:pic>
-      </p:grpSp>
-    </p:spTree>
-  </p:cSld>
-  <p:clrMapOvr>
-    <a:masterClrMapping/>
-  </p:clrMapOvr>
-</p:sld>
-</file>
-
-<file path=ppt/slides/slide8.xml><?xml version="1.0" encoding="utf-8"?>
-<p:sld xmlns:a="http://schemas.openxmlformats.org/drawingml/2006/main" xmlns:r="http://schemas.openxmlformats.org/officeDocument/2006/relationships" xmlns:p="http://schemas.openxmlformats.org/presentationml/2006/main">
-  <p:cSld name="Slide 8">
-    <p:bg>
-      <p:bgPr>
-        <a:solidFill>
-          <a:srgbClr val="FFFFFF"/>
-        </a:solidFill>
-        <a:effectLst/>
-      </p:bgPr>
-    </p:bg>
-    <p:spTree>
-      <p:nvGrpSpPr>
-        <p:cNvPr id="1" name=""/>
-        <p:cNvGrpSpPr/>
-        <p:nvPr/>
-      </p:nvGrpSpPr>
-      <p:grpSpPr>
-        <a:xfrm>
-          <a:off x="0" y="0"/>
-          <a:ext cx="0" cy="0"/>
-          <a:chOff x="0" y="0"/>
-          <a:chExt cx="0" cy="0"/>
-        </a:xfrm>
-      </p:grpSpPr>
-      <p:pic>
-        <p:nvPicPr>
-          <p:cNvPr id="2" name="Object 1"/>
-          <p:cNvPicPr>
-            <a:picLocks noChangeAspect="1"/>
-          </p:cNvPicPr>
-          <p:nvPr/>
-        </p:nvPicPr>
-        <p:blipFill>
-          <a:blip r:embed="rId2" cstate="print"/>
-          <a:stretch>
-            <a:fillRect/>
-          </a:stretch>
-        </p:blipFill>
-        <p:spPr>
-          <a:xfrm>
-            <a:off x="509722" y="409250"/>
-            <a:ext cx="9814499" cy="1674747"/>
-          </a:xfrm>
-          <a:prstGeom prst="rect">
-            <a:avLst/>
-          </a:prstGeom>
-        </p:spPr>
-      </p:pic>
-      <p:grpSp>
-        <p:nvGrpSpPr>
-          <p:cNvPr id="1001" name="그룹 1001"/>
-          <p:cNvGrpSpPr/>
-          <p:nvPr/>
-        </p:nvGrpSpPr>
-        <p:grpSpPr>
-          <a:xfrm>
-            <a:off x="-57143" y="1685430"/>
-            <a:ext cx="18394831" cy="14286"/>
-            <a:chOff x="-57143" y="1685430"/>
-            <a:chExt cx="18394831" cy="14286"/>
-          </a:xfrm>
-        </p:grpSpPr>
-        <p:pic>
-          <p:nvPicPr>
-            <p:cNvPr id="4" name="Object 3"/>
-            <p:cNvPicPr>
-              <a:picLocks noChangeAspect="1"/>
-            </p:cNvPicPr>
-            <p:nvPr/>
-          </p:nvPicPr>
-          <p:blipFill>
-            <a:blip r:embed="rId3" cstate="print"/>
-            <a:stretch>
-              <a:fillRect/>
-            </a:stretch>
-          </p:blipFill>
-          <p:spPr>
-            <a:xfrm>
-              <a:off x="-57143" y="1685430"/>
-              <a:ext cx="18394831" cy="14286"/>
-            </a:xfrm>
-            <a:prstGeom prst="rect">
-              <a:avLst/>
-            </a:prstGeom>
-          </p:spPr>
-        </p:pic>
-      </p:grpSp>
-      <p:pic>
-        <p:nvPicPr>
-          <p:cNvPr id="6" name="Object 5"/>
-          <p:cNvPicPr>
-            <a:picLocks noChangeAspect="1"/>
-          </p:cNvPicPr>
-          <p:nvPr/>
-        </p:nvPicPr>
-        <p:blipFill>
-          <a:blip r:embed="rId4" cstate="print"/>
-          <a:stretch>
-            <a:fillRect/>
-          </a:stretch>
-        </p:blipFill>
-        <p:spPr>
-          <a:xfrm>
-            <a:off x="10051335" y="1085449"/>
-            <a:ext cx="5863356" cy="663899"/>
-          </a:xfrm>
-          <a:prstGeom prst="rect">
-            <a:avLst/>
-          </a:prstGeom>
-        </p:spPr>
-      </p:pic>
-      <p:grpSp>
-        <p:nvGrpSpPr>
-          <p:cNvPr id="1002" name="그룹 1002"/>
-          <p:cNvGrpSpPr/>
-          <p:nvPr/>
-        </p:nvGrpSpPr>
-        <p:grpSpPr>
-          <a:xfrm>
-            <a:off x="652575" y="2277410"/>
-            <a:ext cx="15201930" cy="6489618"/>
-            <a:chOff x="652575" y="2277410"/>
-            <a:chExt cx="15201930" cy="6489618"/>
-          </a:xfrm>
-        </p:grpSpPr>
-        <p:pic>
-          <p:nvPicPr>
-            <p:cNvPr id="8" name="Object 7"/>
-            <p:cNvPicPr>
-              <a:picLocks noChangeAspect="1"/>
-            </p:cNvPicPr>
-            <p:nvPr/>
-          </p:nvPicPr>
-          <p:blipFill>
-            <a:blip r:embed="rId5" cstate="print"/>
-            <a:stretch>
-              <a:fillRect/>
-            </a:stretch>
-          </p:blipFill>
-          <p:spPr>
-            <a:xfrm>
-              <a:off x="652575" y="2277410"/>
-              <a:ext cx="15201930" cy="6489618"/>
-            </a:xfrm>
-            <a:prstGeom prst="rect">
-              <a:avLst/>
-            </a:prstGeom>
-          </p:spPr>
-        </p:pic>
-      </p:grpSp>
-    </p:spTree>
-  </p:cSld>
-  <p:clrMapOvr>
-    <a:masterClrMapping/>
-  </p:clrMapOvr>
-</p:sld>
-</file>
-
-<file path=ppt/slides/slide9.xml><?xml version="1.0" encoding="utf-8"?>
-<p:sld xmlns:a="http://schemas.openxmlformats.org/drawingml/2006/main" xmlns:r="http://schemas.openxmlformats.org/officeDocument/2006/relationships" xmlns:p="http://schemas.openxmlformats.org/presentationml/2006/main">
-  <p:cSld name="Slide 9">
+  <p:cSld name="Slide 10">
     <p:bg>
       <p:bgPr>
         <a:solidFill>
@@ -4916,7 +3399,7 @@
           <p:spPr>
             <a:xfrm>
               <a:off x="2477240" y="3977563"/>
-              <a:ext cx="4809194" cy="1278384"/>
+              <a:ext cx="4809441" cy="1846775"/>
             </a:xfrm>
             <a:prstGeom prst="rect">
               <a:avLst/>
@@ -5256,6 +3739,2418 @@
 </p:sld>
 </file>
 
+<file path=ppt/slides/slide2.xml><?xml version="1.0" encoding="utf-8"?>
+<p:sld xmlns:a="http://schemas.openxmlformats.org/drawingml/2006/main" xmlns:r="http://schemas.openxmlformats.org/officeDocument/2006/relationships" xmlns:p="http://schemas.openxmlformats.org/presentationml/2006/main">
+  <p:cSld name="Slide 2">
+    <p:bg>
+      <p:bgPr>
+        <a:solidFill>
+          <a:srgbClr val="FFFFFF"/>
+        </a:solidFill>
+        <a:effectLst/>
+      </p:bgPr>
+    </p:bg>
+    <p:spTree>
+      <p:nvGrpSpPr>
+        <p:cNvPr id="1" name=""/>
+        <p:cNvGrpSpPr/>
+        <p:nvPr/>
+      </p:nvGrpSpPr>
+      <p:grpSpPr>
+        <a:xfrm>
+          <a:off x="0" y="0"/>
+          <a:ext cx="0" cy="0"/>
+          <a:chOff x="0" y="0"/>
+          <a:chExt cx="0" cy="0"/>
+        </a:xfrm>
+      </p:grpSpPr>
+      <p:grpSp>
+        <p:nvGrpSpPr>
+          <p:cNvPr id="1001" name="그룹 1001"/>
+          <p:cNvGrpSpPr/>
+          <p:nvPr/>
+        </p:nvGrpSpPr>
+        <p:grpSpPr>
+          <a:xfrm>
+            <a:off x="9637948" y="4401880"/>
+            <a:ext cx="7074958" cy="2932271"/>
+            <a:chOff x="9637948" y="4401880"/>
+            <a:chExt cx="7074958" cy="2932271"/>
+          </a:xfrm>
+        </p:grpSpPr>
+        <p:grpSp>
+          <p:nvGrpSpPr>
+            <p:cNvPr id="1002" name="그룹 1002"/>
+            <p:cNvGrpSpPr/>
+            <p:nvPr/>
+          </p:nvGrpSpPr>
+          <p:grpSpPr>
+            <a:xfrm>
+              <a:off x="9888199" y="6745030"/>
+              <a:ext cx="1895563" cy="589121"/>
+              <a:chOff x="9888199" y="6745030"/>
+              <a:chExt cx="1895563" cy="589121"/>
+            </a:xfrm>
+          </p:grpSpPr>
+          <p:pic>
+            <p:nvPicPr>
+              <p:cNvPr id="4" name="Object 3"/>
+              <p:cNvPicPr>
+                <a:picLocks noChangeAspect="1"/>
+              </p:cNvPicPr>
+              <p:nvPr/>
+            </p:nvPicPr>
+            <p:blipFill>
+              <a:blip r:embed="rId2" cstate="print"/>
+              <a:stretch>
+                <a:fillRect/>
+              </a:stretch>
+            </p:blipFill>
+            <p:spPr>
+              <a:xfrm>
+                <a:off x="9888199" y="6745030"/>
+                <a:ext cx="1895563" cy="589121"/>
+              </a:xfrm>
+              <a:prstGeom prst="rect">
+                <a:avLst/>
+              </a:prstGeom>
+            </p:spPr>
+          </p:pic>
+        </p:grpSp>
+        <p:grpSp>
+          <p:nvGrpSpPr>
+            <p:cNvPr id="1003" name="그룹 1003"/>
+            <p:cNvGrpSpPr/>
+            <p:nvPr/>
+          </p:nvGrpSpPr>
+          <p:grpSpPr>
+            <a:xfrm>
+              <a:off x="9637948" y="5017460"/>
+              <a:ext cx="5344909" cy="589121"/>
+              <a:chOff x="9637948" y="5017460"/>
+              <a:chExt cx="5344909" cy="589121"/>
+            </a:xfrm>
+          </p:grpSpPr>
+          <p:pic>
+            <p:nvPicPr>
+              <p:cNvPr id="7" name="Object 6"/>
+              <p:cNvPicPr>
+                <a:picLocks noChangeAspect="1"/>
+              </p:cNvPicPr>
+              <p:nvPr/>
+            </p:nvPicPr>
+            <p:blipFill>
+              <a:blip r:embed="rId3" cstate="print"/>
+              <a:stretch>
+                <a:fillRect/>
+              </a:stretch>
+            </p:blipFill>
+            <p:spPr>
+              <a:xfrm>
+                <a:off x="9637948" y="5017460"/>
+                <a:ext cx="5344909" cy="589121"/>
+              </a:xfrm>
+              <a:prstGeom prst="rect">
+                <a:avLst/>
+              </a:prstGeom>
+            </p:spPr>
+          </p:pic>
+        </p:grpSp>
+        <p:pic>
+          <p:nvPicPr>
+            <p:cNvPr id="9" name="Object 8"/>
+            <p:cNvPicPr>
+              <a:picLocks noChangeAspect="1"/>
+            </p:cNvPicPr>
+            <p:nvPr/>
+          </p:nvPicPr>
+          <p:blipFill>
+            <a:blip r:embed="rId4" cstate="print"/>
+            <a:stretch>
+              <a:fillRect/>
+            </a:stretch>
+          </p:blipFill>
+          <p:spPr>
+            <a:xfrm>
+              <a:off x="9565899" y="4329831"/>
+              <a:ext cx="7158748" cy="3139053"/>
+            </a:xfrm>
+            <a:prstGeom prst="rect">
+              <a:avLst/>
+            </a:prstGeom>
+          </p:spPr>
+        </p:pic>
+      </p:grpSp>
+      <p:grpSp>
+        <p:nvGrpSpPr>
+          <p:cNvPr id="1004" name="그룹 1004"/>
+          <p:cNvGrpSpPr/>
+          <p:nvPr/>
+        </p:nvGrpSpPr>
+        <p:grpSpPr>
+          <a:xfrm>
+            <a:off x="3965453" y="3439995"/>
+            <a:ext cx="4117708" cy="3405725"/>
+            <a:chOff x="3965453" y="3439995"/>
+            <a:chExt cx="4117708" cy="3405725"/>
+          </a:xfrm>
+        </p:grpSpPr>
+        <p:pic>
+          <p:nvPicPr>
+            <p:cNvPr id="12" name="Object 11"/>
+            <p:cNvPicPr>
+              <a:picLocks noChangeAspect="1"/>
+            </p:cNvPicPr>
+            <p:nvPr/>
+          </p:nvPicPr>
+          <p:blipFill>
+            <a:blip r:embed="rId5" cstate="print"/>
+            <a:stretch>
+              <a:fillRect/>
+            </a:stretch>
+          </p:blipFill>
+          <p:spPr>
+            <a:xfrm>
+              <a:off x="3965453" y="3439995"/>
+              <a:ext cx="4117708" cy="3405725"/>
+            </a:xfrm>
+            <a:prstGeom prst="rect">
+              <a:avLst/>
+            </a:prstGeom>
+          </p:spPr>
+        </p:pic>
+      </p:grpSp>
+      <p:pic>
+        <p:nvPicPr>
+          <p:cNvPr id="14" name="Object 13"/>
+          <p:cNvPicPr>
+            <a:picLocks noChangeAspect="1"/>
+          </p:cNvPicPr>
+          <p:nvPr/>
+        </p:nvPicPr>
+        <p:blipFill>
+          <a:blip r:embed="rId6" cstate="print"/>
+          <a:stretch>
+            <a:fillRect/>
+          </a:stretch>
+        </p:blipFill>
+        <p:spPr>
+          <a:xfrm>
+            <a:off x="509722" y="409250"/>
+            <a:ext cx="9814499" cy="1674747"/>
+          </a:xfrm>
+          <a:prstGeom prst="rect">
+            <a:avLst/>
+          </a:prstGeom>
+        </p:spPr>
+      </p:pic>
+      <p:grpSp>
+        <p:nvGrpSpPr>
+          <p:cNvPr id="1005" name="그룹 1005"/>
+          <p:cNvGrpSpPr/>
+          <p:nvPr/>
+        </p:nvGrpSpPr>
+        <p:grpSpPr>
+          <a:xfrm>
+            <a:off x="-57143" y="1685430"/>
+            <a:ext cx="18394831" cy="14286"/>
+            <a:chOff x="-57143" y="1685430"/>
+            <a:chExt cx="18394831" cy="14286"/>
+          </a:xfrm>
+        </p:grpSpPr>
+        <p:pic>
+          <p:nvPicPr>
+            <p:cNvPr id="16" name="Object 15"/>
+            <p:cNvPicPr>
+              <a:picLocks noChangeAspect="1"/>
+            </p:cNvPicPr>
+            <p:nvPr/>
+          </p:nvPicPr>
+          <p:blipFill>
+            <a:blip r:embed="rId7" cstate="print"/>
+            <a:stretch>
+              <a:fillRect/>
+            </a:stretch>
+          </p:blipFill>
+          <p:spPr>
+            <a:xfrm>
+              <a:off x="-57143" y="1685430"/>
+              <a:ext cx="18394831" cy="14286"/>
+            </a:xfrm>
+            <a:prstGeom prst="rect">
+              <a:avLst/>
+            </a:prstGeom>
+          </p:spPr>
+        </p:pic>
+      </p:grpSp>
+      <p:pic>
+        <p:nvPicPr>
+          <p:cNvPr id="18" name="Object 17"/>
+          <p:cNvPicPr>
+            <a:picLocks noChangeAspect="1"/>
+          </p:cNvPicPr>
+          <p:nvPr/>
+        </p:nvPicPr>
+        <p:blipFill>
+          <a:blip r:embed="rId8" cstate="print"/>
+          <a:stretch>
+            <a:fillRect/>
+          </a:stretch>
+        </p:blipFill>
+        <p:spPr>
+          <a:xfrm>
+            <a:off x="10051335" y="1085449"/>
+            <a:ext cx="3044870" cy="662556"/>
+          </a:xfrm>
+          <a:prstGeom prst="rect">
+            <a:avLst/>
+          </a:prstGeom>
+        </p:spPr>
+      </p:pic>
+      <p:grpSp>
+        <p:nvGrpSpPr>
+          <p:cNvPr id="1006" name="그룹 1006"/>
+          <p:cNvGrpSpPr/>
+          <p:nvPr/>
+        </p:nvGrpSpPr>
+        <p:grpSpPr>
+          <a:xfrm>
+            <a:off x="4612265" y="4114799"/>
+            <a:ext cx="1341081" cy="1341081"/>
+            <a:chOff x="4612265" y="4114799"/>
+            <a:chExt cx="1341081" cy="1341081"/>
+          </a:xfrm>
+        </p:grpSpPr>
+        <p:pic>
+          <p:nvPicPr>
+            <p:cNvPr id="20" name="Object 19"/>
+            <p:cNvPicPr>
+              <a:picLocks noChangeAspect="1"/>
+            </p:cNvPicPr>
+            <p:nvPr/>
+          </p:nvPicPr>
+          <p:blipFill>
+            <a:blip r:embed="rId9" cstate="print"/>
+            <a:stretch>
+              <a:fillRect/>
+            </a:stretch>
+          </p:blipFill>
+          <p:spPr>
+            <a:xfrm rot="-900000">
+              <a:off x="4612265" y="4114799"/>
+              <a:ext cx="1341081" cy="1341081"/>
+            </a:xfrm>
+            <a:prstGeom prst="rect">
+              <a:avLst/>
+            </a:prstGeom>
+          </p:spPr>
+        </p:pic>
+      </p:grpSp>
+      <p:grpSp>
+        <p:nvGrpSpPr>
+          <p:cNvPr id="1007" name="그룹 1007"/>
+          <p:cNvGrpSpPr/>
+          <p:nvPr/>
+        </p:nvGrpSpPr>
+        <p:grpSpPr>
+          <a:xfrm>
+            <a:off x="1013590" y="6373574"/>
+            <a:ext cx="3216874" cy="3216874"/>
+            <a:chOff x="1013590" y="6373574"/>
+            <a:chExt cx="3216874" cy="3216874"/>
+          </a:xfrm>
+        </p:grpSpPr>
+        <p:pic>
+          <p:nvPicPr>
+            <p:cNvPr id="23" name="Object 22"/>
+            <p:cNvPicPr>
+              <a:picLocks noChangeAspect="1"/>
+            </p:cNvPicPr>
+            <p:nvPr/>
+          </p:nvPicPr>
+          <p:blipFill>
+            <a:blip r:embed="rId10" cstate="print"/>
+            <a:stretch>
+              <a:fillRect/>
+            </a:stretch>
+          </p:blipFill>
+          <p:spPr>
+            <a:xfrm>
+              <a:off x="1013590" y="6373574"/>
+              <a:ext cx="3216874" cy="3216874"/>
+            </a:xfrm>
+            <a:prstGeom prst="rect">
+              <a:avLst/>
+            </a:prstGeom>
+          </p:spPr>
+        </p:pic>
+      </p:grpSp>
+      <p:grpSp>
+        <p:nvGrpSpPr>
+          <p:cNvPr id="1008" name="그룹 1008"/>
+          <p:cNvGrpSpPr/>
+          <p:nvPr/>
+        </p:nvGrpSpPr>
+        <p:grpSpPr>
+          <a:xfrm>
+            <a:off x="6041061" y="4055895"/>
+            <a:ext cx="1523433" cy="1523433"/>
+            <a:chOff x="6041061" y="4055895"/>
+            <a:chExt cx="1523433" cy="1523433"/>
+          </a:xfrm>
+        </p:grpSpPr>
+        <p:pic>
+          <p:nvPicPr>
+            <p:cNvPr id="26" name="Object 25"/>
+            <p:cNvPicPr>
+              <a:picLocks noChangeAspect="1"/>
+            </p:cNvPicPr>
+            <p:nvPr/>
+          </p:nvPicPr>
+          <p:blipFill>
+            <a:blip r:embed="rId11" cstate="print"/>
+            <a:stretch>
+              <a:fillRect/>
+            </a:stretch>
+          </p:blipFill>
+          <p:spPr>
+            <a:xfrm rot="1380000">
+              <a:off x="6041061" y="4055895"/>
+              <a:ext cx="1523433" cy="1523433"/>
+            </a:xfrm>
+            <a:prstGeom prst="rect">
+              <a:avLst/>
+            </a:prstGeom>
+          </p:spPr>
+        </p:pic>
+      </p:grpSp>
+    </p:spTree>
+  </p:cSld>
+  <p:clrMapOvr>
+    <a:masterClrMapping/>
+  </p:clrMapOvr>
+</p:sld>
+</file>
+
+<file path=ppt/slides/slide3.xml><?xml version="1.0" encoding="utf-8"?>
+<p:sld xmlns:a="http://schemas.openxmlformats.org/drawingml/2006/main" xmlns:r="http://schemas.openxmlformats.org/officeDocument/2006/relationships" xmlns:p="http://schemas.openxmlformats.org/presentationml/2006/main">
+  <p:cSld name="Slide 3">
+    <p:bg>
+      <p:bgPr>
+        <a:solidFill>
+          <a:srgbClr val="FFFFFF"/>
+        </a:solidFill>
+        <a:effectLst/>
+      </p:bgPr>
+    </p:bg>
+    <p:spTree>
+      <p:nvGrpSpPr>
+        <p:cNvPr id="1" name=""/>
+        <p:cNvGrpSpPr/>
+        <p:nvPr/>
+      </p:nvGrpSpPr>
+      <p:grpSpPr>
+        <a:xfrm>
+          <a:off x="0" y="0"/>
+          <a:ext cx="0" cy="0"/>
+          <a:chOff x="0" y="0"/>
+          <a:chExt cx="0" cy="0"/>
+        </a:xfrm>
+      </p:grpSpPr>
+      <p:pic>
+        <p:nvPicPr>
+          <p:cNvPr id="2" name="Object 1"/>
+          <p:cNvPicPr>
+            <a:picLocks noChangeAspect="1"/>
+          </p:cNvPicPr>
+          <p:nvPr/>
+        </p:nvPicPr>
+        <p:blipFill>
+          <a:blip r:embed="rId2" cstate="print"/>
+          <a:stretch>
+            <a:fillRect/>
+          </a:stretch>
+        </p:blipFill>
+        <p:spPr>
+          <a:xfrm>
+            <a:off x="509722" y="409250"/>
+            <a:ext cx="9814499" cy="1674747"/>
+          </a:xfrm>
+          <a:prstGeom prst="rect">
+            <a:avLst/>
+          </a:prstGeom>
+        </p:spPr>
+      </p:pic>
+      <p:grpSp>
+        <p:nvGrpSpPr>
+          <p:cNvPr id="1001" name="그룹 1001"/>
+          <p:cNvGrpSpPr/>
+          <p:nvPr/>
+        </p:nvGrpSpPr>
+        <p:grpSpPr>
+          <a:xfrm>
+            <a:off x="-57143" y="1685430"/>
+            <a:ext cx="18394831" cy="14286"/>
+            <a:chOff x="-57143" y="1685430"/>
+            <a:chExt cx="18394831" cy="14286"/>
+          </a:xfrm>
+        </p:grpSpPr>
+        <p:pic>
+          <p:nvPicPr>
+            <p:cNvPr id="4" name="Object 3"/>
+            <p:cNvPicPr>
+              <a:picLocks noChangeAspect="1"/>
+            </p:cNvPicPr>
+            <p:nvPr/>
+          </p:nvPicPr>
+          <p:blipFill>
+            <a:blip r:embed="rId3" cstate="print"/>
+            <a:stretch>
+              <a:fillRect/>
+            </a:stretch>
+          </p:blipFill>
+          <p:spPr>
+            <a:xfrm>
+              <a:off x="-57143" y="1685430"/>
+              <a:ext cx="18394831" cy="14286"/>
+            </a:xfrm>
+            <a:prstGeom prst="rect">
+              <a:avLst/>
+            </a:prstGeom>
+          </p:spPr>
+        </p:pic>
+      </p:grpSp>
+      <p:pic>
+        <p:nvPicPr>
+          <p:cNvPr id="6" name="Object 5"/>
+          <p:cNvPicPr>
+            <a:picLocks noChangeAspect="1"/>
+          </p:cNvPicPr>
+          <p:nvPr/>
+        </p:nvPicPr>
+        <p:blipFill>
+          <a:blip r:embed="rId4" cstate="print"/>
+          <a:stretch>
+            <a:fillRect/>
+          </a:stretch>
+        </p:blipFill>
+        <p:spPr>
+          <a:xfrm>
+            <a:off x="10051335" y="1085449"/>
+            <a:ext cx="5855737" cy="663899"/>
+          </a:xfrm>
+          <a:prstGeom prst="rect">
+            <a:avLst/>
+          </a:prstGeom>
+        </p:spPr>
+      </p:pic>
+      <p:grpSp>
+        <p:nvGrpSpPr>
+          <p:cNvPr id="1002" name="그룹 1002"/>
+          <p:cNvGrpSpPr/>
+          <p:nvPr/>
+        </p:nvGrpSpPr>
+        <p:grpSpPr>
+          <a:xfrm>
+            <a:off x="652575" y="2047481"/>
+            <a:ext cx="12466770" cy="7888485"/>
+            <a:chOff x="652575" y="2047481"/>
+            <a:chExt cx="12466770" cy="7888485"/>
+          </a:xfrm>
+        </p:grpSpPr>
+        <p:pic>
+          <p:nvPicPr>
+            <p:cNvPr id="8" name="Object 7"/>
+            <p:cNvPicPr>
+              <a:picLocks noChangeAspect="1"/>
+            </p:cNvPicPr>
+            <p:nvPr/>
+          </p:nvPicPr>
+          <p:blipFill>
+            <a:blip r:embed="rId5" cstate="print"/>
+            <a:stretch>
+              <a:fillRect/>
+            </a:stretch>
+          </p:blipFill>
+          <p:spPr>
+            <a:xfrm>
+              <a:off x="652575" y="2047481"/>
+              <a:ext cx="12466770" cy="7888485"/>
+            </a:xfrm>
+            <a:prstGeom prst="rect">
+              <a:avLst/>
+            </a:prstGeom>
+          </p:spPr>
+        </p:pic>
+      </p:grpSp>
+      <p:grpSp>
+        <p:nvGrpSpPr>
+          <p:cNvPr id="1003" name="그룹 1003"/>
+          <p:cNvGrpSpPr/>
+          <p:nvPr/>
+        </p:nvGrpSpPr>
+        <p:grpSpPr>
+          <a:xfrm>
+            <a:off x="1474120" y="3213251"/>
+            <a:ext cx="6627556" cy="2103520"/>
+            <a:chOff x="1474120" y="3213251"/>
+            <a:chExt cx="6627556" cy="2103520"/>
+          </a:xfrm>
+        </p:grpSpPr>
+        <p:pic>
+          <p:nvPicPr>
+            <p:cNvPr id="11" name="Object 10"/>
+            <p:cNvPicPr>
+              <a:picLocks noChangeAspect="1"/>
+            </p:cNvPicPr>
+            <p:nvPr/>
+          </p:nvPicPr>
+          <p:blipFill>
+            <a:blip r:embed="rId6" cstate="print"/>
+            <a:stretch>
+              <a:fillRect/>
+            </a:stretch>
+          </p:blipFill>
+          <p:spPr>
+            <a:xfrm>
+              <a:off x="1474120" y="3213251"/>
+              <a:ext cx="6627556" cy="2103520"/>
+            </a:xfrm>
+            <a:prstGeom prst="rect">
+              <a:avLst/>
+            </a:prstGeom>
+          </p:spPr>
+        </p:pic>
+      </p:grpSp>
+      <p:grpSp>
+        <p:nvGrpSpPr>
+          <p:cNvPr id="1004" name="그룹 1004"/>
+          <p:cNvGrpSpPr/>
+          <p:nvPr/>
+        </p:nvGrpSpPr>
+        <p:grpSpPr>
+          <a:xfrm>
+            <a:off x="9321390" y="3453024"/>
+            <a:ext cx="8462831" cy="1623973"/>
+            <a:chOff x="9321390" y="3453024"/>
+            <a:chExt cx="8462831" cy="1623973"/>
+          </a:xfrm>
+        </p:grpSpPr>
+        <p:grpSp>
+          <p:nvGrpSpPr>
+            <p:cNvPr id="1005" name="그룹 1005"/>
+            <p:cNvGrpSpPr/>
+            <p:nvPr/>
+          </p:nvGrpSpPr>
+          <p:grpSpPr>
+            <a:xfrm>
+              <a:off x="9321390" y="3453024"/>
+              <a:ext cx="8462831" cy="1623973"/>
+              <a:chOff x="9321390" y="3453024"/>
+              <a:chExt cx="8462831" cy="1623973"/>
+            </a:xfrm>
+          </p:grpSpPr>
+          <p:pic>
+            <p:nvPicPr>
+              <p:cNvPr id="15" name="Object 14"/>
+              <p:cNvPicPr>
+                <a:picLocks noChangeAspect="1"/>
+              </p:cNvPicPr>
+              <p:nvPr/>
+            </p:nvPicPr>
+            <p:blipFill>
+              <a:blip r:embed="rId7" cstate="print"/>
+              <a:stretch>
+                <a:fillRect/>
+              </a:stretch>
+            </p:blipFill>
+            <p:spPr>
+              <a:xfrm>
+                <a:off x="9321390" y="3453024"/>
+                <a:ext cx="8462831" cy="1623973"/>
+              </a:xfrm>
+              <a:prstGeom prst="rect">
+                <a:avLst/>
+              </a:prstGeom>
+            </p:spPr>
+          </p:pic>
+        </p:grpSp>
+        <p:grpSp>
+          <p:nvGrpSpPr>
+            <p:cNvPr id="1006" name="그룹 1006"/>
+            <p:cNvGrpSpPr/>
+            <p:nvPr/>
+          </p:nvGrpSpPr>
+          <p:grpSpPr>
+            <a:xfrm>
+              <a:off x="9511516" y="3717760"/>
+              <a:ext cx="8069541" cy="1001842"/>
+              <a:chOff x="9511516" y="3717760"/>
+              <a:chExt cx="8069541" cy="1001842"/>
+            </a:xfrm>
+          </p:grpSpPr>
+          <p:pic>
+            <p:nvPicPr>
+              <p:cNvPr id="18" name="Object 17"/>
+              <p:cNvPicPr>
+                <a:picLocks noChangeAspect="1"/>
+              </p:cNvPicPr>
+              <p:nvPr/>
+            </p:nvPicPr>
+            <p:blipFill>
+              <a:blip r:embed="rId8" cstate="print"/>
+              <a:stretch>
+                <a:fillRect/>
+              </a:stretch>
+            </p:blipFill>
+            <p:spPr>
+              <a:xfrm>
+                <a:off x="9511516" y="3717760"/>
+                <a:ext cx="8069541" cy="1001842"/>
+              </a:xfrm>
+              <a:prstGeom prst="rect">
+                <a:avLst/>
+              </a:prstGeom>
+            </p:spPr>
+          </p:pic>
+        </p:grpSp>
+      </p:grpSp>
+      <p:grpSp>
+        <p:nvGrpSpPr>
+          <p:cNvPr id="1007" name="그룹 1007"/>
+          <p:cNvGrpSpPr/>
+          <p:nvPr/>
+        </p:nvGrpSpPr>
+        <p:grpSpPr>
+          <a:xfrm>
+            <a:off x="8305519" y="3832851"/>
+            <a:ext cx="837338" cy="864318"/>
+            <a:chOff x="8305519" y="3832851"/>
+            <a:chExt cx="837338" cy="864318"/>
+          </a:xfrm>
+        </p:grpSpPr>
+        <p:pic>
+          <p:nvPicPr>
+            <p:cNvPr id="22" name="Object 21"/>
+            <p:cNvPicPr>
+              <a:picLocks noChangeAspect="1"/>
+            </p:cNvPicPr>
+            <p:nvPr/>
+          </p:nvPicPr>
+          <p:blipFill>
+            <a:blip r:embed="rId9" cstate="print"/>
+            <a:stretch>
+              <a:fillRect/>
+            </a:stretch>
+          </p:blipFill>
+          <p:spPr>
+            <a:xfrm>
+              <a:off x="8305519" y="3832851"/>
+              <a:ext cx="837338" cy="864318"/>
+            </a:xfrm>
+            <a:prstGeom prst="rect">
+              <a:avLst/>
+            </a:prstGeom>
+          </p:spPr>
+        </p:pic>
+      </p:grpSp>
+    </p:spTree>
+  </p:cSld>
+  <p:clrMapOvr>
+    <a:masterClrMapping/>
+  </p:clrMapOvr>
+</p:sld>
+</file>
+
+<file path=ppt/slides/slide4.xml><?xml version="1.0" encoding="utf-8"?>
+<p:sld xmlns:a="http://schemas.openxmlformats.org/drawingml/2006/main" xmlns:r="http://schemas.openxmlformats.org/officeDocument/2006/relationships" xmlns:p="http://schemas.openxmlformats.org/presentationml/2006/main">
+  <p:cSld name="Slide 4">
+    <p:bg>
+      <p:bgPr>
+        <a:solidFill>
+          <a:srgbClr val="FFFFFF"/>
+        </a:solidFill>
+        <a:effectLst/>
+      </p:bgPr>
+    </p:bg>
+    <p:spTree>
+      <p:nvGrpSpPr>
+        <p:cNvPr id="1" name=""/>
+        <p:cNvGrpSpPr/>
+        <p:nvPr/>
+      </p:nvGrpSpPr>
+      <p:grpSpPr>
+        <a:xfrm>
+          <a:off x="0" y="0"/>
+          <a:ext cx="0" cy="0"/>
+          <a:chOff x="0" y="0"/>
+          <a:chExt cx="0" cy="0"/>
+        </a:xfrm>
+      </p:grpSpPr>
+      <p:pic>
+        <p:nvPicPr>
+          <p:cNvPr id="2" name="Object 1"/>
+          <p:cNvPicPr>
+            <a:picLocks noChangeAspect="1"/>
+          </p:cNvPicPr>
+          <p:nvPr/>
+        </p:nvPicPr>
+        <p:blipFill>
+          <a:blip r:embed="rId2" cstate="print"/>
+          <a:stretch>
+            <a:fillRect/>
+          </a:stretch>
+        </p:blipFill>
+        <p:spPr>
+          <a:xfrm>
+            <a:off x="509722" y="409250"/>
+            <a:ext cx="9814499" cy="1674747"/>
+          </a:xfrm>
+          <a:prstGeom prst="rect">
+            <a:avLst/>
+          </a:prstGeom>
+        </p:spPr>
+      </p:pic>
+      <p:grpSp>
+        <p:nvGrpSpPr>
+          <p:cNvPr id="1001" name="그룹 1001"/>
+          <p:cNvGrpSpPr/>
+          <p:nvPr/>
+        </p:nvGrpSpPr>
+        <p:grpSpPr>
+          <a:xfrm>
+            <a:off x="-57143" y="1685430"/>
+            <a:ext cx="18394831" cy="14286"/>
+            <a:chOff x="-57143" y="1685430"/>
+            <a:chExt cx="18394831" cy="14286"/>
+          </a:xfrm>
+        </p:grpSpPr>
+        <p:pic>
+          <p:nvPicPr>
+            <p:cNvPr id="4" name="Object 3"/>
+            <p:cNvPicPr>
+              <a:picLocks noChangeAspect="1"/>
+            </p:cNvPicPr>
+            <p:nvPr/>
+          </p:nvPicPr>
+          <p:blipFill>
+            <a:blip r:embed="rId3" cstate="print"/>
+            <a:stretch>
+              <a:fillRect/>
+            </a:stretch>
+          </p:blipFill>
+          <p:spPr>
+            <a:xfrm>
+              <a:off x="-57143" y="1685430"/>
+              <a:ext cx="18394831" cy="14286"/>
+            </a:xfrm>
+            <a:prstGeom prst="rect">
+              <a:avLst/>
+            </a:prstGeom>
+          </p:spPr>
+        </p:pic>
+      </p:grpSp>
+      <p:pic>
+        <p:nvPicPr>
+          <p:cNvPr id="6" name="Object 5"/>
+          <p:cNvPicPr>
+            <a:picLocks noChangeAspect="1"/>
+          </p:cNvPicPr>
+          <p:nvPr/>
+        </p:nvPicPr>
+        <p:blipFill>
+          <a:blip r:embed="rId4" cstate="print"/>
+          <a:stretch>
+            <a:fillRect/>
+          </a:stretch>
+        </p:blipFill>
+        <p:spPr>
+          <a:xfrm>
+            <a:off x="10051335" y="1085449"/>
+            <a:ext cx="5857642" cy="663899"/>
+          </a:xfrm>
+          <a:prstGeom prst="rect">
+            <a:avLst/>
+          </a:prstGeom>
+        </p:spPr>
+      </p:pic>
+      <p:grpSp>
+        <p:nvGrpSpPr>
+          <p:cNvPr id="1002" name="그룹 1002"/>
+          <p:cNvGrpSpPr/>
+          <p:nvPr/>
+        </p:nvGrpSpPr>
+        <p:grpSpPr>
+          <a:xfrm>
+            <a:off x="652575" y="1875211"/>
+            <a:ext cx="15205428" cy="8050966"/>
+            <a:chOff x="652575" y="1875211"/>
+            <a:chExt cx="15205428" cy="8050966"/>
+          </a:xfrm>
+        </p:grpSpPr>
+        <p:pic>
+          <p:nvPicPr>
+            <p:cNvPr id="8" name="Object 7"/>
+            <p:cNvPicPr>
+              <a:picLocks noChangeAspect="1"/>
+            </p:cNvPicPr>
+            <p:nvPr/>
+          </p:nvPicPr>
+          <p:blipFill>
+            <a:blip r:embed="rId5" cstate="print"/>
+            <a:stretch>
+              <a:fillRect/>
+            </a:stretch>
+          </p:blipFill>
+          <p:spPr>
+            <a:xfrm>
+              <a:off x="652575" y="1875211"/>
+              <a:ext cx="15205428" cy="8050966"/>
+            </a:xfrm>
+            <a:prstGeom prst="rect">
+              <a:avLst/>
+            </a:prstGeom>
+          </p:spPr>
+        </p:pic>
+      </p:grpSp>
+    </p:spTree>
+  </p:cSld>
+  <p:clrMapOvr>
+    <a:masterClrMapping/>
+  </p:clrMapOvr>
+</p:sld>
+</file>
+
+<file path=ppt/slides/slide5.xml><?xml version="1.0" encoding="utf-8"?>
+<p:sld xmlns:a="http://schemas.openxmlformats.org/drawingml/2006/main" xmlns:r="http://schemas.openxmlformats.org/officeDocument/2006/relationships" xmlns:p="http://schemas.openxmlformats.org/presentationml/2006/main">
+  <p:cSld name="Slide 5">
+    <p:bg>
+      <p:bgPr>
+        <a:solidFill>
+          <a:srgbClr val="FFFFFF"/>
+        </a:solidFill>
+        <a:effectLst/>
+      </p:bgPr>
+    </p:bg>
+    <p:spTree>
+      <p:nvGrpSpPr>
+        <p:cNvPr id="1" name=""/>
+        <p:cNvGrpSpPr/>
+        <p:nvPr/>
+      </p:nvGrpSpPr>
+      <p:grpSpPr>
+        <a:xfrm>
+          <a:off x="0" y="0"/>
+          <a:ext cx="0" cy="0"/>
+          <a:chOff x="0" y="0"/>
+          <a:chExt cx="0" cy="0"/>
+        </a:xfrm>
+      </p:grpSpPr>
+      <p:pic>
+        <p:nvPicPr>
+          <p:cNvPr id="2" name="Object 1"/>
+          <p:cNvPicPr>
+            <a:picLocks noChangeAspect="1"/>
+          </p:cNvPicPr>
+          <p:nvPr/>
+        </p:nvPicPr>
+        <p:blipFill>
+          <a:blip r:embed="rId2" cstate="print"/>
+          <a:stretch>
+            <a:fillRect/>
+          </a:stretch>
+        </p:blipFill>
+        <p:spPr>
+          <a:xfrm>
+            <a:off x="509722" y="409250"/>
+            <a:ext cx="9814499" cy="1674747"/>
+          </a:xfrm>
+          <a:prstGeom prst="rect">
+            <a:avLst/>
+          </a:prstGeom>
+        </p:spPr>
+      </p:pic>
+      <p:grpSp>
+        <p:nvGrpSpPr>
+          <p:cNvPr id="1001" name="그룹 1001"/>
+          <p:cNvGrpSpPr/>
+          <p:nvPr/>
+        </p:nvGrpSpPr>
+        <p:grpSpPr>
+          <a:xfrm>
+            <a:off x="-57143" y="1685430"/>
+            <a:ext cx="18394831" cy="14286"/>
+            <a:chOff x="-57143" y="1685430"/>
+            <a:chExt cx="18394831" cy="14286"/>
+          </a:xfrm>
+        </p:grpSpPr>
+        <p:pic>
+          <p:nvPicPr>
+            <p:cNvPr id="4" name="Object 3"/>
+            <p:cNvPicPr>
+              <a:picLocks noChangeAspect="1"/>
+            </p:cNvPicPr>
+            <p:nvPr/>
+          </p:nvPicPr>
+          <p:blipFill>
+            <a:blip r:embed="rId3" cstate="print"/>
+            <a:stretch>
+              <a:fillRect/>
+            </a:stretch>
+          </p:blipFill>
+          <p:spPr>
+            <a:xfrm>
+              <a:off x="-57143" y="1685430"/>
+              <a:ext cx="18394831" cy="14286"/>
+            </a:xfrm>
+            <a:prstGeom prst="rect">
+              <a:avLst/>
+            </a:prstGeom>
+          </p:spPr>
+        </p:pic>
+      </p:grpSp>
+      <p:pic>
+        <p:nvPicPr>
+          <p:cNvPr id="6" name="Object 5"/>
+          <p:cNvPicPr>
+            <a:picLocks noChangeAspect="1"/>
+          </p:cNvPicPr>
+          <p:nvPr/>
+        </p:nvPicPr>
+        <p:blipFill>
+          <a:blip r:embed="rId4" cstate="print"/>
+          <a:stretch>
+            <a:fillRect/>
+          </a:stretch>
+        </p:blipFill>
+        <p:spPr>
+          <a:xfrm>
+            <a:off x="10051335" y="1085449"/>
+            <a:ext cx="5855737" cy="663899"/>
+          </a:xfrm>
+          <a:prstGeom prst="rect">
+            <a:avLst/>
+          </a:prstGeom>
+        </p:spPr>
+      </p:pic>
+      <p:grpSp>
+        <p:nvGrpSpPr>
+          <p:cNvPr id="1002" name="그룹 1002"/>
+          <p:cNvGrpSpPr/>
+          <p:nvPr/>
+        </p:nvGrpSpPr>
+        <p:grpSpPr>
+          <a:xfrm>
+            <a:off x="652575" y="2376785"/>
+            <a:ext cx="15059252" cy="6264649"/>
+            <a:chOff x="652575" y="2376785"/>
+            <a:chExt cx="15059252" cy="6264649"/>
+          </a:xfrm>
+        </p:grpSpPr>
+        <p:pic>
+          <p:nvPicPr>
+            <p:cNvPr id="8" name="Object 7"/>
+            <p:cNvPicPr>
+              <a:picLocks noChangeAspect="1"/>
+            </p:cNvPicPr>
+            <p:nvPr/>
+          </p:nvPicPr>
+          <p:blipFill>
+            <a:blip r:embed="rId5" cstate="print"/>
+            <a:stretch>
+              <a:fillRect/>
+            </a:stretch>
+          </p:blipFill>
+          <p:spPr>
+            <a:xfrm>
+              <a:off x="652575" y="2376785"/>
+              <a:ext cx="15059252" cy="6264649"/>
+            </a:xfrm>
+            <a:prstGeom prst="rect">
+              <a:avLst/>
+            </a:prstGeom>
+          </p:spPr>
+        </p:pic>
+      </p:grpSp>
+    </p:spTree>
+  </p:cSld>
+  <p:clrMapOvr>
+    <a:masterClrMapping/>
+  </p:clrMapOvr>
+</p:sld>
+</file>
+
+<file path=ppt/slides/slide6.xml><?xml version="1.0" encoding="utf-8"?>
+<p:sld xmlns:a="http://schemas.openxmlformats.org/drawingml/2006/main" xmlns:r="http://schemas.openxmlformats.org/officeDocument/2006/relationships" xmlns:p="http://schemas.openxmlformats.org/presentationml/2006/main">
+  <p:cSld name="Slide 6">
+    <p:bg>
+      <p:bgPr>
+        <a:solidFill>
+          <a:srgbClr val="FFFFFF"/>
+        </a:solidFill>
+        <a:effectLst/>
+      </p:bgPr>
+    </p:bg>
+    <p:spTree>
+      <p:nvGrpSpPr>
+        <p:cNvPr id="1" name=""/>
+        <p:cNvGrpSpPr/>
+        <p:nvPr/>
+      </p:nvGrpSpPr>
+      <p:grpSpPr>
+        <a:xfrm>
+          <a:off x="0" y="0"/>
+          <a:ext cx="0" cy="0"/>
+          <a:chOff x="0" y="0"/>
+          <a:chExt cx="0" cy="0"/>
+        </a:xfrm>
+      </p:grpSpPr>
+      <p:pic>
+        <p:nvPicPr>
+          <p:cNvPr id="2" name="Object 1"/>
+          <p:cNvPicPr>
+            <a:picLocks noChangeAspect="1"/>
+          </p:cNvPicPr>
+          <p:nvPr/>
+        </p:nvPicPr>
+        <p:blipFill>
+          <a:blip r:embed="rId2" cstate="print"/>
+          <a:stretch>
+            <a:fillRect/>
+          </a:stretch>
+        </p:blipFill>
+        <p:spPr>
+          <a:xfrm>
+            <a:off x="509722" y="409250"/>
+            <a:ext cx="9814499" cy="1674747"/>
+          </a:xfrm>
+          <a:prstGeom prst="rect">
+            <a:avLst/>
+          </a:prstGeom>
+        </p:spPr>
+      </p:pic>
+      <p:grpSp>
+        <p:nvGrpSpPr>
+          <p:cNvPr id="1001" name="그룹 1001"/>
+          <p:cNvGrpSpPr/>
+          <p:nvPr/>
+        </p:nvGrpSpPr>
+        <p:grpSpPr>
+          <a:xfrm>
+            <a:off x="-57143" y="1685430"/>
+            <a:ext cx="18394831" cy="14286"/>
+            <a:chOff x="-57143" y="1685430"/>
+            <a:chExt cx="18394831" cy="14286"/>
+          </a:xfrm>
+        </p:grpSpPr>
+        <p:pic>
+          <p:nvPicPr>
+            <p:cNvPr id="4" name="Object 3"/>
+            <p:cNvPicPr>
+              <a:picLocks noChangeAspect="1"/>
+            </p:cNvPicPr>
+            <p:nvPr/>
+          </p:nvPicPr>
+          <p:blipFill>
+            <a:blip r:embed="rId3" cstate="print"/>
+            <a:stretch>
+              <a:fillRect/>
+            </a:stretch>
+          </p:blipFill>
+          <p:spPr>
+            <a:xfrm>
+              <a:off x="-57143" y="1685430"/>
+              <a:ext cx="18394831" cy="14286"/>
+            </a:xfrm>
+            <a:prstGeom prst="rect">
+              <a:avLst/>
+            </a:prstGeom>
+          </p:spPr>
+        </p:pic>
+      </p:grpSp>
+      <p:grpSp>
+        <p:nvGrpSpPr>
+          <p:cNvPr id="1002" name="그룹 1002"/>
+          <p:cNvGrpSpPr/>
+          <p:nvPr/>
+        </p:nvGrpSpPr>
+        <p:grpSpPr>
+          <a:xfrm>
+            <a:off x="652575" y="2542420"/>
+            <a:ext cx="13044661" cy="6608605"/>
+            <a:chOff x="652575" y="2542420"/>
+            <a:chExt cx="13044661" cy="6608605"/>
+          </a:xfrm>
+        </p:grpSpPr>
+        <p:pic>
+          <p:nvPicPr>
+            <p:cNvPr id="7" name="Object 6"/>
+            <p:cNvPicPr>
+              <a:picLocks noChangeAspect="1"/>
+            </p:cNvPicPr>
+            <p:nvPr/>
+          </p:nvPicPr>
+          <p:blipFill>
+            <a:blip r:embed="rId4" cstate="print"/>
+            <a:stretch>
+              <a:fillRect/>
+            </a:stretch>
+          </p:blipFill>
+          <p:spPr>
+            <a:xfrm>
+              <a:off x="652575" y="2542420"/>
+              <a:ext cx="13044661" cy="6608605"/>
+            </a:xfrm>
+            <a:prstGeom prst="rect">
+              <a:avLst/>
+            </a:prstGeom>
+          </p:spPr>
+        </p:pic>
+      </p:grpSp>
+      <p:pic>
+        <p:nvPicPr>
+          <p:cNvPr id="9" name="Object 8"/>
+          <p:cNvPicPr>
+            <a:picLocks noChangeAspect="1"/>
+          </p:cNvPicPr>
+          <p:nvPr/>
+        </p:nvPicPr>
+        <p:blipFill>
+          <a:blip r:embed="rId5" cstate="print"/>
+          <a:stretch>
+            <a:fillRect/>
+          </a:stretch>
+        </p:blipFill>
+        <p:spPr>
+          <a:xfrm>
+            <a:off x="10051335" y="1085449"/>
+            <a:ext cx="5870975" cy="663899"/>
+          </a:xfrm>
+          <a:prstGeom prst="rect">
+            <a:avLst/>
+          </a:prstGeom>
+        </p:spPr>
+      </p:pic>
+    </p:spTree>
+  </p:cSld>
+  <p:clrMapOvr>
+    <a:masterClrMapping/>
+  </p:clrMapOvr>
+</p:sld>
+</file>
+
+<file path=ppt/slides/slide7.xml><?xml version="1.0" encoding="utf-8"?>
+<p:sld xmlns:a="http://schemas.openxmlformats.org/drawingml/2006/main" xmlns:r="http://schemas.openxmlformats.org/officeDocument/2006/relationships" xmlns:p="http://schemas.openxmlformats.org/presentationml/2006/main">
+  <p:cSld name="Slide 7">
+    <p:bg>
+      <p:bgPr>
+        <a:solidFill>
+          <a:srgbClr val="FFFFFF"/>
+        </a:solidFill>
+        <a:effectLst/>
+      </p:bgPr>
+    </p:bg>
+    <p:spTree>
+      <p:nvGrpSpPr>
+        <p:cNvPr id="1" name=""/>
+        <p:cNvGrpSpPr/>
+        <p:nvPr/>
+      </p:nvGrpSpPr>
+      <p:grpSpPr>
+        <a:xfrm>
+          <a:off x="0" y="0"/>
+          <a:ext cx="0" cy="0"/>
+          <a:chOff x="0" y="0"/>
+          <a:chExt cx="0" cy="0"/>
+        </a:xfrm>
+      </p:grpSpPr>
+      <p:pic>
+        <p:nvPicPr>
+          <p:cNvPr id="2" name="Object 1"/>
+          <p:cNvPicPr>
+            <a:picLocks noChangeAspect="1"/>
+          </p:cNvPicPr>
+          <p:nvPr/>
+        </p:nvPicPr>
+        <p:blipFill>
+          <a:blip r:embed="rId2" cstate="print"/>
+          <a:stretch>
+            <a:fillRect/>
+          </a:stretch>
+        </p:blipFill>
+        <p:spPr>
+          <a:xfrm>
+            <a:off x="509722" y="409250"/>
+            <a:ext cx="9814499" cy="1674747"/>
+          </a:xfrm>
+          <a:prstGeom prst="rect">
+            <a:avLst/>
+          </a:prstGeom>
+        </p:spPr>
+      </p:pic>
+      <p:grpSp>
+        <p:nvGrpSpPr>
+          <p:cNvPr id="1001" name="그룹 1001"/>
+          <p:cNvGrpSpPr/>
+          <p:nvPr/>
+        </p:nvGrpSpPr>
+        <p:grpSpPr>
+          <a:xfrm>
+            <a:off x="-57143" y="1685430"/>
+            <a:ext cx="18394831" cy="14286"/>
+            <a:chOff x="-57143" y="1685430"/>
+            <a:chExt cx="18394831" cy="14286"/>
+          </a:xfrm>
+        </p:grpSpPr>
+        <p:pic>
+          <p:nvPicPr>
+            <p:cNvPr id="4" name="Object 3"/>
+            <p:cNvPicPr>
+              <a:picLocks noChangeAspect="1"/>
+            </p:cNvPicPr>
+            <p:nvPr/>
+          </p:nvPicPr>
+          <p:blipFill>
+            <a:blip r:embed="rId3" cstate="print"/>
+            <a:stretch>
+              <a:fillRect/>
+            </a:stretch>
+          </p:blipFill>
+          <p:spPr>
+            <a:xfrm>
+              <a:off x="-57143" y="1685430"/>
+              <a:ext cx="18394831" cy="14286"/>
+            </a:xfrm>
+            <a:prstGeom prst="rect">
+              <a:avLst/>
+            </a:prstGeom>
+          </p:spPr>
+        </p:pic>
+      </p:grpSp>
+      <p:pic>
+        <p:nvPicPr>
+          <p:cNvPr id="6" name="Object 5"/>
+          <p:cNvPicPr>
+            <a:picLocks noChangeAspect="1"/>
+          </p:cNvPicPr>
+          <p:nvPr/>
+        </p:nvPicPr>
+        <p:blipFill>
+          <a:blip r:embed="rId4" cstate="print"/>
+          <a:stretch>
+            <a:fillRect/>
+          </a:stretch>
+        </p:blipFill>
+        <p:spPr>
+          <a:xfrm>
+            <a:off x="10051335" y="1085449"/>
+            <a:ext cx="5857642" cy="663899"/>
+          </a:xfrm>
+          <a:prstGeom prst="rect">
+            <a:avLst/>
+          </a:prstGeom>
+        </p:spPr>
+      </p:pic>
+      <p:grpSp>
+        <p:nvGrpSpPr>
+          <p:cNvPr id="1002" name="그룹 1002"/>
+          <p:cNvGrpSpPr/>
+          <p:nvPr/>
+        </p:nvGrpSpPr>
+        <p:grpSpPr>
+          <a:xfrm>
+            <a:off x="652575" y="1896457"/>
+            <a:ext cx="14381616" cy="7733690"/>
+            <a:chOff x="652575" y="1896457"/>
+            <a:chExt cx="14381616" cy="7733690"/>
+          </a:xfrm>
+        </p:grpSpPr>
+        <p:pic>
+          <p:nvPicPr>
+            <p:cNvPr id="8" name="Object 7"/>
+            <p:cNvPicPr>
+              <a:picLocks noChangeAspect="1"/>
+            </p:cNvPicPr>
+            <p:nvPr/>
+          </p:nvPicPr>
+          <p:blipFill>
+            <a:blip r:embed="rId5" cstate="print"/>
+            <a:stretch>
+              <a:fillRect/>
+            </a:stretch>
+          </p:blipFill>
+          <p:spPr>
+            <a:xfrm>
+              <a:off x="652575" y="1896457"/>
+              <a:ext cx="14381616" cy="7733690"/>
+            </a:xfrm>
+            <a:prstGeom prst="rect">
+              <a:avLst/>
+            </a:prstGeom>
+          </p:spPr>
+        </p:pic>
+      </p:grpSp>
+    </p:spTree>
+  </p:cSld>
+  <p:clrMapOvr>
+    <a:masterClrMapping/>
+  </p:clrMapOvr>
+</p:sld>
+</file>
+
+<file path=ppt/slides/slide8.xml><?xml version="1.0" encoding="utf-8"?>
+<p:sld xmlns:a="http://schemas.openxmlformats.org/drawingml/2006/main" xmlns:r="http://schemas.openxmlformats.org/officeDocument/2006/relationships" xmlns:p="http://schemas.openxmlformats.org/presentationml/2006/main">
+  <p:cSld name="Slide 8">
+    <p:bg>
+      <p:bgPr>
+        <a:solidFill>
+          <a:srgbClr val="FFFFFF"/>
+        </a:solidFill>
+        <a:effectLst/>
+      </p:bgPr>
+    </p:bg>
+    <p:spTree>
+      <p:nvGrpSpPr>
+        <p:cNvPr id="1" name=""/>
+        <p:cNvGrpSpPr/>
+        <p:nvPr/>
+      </p:nvGrpSpPr>
+      <p:grpSpPr>
+        <a:xfrm>
+          <a:off x="0" y="0"/>
+          <a:ext cx="0" cy="0"/>
+          <a:chOff x="0" y="0"/>
+          <a:chExt cx="0" cy="0"/>
+        </a:xfrm>
+      </p:grpSpPr>
+      <p:pic>
+        <p:nvPicPr>
+          <p:cNvPr id="2" name="Object 1"/>
+          <p:cNvPicPr>
+            <a:picLocks noChangeAspect="1"/>
+          </p:cNvPicPr>
+          <p:nvPr/>
+        </p:nvPicPr>
+        <p:blipFill>
+          <a:blip r:embed="rId2" cstate="print"/>
+          <a:stretch>
+            <a:fillRect/>
+          </a:stretch>
+        </p:blipFill>
+        <p:spPr>
+          <a:xfrm>
+            <a:off x="509722" y="409250"/>
+            <a:ext cx="9814499" cy="1674747"/>
+          </a:xfrm>
+          <a:prstGeom prst="rect">
+            <a:avLst/>
+          </a:prstGeom>
+        </p:spPr>
+      </p:pic>
+      <p:grpSp>
+        <p:nvGrpSpPr>
+          <p:cNvPr id="1001" name="그룹 1001"/>
+          <p:cNvGrpSpPr/>
+          <p:nvPr/>
+        </p:nvGrpSpPr>
+        <p:grpSpPr>
+          <a:xfrm>
+            <a:off x="-57143" y="1685430"/>
+            <a:ext cx="18394831" cy="14286"/>
+            <a:chOff x="-57143" y="1685430"/>
+            <a:chExt cx="18394831" cy="14286"/>
+          </a:xfrm>
+        </p:grpSpPr>
+        <p:pic>
+          <p:nvPicPr>
+            <p:cNvPr id="4" name="Object 3"/>
+            <p:cNvPicPr>
+              <a:picLocks noChangeAspect="1"/>
+            </p:cNvPicPr>
+            <p:nvPr/>
+          </p:nvPicPr>
+          <p:blipFill>
+            <a:blip r:embed="rId3" cstate="print"/>
+            <a:stretch>
+              <a:fillRect/>
+            </a:stretch>
+          </p:blipFill>
+          <p:spPr>
+            <a:xfrm>
+              <a:off x="-57143" y="1685430"/>
+              <a:ext cx="18394831" cy="14286"/>
+            </a:xfrm>
+            <a:prstGeom prst="rect">
+              <a:avLst/>
+            </a:prstGeom>
+          </p:spPr>
+        </p:pic>
+      </p:grpSp>
+      <p:pic>
+        <p:nvPicPr>
+          <p:cNvPr id="6" name="Object 5"/>
+          <p:cNvPicPr>
+            <a:picLocks noChangeAspect="1"/>
+          </p:cNvPicPr>
+          <p:nvPr/>
+        </p:nvPicPr>
+        <p:blipFill>
+          <a:blip r:embed="rId4" cstate="print"/>
+          <a:stretch>
+            <a:fillRect/>
+          </a:stretch>
+        </p:blipFill>
+        <p:spPr>
+          <a:xfrm>
+            <a:off x="10051335" y="1085449"/>
+            <a:ext cx="5863356" cy="663899"/>
+          </a:xfrm>
+          <a:prstGeom prst="rect">
+            <a:avLst/>
+          </a:prstGeom>
+        </p:spPr>
+      </p:pic>
+      <p:grpSp>
+        <p:nvGrpSpPr>
+          <p:cNvPr id="1002" name="그룹 1002"/>
+          <p:cNvGrpSpPr/>
+          <p:nvPr/>
+        </p:nvGrpSpPr>
+        <p:grpSpPr>
+          <a:xfrm>
+            <a:off x="652575" y="2277410"/>
+            <a:ext cx="15201930" cy="6489618"/>
+            <a:chOff x="652575" y="2277410"/>
+            <a:chExt cx="15201930" cy="6489618"/>
+          </a:xfrm>
+        </p:grpSpPr>
+        <p:pic>
+          <p:nvPicPr>
+            <p:cNvPr id="8" name="Object 7"/>
+            <p:cNvPicPr>
+              <a:picLocks noChangeAspect="1"/>
+            </p:cNvPicPr>
+            <p:nvPr/>
+          </p:nvPicPr>
+          <p:blipFill>
+            <a:blip r:embed="rId5" cstate="print"/>
+            <a:stretch>
+              <a:fillRect/>
+            </a:stretch>
+          </p:blipFill>
+          <p:spPr>
+            <a:xfrm>
+              <a:off x="652575" y="2277410"/>
+              <a:ext cx="15201930" cy="6489618"/>
+            </a:xfrm>
+            <a:prstGeom prst="rect">
+              <a:avLst/>
+            </a:prstGeom>
+          </p:spPr>
+        </p:pic>
+      </p:grpSp>
+    </p:spTree>
+  </p:cSld>
+  <p:clrMapOvr>
+    <a:masterClrMapping/>
+  </p:clrMapOvr>
+</p:sld>
+</file>
+
+<file path=ppt/slides/slide9.xml><?xml version="1.0" encoding="utf-8"?>
+<p:sld xmlns:a="http://schemas.openxmlformats.org/drawingml/2006/main" xmlns:r="http://schemas.openxmlformats.org/officeDocument/2006/relationships" xmlns:p="http://schemas.openxmlformats.org/presentationml/2006/main">
+  <p:cSld name="Slide 9">
+    <p:bg>
+      <p:bgPr>
+        <a:solidFill>
+          <a:srgbClr val="FFFFFF"/>
+        </a:solidFill>
+        <a:effectLst/>
+      </p:bgPr>
+    </p:bg>
+    <p:spTree>
+      <p:nvGrpSpPr>
+        <p:cNvPr id="1" name=""/>
+        <p:cNvGrpSpPr/>
+        <p:nvPr/>
+      </p:nvGrpSpPr>
+      <p:grpSpPr>
+        <a:xfrm>
+          <a:off x="0" y="0"/>
+          <a:ext cx="0" cy="0"/>
+          <a:chOff x="0" y="0"/>
+          <a:chExt cx="0" cy="0"/>
+        </a:xfrm>
+      </p:grpSpPr>
+      <p:pic>
+        <p:nvPicPr>
+          <p:cNvPr id="2" name="Object 1"/>
+          <p:cNvPicPr>
+            <a:picLocks noChangeAspect="1"/>
+          </p:cNvPicPr>
+          <p:nvPr/>
+        </p:nvPicPr>
+        <p:blipFill>
+          <a:blip r:embed="rId2" cstate="print"/>
+          <a:stretch>
+            <a:fillRect/>
+          </a:stretch>
+        </p:blipFill>
+        <p:spPr>
+          <a:xfrm>
+            <a:off x="509722" y="409250"/>
+            <a:ext cx="9814499" cy="1674747"/>
+          </a:xfrm>
+          <a:prstGeom prst="rect">
+            <a:avLst/>
+          </a:prstGeom>
+        </p:spPr>
+      </p:pic>
+      <p:grpSp>
+        <p:nvGrpSpPr>
+          <p:cNvPr id="1001" name="그룹 1001"/>
+          <p:cNvGrpSpPr/>
+          <p:nvPr/>
+        </p:nvGrpSpPr>
+        <p:grpSpPr>
+          <a:xfrm>
+            <a:off x="-57143" y="1685430"/>
+            <a:ext cx="18394831" cy="14286"/>
+            <a:chOff x="-57143" y="1685430"/>
+            <a:chExt cx="18394831" cy="14286"/>
+          </a:xfrm>
+        </p:grpSpPr>
+        <p:pic>
+          <p:nvPicPr>
+            <p:cNvPr id="4" name="Object 3"/>
+            <p:cNvPicPr>
+              <a:picLocks noChangeAspect="1"/>
+            </p:cNvPicPr>
+            <p:nvPr/>
+          </p:nvPicPr>
+          <p:blipFill>
+            <a:blip r:embed="rId3" cstate="print"/>
+            <a:stretch>
+              <a:fillRect/>
+            </a:stretch>
+          </p:blipFill>
+          <p:spPr>
+            <a:xfrm>
+              <a:off x="-57143" y="1685430"/>
+              <a:ext cx="18394831" cy="14286"/>
+            </a:xfrm>
+            <a:prstGeom prst="rect">
+              <a:avLst/>
+            </a:prstGeom>
+          </p:spPr>
+        </p:pic>
+      </p:grpSp>
+      <p:pic>
+        <p:nvPicPr>
+          <p:cNvPr id="6" name="Object 5"/>
+          <p:cNvPicPr>
+            <a:picLocks noChangeAspect="1"/>
+          </p:cNvPicPr>
+          <p:nvPr/>
+        </p:nvPicPr>
+        <p:blipFill>
+          <a:blip r:embed="rId4" cstate="print"/>
+          <a:stretch>
+            <a:fillRect/>
+          </a:stretch>
+        </p:blipFill>
+        <p:spPr>
+          <a:xfrm>
+            <a:off x="10051335" y="1085449"/>
+            <a:ext cx="2414632" cy="662556"/>
+          </a:xfrm>
+          <a:prstGeom prst="rect">
+            <a:avLst/>
+          </a:prstGeom>
+        </p:spPr>
+      </p:pic>
+      <p:grpSp>
+        <p:nvGrpSpPr>
+          <p:cNvPr id="1002" name="그룹 1002"/>
+          <p:cNvGrpSpPr/>
+          <p:nvPr/>
+        </p:nvGrpSpPr>
+        <p:grpSpPr>
+          <a:xfrm>
+            <a:off x="2923695" y="4646299"/>
+            <a:ext cx="12438325" cy="2287586"/>
+            <a:chOff x="2923695" y="4646299"/>
+            <a:chExt cx="12438325" cy="2287586"/>
+          </a:xfrm>
+        </p:grpSpPr>
+        <p:grpSp>
+          <p:nvGrpSpPr>
+            <p:cNvPr id="1003" name="그룹 1003"/>
+            <p:cNvGrpSpPr/>
+            <p:nvPr/>
+          </p:nvGrpSpPr>
+          <p:grpSpPr>
+            <a:xfrm>
+              <a:off x="2923695" y="4894349"/>
+              <a:ext cx="12438325" cy="2011046"/>
+              <a:chOff x="2923695" y="4894349"/>
+              <a:chExt cx="12438325" cy="2011046"/>
+            </a:xfrm>
+          </p:grpSpPr>
+          <p:pic>
+            <p:nvPicPr>
+              <p:cNvPr id="9" name="Object 8"/>
+              <p:cNvPicPr>
+                <a:picLocks noChangeAspect="1"/>
+              </p:cNvPicPr>
+              <p:nvPr/>
+            </p:nvPicPr>
+            <p:blipFill>
+              <a:blip r:embed="rId5" cstate="print"/>
+              <a:stretch>
+                <a:fillRect/>
+              </a:stretch>
+            </p:blipFill>
+            <p:spPr>
+              <a:xfrm>
+                <a:off x="2923695" y="4894349"/>
+                <a:ext cx="12438325" cy="2011046"/>
+              </a:xfrm>
+              <a:prstGeom prst="rect">
+                <a:avLst/>
+              </a:prstGeom>
+            </p:spPr>
+          </p:pic>
+        </p:grpSp>
+        <p:grpSp>
+          <p:nvGrpSpPr>
+            <p:cNvPr id="1004" name="그룹 1004"/>
+            <p:cNvGrpSpPr/>
+            <p:nvPr/>
+          </p:nvGrpSpPr>
+          <p:grpSpPr>
+            <a:xfrm>
+              <a:off x="3003389" y="4646299"/>
+              <a:ext cx="12228571" cy="2287586"/>
+              <a:chOff x="3003389" y="4646299"/>
+              <a:chExt cx="12228571" cy="2287586"/>
+            </a:xfrm>
+          </p:grpSpPr>
+          <p:grpSp>
+            <p:nvGrpSpPr>
+              <p:cNvPr id="1005" name="그룹 1005"/>
+              <p:cNvGrpSpPr/>
+              <p:nvPr/>
+            </p:nvGrpSpPr>
+            <p:grpSpPr>
+              <a:xfrm>
+                <a:off x="3003389" y="5089067"/>
+                <a:ext cx="12225554" cy="1342765"/>
+                <a:chOff x="3003389" y="5089067"/>
+                <a:chExt cx="12225554" cy="1342765"/>
+              </a:xfrm>
+            </p:grpSpPr>
+            <p:pic>
+              <p:nvPicPr>
+                <p:cNvPr id="13" name="Object 12"/>
+                <p:cNvPicPr>
+                  <a:picLocks noChangeAspect="1"/>
+                </p:cNvPicPr>
+                <p:nvPr/>
+              </p:nvPicPr>
+              <p:blipFill>
+                <a:blip r:embed="rId6" cstate="print"/>
+                <a:stretch>
+                  <a:fillRect/>
+                </a:stretch>
+              </p:blipFill>
+              <p:spPr>
+                <a:xfrm>
+                  <a:off x="3003389" y="5089067"/>
+                  <a:ext cx="12225554" cy="1342765"/>
+                </a:xfrm>
+                <a:prstGeom prst="rect">
+                  <a:avLst/>
+                </a:prstGeom>
+              </p:spPr>
+            </p:pic>
+          </p:grpSp>
+          <p:grpSp>
+            <p:nvGrpSpPr>
+              <p:cNvPr id="1006" name="그룹 1006"/>
+              <p:cNvGrpSpPr/>
+              <p:nvPr/>
+            </p:nvGrpSpPr>
+            <p:grpSpPr>
+              <a:xfrm>
+                <a:off x="6243804" y="4858818"/>
+                <a:ext cx="1192118" cy="1192118"/>
+                <a:chOff x="6243804" y="4858818"/>
+                <a:chExt cx="1192118" cy="1192118"/>
+              </a:xfrm>
+            </p:grpSpPr>
+            <p:pic>
+              <p:nvPicPr>
+                <p:cNvPr id="16" name="Object 15"/>
+                <p:cNvPicPr>
+                  <a:picLocks noChangeAspect="1"/>
+                </p:cNvPicPr>
+                <p:nvPr/>
+              </p:nvPicPr>
+              <p:blipFill>
+                <a:blip r:embed="rId7" cstate="print"/>
+                <a:stretch>
+                  <a:fillRect/>
+                </a:stretch>
+              </p:blipFill>
+              <p:spPr>
+                <a:xfrm>
+                  <a:off x="6243804" y="4858818"/>
+                  <a:ext cx="1192118" cy="1192118"/>
+                </a:xfrm>
+                <a:prstGeom prst="rect">
+                  <a:avLst/>
+                </a:prstGeom>
+              </p:spPr>
+            </p:pic>
+          </p:grpSp>
+          <p:pic>
+            <p:nvPicPr>
+              <p:cNvPr id="18" name="Object 17"/>
+              <p:cNvPicPr>
+                <a:picLocks noChangeAspect="1"/>
+              </p:cNvPicPr>
+              <p:nvPr/>
+            </p:nvPicPr>
+            <p:blipFill>
+              <a:blip r:embed="rId8" cstate="print"/>
+              <a:stretch>
+                <a:fillRect/>
+              </a:stretch>
+            </p:blipFill>
+            <p:spPr>
+              <a:xfrm>
+                <a:off x="7096941" y="4879124"/>
+                <a:ext cx="1410282" cy="637748"/>
+              </a:xfrm>
+              <a:prstGeom prst="rect">
+                <a:avLst/>
+              </a:prstGeom>
+            </p:spPr>
+          </p:pic>
+          <p:grpSp>
+            <p:nvGrpSpPr>
+              <p:cNvPr id="1007" name="그룹 1007"/>
+              <p:cNvGrpSpPr/>
+              <p:nvPr/>
+            </p:nvGrpSpPr>
+            <p:grpSpPr>
+              <a:xfrm>
+                <a:off x="8061542" y="5733885"/>
+                <a:ext cx="1192118" cy="1192118"/>
+                <a:chOff x="8061542" y="5733885"/>
+                <a:chExt cx="1192118" cy="1192118"/>
+              </a:xfrm>
+            </p:grpSpPr>
+            <p:pic>
+              <p:nvPicPr>
+                <p:cNvPr id="20" name="Object 19"/>
+                <p:cNvPicPr>
+                  <a:picLocks noChangeAspect="1"/>
+                </p:cNvPicPr>
+                <p:nvPr/>
+              </p:nvPicPr>
+              <p:blipFill>
+                <a:blip r:embed="rId9" cstate="print"/>
+                <a:stretch>
+                  <a:fillRect/>
+                </a:stretch>
+              </p:blipFill>
+              <p:spPr>
+                <a:xfrm>
+                  <a:off x="8061542" y="5733885"/>
+                  <a:ext cx="1192118" cy="1192118"/>
+                </a:xfrm>
+                <a:prstGeom prst="rect">
+                  <a:avLst/>
+                </a:prstGeom>
+              </p:spPr>
+            </p:pic>
+          </p:grpSp>
+          <p:pic>
+            <p:nvPicPr>
+              <p:cNvPr id="22" name="Object 21"/>
+              <p:cNvPicPr>
+                <a:picLocks noChangeAspect="1"/>
+              </p:cNvPicPr>
+              <p:nvPr/>
+            </p:nvPicPr>
+            <p:blipFill>
+              <a:blip r:embed="rId10" cstate="print"/>
+              <a:stretch>
+                <a:fillRect/>
+              </a:stretch>
+            </p:blipFill>
+            <p:spPr>
+              <a:xfrm>
+                <a:off x="8883485" y="6180201"/>
+                <a:ext cx="1237310" cy="637748"/>
+              </a:xfrm>
+              <a:prstGeom prst="rect">
+                <a:avLst/>
+              </a:prstGeom>
+            </p:spPr>
+          </p:pic>
+          <p:grpSp>
+            <p:nvGrpSpPr>
+              <p:cNvPr id="1008" name="그룹 1008"/>
+              <p:cNvGrpSpPr/>
+              <p:nvPr/>
+            </p:nvGrpSpPr>
+            <p:grpSpPr>
+              <a:xfrm>
+                <a:off x="9544504" y="4858818"/>
+                <a:ext cx="1192118" cy="1192118"/>
+                <a:chOff x="9544504" y="4858818"/>
+                <a:chExt cx="1192118" cy="1192118"/>
+              </a:xfrm>
+            </p:grpSpPr>
+            <p:pic>
+              <p:nvPicPr>
+                <p:cNvPr id="24" name="Object 23"/>
+                <p:cNvPicPr>
+                  <a:picLocks noChangeAspect="1"/>
+                </p:cNvPicPr>
+                <p:nvPr/>
+              </p:nvPicPr>
+              <p:blipFill>
+                <a:blip r:embed="rId11" cstate="print"/>
+                <a:stretch>
+                  <a:fillRect/>
+                </a:stretch>
+              </p:blipFill>
+              <p:spPr>
+                <a:xfrm>
+                  <a:off x="9544504" y="4858818"/>
+                  <a:ext cx="1192118" cy="1192118"/>
+                </a:xfrm>
+                <a:prstGeom prst="rect">
+                  <a:avLst/>
+                </a:prstGeom>
+              </p:spPr>
+            </p:pic>
+          </p:grpSp>
+          <p:pic>
+            <p:nvPicPr>
+              <p:cNvPr id="26" name="Object 25"/>
+              <p:cNvPicPr>
+                <a:picLocks noChangeAspect="1"/>
+              </p:cNvPicPr>
+              <p:nvPr/>
+            </p:nvPicPr>
+            <p:blipFill>
+              <a:blip r:embed="rId12" cstate="print"/>
+              <a:stretch>
+                <a:fillRect/>
+              </a:stretch>
+            </p:blipFill>
+            <p:spPr>
+              <a:xfrm>
+                <a:off x="10407488" y="4852555"/>
+                <a:ext cx="1673510" cy="637748"/>
+              </a:xfrm>
+              <a:prstGeom prst="rect">
+                <a:avLst/>
+              </a:prstGeom>
+            </p:spPr>
+          </p:pic>
+          <p:grpSp>
+            <p:nvGrpSpPr>
+              <p:cNvPr id="1009" name="그룹 1009"/>
+              <p:cNvGrpSpPr/>
+              <p:nvPr/>
+            </p:nvGrpSpPr>
+            <p:grpSpPr>
+              <a:xfrm>
+                <a:off x="10278213" y="5733885"/>
+                <a:ext cx="1192118" cy="1192118"/>
+                <a:chOff x="10278213" y="5733885"/>
+                <a:chExt cx="1192118" cy="1192118"/>
+              </a:xfrm>
+            </p:grpSpPr>
+            <p:pic>
+              <p:nvPicPr>
+                <p:cNvPr id="28" name="Object 27"/>
+                <p:cNvPicPr>
+                  <a:picLocks noChangeAspect="1"/>
+                </p:cNvPicPr>
+                <p:nvPr/>
+              </p:nvPicPr>
+              <p:blipFill>
+                <a:blip r:embed="rId13" cstate="print"/>
+                <a:stretch>
+                  <a:fillRect/>
+                </a:stretch>
+              </p:blipFill>
+              <p:spPr>
+                <a:xfrm>
+                  <a:off x="10278213" y="5733885"/>
+                  <a:ext cx="1192118" cy="1192118"/>
+                </a:xfrm>
+                <a:prstGeom prst="rect">
+                  <a:avLst/>
+                </a:prstGeom>
+              </p:spPr>
+            </p:pic>
+          </p:grpSp>
+          <p:pic>
+            <p:nvPicPr>
+              <p:cNvPr id="30" name="Object 29"/>
+              <p:cNvPicPr>
+                <a:picLocks noChangeAspect="1"/>
+              </p:cNvPicPr>
+              <p:nvPr/>
+            </p:nvPicPr>
+            <p:blipFill>
+              <a:blip r:embed="rId14" cstate="print"/>
+              <a:stretch>
+                <a:fillRect/>
+              </a:stretch>
+            </p:blipFill>
+            <p:spPr>
+              <a:xfrm>
+                <a:off x="11144933" y="6153636"/>
+                <a:ext cx="1683034" cy="637748"/>
+              </a:xfrm>
+              <a:prstGeom prst="rect">
+                <a:avLst/>
+              </a:prstGeom>
+            </p:spPr>
+          </p:pic>
+          <p:grpSp>
+            <p:nvGrpSpPr>
+              <p:cNvPr id="1010" name="그룹 1010"/>
+              <p:cNvGrpSpPr/>
+              <p:nvPr/>
+            </p:nvGrpSpPr>
+            <p:grpSpPr>
+              <a:xfrm>
+                <a:off x="12281353" y="4646299"/>
+                <a:ext cx="1192118" cy="1192118"/>
+                <a:chOff x="12281353" y="4646299"/>
+                <a:chExt cx="1192118" cy="1192118"/>
+              </a:xfrm>
+            </p:grpSpPr>
+            <p:pic>
+              <p:nvPicPr>
+                <p:cNvPr id="32" name="Object 31"/>
+                <p:cNvPicPr>
+                  <a:picLocks noChangeAspect="1"/>
+                </p:cNvPicPr>
+                <p:nvPr/>
+              </p:nvPicPr>
+              <p:blipFill>
+                <a:blip r:embed="rId15" cstate="print"/>
+                <a:stretch>
+                  <a:fillRect/>
+                </a:stretch>
+              </p:blipFill>
+              <p:spPr>
+                <a:xfrm>
+                  <a:off x="12281353" y="4646299"/>
+                  <a:ext cx="1192118" cy="1192118"/>
+                </a:xfrm>
+                <a:prstGeom prst="rect">
+                  <a:avLst/>
+                </a:prstGeom>
+              </p:spPr>
+            </p:pic>
+          </p:grpSp>
+          <p:pic>
+            <p:nvPicPr>
+              <p:cNvPr id="34" name="Object 33"/>
+              <p:cNvPicPr>
+                <a:picLocks noChangeAspect="1"/>
+              </p:cNvPicPr>
+              <p:nvPr/>
+            </p:nvPicPr>
+            <p:blipFill>
+              <a:blip r:embed="rId16" cstate="print"/>
+              <a:stretch>
+                <a:fillRect/>
+              </a:stretch>
+            </p:blipFill>
+            <p:spPr>
+              <a:xfrm>
+                <a:off x="13223137" y="4879121"/>
+                <a:ext cx="1569368" cy="637748"/>
+              </a:xfrm>
+              <a:prstGeom prst="rect">
+                <a:avLst/>
+              </a:prstGeom>
+            </p:spPr>
+          </p:pic>
+        </p:grpSp>
+      </p:grpSp>
+      <p:grpSp>
+        <p:nvGrpSpPr>
+          <p:cNvPr id="1011" name="그룹 1011"/>
+          <p:cNvGrpSpPr/>
+          <p:nvPr/>
+        </p:nvGrpSpPr>
+        <p:grpSpPr>
+          <a:xfrm>
+            <a:off x="1605265" y="7205575"/>
+            <a:ext cx="15075184" cy="2203885"/>
+            <a:chOff x="1605265" y="7205575"/>
+            <a:chExt cx="15075184" cy="2203885"/>
+          </a:xfrm>
+        </p:grpSpPr>
+        <p:grpSp>
+          <p:nvGrpSpPr>
+            <p:cNvPr id="1012" name="그룹 1012"/>
+            <p:cNvGrpSpPr/>
+            <p:nvPr/>
+          </p:nvGrpSpPr>
+          <p:grpSpPr>
+            <a:xfrm>
+              <a:off x="7316436" y="7205575"/>
+              <a:ext cx="9364013" cy="2203885"/>
+              <a:chOff x="7316436" y="7205575"/>
+              <a:chExt cx="9364013" cy="2203885"/>
+            </a:xfrm>
+          </p:grpSpPr>
+          <p:grpSp>
+            <p:nvGrpSpPr>
+              <p:cNvPr id="1013" name="그룹 1013"/>
+              <p:cNvGrpSpPr/>
+              <p:nvPr/>
+            </p:nvGrpSpPr>
+            <p:grpSpPr>
+              <a:xfrm>
+                <a:off x="7863189" y="7501068"/>
+                <a:ext cx="7823649" cy="714261"/>
+                <a:chOff x="7863189" y="7501068"/>
+                <a:chExt cx="7823649" cy="714261"/>
+              </a:xfrm>
+            </p:grpSpPr>
+            <p:pic>
+              <p:nvPicPr>
+                <p:cNvPr id="40" name="Object 39"/>
+                <p:cNvPicPr>
+                  <a:picLocks noChangeAspect="1"/>
+                </p:cNvPicPr>
+                <p:nvPr/>
+              </p:nvPicPr>
+              <p:blipFill>
+                <a:blip r:embed="rId17" cstate="print"/>
+                <a:stretch>
+                  <a:fillRect/>
+                </a:stretch>
+              </p:blipFill>
+              <p:spPr>
+                <a:xfrm>
+                  <a:off x="7863189" y="7501068"/>
+                  <a:ext cx="7823649" cy="714261"/>
+                </a:xfrm>
+                <a:prstGeom prst="rect">
+                  <a:avLst/>
+                </a:prstGeom>
+              </p:spPr>
+            </p:pic>
+          </p:grpSp>
+          <p:grpSp>
+            <p:nvGrpSpPr>
+              <p:cNvPr id="1014" name="그룹 1014"/>
+              <p:cNvGrpSpPr/>
+              <p:nvPr/>
+            </p:nvGrpSpPr>
+            <p:grpSpPr>
+              <a:xfrm>
+                <a:off x="7863189" y="8639029"/>
+                <a:ext cx="7823649" cy="473029"/>
+                <a:chOff x="7863189" y="8639029"/>
+                <a:chExt cx="7823649" cy="473029"/>
+              </a:xfrm>
+            </p:grpSpPr>
+            <p:pic>
+              <p:nvPicPr>
+                <p:cNvPr id="43" name="Object 42"/>
+                <p:cNvPicPr>
+                  <a:picLocks noChangeAspect="1"/>
+                </p:cNvPicPr>
+                <p:nvPr/>
+              </p:nvPicPr>
+              <p:blipFill>
+                <a:blip r:embed="rId18" cstate="print"/>
+                <a:stretch>
+                  <a:fillRect/>
+                </a:stretch>
+              </p:blipFill>
+              <p:spPr>
+                <a:xfrm>
+                  <a:off x="7863189" y="8639029"/>
+                  <a:ext cx="7823649" cy="473029"/>
+                </a:xfrm>
+                <a:prstGeom prst="rect">
+                  <a:avLst/>
+                </a:prstGeom>
+              </p:spPr>
+            </p:pic>
+          </p:grpSp>
+          <p:grpSp>
+            <p:nvGrpSpPr>
+              <p:cNvPr id="1015" name="그룹 1015"/>
+              <p:cNvGrpSpPr/>
+              <p:nvPr/>
+            </p:nvGrpSpPr>
+            <p:grpSpPr>
+              <a:xfrm>
+                <a:off x="7316436" y="7205575"/>
+                <a:ext cx="9364013" cy="2203885"/>
+                <a:chOff x="7316436" y="7205575"/>
+                <a:chExt cx="9364013" cy="2203885"/>
+              </a:xfrm>
+            </p:grpSpPr>
+            <p:pic>
+              <p:nvPicPr>
+                <p:cNvPr id="46" name="Object 45"/>
+                <p:cNvPicPr>
+                  <a:picLocks noChangeAspect="1"/>
+                </p:cNvPicPr>
+                <p:nvPr/>
+              </p:nvPicPr>
+              <p:blipFill>
+                <a:blip r:embed="rId19" cstate="print"/>
+                <a:stretch>
+                  <a:fillRect/>
+                </a:stretch>
+              </p:blipFill>
+              <p:spPr>
+                <a:xfrm>
+                  <a:off x="7316436" y="7205575"/>
+                  <a:ext cx="9364013" cy="2203885"/>
+                </a:xfrm>
+                <a:prstGeom prst="rect">
+                  <a:avLst/>
+                </a:prstGeom>
+              </p:spPr>
+            </p:pic>
+          </p:grpSp>
+        </p:grpSp>
+        <p:grpSp>
+          <p:nvGrpSpPr>
+            <p:cNvPr id="1016" name="그룹 1016"/>
+            <p:cNvGrpSpPr/>
+            <p:nvPr/>
+          </p:nvGrpSpPr>
+          <p:grpSpPr>
+            <a:xfrm>
+              <a:off x="5566802" y="7496464"/>
+              <a:ext cx="1335854" cy="1623162"/>
+              <a:chOff x="5566802" y="7496464"/>
+              <a:chExt cx="1335854" cy="1623162"/>
+            </a:xfrm>
+          </p:grpSpPr>
+          <p:pic>
+            <p:nvPicPr>
+              <p:cNvPr id="50" name="Object 49"/>
+              <p:cNvPicPr>
+                <a:picLocks noChangeAspect="1"/>
+              </p:cNvPicPr>
+              <p:nvPr/>
+            </p:nvPicPr>
+            <p:blipFill>
+              <a:blip r:embed="rId20" cstate="print"/>
+              <a:stretch>
+                <a:fillRect/>
+              </a:stretch>
+            </p:blipFill>
+            <p:spPr>
+              <a:xfrm>
+                <a:off x="5566802" y="7496464"/>
+                <a:ext cx="1335854" cy="1623162"/>
+              </a:xfrm>
+              <a:prstGeom prst="rect">
+                <a:avLst/>
+              </a:prstGeom>
+            </p:spPr>
+          </p:pic>
+        </p:grpSp>
+        <p:pic>
+          <p:nvPicPr>
+            <p:cNvPr id="52" name="Object 51"/>
+            <p:cNvPicPr>
+              <a:picLocks noChangeAspect="1"/>
+            </p:cNvPicPr>
+            <p:nvPr/>
+          </p:nvPicPr>
+          <p:blipFill>
+            <a:blip r:embed="rId21" cstate="print"/>
+            <a:stretch>
+              <a:fillRect/>
+            </a:stretch>
+          </p:blipFill>
+          <p:spPr>
+            <a:xfrm>
+              <a:off x="1471935" y="7555684"/>
+              <a:ext cx="3834187" cy="1604044"/>
+            </a:xfrm>
+            <a:prstGeom prst="rect">
+              <a:avLst/>
+            </a:prstGeom>
+          </p:spPr>
+        </p:pic>
+      </p:grpSp>
+      <p:grpSp>
+        <p:nvGrpSpPr>
+          <p:cNvPr id="1017" name="그룹 1017"/>
+          <p:cNvGrpSpPr/>
+          <p:nvPr/>
+        </p:nvGrpSpPr>
+        <p:grpSpPr>
+          <a:xfrm>
+            <a:off x="2930086" y="2357589"/>
+            <a:ext cx="12425541" cy="1701511"/>
+            <a:chOff x="2930086" y="2357589"/>
+            <a:chExt cx="12425541" cy="1701511"/>
+          </a:xfrm>
+        </p:grpSpPr>
+        <p:grpSp>
+          <p:nvGrpSpPr>
+            <p:cNvPr id="1018" name="그룹 1018"/>
+            <p:cNvGrpSpPr/>
+            <p:nvPr/>
+          </p:nvGrpSpPr>
+          <p:grpSpPr>
+            <a:xfrm>
+              <a:off x="2930086" y="2878147"/>
+              <a:ext cx="3088655" cy="1173308"/>
+              <a:chOff x="2930086" y="2878147"/>
+              <a:chExt cx="3088655" cy="1173308"/>
+            </a:xfrm>
+          </p:grpSpPr>
+          <p:pic>
+            <p:nvPicPr>
+              <p:cNvPr id="56" name="Object 55"/>
+              <p:cNvPicPr>
+                <a:picLocks noChangeAspect="1"/>
+              </p:cNvPicPr>
+              <p:nvPr/>
+            </p:nvPicPr>
+            <p:blipFill>
+              <a:blip r:embed="rId22" cstate="print"/>
+              <a:stretch>
+                <a:fillRect/>
+              </a:stretch>
+            </p:blipFill>
+            <p:spPr>
+              <a:xfrm>
+                <a:off x="2930086" y="2878147"/>
+                <a:ext cx="3088655" cy="1173308"/>
+              </a:xfrm>
+              <a:prstGeom prst="rect">
+                <a:avLst/>
+              </a:prstGeom>
+            </p:spPr>
+          </p:pic>
+        </p:grpSp>
+        <p:pic>
+          <p:nvPicPr>
+            <p:cNvPr id="58" name="Object 57"/>
+            <p:cNvPicPr>
+              <a:picLocks noChangeAspect="1"/>
+            </p:cNvPicPr>
+            <p:nvPr/>
+          </p:nvPicPr>
+          <p:blipFill>
+            <a:blip r:embed="rId23" cstate="print"/>
+            <a:stretch>
+              <a:fillRect/>
+            </a:stretch>
+          </p:blipFill>
+          <p:spPr>
+            <a:xfrm>
+              <a:off x="2873810" y="2301312"/>
+              <a:ext cx="3282621" cy="667782"/>
+            </a:xfrm>
+            <a:prstGeom prst="rect">
+              <a:avLst/>
+            </a:prstGeom>
+          </p:spPr>
+        </p:pic>
+        <p:grpSp>
+          <p:nvGrpSpPr>
+            <p:cNvPr id="1019" name="그룹 1019"/>
+            <p:cNvGrpSpPr/>
+            <p:nvPr/>
+          </p:nvGrpSpPr>
+          <p:grpSpPr>
+            <a:xfrm>
+              <a:off x="6327056" y="2878147"/>
+              <a:ext cx="9020282" cy="1173308"/>
+              <a:chOff x="6327056" y="2878147"/>
+              <a:chExt cx="9020282" cy="1173308"/>
+            </a:xfrm>
+          </p:grpSpPr>
+          <p:pic>
+            <p:nvPicPr>
+              <p:cNvPr id="60" name="Object 59"/>
+              <p:cNvPicPr>
+                <a:picLocks noChangeAspect="1"/>
+              </p:cNvPicPr>
+              <p:nvPr/>
+            </p:nvPicPr>
+            <p:blipFill>
+              <a:blip r:embed="rId24" cstate="print"/>
+              <a:stretch>
+                <a:fillRect/>
+              </a:stretch>
+            </p:blipFill>
+            <p:spPr>
+              <a:xfrm>
+                <a:off x="6327056" y="2878147"/>
+                <a:ext cx="9020282" cy="1173308"/>
+              </a:xfrm>
+              <a:prstGeom prst="rect">
+                <a:avLst/>
+              </a:prstGeom>
+            </p:spPr>
+          </p:pic>
+        </p:grpSp>
+        <p:pic>
+          <p:nvPicPr>
+            <p:cNvPr id="62" name="Object 61"/>
+            <p:cNvPicPr>
+              <a:picLocks noChangeAspect="1"/>
+            </p:cNvPicPr>
+            <p:nvPr/>
+          </p:nvPicPr>
+          <p:blipFill>
+            <a:blip r:embed="rId25" cstate="print"/>
+            <a:stretch>
+              <a:fillRect/>
+            </a:stretch>
+          </p:blipFill>
+          <p:spPr>
+            <a:xfrm>
+              <a:off x="6270780" y="2301312"/>
+              <a:ext cx="2376430" cy="667782"/>
+            </a:xfrm>
+            <a:prstGeom prst="rect">
+              <a:avLst/>
+            </a:prstGeom>
+          </p:spPr>
+        </p:pic>
+      </p:grpSp>
+    </p:spTree>
+  </p:cSld>
+  <p:clrMapOvr>
+    <a:masterClrMapping/>
+  </p:clrMapOvr>
+</p:sld>
+</file>
+
 <file path=ppt/theme/theme1.xml><?xml version="1.0" encoding="utf-8"?>
 <a:theme xmlns:a="http://schemas.openxmlformats.org/drawingml/2006/main" name="Office Theme">
   <a:themeElements>

--- a/KB2023_DB_PROJECT_PPT_서정빈.pptx
+++ b/KB2023_DB_PROJECT_PPT_서정빈.pptx
@@ -16,7 +16,7 @@
     <p:sldId id="264" r:id="rId10"/>
     <p:sldId id="265" r:id="rId11"/>
   </p:sldIdLst>
-  <p:sldSz cx="18288000" cy="10287000" type="screen4x3"/>
+  <p:sldSz cx="18288000" cy="10287000"/>
   <p:notesSz cx="10287000" cy="18288000"/>
   <p:defaultTextStyle>
     <a:defPPr>
@@ -115,7 +115,18 @@
   </p:defaultTextStyle>
   <p:extLst>
     <p:ext uri="{EFAFB233-063F-42B5-8137-9DF3F51BA10A}">
-      <p15:sldGuideLst xmlns:p15="http://schemas.microsoft.com/office/powerpoint/2012/main"/>
+      <p15:sldGuideLst xmlns:p15="http://schemas.microsoft.com/office/powerpoint/2012/main">
+        <p15:guide id="1" orient="horz" pos="2160">
+          <p15:clr>
+            <a:srgbClr val="A4A3A4"/>
+          </p15:clr>
+        </p15:guide>
+        <p15:guide id="2" pos="2880">
+          <p15:clr>
+            <a:srgbClr val="A4A3A4"/>
+          </p15:clr>
+        </p15:guide>
+      </p15:sldGuideLst>
     </p:ext>
   </p:extLst>
 </p:presentation>
@@ -159,10 +170,9 @@
           <a:lstStyle/>
           <a:p>
             <a:r>
-              <a:rPr lang="en-US" smtClean="0"/>
+              <a:rPr lang="en-US"/>
               <a:t>Click to edit Master title style</a:t>
             </a:r>
-            <a:endParaRPr lang="en-US"/>
           </a:p>
         </p:txBody>
       </p:sp>
@@ -278,10 +288,9 @@
           </a:lstStyle>
           <a:p>
             <a:r>
-              <a:rPr lang="en-US" smtClean="0"/>
+              <a:rPr lang="en-US"/>
               <a:t>Click to edit Master subtitle style</a:t>
             </a:r>
-            <a:endParaRPr lang="en-US"/>
           </a:p>
         </p:txBody>
       </p:sp>
@@ -391,10 +400,9 @@
           <a:lstStyle/>
           <a:p>
             <a:r>
-              <a:rPr lang="en-US" smtClean="0"/>
+              <a:rPr lang="en-US"/>
               <a:t>Click to edit Master title style</a:t>
             </a:r>
-            <a:endParaRPr lang="en-US"/>
           </a:p>
         </p:txBody>
       </p:sp>
@@ -415,38 +423,37 @@
           <a:p>
             <a:pPr lvl="0"/>
             <a:r>
-              <a:rPr lang="en-US" smtClean="0"/>
+              <a:rPr lang="en-US"/>
               <a:t>Click to edit Master text styles</a:t>
             </a:r>
           </a:p>
           <a:p>
             <a:pPr lvl="1"/>
             <a:r>
-              <a:rPr lang="en-US" smtClean="0"/>
+              <a:rPr lang="en-US"/>
               <a:t>Second level</a:t>
             </a:r>
           </a:p>
           <a:p>
             <a:pPr lvl="2"/>
             <a:r>
-              <a:rPr lang="en-US" smtClean="0"/>
+              <a:rPr lang="en-US"/>
               <a:t>Third level</a:t>
             </a:r>
           </a:p>
           <a:p>
             <a:pPr lvl="3"/>
             <a:r>
-              <a:rPr lang="en-US" smtClean="0"/>
+              <a:rPr lang="en-US"/>
               <a:t>Fourth level</a:t>
             </a:r>
           </a:p>
           <a:p>
             <a:pPr lvl="4"/>
             <a:r>
-              <a:rPr lang="en-US" smtClean="0"/>
+              <a:rPr lang="en-US"/>
               <a:t>Fifth level</a:t>
             </a:r>
-            <a:endParaRPr lang="en-US"/>
           </a:p>
         </p:txBody>
       </p:sp>
@@ -467,7 +474,7 @@
           <a:p>
             <a:fld id="{A76116CE-C4A3-4A05-B2D7-7C2E9A889C0F}" type="datetimeFigureOut">
               <a:rPr lang="en-US" smtClean="0"/>
-              <a:t>1/30/2017</a:t>
+              <a:t>4/7/2023</a:t>
             </a:fld>
             <a:endParaRPr lang="en-US"/>
           </a:p>
@@ -561,10 +568,9 @@
           <a:lstStyle/>
           <a:p>
             <a:r>
-              <a:rPr lang="en-US" smtClean="0"/>
+              <a:rPr lang="en-US"/>
               <a:t>Click to edit Master title style</a:t>
             </a:r>
-            <a:endParaRPr lang="en-US"/>
           </a:p>
         </p:txBody>
       </p:sp>
@@ -590,38 +596,37 @@
           <a:p>
             <a:pPr lvl="0"/>
             <a:r>
-              <a:rPr lang="en-US" smtClean="0"/>
+              <a:rPr lang="en-US"/>
               <a:t>Click to edit Master text styles</a:t>
             </a:r>
           </a:p>
           <a:p>
             <a:pPr lvl="1"/>
             <a:r>
-              <a:rPr lang="en-US" smtClean="0"/>
+              <a:rPr lang="en-US"/>
               <a:t>Second level</a:t>
             </a:r>
           </a:p>
           <a:p>
             <a:pPr lvl="2"/>
             <a:r>
-              <a:rPr lang="en-US" smtClean="0"/>
+              <a:rPr lang="en-US"/>
               <a:t>Third level</a:t>
             </a:r>
           </a:p>
           <a:p>
             <a:pPr lvl="3"/>
             <a:r>
-              <a:rPr lang="en-US" smtClean="0"/>
+              <a:rPr lang="en-US"/>
               <a:t>Fourth level</a:t>
             </a:r>
           </a:p>
           <a:p>
             <a:pPr lvl="4"/>
             <a:r>
-              <a:rPr lang="en-US" smtClean="0"/>
+              <a:rPr lang="en-US"/>
               <a:t>Fifth level</a:t>
             </a:r>
-            <a:endParaRPr lang="en-US"/>
           </a:p>
         </p:txBody>
       </p:sp>
@@ -642,7 +647,7 @@
           <a:p>
             <a:fld id="{A76116CE-C4A3-4A05-B2D7-7C2E9A889C0F}" type="datetimeFigureOut">
               <a:rPr lang="en-US" smtClean="0"/>
-              <a:t>1/30/2017</a:t>
+              <a:t>4/7/2023</a:t>
             </a:fld>
             <a:endParaRPr lang="en-US"/>
           </a:p>
@@ -731,10 +736,9 @@
           <a:lstStyle/>
           <a:p>
             <a:r>
-              <a:rPr lang="en-US" smtClean="0"/>
+              <a:rPr lang="en-US"/>
               <a:t>Click to edit Master title style</a:t>
             </a:r>
-            <a:endParaRPr lang="en-US"/>
           </a:p>
         </p:txBody>
       </p:sp>
@@ -757,38 +761,37 @@
               <a:buChar char="•"/>
             </a:pPr>
             <a:r>
-              <a:rPr lang="en-US" smtClean="0"/>
+              <a:rPr lang="en-US"/>
               <a:t>Click to edit Master text styles</a:t>
             </a:r>
           </a:p>
           <a:p>
             <a:pPr lvl="1"/>
             <a:r>
-              <a:rPr lang="en-US" smtClean="0"/>
+              <a:rPr lang="en-US"/>
               <a:t>Second level</a:t>
             </a:r>
           </a:p>
           <a:p>
             <a:pPr lvl="2"/>
             <a:r>
-              <a:rPr lang="en-US" smtClean="0"/>
+              <a:rPr lang="en-US"/>
               <a:t>Third level</a:t>
             </a:r>
           </a:p>
           <a:p>
             <a:pPr lvl="3"/>
             <a:r>
-              <a:rPr lang="en-US" smtClean="0"/>
+              <a:rPr lang="en-US"/>
               <a:t>Fourth level</a:t>
             </a:r>
           </a:p>
           <a:p>
             <a:pPr lvl="4"/>
             <a:r>
-              <a:rPr lang="en-US" smtClean="0"/>
+              <a:rPr lang="en-US"/>
               <a:t>Fifth level</a:t>
             </a:r>
-            <a:endParaRPr lang="en-US"/>
           </a:p>
         </p:txBody>
       </p:sp>
@@ -907,10 +910,9 @@
           </a:lstStyle>
           <a:p>
             <a:r>
-              <a:rPr lang="en-US" smtClean="0"/>
+              <a:rPr lang="en-US"/>
               <a:t>Click to edit Master title style</a:t>
             </a:r>
-            <a:endParaRPr lang="en-US"/>
           </a:p>
         </p:txBody>
       </p:sp>
@@ -1027,7 +1029,7 @@
           <a:p>
             <a:pPr lvl="0"/>
             <a:r>
-              <a:rPr lang="en-US" smtClean="0"/>
+              <a:rPr lang="en-US"/>
               <a:t>Click to edit Master text styles</a:t>
             </a:r>
           </a:p>
@@ -1139,10 +1141,9 @@
           <a:lstStyle/>
           <a:p>
             <a:r>
-              <a:rPr lang="en-US" smtClean="0"/>
+              <a:rPr lang="en-US"/>
               <a:t>Click to edit Master title style</a:t>
             </a:r>
-            <a:endParaRPr lang="en-US"/>
           </a:p>
         </p:txBody>
       </p:sp>
@@ -1196,38 +1197,37 @@
           <a:p>
             <a:pPr lvl="0"/>
             <a:r>
-              <a:rPr lang="en-US" smtClean="0"/>
+              <a:rPr lang="en-US"/>
               <a:t>Click to edit Master text styles</a:t>
             </a:r>
           </a:p>
           <a:p>
             <a:pPr lvl="1"/>
             <a:r>
-              <a:rPr lang="en-US" smtClean="0"/>
+              <a:rPr lang="en-US"/>
               <a:t>Second level</a:t>
             </a:r>
           </a:p>
           <a:p>
             <a:pPr lvl="2"/>
             <a:r>
-              <a:rPr lang="en-US" smtClean="0"/>
+              <a:rPr lang="en-US"/>
               <a:t>Third level</a:t>
             </a:r>
           </a:p>
           <a:p>
             <a:pPr lvl="3"/>
             <a:r>
-              <a:rPr lang="en-US" smtClean="0"/>
+              <a:rPr lang="en-US"/>
               <a:t>Fourth level</a:t>
             </a:r>
           </a:p>
           <a:p>
             <a:pPr lvl="4"/>
             <a:r>
-              <a:rPr lang="en-US" smtClean="0"/>
+              <a:rPr lang="en-US"/>
               <a:t>Fifth level</a:t>
             </a:r>
-            <a:endParaRPr lang="en-US"/>
           </a:p>
         </p:txBody>
       </p:sp>
@@ -1281,38 +1281,37 @@
           <a:p>
             <a:pPr lvl="0"/>
             <a:r>
-              <a:rPr lang="en-US" smtClean="0"/>
+              <a:rPr lang="en-US"/>
               <a:t>Click to edit Master text styles</a:t>
             </a:r>
           </a:p>
           <a:p>
             <a:pPr lvl="1"/>
             <a:r>
-              <a:rPr lang="en-US" smtClean="0"/>
+              <a:rPr lang="en-US"/>
               <a:t>Second level</a:t>
             </a:r>
           </a:p>
           <a:p>
             <a:pPr lvl="2"/>
             <a:r>
-              <a:rPr lang="en-US" smtClean="0"/>
+              <a:rPr lang="en-US"/>
               <a:t>Third level</a:t>
             </a:r>
           </a:p>
           <a:p>
             <a:pPr lvl="3"/>
             <a:r>
-              <a:rPr lang="en-US" smtClean="0"/>
+              <a:rPr lang="en-US"/>
               <a:t>Fourth level</a:t>
             </a:r>
           </a:p>
           <a:p>
             <a:pPr lvl="4"/>
             <a:r>
-              <a:rPr lang="en-US" smtClean="0"/>
+              <a:rPr lang="en-US"/>
               <a:t>Fifth level</a:t>
             </a:r>
-            <a:endParaRPr lang="en-US"/>
           </a:p>
         </p:txBody>
       </p:sp>
@@ -1333,7 +1332,7 @@
           <a:p>
             <a:fld id="{A76116CE-C4A3-4A05-B2D7-7C2E9A889C0F}" type="datetimeFigureOut">
               <a:rPr lang="en-US" smtClean="0"/>
-              <a:t>1/30/2017</a:t>
+              <a:t>4/7/2023</a:t>
             </a:fld>
             <a:endParaRPr lang="en-US"/>
           </a:p>
@@ -1426,10 +1425,9 @@
           </a:lstStyle>
           <a:p>
             <a:r>
-              <a:rPr lang="en-US" smtClean="0"/>
+              <a:rPr lang="en-US"/>
               <a:t>Click to edit Master title style</a:t>
             </a:r>
-            <a:endParaRPr lang="en-US"/>
           </a:p>
         </p:txBody>
       </p:sp>
@@ -1492,7 +1490,7 @@
           <a:p>
             <a:pPr lvl="0"/>
             <a:r>
-              <a:rPr lang="en-US" smtClean="0"/>
+              <a:rPr lang="en-US"/>
               <a:t>Click to edit Master text styles</a:t>
             </a:r>
           </a:p>
@@ -1548,38 +1546,37 @@
           <a:p>
             <a:pPr lvl="0"/>
             <a:r>
-              <a:rPr lang="en-US" smtClean="0"/>
+              <a:rPr lang="en-US"/>
               <a:t>Click to edit Master text styles</a:t>
             </a:r>
           </a:p>
           <a:p>
             <a:pPr lvl="1"/>
             <a:r>
-              <a:rPr lang="en-US" smtClean="0"/>
+              <a:rPr lang="en-US"/>
               <a:t>Second level</a:t>
             </a:r>
           </a:p>
           <a:p>
             <a:pPr lvl="2"/>
             <a:r>
-              <a:rPr lang="en-US" smtClean="0"/>
+              <a:rPr lang="en-US"/>
               <a:t>Third level</a:t>
             </a:r>
           </a:p>
           <a:p>
             <a:pPr lvl="3"/>
             <a:r>
-              <a:rPr lang="en-US" smtClean="0"/>
+              <a:rPr lang="en-US"/>
               <a:t>Fourth level</a:t>
             </a:r>
           </a:p>
           <a:p>
             <a:pPr lvl="4"/>
             <a:r>
-              <a:rPr lang="en-US" smtClean="0"/>
+              <a:rPr lang="en-US"/>
               <a:t>Fifth level</a:t>
             </a:r>
-            <a:endParaRPr lang="en-US"/>
           </a:p>
         </p:txBody>
       </p:sp>
@@ -1642,7 +1639,7 @@
           <a:p>
             <a:pPr lvl="0"/>
             <a:r>
-              <a:rPr lang="en-US" smtClean="0"/>
+              <a:rPr lang="en-US"/>
               <a:t>Click to edit Master text styles</a:t>
             </a:r>
           </a:p>
@@ -1698,38 +1695,37 @@
           <a:p>
             <a:pPr lvl="0"/>
             <a:r>
-              <a:rPr lang="en-US" smtClean="0"/>
+              <a:rPr lang="en-US"/>
               <a:t>Click to edit Master text styles</a:t>
             </a:r>
           </a:p>
           <a:p>
             <a:pPr lvl="1"/>
             <a:r>
-              <a:rPr lang="en-US" smtClean="0"/>
+              <a:rPr lang="en-US"/>
               <a:t>Second level</a:t>
             </a:r>
           </a:p>
           <a:p>
             <a:pPr lvl="2"/>
             <a:r>
-              <a:rPr lang="en-US" smtClean="0"/>
+              <a:rPr lang="en-US"/>
               <a:t>Third level</a:t>
             </a:r>
           </a:p>
           <a:p>
             <a:pPr lvl="3"/>
             <a:r>
-              <a:rPr lang="en-US" smtClean="0"/>
+              <a:rPr lang="en-US"/>
               <a:t>Fourth level</a:t>
             </a:r>
           </a:p>
           <a:p>
             <a:pPr lvl="4"/>
             <a:r>
-              <a:rPr lang="en-US" smtClean="0"/>
+              <a:rPr lang="en-US"/>
               <a:t>Fifth level</a:t>
             </a:r>
-            <a:endParaRPr lang="en-US"/>
           </a:p>
         </p:txBody>
       </p:sp>
@@ -1750,7 +1746,7 @@
           <a:p>
             <a:fld id="{A76116CE-C4A3-4A05-B2D7-7C2E9A889C0F}" type="datetimeFigureOut">
               <a:rPr lang="en-US" smtClean="0"/>
-              <a:t>1/30/2017</a:t>
+              <a:t>4/7/2023</a:t>
             </a:fld>
             <a:endParaRPr lang="en-US"/>
           </a:p>
@@ -1839,10 +1835,9 @@
           <a:lstStyle/>
           <a:p>
             <a:r>
-              <a:rPr lang="en-US" smtClean="0"/>
+              <a:rPr lang="en-US"/>
               <a:t>Click to edit Master title style</a:t>
             </a:r>
-            <a:endParaRPr lang="en-US"/>
           </a:p>
         </p:txBody>
       </p:sp>
@@ -1863,7 +1858,7 @@
           <a:p>
             <a:fld id="{A76116CE-C4A3-4A05-B2D7-7C2E9A889C0F}" type="datetimeFigureOut">
               <a:rPr lang="en-US" smtClean="0"/>
-              <a:t>1/30/2017</a:t>
+              <a:t>4/7/2023</a:t>
             </a:fld>
             <a:endParaRPr lang="en-US"/>
           </a:p>
@@ -1953,7 +1948,7 @@
           <a:p>
             <a:fld id="{A76116CE-C4A3-4A05-B2D7-7C2E9A889C0F}" type="datetimeFigureOut">
               <a:rPr lang="en-US" smtClean="0"/>
-              <a:t>1/30/2017</a:t>
+              <a:t>4/7/2023</a:t>
             </a:fld>
             <a:endParaRPr lang="en-US"/>
           </a:p>
@@ -2051,10 +2046,9 @@
           </a:lstStyle>
           <a:p>
             <a:r>
-              <a:rPr lang="en-US" smtClean="0"/>
+              <a:rPr lang="en-US"/>
               <a:t>Click to edit Master title style</a:t>
             </a:r>
-            <a:endParaRPr lang="en-US"/>
           </a:p>
         </p:txBody>
       </p:sp>
@@ -2108,38 +2102,37 @@
           <a:p>
             <a:pPr lvl="0"/>
             <a:r>
-              <a:rPr lang="en-US" smtClean="0"/>
+              <a:rPr lang="en-US"/>
               <a:t>Click to edit Master text styles</a:t>
             </a:r>
           </a:p>
           <a:p>
             <a:pPr lvl="1"/>
             <a:r>
-              <a:rPr lang="en-US" smtClean="0"/>
+              <a:rPr lang="en-US"/>
               <a:t>Second level</a:t>
             </a:r>
           </a:p>
           <a:p>
             <a:pPr lvl="2"/>
             <a:r>
-              <a:rPr lang="en-US" smtClean="0"/>
+              <a:rPr lang="en-US"/>
               <a:t>Third level</a:t>
             </a:r>
           </a:p>
           <a:p>
             <a:pPr lvl="3"/>
             <a:r>
-              <a:rPr lang="en-US" smtClean="0"/>
+              <a:rPr lang="en-US"/>
               <a:t>Fourth level</a:t>
             </a:r>
           </a:p>
           <a:p>
             <a:pPr lvl="4"/>
             <a:r>
-              <a:rPr lang="en-US" smtClean="0"/>
+              <a:rPr lang="en-US"/>
               <a:t>Fifth level</a:t>
             </a:r>
-            <a:endParaRPr lang="en-US"/>
           </a:p>
         </p:txBody>
       </p:sp>
@@ -2202,7 +2195,7 @@
           <a:p>
             <a:pPr lvl="0"/>
             <a:r>
-              <a:rPr lang="en-US" smtClean="0"/>
+              <a:rPr lang="en-US"/>
               <a:t>Click to edit Master text styles</a:t>
             </a:r>
           </a:p>
@@ -2225,7 +2218,7 @@
           <a:p>
             <a:fld id="{A76116CE-C4A3-4A05-B2D7-7C2E9A889C0F}" type="datetimeFigureOut">
               <a:rPr lang="en-US" smtClean="0"/>
-              <a:t>1/30/2017</a:t>
+              <a:t>4/7/2023</a:t>
             </a:fld>
             <a:endParaRPr lang="en-US"/>
           </a:p>
@@ -2323,10 +2316,9 @@
           </a:lstStyle>
           <a:p>
             <a:r>
-              <a:rPr lang="en-US" smtClean="0"/>
+              <a:rPr lang="en-US"/>
               <a:t>Click to edit Master title style</a:t>
             </a:r>
-            <a:endParaRPr lang="en-US"/>
           </a:p>
         </p:txBody>
       </p:sp>
@@ -2450,7 +2442,7 @@
           <a:p>
             <a:pPr lvl="0"/>
             <a:r>
-              <a:rPr lang="en-US" smtClean="0"/>
+              <a:rPr lang="en-US"/>
               <a:t>Click to edit Master text styles</a:t>
             </a:r>
           </a:p>
@@ -2473,7 +2465,7 @@
           <a:p>
             <a:fld id="{A76116CE-C4A3-4A05-B2D7-7C2E9A889C0F}" type="datetimeFigureOut">
               <a:rPr lang="en-US" smtClean="0"/>
-              <a:t>1/30/2017</a:t>
+              <a:t>4/7/2023</a:t>
             </a:fld>
             <a:endParaRPr lang="en-US"/>
           </a:p>
@@ -2577,10 +2569,9 @@
           <a:lstStyle/>
           <a:p>
             <a:r>
-              <a:rPr lang="en-US" smtClean="0"/>
+              <a:rPr lang="en-US"/>
               <a:t>Click to edit Master title style</a:t>
             </a:r>
-            <a:endParaRPr lang="en-US"/>
           </a:p>
         </p:txBody>
       </p:sp>
@@ -2611,38 +2602,37 @@
           <a:p>
             <a:pPr lvl="0"/>
             <a:r>
-              <a:rPr lang="en-US" smtClean="0"/>
+              <a:rPr lang="en-US"/>
               <a:t>Click to edit Master text styles</a:t>
             </a:r>
           </a:p>
           <a:p>
             <a:pPr lvl="1"/>
             <a:r>
-              <a:rPr lang="en-US" smtClean="0"/>
+              <a:rPr lang="en-US"/>
               <a:t>Second level</a:t>
             </a:r>
           </a:p>
           <a:p>
             <a:pPr lvl="2"/>
             <a:r>
-              <a:rPr lang="en-US" smtClean="0"/>
+              <a:rPr lang="en-US"/>
               <a:t>Third level</a:t>
             </a:r>
           </a:p>
           <a:p>
             <a:pPr lvl="3"/>
             <a:r>
-              <a:rPr lang="en-US" smtClean="0"/>
+              <a:rPr lang="en-US"/>
               <a:t>Fourth level</a:t>
             </a:r>
           </a:p>
           <a:p>
             <a:pPr lvl="4"/>
             <a:r>
-              <a:rPr lang="en-US" smtClean="0"/>
+              <a:rPr lang="en-US"/>
               <a:t>Fifth level</a:t>
             </a:r>
-            <a:endParaRPr lang="en-US"/>
           </a:p>
         </p:txBody>
       </p:sp>
@@ -2681,7 +2671,7 @@
           <a:p>
             <a:fld id="{F8166F1F-CE9B-4651-A6AA-CD717754106B}" type="datetimeFigureOut">
               <a:rPr lang="en-US" smtClean="0"/>
-              <a:t>6/13/2013</a:t>
+              <a:t>4/7/2023</a:t>
             </a:fld>
             <a:endParaRPr lang="en-US"/>
           </a:p>
@@ -2759,7 +2749,7 @@
           <a:p>
             <a:fld id="{F7021451-1387-4CA6-816F-3879F97B5CBC}" type="slidenum">
               <a:rPr lang="en-US" smtClean="0"/>
-              <a:t>�#�</a:t>
+              <a:t>‹#›</a:t>
             </a:fld>
             <a:endParaRPr lang="en-US"/>
           </a:p>
@@ -2770,16 +2760,16 @@
   <p:clrMap bg1="lt1" tx1="dk1" bg2="lt2" tx2="dk2" accent1="accent1" accent2="accent2" accent3="accent3" accent4="accent4" accent5="accent5" accent6="accent6" hlink="hlink" folHlink="folHlink"/>
   <p:sldLayoutIdLst>
     <p:sldLayoutId id="2147483649" r:id="rId1"/>
-    <p:sldLayoutId id="2147483650" r:id="rId3"/>
-    <p:sldLayoutId id="2147483651" r:id="rId4"/>
-    <p:sldLayoutId id="2147483652" r:id="rId5"/>
-    <p:sldLayoutId id="2147483653" r:id="rId6"/>
-    <p:sldLayoutId id="2147483654" r:id="rId7"/>
-    <p:sldLayoutId id="2147483655" r:id="rId8"/>
-    <p:sldLayoutId id="2147483656" r:id="rId9"/>
-    <p:sldLayoutId id="2147483657" r:id="rId10"/>
-    <p:sldLayoutId id="2147483658" r:id="rId11"/>
-    <p:sldLayoutId id="2147483659" r:id="rId12"/>
+    <p:sldLayoutId id="2147483650" r:id="rId2"/>
+    <p:sldLayoutId id="2147483651" r:id="rId3"/>
+    <p:sldLayoutId id="2147483652" r:id="rId4"/>
+    <p:sldLayoutId id="2147483653" r:id="rId5"/>
+    <p:sldLayoutId id="2147483654" r:id="rId6"/>
+    <p:sldLayoutId id="2147483655" r:id="rId7"/>
+    <p:sldLayoutId id="2147483656" r:id="rId8"/>
+    <p:sldLayoutId id="2147483657" r:id="rId9"/>
+    <p:sldLayoutId id="2147483658" r:id="rId10"/>
+    <p:sldLayoutId id="2147483659" r:id="rId11"/>
   </p:sldLayoutIdLst>
   <p:txStyles>
     <p:titleStyle>
@@ -3281,30 +3271,6 @@
           </p:spPr>
         </p:pic>
       </p:grpSp>
-      <p:pic>
-        <p:nvPicPr>
-          <p:cNvPr id="6" name="Object 5"/>
-          <p:cNvPicPr>
-            <a:picLocks noChangeAspect="1"/>
-          </p:cNvPicPr>
-          <p:nvPr/>
-        </p:nvPicPr>
-        <p:blipFill>
-          <a:blip r:embed="rId4" cstate="print"/>
-          <a:stretch>
-            <a:fillRect/>
-          </a:stretch>
-        </p:blipFill>
-        <p:spPr>
-          <a:xfrm>
-            <a:off x="595434" y="247600"/>
-            <a:ext cx="3512328" cy="662556"/>
-          </a:xfrm>
-          <a:prstGeom prst="rect">
-            <a:avLst/>
-          </a:prstGeom>
-        </p:spPr>
-      </p:pic>
       <p:grpSp>
         <p:nvGrpSpPr>
           <p:cNvPr id="1002" name="그룹 1002"/>
@@ -3342,7 +3308,7 @@
               <p:nvPr/>
             </p:nvPicPr>
             <p:blipFill>
-              <a:blip r:embed="rId5" cstate="print"/>
+              <a:blip r:embed="rId4" cstate="print"/>
               <a:stretch>
                 <a:fillRect/>
               </a:stretch>
@@ -3367,7 +3333,7 @@
             <p:nvPr/>
           </p:nvPicPr>
           <p:blipFill>
-            <a:blip r:embed="rId6" cstate="print"/>
+            <a:blip r:embed="rId5" cstate="print"/>
             <a:stretch>
               <a:fillRect/>
             </a:stretch>
@@ -3391,7 +3357,7 @@
             <p:nvPr/>
           </p:nvPicPr>
           <p:blipFill>
-            <a:blip r:embed="rId7" cstate="print"/>
+            <a:blip r:embed="rId6" cstate="print"/>
             <a:stretch>
               <a:fillRect/>
             </a:stretch>
@@ -3429,7 +3395,7 @@
               <p:nvPr/>
             </p:nvPicPr>
             <p:blipFill>
-              <a:blip r:embed="rId8" cstate="print"/>
+              <a:blip r:embed="rId7" cstate="print"/>
               <a:stretch>
                 <a:fillRect/>
               </a:stretch>
@@ -3454,7 +3420,7 @@
             <p:nvPr/>
           </p:nvPicPr>
           <p:blipFill>
-            <a:blip r:embed="rId9" cstate="print"/>
+            <a:blip r:embed="rId8" cstate="print"/>
             <a:stretch>
               <a:fillRect/>
             </a:stretch>
@@ -3478,7 +3444,7 @@
             <p:nvPr/>
           </p:nvPicPr>
           <p:blipFill>
-            <a:blip r:embed="rId10" cstate="print"/>
+            <a:blip r:embed="rId9" cstate="print"/>
             <a:stretch>
               <a:fillRect/>
             </a:stretch>
@@ -3516,7 +3482,7 @@
               <p:nvPr/>
             </p:nvPicPr>
             <p:blipFill>
-              <a:blip r:embed="rId11" cstate="print"/>
+              <a:blip r:embed="rId10" cstate="print"/>
               <a:stretch>
                 <a:fillRect/>
               </a:stretch>
@@ -3541,7 +3507,7 @@
             <p:nvPr/>
           </p:nvPicPr>
           <p:blipFill>
-            <a:blip r:embed="rId12" cstate="print"/>
+            <a:blip r:embed="rId11" cstate="print"/>
             <a:stretch>
               <a:fillRect/>
             </a:stretch>
@@ -3565,7 +3531,7 @@
             <p:nvPr/>
           </p:nvPicPr>
           <p:blipFill>
-            <a:blip r:embed="rId13" cstate="print"/>
+            <a:blip r:embed="rId12" cstate="print"/>
             <a:stretch>
               <a:fillRect/>
             </a:stretch>
@@ -3603,7 +3569,7 @@
               <p:nvPr/>
             </p:nvPicPr>
             <p:blipFill>
-              <a:blip r:embed="rId14" cstate="print"/>
+              <a:blip r:embed="rId13" cstate="print"/>
               <a:stretch>
                 <a:fillRect/>
               </a:stretch>
@@ -3628,7 +3594,7 @@
             <p:nvPr/>
           </p:nvPicPr>
           <p:blipFill>
-            <a:blip r:embed="rId15" cstate="print"/>
+            <a:blip r:embed="rId14" cstate="print"/>
             <a:stretch>
               <a:fillRect/>
             </a:stretch>
@@ -3652,7 +3618,7 @@
             <p:nvPr/>
           </p:nvPicPr>
           <p:blipFill>
-            <a:blip r:embed="rId16" cstate="print"/>
+            <a:blip r:embed="rId15" cstate="print"/>
             <a:stretch>
               <a:fillRect/>
             </a:stretch>
@@ -3690,7 +3656,7 @@
               <p:nvPr/>
             </p:nvPicPr>
             <p:blipFill>
-              <a:blip r:embed="rId17" cstate="print"/>
+              <a:blip r:embed="rId16" cstate="print"/>
               <a:stretch>
                 <a:fillRect/>
               </a:stretch>
@@ -3715,7 +3681,7 @@
             <p:nvPr/>
           </p:nvPicPr>
           <p:blipFill>
-            <a:blip r:embed="rId18" cstate="print"/>
+            <a:blip r:embed="rId17" cstate="print"/>
             <a:stretch>
               <a:fillRect/>
             </a:stretch>
@@ -5624,7 +5590,7 @@
                 <p:nvPr/>
               </p:nvPicPr>
               <p:blipFill>
-                <a:blip r:embed="rId11" cstate="print"/>
+                <a:blip r:embed="rId7" cstate="print"/>
                 <a:stretch>
                   <a:fillRect/>
                 </a:stretch>
@@ -5649,7 +5615,7 @@
               <p:nvPr/>
             </p:nvPicPr>
             <p:blipFill>
-              <a:blip r:embed="rId12" cstate="print"/>
+              <a:blip r:embed="rId11" cstate="print"/>
               <a:stretch>
                 <a:fillRect/>
               </a:stretch>
@@ -5687,7 +5653,7 @@
                 <p:nvPr/>
               </p:nvPicPr>
               <p:blipFill>
-                <a:blip r:embed="rId13" cstate="print"/>
+                <a:blip r:embed="rId9" cstate="print"/>
                 <a:stretch>
                   <a:fillRect/>
                 </a:stretch>
@@ -5712,7 +5678,7 @@
               <p:nvPr/>
             </p:nvPicPr>
             <p:blipFill>
-              <a:blip r:embed="rId14" cstate="print"/>
+              <a:blip r:embed="rId12" cstate="print"/>
               <a:stretch>
                 <a:fillRect/>
               </a:stretch>
@@ -5750,7 +5716,7 @@
                 <p:nvPr/>
               </p:nvPicPr>
               <p:blipFill>
-                <a:blip r:embed="rId15" cstate="print"/>
+                <a:blip r:embed="rId7" cstate="print"/>
                 <a:stretch>
                   <a:fillRect/>
                 </a:stretch>
@@ -5775,7 +5741,7 @@
               <p:nvPr/>
             </p:nvPicPr>
             <p:blipFill>
-              <a:blip r:embed="rId16" cstate="print"/>
+              <a:blip r:embed="rId13" cstate="print"/>
               <a:stretch>
                 <a:fillRect/>
               </a:stretch>
@@ -5843,7 +5809,7 @@
                 <p:nvPr/>
               </p:nvPicPr>
               <p:blipFill>
-                <a:blip r:embed="rId17" cstate="print"/>
+                <a:blip r:embed="rId14" cstate="print"/>
                 <a:stretch>
                   <a:fillRect/>
                 </a:stretch>
@@ -5882,7 +5848,7 @@
                 <p:nvPr/>
               </p:nvPicPr>
               <p:blipFill>
-                <a:blip r:embed="rId18" cstate="print"/>
+                <a:blip r:embed="rId15" cstate="print"/>
                 <a:stretch>
                   <a:fillRect/>
                 </a:stretch>
@@ -5921,7 +5887,7 @@
                 <p:nvPr/>
               </p:nvPicPr>
               <p:blipFill>
-                <a:blip r:embed="rId19" cstate="print"/>
+                <a:blip r:embed="rId16" cstate="print"/>
                 <a:stretch>
                   <a:fillRect/>
                 </a:stretch>
@@ -5961,7 +5927,7 @@
               <p:nvPr/>
             </p:nvPicPr>
             <p:blipFill>
-              <a:blip r:embed="rId20" cstate="print"/>
+              <a:blip r:embed="rId17" cstate="print"/>
               <a:stretch>
                 <a:fillRect/>
               </a:stretch>
@@ -5986,7 +5952,7 @@
             <p:nvPr/>
           </p:nvPicPr>
           <p:blipFill>
-            <a:blip r:embed="rId21" cstate="print"/>
+            <a:blip r:embed="rId18" cstate="print"/>
             <a:stretch>
               <a:fillRect/>
             </a:stretch>
@@ -6039,7 +6005,7 @@
               <p:nvPr/>
             </p:nvPicPr>
             <p:blipFill>
-              <a:blip r:embed="rId22" cstate="print"/>
+              <a:blip r:embed="rId19" cstate="print"/>
               <a:stretch>
                 <a:fillRect/>
               </a:stretch>
@@ -6064,7 +6030,7 @@
             <p:nvPr/>
           </p:nvPicPr>
           <p:blipFill>
-            <a:blip r:embed="rId23" cstate="print"/>
+            <a:blip r:embed="rId20" cstate="print"/>
             <a:stretch>
               <a:fillRect/>
             </a:stretch>
@@ -6102,7 +6068,7 @@
               <p:nvPr/>
             </p:nvPicPr>
             <p:blipFill>
-              <a:blip r:embed="rId24" cstate="print"/>
+              <a:blip r:embed="rId21" cstate="print"/>
               <a:stretch>
                 <a:fillRect/>
               </a:stretch>
@@ -6127,7 +6093,7 @@
             <p:nvPr/>
           </p:nvPicPr>
           <p:blipFill>
-            <a:blip r:embed="rId25" cstate="print"/>
+            <a:blip r:embed="rId22" cstate="print"/>
             <a:stretch>
               <a:fillRect/>
             </a:stretch>

--- a/KB2023_DB_PROJECT_PPT_서정빈.pptx
+++ b/KB2023_DB_PROJECT_PPT_서정빈.pptx
@@ -15,8 +15,9 @@
     <p:sldId id="263" r:id="rId9"/>
     <p:sldId id="264" r:id="rId10"/>
     <p:sldId id="265" r:id="rId11"/>
+    <p:sldId id="266" r:id="rId12"/>
   </p:sldIdLst>
-  <p:sldSz cx="18288000" cy="10287000"/>
+  <p:sldSz cx="18288000" cy="10287000" type="screen4x3"/>
   <p:notesSz cx="10287000" cy="18288000"/>
   <p:defaultTextStyle>
     <a:defPPr>
@@ -115,18 +116,7 @@
   </p:defaultTextStyle>
   <p:extLst>
     <p:ext uri="{EFAFB233-063F-42B5-8137-9DF3F51BA10A}">
-      <p15:sldGuideLst xmlns:p15="http://schemas.microsoft.com/office/powerpoint/2012/main">
-        <p15:guide id="1" orient="horz" pos="2160">
-          <p15:clr>
-            <a:srgbClr val="A4A3A4"/>
-          </p15:clr>
-        </p15:guide>
-        <p15:guide id="2" pos="2880">
-          <p15:clr>
-            <a:srgbClr val="A4A3A4"/>
-          </p15:clr>
-        </p15:guide>
-      </p15:sldGuideLst>
+      <p15:sldGuideLst xmlns:p15="http://schemas.microsoft.com/office/powerpoint/2012/main"/>
     </p:ext>
   </p:extLst>
 </p:presentation>
@@ -170,9 +160,10 @@
           <a:lstStyle/>
           <a:p>
             <a:r>
-              <a:rPr lang="en-US"/>
+              <a:rPr lang="en-US" smtClean="0"/>
               <a:t>Click to edit Master title style</a:t>
             </a:r>
+            <a:endParaRPr lang="en-US"/>
           </a:p>
         </p:txBody>
       </p:sp>
@@ -288,9 +279,10 @@
           </a:lstStyle>
           <a:p>
             <a:r>
-              <a:rPr lang="en-US"/>
+              <a:rPr lang="en-US" smtClean="0"/>
               <a:t>Click to edit Master subtitle style</a:t>
             </a:r>
+            <a:endParaRPr lang="en-US"/>
           </a:p>
         </p:txBody>
       </p:sp>
@@ -400,9 +392,10 @@
           <a:lstStyle/>
           <a:p>
             <a:r>
-              <a:rPr lang="en-US"/>
+              <a:rPr lang="en-US" smtClean="0"/>
               <a:t>Click to edit Master title style</a:t>
             </a:r>
+            <a:endParaRPr lang="en-US"/>
           </a:p>
         </p:txBody>
       </p:sp>
@@ -423,37 +416,38 @@
           <a:p>
             <a:pPr lvl="0"/>
             <a:r>
-              <a:rPr lang="en-US"/>
+              <a:rPr lang="en-US" smtClean="0"/>
               <a:t>Click to edit Master text styles</a:t>
             </a:r>
           </a:p>
           <a:p>
             <a:pPr lvl="1"/>
             <a:r>
-              <a:rPr lang="en-US"/>
+              <a:rPr lang="en-US" smtClean="0"/>
               <a:t>Second level</a:t>
             </a:r>
           </a:p>
           <a:p>
             <a:pPr lvl="2"/>
             <a:r>
-              <a:rPr lang="en-US"/>
+              <a:rPr lang="en-US" smtClean="0"/>
               <a:t>Third level</a:t>
             </a:r>
           </a:p>
           <a:p>
             <a:pPr lvl="3"/>
             <a:r>
-              <a:rPr lang="en-US"/>
+              <a:rPr lang="en-US" smtClean="0"/>
               <a:t>Fourth level</a:t>
             </a:r>
           </a:p>
           <a:p>
             <a:pPr lvl="4"/>
             <a:r>
-              <a:rPr lang="en-US"/>
+              <a:rPr lang="en-US" smtClean="0"/>
               <a:t>Fifth level</a:t>
             </a:r>
+            <a:endParaRPr lang="en-US"/>
           </a:p>
         </p:txBody>
       </p:sp>
@@ -474,7 +468,7 @@
           <a:p>
             <a:fld id="{A76116CE-C4A3-4A05-B2D7-7C2E9A889C0F}" type="datetimeFigureOut">
               <a:rPr lang="en-US" smtClean="0"/>
-              <a:t>4/7/2023</a:t>
+              <a:t>1/30/2017</a:t>
             </a:fld>
             <a:endParaRPr lang="en-US"/>
           </a:p>
@@ -568,9 +562,10 @@
           <a:lstStyle/>
           <a:p>
             <a:r>
-              <a:rPr lang="en-US"/>
+              <a:rPr lang="en-US" smtClean="0"/>
               <a:t>Click to edit Master title style</a:t>
             </a:r>
+            <a:endParaRPr lang="en-US"/>
           </a:p>
         </p:txBody>
       </p:sp>
@@ -596,37 +591,38 @@
           <a:p>
             <a:pPr lvl="0"/>
             <a:r>
-              <a:rPr lang="en-US"/>
+              <a:rPr lang="en-US" smtClean="0"/>
               <a:t>Click to edit Master text styles</a:t>
             </a:r>
           </a:p>
           <a:p>
             <a:pPr lvl="1"/>
             <a:r>
-              <a:rPr lang="en-US"/>
+              <a:rPr lang="en-US" smtClean="0"/>
               <a:t>Second level</a:t>
             </a:r>
           </a:p>
           <a:p>
             <a:pPr lvl="2"/>
             <a:r>
-              <a:rPr lang="en-US"/>
+              <a:rPr lang="en-US" smtClean="0"/>
               <a:t>Third level</a:t>
             </a:r>
           </a:p>
           <a:p>
             <a:pPr lvl="3"/>
             <a:r>
-              <a:rPr lang="en-US"/>
+              <a:rPr lang="en-US" smtClean="0"/>
               <a:t>Fourth level</a:t>
             </a:r>
           </a:p>
           <a:p>
             <a:pPr lvl="4"/>
             <a:r>
-              <a:rPr lang="en-US"/>
+              <a:rPr lang="en-US" smtClean="0"/>
               <a:t>Fifth level</a:t>
             </a:r>
+            <a:endParaRPr lang="en-US"/>
           </a:p>
         </p:txBody>
       </p:sp>
@@ -647,7 +643,7 @@
           <a:p>
             <a:fld id="{A76116CE-C4A3-4A05-B2D7-7C2E9A889C0F}" type="datetimeFigureOut">
               <a:rPr lang="en-US" smtClean="0"/>
-              <a:t>4/7/2023</a:t>
+              <a:t>1/30/2017</a:t>
             </a:fld>
             <a:endParaRPr lang="en-US"/>
           </a:p>
@@ -736,9 +732,10 @@
           <a:lstStyle/>
           <a:p>
             <a:r>
-              <a:rPr lang="en-US"/>
+              <a:rPr lang="en-US" smtClean="0"/>
               <a:t>Click to edit Master title style</a:t>
             </a:r>
+            <a:endParaRPr lang="en-US"/>
           </a:p>
         </p:txBody>
       </p:sp>
@@ -761,37 +758,38 @@
               <a:buChar char="•"/>
             </a:pPr>
             <a:r>
-              <a:rPr lang="en-US"/>
+              <a:rPr lang="en-US" smtClean="0"/>
               <a:t>Click to edit Master text styles</a:t>
             </a:r>
           </a:p>
           <a:p>
             <a:pPr lvl="1"/>
             <a:r>
-              <a:rPr lang="en-US"/>
+              <a:rPr lang="en-US" smtClean="0"/>
               <a:t>Second level</a:t>
             </a:r>
           </a:p>
           <a:p>
             <a:pPr lvl="2"/>
             <a:r>
-              <a:rPr lang="en-US"/>
+              <a:rPr lang="en-US" smtClean="0"/>
               <a:t>Third level</a:t>
             </a:r>
           </a:p>
           <a:p>
             <a:pPr lvl="3"/>
             <a:r>
-              <a:rPr lang="en-US"/>
+              <a:rPr lang="en-US" smtClean="0"/>
               <a:t>Fourth level</a:t>
             </a:r>
           </a:p>
           <a:p>
             <a:pPr lvl="4"/>
             <a:r>
-              <a:rPr lang="en-US"/>
+              <a:rPr lang="en-US" smtClean="0"/>
               <a:t>Fifth level</a:t>
             </a:r>
+            <a:endParaRPr lang="en-US"/>
           </a:p>
         </p:txBody>
       </p:sp>
@@ -910,9 +908,10 @@
           </a:lstStyle>
           <a:p>
             <a:r>
-              <a:rPr lang="en-US"/>
+              <a:rPr lang="en-US" smtClean="0"/>
               <a:t>Click to edit Master title style</a:t>
             </a:r>
+            <a:endParaRPr lang="en-US"/>
           </a:p>
         </p:txBody>
       </p:sp>
@@ -1029,7 +1028,7 @@
           <a:p>
             <a:pPr lvl="0"/>
             <a:r>
-              <a:rPr lang="en-US"/>
+              <a:rPr lang="en-US" smtClean="0"/>
               <a:t>Click to edit Master text styles</a:t>
             </a:r>
           </a:p>
@@ -1141,9 +1140,10 @@
           <a:lstStyle/>
           <a:p>
             <a:r>
-              <a:rPr lang="en-US"/>
+              <a:rPr lang="en-US" smtClean="0"/>
               <a:t>Click to edit Master title style</a:t>
             </a:r>
+            <a:endParaRPr lang="en-US"/>
           </a:p>
         </p:txBody>
       </p:sp>
@@ -1197,37 +1197,38 @@
           <a:p>
             <a:pPr lvl="0"/>
             <a:r>
-              <a:rPr lang="en-US"/>
+              <a:rPr lang="en-US" smtClean="0"/>
               <a:t>Click to edit Master text styles</a:t>
             </a:r>
           </a:p>
           <a:p>
             <a:pPr lvl="1"/>
             <a:r>
-              <a:rPr lang="en-US"/>
+              <a:rPr lang="en-US" smtClean="0"/>
               <a:t>Second level</a:t>
             </a:r>
           </a:p>
           <a:p>
             <a:pPr lvl="2"/>
             <a:r>
-              <a:rPr lang="en-US"/>
+              <a:rPr lang="en-US" smtClean="0"/>
               <a:t>Third level</a:t>
             </a:r>
           </a:p>
           <a:p>
             <a:pPr lvl="3"/>
             <a:r>
-              <a:rPr lang="en-US"/>
+              <a:rPr lang="en-US" smtClean="0"/>
               <a:t>Fourth level</a:t>
             </a:r>
           </a:p>
           <a:p>
             <a:pPr lvl="4"/>
             <a:r>
-              <a:rPr lang="en-US"/>
+              <a:rPr lang="en-US" smtClean="0"/>
               <a:t>Fifth level</a:t>
             </a:r>
+            <a:endParaRPr lang="en-US"/>
           </a:p>
         </p:txBody>
       </p:sp>
@@ -1281,37 +1282,38 @@
           <a:p>
             <a:pPr lvl="0"/>
             <a:r>
-              <a:rPr lang="en-US"/>
+              <a:rPr lang="en-US" smtClean="0"/>
               <a:t>Click to edit Master text styles</a:t>
             </a:r>
           </a:p>
           <a:p>
             <a:pPr lvl="1"/>
             <a:r>
-              <a:rPr lang="en-US"/>
+              <a:rPr lang="en-US" smtClean="0"/>
               <a:t>Second level</a:t>
             </a:r>
           </a:p>
           <a:p>
             <a:pPr lvl="2"/>
             <a:r>
-              <a:rPr lang="en-US"/>
+              <a:rPr lang="en-US" smtClean="0"/>
               <a:t>Third level</a:t>
             </a:r>
           </a:p>
           <a:p>
             <a:pPr lvl="3"/>
             <a:r>
-              <a:rPr lang="en-US"/>
+              <a:rPr lang="en-US" smtClean="0"/>
               <a:t>Fourth level</a:t>
             </a:r>
           </a:p>
           <a:p>
             <a:pPr lvl="4"/>
             <a:r>
-              <a:rPr lang="en-US"/>
+              <a:rPr lang="en-US" smtClean="0"/>
               <a:t>Fifth level</a:t>
             </a:r>
+            <a:endParaRPr lang="en-US"/>
           </a:p>
         </p:txBody>
       </p:sp>
@@ -1332,7 +1334,7 @@
           <a:p>
             <a:fld id="{A76116CE-C4A3-4A05-B2D7-7C2E9A889C0F}" type="datetimeFigureOut">
               <a:rPr lang="en-US" smtClean="0"/>
-              <a:t>4/7/2023</a:t>
+              <a:t>1/30/2017</a:t>
             </a:fld>
             <a:endParaRPr lang="en-US"/>
           </a:p>
@@ -1425,9 +1427,10 @@
           </a:lstStyle>
           <a:p>
             <a:r>
-              <a:rPr lang="en-US"/>
+              <a:rPr lang="en-US" smtClean="0"/>
               <a:t>Click to edit Master title style</a:t>
             </a:r>
+            <a:endParaRPr lang="en-US"/>
           </a:p>
         </p:txBody>
       </p:sp>
@@ -1490,7 +1493,7 @@
           <a:p>
             <a:pPr lvl="0"/>
             <a:r>
-              <a:rPr lang="en-US"/>
+              <a:rPr lang="en-US" smtClean="0"/>
               <a:t>Click to edit Master text styles</a:t>
             </a:r>
           </a:p>
@@ -1546,37 +1549,38 @@
           <a:p>
             <a:pPr lvl="0"/>
             <a:r>
-              <a:rPr lang="en-US"/>
+              <a:rPr lang="en-US" smtClean="0"/>
               <a:t>Click to edit Master text styles</a:t>
             </a:r>
           </a:p>
           <a:p>
             <a:pPr lvl="1"/>
             <a:r>
-              <a:rPr lang="en-US"/>
+              <a:rPr lang="en-US" smtClean="0"/>
               <a:t>Second level</a:t>
             </a:r>
           </a:p>
           <a:p>
             <a:pPr lvl="2"/>
             <a:r>
-              <a:rPr lang="en-US"/>
+              <a:rPr lang="en-US" smtClean="0"/>
               <a:t>Third level</a:t>
             </a:r>
           </a:p>
           <a:p>
             <a:pPr lvl="3"/>
             <a:r>
-              <a:rPr lang="en-US"/>
+              <a:rPr lang="en-US" smtClean="0"/>
               <a:t>Fourth level</a:t>
             </a:r>
           </a:p>
           <a:p>
             <a:pPr lvl="4"/>
             <a:r>
-              <a:rPr lang="en-US"/>
+              <a:rPr lang="en-US" smtClean="0"/>
               <a:t>Fifth level</a:t>
             </a:r>
+            <a:endParaRPr lang="en-US"/>
           </a:p>
         </p:txBody>
       </p:sp>
@@ -1639,7 +1643,7 @@
           <a:p>
             <a:pPr lvl="0"/>
             <a:r>
-              <a:rPr lang="en-US"/>
+              <a:rPr lang="en-US" smtClean="0"/>
               <a:t>Click to edit Master text styles</a:t>
             </a:r>
           </a:p>
@@ -1695,37 +1699,38 @@
           <a:p>
             <a:pPr lvl="0"/>
             <a:r>
-              <a:rPr lang="en-US"/>
+              <a:rPr lang="en-US" smtClean="0"/>
               <a:t>Click to edit Master text styles</a:t>
             </a:r>
           </a:p>
           <a:p>
             <a:pPr lvl="1"/>
             <a:r>
-              <a:rPr lang="en-US"/>
+              <a:rPr lang="en-US" smtClean="0"/>
               <a:t>Second level</a:t>
             </a:r>
           </a:p>
           <a:p>
             <a:pPr lvl="2"/>
             <a:r>
-              <a:rPr lang="en-US"/>
+              <a:rPr lang="en-US" smtClean="0"/>
               <a:t>Third level</a:t>
             </a:r>
           </a:p>
           <a:p>
             <a:pPr lvl="3"/>
             <a:r>
-              <a:rPr lang="en-US"/>
+              <a:rPr lang="en-US" smtClean="0"/>
               <a:t>Fourth level</a:t>
             </a:r>
           </a:p>
           <a:p>
             <a:pPr lvl="4"/>
             <a:r>
-              <a:rPr lang="en-US"/>
+              <a:rPr lang="en-US" smtClean="0"/>
               <a:t>Fifth level</a:t>
             </a:r>
+            <a:endParaRPr lang="en-US"/>
           </a:p>
         </p:txBody>
       </p:sp>
@@ -1746,7 +1751,7 @@
           <a:p>
             <a:fld id="{A76116CE-C4A3-4A05-B2D7-7C2E9A889C0F}" type="datetimeFigureOut">
               <a:rPr lang="en-US" smtClean="0"/>
-              <a:t>4/7/2023</a:t>
+              <a:t>1/30/2017</a:t>
             </a:fld>
             <a:endParaRPr lang="en-US"/>
           </a:p>
@@ -1835,9 +1840,10 @@
           <a:lstStyle/>
           <a:p>
             <a:r>
-              <a:rPr lang="en-US"/>
+              <a:rPr lang="en-US" smtClean="0"/>
               <a:t>Click to edit Master title style</a:t>
             </a:r>
+            <a:endParaRPr lang="en-US"/>
           </a:p>
         </p:txBody>
       </p:sp>
@@ -1858,7 +1864,7 @@
           <a:p>
             <a:fld id="{A76116CE-C4A3-4A05-B2D7-7C2E9A889C0F}" type="datetimeFigureOut">
               <a:rPr lang="en-US" smtClean="0"/>
-              <a:t>4/7/2023</a:t>
+              <a:t>1/30/2017</a:t>
             </a:fld>
             <a:endParaRPr lang="en-US"/>
           </a:p>
@@ -1948,7 +1954,7 @@
           <a:p>
             <a:fld id="{A76116CE-C4A3-4A05-B2D7-7C2E9A889C0F}" type="datetimeFigureOut">
               <a:rPr lang="en-US" smtClean="0"/>
-              <a:t>4/7/2023</a:t>
+              <a:t>1/30/2017</a:t>
             </a:fld>
             <a:endParaRPr lang="en-US"/>
           </a:p>
@@ -2046,9 +2052,10 @@
           </a:lstStyle>
           <a:p>
             <a:r>
-              <a:rPr lang="en-US"/>
+              <a:rPr lang="en-US" smtClean="0"/>
               <a:t>Click to edit Master title style</a:t>
             </a:r>
+            <a:endParaRPr lang="en-US"/>
           </a:p>
         </p:txBody>
       </p:sp>
@@ -2102,37 +2109,38 @@
           <a:p>
             <a:pPr lvl="0"/>
             <a:r>
-              <a:rPr lang="en-US"/>
+              <a:rPr lang="en-US" smtClean="0"/>
               <a:t>Click to edit Master text styles</a:t>
             </a:r>
           </a:p>
           <a:p>
             <a:pPr lvl="1"/>
             <a:r>
-              <a:rPr lang="en-US"/>
+              <a:rPr lang="en-US" smtClean="0"/>
               <a:t>Second level</a:t>
             </a:r>
           </a:p>
           <a:p>
             <a:pPr lvl="2"/>
             <a:r>
-              <a:rPr lang="en-US"/>
+              <a:rPr lang="en-US" smtClean="0"/>
               <a:t>Third level</a:t>
             </a:r>
           </a:p>
           <a:p>
             <a:pPr lvl="3"/>
             <a:r>
-              <a:rPr lang="en-US"/>
+              <a:rPr lang="en-US" smtClean="0"/>
               <a:t>Fourth level</a:t>
             </a:r>
           </a:p>
           <a:p>
             <a:pPr lvl="4"/>
             <a:r>
-              <a:rPr lang="en-US"/>
+              <a:rPr lang="en-US" smtClean="0"/>
               <a:t>Fifth level</a:t>
             </a:r>
+            <a:endParaRPr lang="en-US"/>
           </a:p>
         </p:txBody>
       </p:sp>
@@ -2195,7 +2203,7 @@
           <a:p>
             <a:pPr lvl="0"/>
             <a:r>
-              <a:rPr lang="en-US"/>
+              <a:rPr lang="en-US" smtClean="0"/>
               <a:t>Click to edit Master text styles</a:t>
             </a:r>
           </a:p>
@@ -2218,7 +2226,7 @@
           <a:p>
             <a:fld id="{A76116CE-C4A3-4A05-B2D7-7C2E9A889C0F}" type="datetimeFigureOut">
               <a:rPr lang="en-US" smtClean="0"/>
-              <a:t>4/7/2023</a:t>
+              <a:t>1/30/2017</a:t>
             </a:fld>
             <a:endParaRPr lang="en-US"/>
           </a:p>
@@ -2316,9 +2324,10 @@
           </a:lstStyle>
           <a:p>
             <a:r>
-              <a:rPr lang="en-US"/>
+              <a:rPr lang="en-US" smtClean="0"/>
               <a:t>Click to edit Master title style</a:t>
             </a:r>
+            <a:endParaRPr lang="en-US"/>
           </a:p>
         </p:txBody>
       </p:sp>
@@ -2442,7 +2451,7 @@
           <a:p>
             <a:pPr lvl="0"/>
             <a:r>
-              <a:rPr lang="en-US"/>
+              <a:rPr lang="en-US" smtClean="0"/>
               <a:t>Click to edit Master text styles</a:t>
             </a:r>
           </a:p>
@@ -2465,7 +2474,7 @@
           <a:p>
             <a:fld id="{A76116CE-C4A3-4A05-B2D7-7C2E9A889C0F}" type="datetimeFigureOut">
               <a:rPr lang="en-US" smtClean="0"/>
-              <a:t>4/7/2023</a:t>
+              <a:t>1/30/2017</a:t>
             </a:fld>
             <a:endParaRPr lang="en-US"/>
           </a:p>
@@ -2569,9 +2578,10 @@
           <a:lstStyle/>
           <a:p>
             <a:r>
-              <a:rPr lang="en-US"/>
+              <a:rPr lang="en-US" smtClean="0"/>
               <a:t>Click to edit Master title style</a:t>
             </a:r>
+            <a:endParaRPr lang="en-US"/>
           </a:p>
         </p:txBody>
       </p:sp>
@@ -2602,37 +2612,38 @@
           <a:p>
             <a:pPr lvl="0"/>
             <a:r>
-              <a:rPr lang="en-US"/>
+              <a:rPr lang="en-US" smtClean="0"/>
               <a:t>Click to edit Master text styles</a:t>
             </a:r>
           </a:p>
           <a:p>
             <a:pPr lvl="1"/>
             <a:r>
-              <a:rPr lang="en-US"/>
+              <a:rPr lang="en-US" smtClean="0"/>
               <a:t>Second level</a:t>
             </a:r>
           </a:p>
           <a:p>
             <a:pPr lvl="2"/>
             <a:r>
-              <a:rPr lang="en-US"/>
+              <a:rPr lang="en-US" smtClean="0"/>
               <a:t>Third level</a:t>
             </a:r>
           </a:p>
           <a:p>
             <a:pPr lvl="3"/>
             <a:r>
-              <a:rPr lang="en-US"/>
+              <a:rPr lang="en-US" smtClean="0"/>
               <a:t>Fourth level</a:t>
             </a:r>
           </a:p>
           <a:p>
             <a:pPr lvl="4"/>
             <a:r>
-              <a:rPr lang="en-US"/>
+              <a:rPr lang="en-US" smtClean="0"/>
               <a:t>Fifth level</a:t>
             </a:r>
+            <a:endParaRPr lang="en-US"/>
           </a:p>
         </p:txBody>
       </p:sp>
@@ -2671,7 +2682,7 @@
           <a:p>
             <a:fld id="{F8166F1F-CE9B-4651-A6AA-CD717754106B}" type="datetimeFigureOut">
               <a:rPr lang="en-US" smtClean="0"/>
-              <a:t>4/7/2023</a:t>
+              <a:t>6/13/2013</a:t>
             </a:fld>
             <a:endParaRPr lang="en-US"/>
           </a:p>
@@ -2749,7 +2760,7 @@
           <a:p>
             <a:fld id="{F7021451-1387-4CA6-816F-3879F97B5CBC}" type="slidenum">
               <a:rPr lang="en-US" smtClean="0"/>
-              <a:t>‹#›</a:t>
+              <a:t>�#�</a:t>
             </a:fld>
             <a:endParaRPr lang="en-US"/>
           </a:p>
@@ -2760,16 +2771,16 @@
   <p:clrMap bg1="lt1" tx1="dk1" bg2="lt2" tx2="dk2" accent1="accent1" accent2="accent2" accent3="accent3" accent4="accent4" accent5="accent5" accent6="accent6" hlink="hlink" folHlink="folHlink"/>
   <p:sldLayoutIdLst>
     <p:sldLayoutId id="2147483649" r:id="rId1"/>
-    <p:sldLayoutId id="2147483650" r:id="rId2"/>
-    <p:sldLayoutId id="2147483651" r:id="rId3"/>
-    <p:sldLayoutId id="2147483652" r:id="rId4"/>
-    <p:sldLayoutId id="2147483653" r:id="rId5"/>
-    <p:sldLayoutId id="2147483654" r:id="rId6"/>
-    <p:sldLayoutId id="2147483655" r:id="rId7"/>
-    <p:sldLayoutId id="2147483656" r:id="rId8"/>
-    <p:sldLayoutId id="2147483657" r:id="rId9"/>
-    <p:sldLayoutId id="2147483658" r:id="rId10"/>
-    <p:sldLayoutId id="2147483659" r:id="rId11"/>
+    <p:sldLayoutId id="2147483650" r:id="rId3"/>
+    <p:sldLayoutId id="2147483651" r:id="rId4"/>
+    <p:sldLayoutId id="2147483652" r:id="rId5"/>
+    <p:sldLayoutId id="2147483653" r:id="rId6"/>
+    <p:sldLayoutId id="2147483654" r:id="rId7"/>
+    <p:sldLayoutId id="2147483655" r:id="rId8"/>
+    <p:sldLayoutId id="2147483656" r:id="rId9"/>
+    <p:sldLayoutId id="2147483657" r:id="rId10"/>
+    <p:sldLayoutId id="2147483658" r:id="rId11"/>
+    <p:sldLayoutId id="2147483659" r:id="rId12"/>
   </p:sldLayoutIdLst>
   <p:txStyles>
     <p:titleStyle>
@@ -3129,7 +3140,7 @@
         <p:spPr>
           <a:xfrm>
             <a:off x="10051335" y="1085449"/>
-            <a:ext cx="2721242" cy="653032"/>
+            <a:ext cx="2289509" cy="641128"/>
           </a:xfrm>
           <a:prstGeom prst="rect">
             <a:avLst/>
@@ -3144,145 +3155,10 @@
         </p:nvGrpSpPr>
         <p:grpSpPr>
           <a:xfrm>
-            <a:off x="2840497" y="2040818"/>
-            <a:ext cx="12599550" cy="7941643"/>
-            <a:chOff x="2840497" y="2040818"/>
-            <a:chExt cx="12599550" cy="7941643"/>
-          </a:xfrm>
-        </p:grpSpPr>
-        <p:pic>
-          <p:nvPicPr>
-            <p:cNvPr id="8" name="Object 7"/>
-            <p:cNvPicPr>
-              <a:picLocks noChangeAspect="1"/>
-            </p:cNvPicPr>
-            <p:nvPr/>
-          </p:nvPicPr>
-          <p:blipFill>
-            <a:blip r:embed="rId5" cstate="print"/>
-            <a:stretch>
-              <a:fillRect/>
-            </a:stretch>
-          </p:blipFill>
-          <p:spPr>
-            <a:xfrm>
-              <a:off x="2840497" y="2040818"/>
-              <a:ext cx="12599550" cy="7941643"/>
-            </a:xfrm>
-            <a:prstGeom prst="rect">
-              <a:avLst/>
-            </a:prstGeom>
-          </p:spPr>
-        </p:pic>
-      </p:grpSp>
-    </p:spTree>
-  </p:cSld>
-  <p:clrMapOvr>
-    <a:masterClrMapping/>
-  </p:clrMapOvr>
-</p:sld>
-</file>
-
-<file path=ppt/slides/slide10.xml><?xml version="1.0" encoding="utf-8"?>
-<p:sld xmlns:a="http://schemas.openxmlformats.org/drawingml/2006/main" xmlns:r="http://schemas.openxmlformats.org/officeDocument/2006/relationships" xmlns:p="http://schemas.openxmlformats.org/presentationml/2006/main">
-  <p:cSld name="Slide 10">
-    <p:bg>
-      <p:bgPr>
-        <a:solidFill>
-          <a:srgbClr val="FFFFFF"/>
-        </a:solidFill>
-        <a:effectLst/>
-      </p:bgPr>
-    </p:bg>
-    <p:spTree>
-      <p:nvGrpSpPr>
-        <p:cNvPr id="1" name=""/>
-        <p:cNvGrpSpPr/>
-        <p:nvPr/>
-      </p:nvGrpSpPr>
-      <p:grpSpPr>
-        <a:xfrm>
-          <a:off x="0" y="0"/>
-          <a:ext cx="0" cy="0"/>
-          <a:chOff x="0" y="0"/>
-          <a:chExt cx="0" cy="0"/>
-        </a:xfrm>
-      </p:grpSpPr>
-      <p:pic>
-        <p:nvPicPr>
-          <p:cNvPr id="2" name="Object 1"/>
-          <p:cNvPicPr>
-            <a:picLocks noChangeAspect="1"/>
-          </p:cNvPicPr>
-          <p:nvPr/>
-        </p:nvPicPr>
-        <p:blipFill>
-          <a:blip r:embed="rId2" cstate="print"/>
-          <a:stretch>
-            <a:fillRect/>
-          </a:stretch>
-        </p:blipFill>
-        <p:spPr>
-          <a:xfrm>
-            <a:off x="509722" y="409250"/>
-            <a:ext cx="8009737" cy="1674747"/>
-          </a:xfrm>
-          <a:prstGeom prst="rect">
-            <a:avLst/>
-          </a:prstGeom>
-        </p:spPr>
-      </p:pic>
-      <p:grpSp>
-        <p:nvGrpSpPr>
-          <p:cNvPr id="1001" name="그룹 1001"/>
-          <p:cNvGrpSpPr/>
-          <p:nvPr/>
-        </p:nvGrpSpPr>
-        <p:grpSpPr>
-          <a:xfrm>
-            <a:off x="-57143" y="1685430"/>
-            <a:ext cx="18394831" cy="14286"/>
-            <a:chOff x="-57143" y="1685430"/>
-            <a:chExt cx="18394831" cy="14286"/>
-          </a:xfrm>
-        </p:grpSpPr>
-        <p:pic>
-          <p:nvPicPr>
-            <p:cNvPr id="4" name="Object 3"/>
-            <p:cNvPicPr>
-              <a:picLocks noChangeAspect="1"/>
-            </p:cNvPicPr>
-            <p:nvPr/>
-          </p:nvPicPr>
-          <p:blipFill>
-            <a:blip r:embed="rId3" cstate="print"/>
-            <a:stretch>
-              <a:fillRect/>
-            </a:stretch>
-          </p:blipFill>
-          <p:spPr>
-            <a:xfrm>
-              <a:off x="-57143" y="1685430"/>
-              <a:ext cx="18394831" cy="14286"/>
-            </a:xfrm>
-            <a:prstGeom prst="rect">
-              <a:avLst/>
-            </a:prstGeom>
-          </p:spPr>
-        </p:pic>
-      </p:grpSp>
-      <p:grpSp>
-        <p:nvGrpSpPr>
-          <p:cNvPr id="1002" name="그룹 1002"/>
-          <p:cNvGrpSpPr/>
-          <p:nvPr/>
-        </p:nvGrpSpPr>
-        <p:grpSpPr>
-          <a:xfrm>
-            <a:off x="1619759" y="2327621"/>
-            <a:ext cx="15046195" cy="7717302"/>
-            <a:chOff x="1619759" y="2327621"/>
-            <a:chExt cx="15046195" cy="7717302"/>
+            <a:off x="9530571" y="2295914"/>
+            <a:ext cx="7670935" cy="4618188"/>
+            <a:chOff x="9530571" y="2295914"/>
+            <a:chExt cx="7670935" cy="4618188"/>
           </a:xfrm>
         </p:grpSpPr>
         <p:grpSp>
@@ -3293,10 +3169,10 @@
           </p:nvGrpSpPr>
           <p:grpSpPr>
             <a:xfrm>
-              <a:off x="1619759" y="2327621"/>
-              <a:ext cx="7270148" cy="3623833"/>
-              <a:chOff x="1619759" y="2327621"/>
-              <a:chExt cx="7270148" cy="3623833"/>
+              <a:off x="11765306" y="2295918"/>
+              <a:ext cx="4673469" cy="1554050"/>
+              <a:chOff x="11765306" y="2295918"/>
+              <a:chExt cx="4673469" cy="1554050"/>
             </a:xfrm>
           </p:grpSpPr>
           <p:pic>
@@ -3308,15 +3184,15 @@
               <p:nvPr/>
             </p:nvPicPr>
             <p:blipFill>
-              <a:blip r:embed="rId4" cstate="print"/>
+              <a:blip r:embed="rId5" cstate="print"/>
               <a:stretch>
                 <a:fillRect/>
               </a:stretch>
             </p:blipFill>
             <p:spPr>
               <a:xfrm>
-                <a:off x="1619759" y="2327621"/>
-                <a:ext cx="7270148" cy="3623833"/>
+                <a:off x="11765306" y="2295918"/>
+                <a:ext cx="4673469" cy="1554050"/>
               </a:xfrm>
               <a:prstGeom prst="rect">
                 <a:avLst/>
@@ -3333,30 +3209,6 @@
             <p:nvPr/>
           </p:nvPicPr>
           <p:blipFill>
-            <a:blip r:embed="rId5" cstate="print"/>
-            <a:stretch>
-              <a:fillRect/>
-            </a:stretch>
-          </p:blipFill>
-          <p:spPr>
-            <a:xfrm>
-              <a:off x="2443169" y="2936416"/>
-              <a:ext cx="4126563" cy="1062544"/>
-            </a:xfrm>
-            <a:prstGeom prst="rect">
-              <a:avLst/>
-            </a:prstGeom>
-          </p:spPr>
-        </p:pic>
-        <p:pic>
-          <p:nvPicPr>
-            <p:cNvPr id="12" name="Object 11"/>
-            <p:cNvPicPr>
-              <a:picLocks noChangeAspect="1"/>
-            </p:cNvPicPr>
-            <p:nvPr/>
-          </p:nvPicPr>
-          <p:blipFill>
             <a:blip r:embed="rId6" cstate="print"/>
             <a:stretch>
               <a:fillRect/>
@@ -3364,482 +3216,8 @@
           </p:blipFill>
           <p:spPr>
             <a:xfrm>
-              <a:off x="2477240" y="3977563"/>
-              <a:ext cx="4809441" cy="1846775"/>
-            </a:xfrm>
-            <a:prstGeom prst="rect">
-              <a:avLst/>
-            </a:prstGeom>
-          </p:spPr>
-        </p:pic>
-        <p:grpSp>
-          <p:nvGrpSpPr>
-            <p:cNvPr id="1004" name="그룹 1004"/>
-            <p:cNvGrpSpPr/>
-            <p:nvPr/>
-          </p:nvGrpSpPr>
-          <p:grpSpPr>
-            <a:xfrm>
-              <a:off x="1619759" y="6421091"/>
-              <a:ext cx="7270148" cy="3623833"/>
-              <a:chOff x="1619759" y="6421091"/>
-              <a:chExt cx="7270148" cy="3623833"/>
-            </a:xfrm>
-          </p:grpSpPr>
-          <p:pic>
-            <p:nvPicPr>
-              <p:cNvPr id="14" name="Object 13"/>
-              <p:cNvPicPr>
-                <a:picLocks noChangeAspect="1"/>
-              </p:cNvPicPr>
-              <p:nvPr/>
-            </p:nvPicPr>
-            <p:blipFill>
-              <a:blip r:embed="rId7" cstate="print"/>
-              <a:stretch>
-                <a:fillRect/>
-              </a:stretch>
-            </p:blipFill>
-            <p:spPr>
-              <a:xfrm>
-                <a:off x="1619759" y="6421091"/>
-                <a:ext cx="7270148" cy="3623833"/>
-              </a:xfrm>
-              <a:prstGeom prst="rect">
-                <a:avLst/>
-              </a:prstGeom>
-            </p:spPr>
-          </p:pic>
-        </p:grpSp>
-        <p:pic>
-          <p:nvPicPr>
-            <p:cNvPr id="16" name="Object 15"/>
-            <p:cNvPicPr>
-              <a:picLocks noChangeAspect="1"/>
-            </p:cNvPicPr>
-            <p:nvPr/>
-          </p:nvPicPr>
-          <p:blipFill>
-            <a:blip r:embed="rId8" cstate="print"/>
-            <a:stretch>
-              <a:fillRect/>
-            </a:stretch>
-          </p:blipFill>
-          <p:spPr>
-            <a:xfrm>
-              <a:off x="2443169" y="7029883"/>
-              <a:ext cx="4864534" cy="1053020"/>
-            </a:xfrm>
-            <a:prstGeom prst="rect">
-              <a:avLst/>
-            </a:prstGeom>
-          </p:spPr>
-        </p:pic>
-        <p:pic>
-          <p:nvPicPr>
-            <p:cNvPr id="17" name="Object 16"/>
-            <p:cNvPicPr>
-              <a:picLocks noChangeAspect="1"/>
-            </p:cNvPicPr>
-            <p:nvPr/>
-          </p:nvPicPr>
-          <p:blipFill>
-            <a:blip r:embed="rId9" cstate="print"/>
-            <a:stretch>
-              <a:fillRect/>
-            </a:stretch>
-          </p:blipFill>
-          <p:spPr>
-            <a:xfrm>
-              <a:off x="2475335" y="8069125"/>
-              <a:ext cx="4969670" cy="1908813"/>
-            </a:xfrm>
-            <a:prstGeom prst="rect">
-              <a:avLst/>
-            </a:prstGeom>
-          </p:spPr>
-        </p:pic>
-        <p:grpSp>
-          <p:nvGrpSpPr>
-            <p:cNvPr id="1005" name="그룹 1005"/>
-            <p:cNvGrpSpPr/>
-            <p:nvPr/>
-          </p:nvGrpSpPr>
-          <p:grpSpPr>
-            <a:xfrm>
-              <a:off x="9404972" y="2327621"/>
-              <a:ext cx="7260983" cy="3623833"/>
-              <a:chOff x="9404972" y="2327621"/>
-              <a:chExt cx="7260983" cy="3623833"/>
-            </a:xfrm>
-          </p:grpSpPr>
-          <p:pic>
-            <p:nvPicPr>
-              <p:cNvPr id="19" name="Object 18"/>
-              <p:cNvPicPr>
-                <a:picLocks noChangeAspect="1"/>
-              </p:cNvPicPr>
-              <p:nvPr/>
-            </p:nvPicPr>
-            <p:blipFill>
-              <a:blip r:embed="rId10" cstate="print"/>
-              <a:stretch>
-                <a:fillRect/>
-              </a:stretch>
-            </p:blipFill>
-            <p:spPr>
-              <a:xfrm>
-                <a:off x="9404972" y="2327621"/>
-                <a:ext cx="7260983" cy="3623833"/>
-              </a:xfrm>
-              <a:prstGeom prst="rect">
-                <a:avLst/>
-              </a:prstGeom>
-            </p:spPr>
-          </p:pic>
-        </p:grpSp>
-        <p:pic>
-          <p:nvPicPr>
-            <p:cNvPr id="21" name="Object 20"/>
-            <p:cNvPicPr>
-              <a:picLocks noChangeAspect="1"/>
-            </p:cNvPicPr>
-            <p:nvPr/>
-          </p:nvPicPr>
-          <p:blipFill>
-            <a:blip r:embed="rId11" cstate="print"/>
-            <a:stretch>
-              <a:fillRect/>
-            </a:stretch>
-          </p:blipFill>
-          <p:spPr>
-            <a:xfrm>
-              <a:off x="10378121" y="2936416"/>
-              <a:ext cx="5707477" cy="1062544"/>
-            </a:xfrm>
-            <a:prstGeom prst="rect">
-              <a:avLst/>
-            </a:prstGeom>
-          </p:spPr>
-        </p:pic>
-        <p:pic>
-          <p:nvPicPr>
-            <p:cNvPr id="22" name="Object 21"/>
-            <p:cNvPicPr>
-              <a:picLocks noChangeAspect="1"/>
-            </p:cNvPicPr>
-            <p:nvPr/>
-          </p:nvPicPr>
-          <p:blipFill>
-            <a:blip r:embed="rId12" cstate="print"/>
-            <a:stretch>
-              <a:fillRect/>
-            </a:stretch>
-          </p:blipFill>
-          <p:spPr>
-            <a:xfrm>
-              <a:off x="11088192" y="3979468"/>
-              <a:ext cx="4939442" cy="1802204"/>
-            </a:xfrm>
-            <a:prstGeom prst="rect">
-              <a:avLst/>
-            </a:prstGeom>
-          </p:spPr>
-        </p:pic>
-        <p:grpSp>
-          <p:nvGrpSpPr>
-            <p:cNvPr id="1006" name="그룹 1006"/>
-            <p:cNvGrpSpPr/>
-            <p:nvPr/>
-          </p:nvGrpSpPr>
-          <p:grpSpPr>
-            <a:xfrm>
-              <a:off x="9404972" y="6421091"/>
-              <a:ext cx="7260983" cy="3623833"/>
-              <a:chOff x="9404972" y="6421091"/>
-              <a:chExt cx="7260983" cy="3623833"/>
-            </a:xfrm>
-          </p:grpSpPr>
-          <p:pic>
-            <p:nvPicPr>
-              <p:cNvPr id="24" name="Object 23"/>
-              <p:cNvPicPr>
-                <a:picLocks noChangeAspect="1"/>
-              </p:cNvPicPr>
-              <p:nvPr/>
-            </p:nvPicPr>
-            <p:blipFill>
-              <a:blip r:embed="rId13" cstate="print"/>
-              <a:stretch>
-                <a:fillRect/>
-              </a:stretch>
-            </p:blipFill>
-            <p:spPr>
-              <a:xfrm>
-                <a:off x="9404972" y="6421091"/>
-                <a:ext cx="7260983" cy="3623833"/>
-              </a:xfrm>
-              <a:prstGeom prst="rect">
-                <a:avLst/>
-              </a:prstGeom>
-            </p:spPr>
-          </p:pic>
-        </p:grpSp>
-        <p:pic>
-          <p:nvPicPr>
-            <p:cNvPr id="26" name="Object 25"/>
-            <p:cNvPicPr>
-              <a:picLocks noChangeAspect="1"/>
-            </p:cNvPicPr>
-            <p:nvPr/>
-          </p:nvPicPr>
-          <p:blipFill>
-            <a:blip r:embed="rId14" cstate="print"/>
-            <a:stretch>
-              <a:fillRect/>
-            </a:stretch>
-          </p:blipFill>
-          <p:spPr>
-            <a:xfrm>
-              <a:off x="11052216" y="7029883"/>
-              <a:ext cx="5100087" cy="1062544"/>
-            </a:xfrm>
-            <a:prstGeom prst="rect">
-              <a:avLst/>
-            </a:prstGeom>
-          </p:spPr>
-        </p:pic>
-        <p:pic>
-          <p:nvPicPr>
-            <p:cNvPr id="27" name="Object 26"/>
-            <p:cNvPicPr>
-              <a:picLocks noChangeAspect="1"/>
-            </p:cNvPicPr>
-            <p:nvPr/>
-          </p:nvPicPr>
-          <p:blipFill>
-            <a:blip r:embed="rId15" cstate="print"/>
-            <a:stretch>
-              <a:fillRect/>
-            </a:stretch>
-          </p:blipFill>
-          <p:spPr>
-            <a:xfrm>
-              <a:off x="11086287" y="8071030"/>
-              <a:ext cx="4934669" cy="1864850"/>
-            </a:xfrm>
-            <a:prstGeom prst="rect">
-              <a:avLst/>
-            </a:prstGeom>
-          </p:spPr>
-        </p:pic>
-        <p:grpSp>
-          <p:nvGrpSpPr>
-            <p:cNvPr id="1007" name="그룹 1007"/>
-            <p:cNvGrpSpPr/>
-            <p:nvPr/>
-          </p:nvGrpSpPr>
-          <p:grpSpPr>
-            <a:xfrm>
-              <a:off x="7188186" y="4239318"/>
-              <a:ext cx="3909342" cy="3906970"/>
-              <a:chOff x="7188186" y="4239318"/>
-              <a:chExt cx="3909342" cy="3906970"/>
-            </a:xfrm>
-          </p:grpSpPr>
-          <p:pic>
-            <p:nvPicPr>
-              <p:cNvPr id="29" name="Object 28"/>
-              <p:cNvPicPr>
-                <a:picLocks noChangeAspect="1"/>
-              </p:cNvPicPr>
-              <p:nvPr/>
-            </p:nvPicPr>
-            <p:blipFill>
-              <a:blip r:embed="rId16" cstate="print"/>
-              <a:stretch>
-                <a:fillRect/>
-              </a:stretch>
-            </p:blipFill>
-            <p:spPr>
-              <a:xfrm rot="-2700000">
-                <a:off x="7188186" y="4239318"/>
-                <a:ext cx="3909342" cy="3906970"/>
-              </a:xfrm>
-              <a:prstGeom prst="rect">
-                <a:avLst/>
-              </a:prstGeom>
-            </p:spPr>
-          </p:pic>
-        </p:grpSp>
-        <p:pic>
-          <p:nvPicPr>
-            <p:cNvPr id="31" name="Object 30"/>
-            <p:cNvPicPr>
-              <a:picLocks noChangeAspect="1"/>
-            </p:cNvPicPr>
-            <p:nvPr/>
-          </p:nvPicPr>
-          <p:blipFill>
-            <a:blip r:embed="rId17" cstate="print"/>
-            <a:stretch>
-              <a:fillRect/>
-            </a:stretch>
-          </p:blipFill>
-          <p:spPr>
-            <a:xfrm>
-              <a:off x="6963144" y="4889753"/>
-              <a:ext cx="3906196" cy="2548120"/>
-            </a:xfrm>
-            <a:prstGeom prst="rect">
-              <a:avLst/>
-            </a:prstGeom>
-          </p:spPr>
-        </p:pic>
-      </p:grpSp>
-    </p:spTree>
-  </p:cSld>
-  <p:clrMapOvr>
-    <a:masterClrMapping/>
-  </p:clrMapOvr>
-</p:sld>
-</file>
-
-<file path=ppt/slides/slide2.xml><?xml version="1.0" encoding="utf-8"?>
-<p:sld xmlns:a="http://schemas.openxmlformats.org/drawingml/2006/main" xmlns:r="http://schemas.openxmlformats.org/officeDocument/2006/relationships" xmlns:p="http://schemas.openxmlformats.org/presentationml/2006/main">
-  <p:cSld name="Slide 2">
-    <p:bg>
-      <p:bgPr>
-        <a:solidFill>
-          <a:srgbClr val="FFFFFF"/>
-        </a:solidFill>
-        <a:effectLst/>
-      </p:bgPr>
-    </p:bg>
-    <p:spTree>
-      <p:nvGrpSpPr>
-        <p:cNvPr id="1" name=""/>
-        <p:cNvGrpSpPr/>
-        <p:nvPr/>
-      </p:nvGrpSpPr>
-      <p:grpSpPr>
-        <a:xfrm>
-          <a:off x="0" y="0"/>
-          <a:ext cx="0" cy="0"/>
-          <a:chOff x="0" y="0"/>
-          <a:chExt cx="0" cy="0"/>
-        </a:xfrm>
-      </p:grpSpPr>
-      <p:grpSp>
-        <p:nvGrpSpPr>
-          <p:cNvPr id="1001" name="그룹 1001"/>
-          <p:cNvGrpSpPr/>
-          <p:nvPr/>
-        </p:nvGrpSpPr>
-        <p:grpSpPr>
-          <a:xfrm>
-            <a:off x="9637948" y="4401880"/>
-            <a:ext cx="7074958" cy="2932271"/>
-            <a:chOff x="9637948" y="4401880"/>
-            <a:chExt cx="7074958" cy="2932271"/>
-          </a:xfrm>
-        </p:grpSpPr>
-        <p:grpSp>
-          <p:nvGrpSpPr>
-            <p:cNvPr id="1002" name="그룹 1002"/>
-            <p:cNvGrpSpPr/>
-            <p:nvPr/>
-          </p:nvGrpSpPr>
-          <p:grpSpPr>
-            <a:xfrm>
-              <a:off x="9888199" y="6745030"/>
-              <a:ext cx="1895563" cy="589121"/>
-              <a:chOff x="9888199" y="6745030"/>
-              <a:chExt cx="1895563" cy="589121"/>
-            </a:xfrm>
-          </p:grpSpPr>
-          <p:pic>
-            <p:nvPicPr>
-              <p:cNvPr id="4" name="Object 3"/>
-              <p:cNvPicPr>
-                <a:picLocks noChangeAspect="1"/>
-              </p:cNvPicPr>
-              <p:nvPr/>
-            </p:nvPicPr>
-            <p:blipFill>
-              <a:blip r:embed="rId2" cstate="print"/>
-              <a:stretch>
-                <a:fillRect/>
-              </a:stretch>
-            </p:blipFill>
-            <p:spPr>
-              <a:xfrm>
-                <a:off x="9888199" y="6745030"/>
-                <a:ext cx="1895563" cy="589121"/>
-              </a:xfrm>
-              <a:prstGeom prst="rect">
-                <a:avLst/>
-              </a:prstGeom>
-            </p:spPr>
-          </p:pic>
-        </p:grpSp>
-        <p:grpSp>
-          <p:nvGrpSpPr>
-            <p:cNvPr id="1003" name="그룹 1003"/>
-            <p:cNvGrpSpPr/>
-            <p:nvPr/>
-          </p:nvGrpSpPr>
-          <p:grpSpPr>
-            <a:xfrm>
-              <a:off x="9637948" y="5017460"/>
-              <a:ext cx="5344909" cy="589121"/>
-              <a:chOff x="9637948" y="5017460"/>
-              <a:chExt cx="5344909" cy="589121"/>
-            </a:xfrm>
-          </p:grpSpPr>
-          <p:pic>
-            <p:nvPicPr>
-              <p:cNvPr id="7" name="Object 6"/>
-              <p:cNvPicPr>
-                <a:picLocks noChangeAspect="1"/>
-              </p:cNvPicPr>
-              <p:nvPr/>
-            </p:nvPicPr>
-            <p:blipFill>
-              <a:blip r:embed="rId3" cstate="print"/>
-              <a:stretch>
-                <a:fillRect/>
-              </a:stretch>
-            </p:blipFill>
-            <p:spPr>
-              <a:xfrm>
-                <a:off x="9637948" y="5017460"/>
-                <a:ext cx="5344909" cy="589121"/>
-              </a:xfrm>
-              <a:prstGeom prst="rect">
-                <a:avLst/>
-              </a:prstGeom>
-            </p:spPr>
-          </p:pic>
-        </p:grpSp>
-        <p:pic>
-          <p:nvPicPr>
-            <p:cNvPr id="9" name="Object 8"/>
-            <p:cNvPicPr>
-              <a:picLocks noChangeAspect="1"/>
-            </p:cNvPicPr>
-            <p:nvPr/>
-          </p:nvPicPr>
-          <p:blipFill>
-            <a:blip r:embed="rId4" cstate="print"/>
-            <a:stretch>
-              <a:fillRect/>
-            </a:stretch>
-          </p:blipFill>
-          <p:spPr>
-            <a:xfrm>
-              <a:off x="9565899" y="4329831"/>
-              <a:ext cx="7158748" cy="3139053"/>
+              <a:off x="9347719" y="2113061"/>
+              <a:ext cx="8488811" cy="4931278"/>
             </a:xfrm>
             <a:prstGeom prst="rect">
               <a:avLst/>
@@ -3855,451 +3233,10 @@
         </p:nvGrpSpPr>
         <p:grpSpPr>
           <a:xfrm>
-            <a:off x="3965453" y="3439995"/>
-            <a:ext cx="4117708" cy="3405725"/>
-            <a:chOff x="3965453" y="3439995"/>
-            <a:chExt cx="4117708" cy="3405725"/>
-          </a:xfrm>
-        </p:grpSpPr>
-        <p:pic>
-          <p:nvPicPr>
-            <p:cNvPr id="12" name="Object 11"/>
-            <p:cNvPicPr>
-              <a:picLocks noChangeAspect="1"/>
-            </p:cNvPicPr>
-            <p:nvPr/>
-          </p:nvPicPr>
-          <p:blipFill>
-            <a:blip r:embed="rId5" cstate="print"/>
-            <a:stretch>
-              <a:fillRect/>
-            </a:stretch>
-          </p:blipFill>
-          <p:spPr>
-            <a:xfrm>
-              <a:off x="3965453" y="3439995"/>
-              <a:ext cx="4117708" cy="3405725"/>
-            </a:xfrm>
-            <a:prstGeom prst="rect">
-              <a:avLst/>
-            </a:prstGeom>
-          </p:spPr>
-        </p:pic>
-      </p:grpSp>
-      <p:pic>
-        <p:nvPicPr>
-          <p:cNvPr id="14" name="Object 13"/>
-          <p:cNvPicPr>
-            <a:picLocks noChangeAspect="1"/>
-          </p:cNvPicPr>
-          <p:nvPr/>
-        </p:nvPicPr>
-        <p:blipFill>
-          <a:blip r:embed="rId6" cstate="print"/>
-          <a:stretch>
-            <a:fillRect/>
-          </a:stretch>
-        </p:blipFill>
-        <p:spPr>
-          <a:xfrm>
-            <a:off x="509722" y="409250"/>
-            <a:ext cx="9814499" cy="1674747"/>
-          </a:xfrm>
-          <a:prstGeom prst="rect">
-            <a:avLst/>
-          </a:prstGeom>
-        </p:spPr>
-      </p:pic>
-      <p:grpSp>
-        <p:nvGrpSpPr>
-          <p:cNvPr id="1005" name="그룹 1005"/>
-          <p:cNvGrpSpPr/>
-          <p:nvPr/>
-        </p:nvGrpSpPr>
-        <p:grpSpPr>
-          <a:xfrm>
-            <a:off x="-57143" y="1685430"/>
-            <a:ext cx="18394831" cy="14286"/>
-            <a:chOff x="-57143" y="1685430"/>
-            <a:chExt cx="18394831" cy="14286"/>
-          </a:xfrm>
-        </p:grpSpPr>
-        <p:pic>
-          <p:nvPicPr>
-            <p:cNvPr id="16" name="Object 15"/>
-            <p:cNvPicPr>
-              <a:picLocks noChangeAspect="1"/>
-            </p:cNvPicPr>
-            <p:nvPr/>
-          </p:nvPicPr>
-          <p:blipFill>
-            <a:blip r:embed="rId7" cstate="print"/>
-            <a:stretch>
-              <a:fillRect/>
-            </a:stretch>
-          </p:blipFill>
-          <p:spPr>
-            <a:xfrm>
-              <a:off x="-57143" y="1685430"/>
-              <a:ext cx="18394831" cy="14286"/>
-            </a:xfrm>
-            <a:prstGeom prst="rect">
-              <a:avLst/>
-            </a:prstGeom>
-          </p:spPr>
-        </p:pic>
-      </p:grpSp>
-      <p:pic>
-        <p:nvPicPr>
-          <p:cNvPr id="18" name="Object 17"/>
-          <p:cNvPicPr>
-            <a:picLocks noChangeAspect="1"/>
-          </p:cNvPicPr>
-          <p:nvPr/>
-        </p:nvPicPr>
-        <p:blipFill>
-          <a:blip r:embed="rId8" cstate="print"/>
-          <a:stretch>
-            <a:fillRect/>
-          </a:stretch>
-        </p:blipFill>
-        <p:spPr>
-          <a:xfrm>
-            <a:off x="10051335" y="1085449"/>
-            <a:ext cx="3044870" cy="662556"/>
-          </a:xfrm>
-          <a:prstGeom prst="rect">
-            <a:avLst/>
-          </a:prstGeom>
-        </p:spPr>
-      </p:pic>
-      <p:grpSp>
-        <p:nvGrpSpPr>
-          <p:cNvPr id="1006" name="그룹 1006"/>
-          <p:cNvGrpSpPr/>
-          <p:nvPr/>
-        </p:nvGrpSpPr>
-        <p:grpSpPr>
-          <a:xfrm>
-            <a:off x="4612265" y="4114799"/>
-            <a:ext cx="1341081" cy="1341081"/>
-            <a:chOff x="4612265" y="4114799"/>
-            <a:chExt cx="1341081" cy="1341081"/>
-          </a:xfrm>
-        </p:grpSpPr>
-        <p:pic>
-          <p:nvPicPr>
-            <p:cNvPr id="20" name="Object 19"/>
-            <p:cNvPicPr>
-              <a:picLocks noChangeAspect="1"/>
-            </p:cNvPicPr>
-            <p:nvPr/>
-          </p:nvPicPr>
-          <p:blipFill>
-            <a:blip r:embed="rId9" cstate="print"/>
-            <a:stretch>
-              <a:fillRect/>
-            </a:stretch>
-          </p:blipFill>
-          <p:spPr>
-            <a:xfrm rot="-900000">
-              <a:off x="4612265" y="4114799"/>
-              <a:ext cx="1341081" cy="1341081"/>
-            </a:xfrm>
-            <a:prstGeom prst="rect">
-              <a:avLst/>
-            </a:prstGeom>
-          </p:spPr>
-        </p:pic>
-      </p:grpSp>
-      <p:grpSp>
-        <p:nvGrpSpPr>
-          <p:cNvPr id="1007" name="그룹 1007"/>
-          <p:cNvGrpSpPr/>
-          <p:nvPr/>
-        </p:nvGrpSpPr>
-        <p:grpSpPr>
-          <a:xfrm>
-            <a:off x="1013590" y="6373574"/>
-            <a:ext cx="3216874" cy="3216874"/>
-            <a:chOff x="1013590" y="6373574"/>
-            <a:chExt cx="3216874" cy="3216874"/>
-          </a:xfrm>
-        </p:grpSpPr>
-        <p:pic>
-          <p:nvPicPr>
-            <p:cNvPr id="23" name="Object 22"/>
-            <p:cNvPicPr>
-              <a:picLocks noChangeAspect="1"/>
-            </p:cNvPicPr>
-            <p:nvPr/>
-          </p:nvPicPr>
-          <p:blipFill>
-            <a:blip r:embed="rId10" cstate="print"/>
-            <a:stretch>
-              <a:fillRect/>
-            </a:stretch>
-          </p:blipFill>
-          <p:spPr>
-            <a:xfrm>
-              <a:off x="1013590" y="6373574"/>
-              <a:ext cx="3216874" cy="3216874"/>
-            </a:xfrm>
-            <a:prstGeom prst="rect">
-              <a:avLst/>
-            </a:prstGeom>
-          </p:spPr>
-        </p:pic>
-      </p:grpSp>
-      <p:grpSp>
-        <p:nvGrpSpPr>
-          <p:cNvPr id="1008" name="그룹 1008"/>
-          <p:cNvGrpSpPr/>
-          <p:nvPr/>
-        </p:nvGrpSpPr>
-        <p:grpSpPr>
-          <a:xfrm>
-            <a:off x="6041061" y="4055895"/>
-            <a:ext cx="1523433" cy="1523433"/>
-            <a:chOff x="6041061" y="4055895"/>
-            <a:chExt cx="1523433" cy="1523433"/>
-          </a:xfrm>
-        </p:grpSpPr>
-        <p:pic>
-          <p:nvPicPr>
-            <p:cNvPr id="26" name="Object 25"/>
-            <p:cNvPicPr>
-              <a:picLocks noChangeAspect="1"/>
-            </p:cNvPicPr>
-            <p:nvPr/>
-          </p:nvPicPr>
-          <p:blipFill>
-            <a:blip r:embed="rId11" cstate="print"/>
-            <a:stretch>
-              <a:fillRect/>
-            </a:stretch>
-          </p:blipFill>
-          <p:spPr>
-            <a:xfrm rot="1380000">
-              <a:off x="6041061" y="4055895"/>
-              <a:ext cx="1523433" cy="1523433"/>
-            </a:xfrm>
-            <a:prstGeom prst="rect">
-              <a:avLst/>
-            </a:prstGeom>
-          </p:spPr>
-        </p:pic>
-      </p:grpSp>
-    </p:spTree>
-  </p:cSld>
-  <p:clrMapOvr>
-    <a:masterClrMapping/>
-  </p:clrMapOvr>
-</p:sld>
-</file>
-
-<file path=ppt/slides/slide3.xml><?xml version="1.0" encoding="utf-8"?>
-<p:sld xmlns:a="http://schemas.openxmlformats.org/drawingml/2006/main" xmlns:r="http://schemas.openxmlformats.org/officeDocument/2006/relationships" xmlns:p="http://schemas.openxmlformats.org/presentationml/2006/main">
-  <p:cSld name="Slide 3">
-    <p:bg>
-      <p:bgPr>
-        <a:solidFill>
-          <a:srgbClr val="FFFFFF"/>
-        </a:solidFill>
-        <a:effectLst/>
-      </p:bgPr>
-    </p:bg>
-    <p:spTree>
-      <p:nvGrpSpPr>
-        <p:cNvPr id="1" name=""/>
-        <p:cNvGrpSpPr/>
-        <p:nvPr/>
-      </p:nvGrpSpPr>
-      <p:grpSpPr>
-        <a:xfrm>
-          <a:off x="0" y="0"/>
-          <a:ext cx="0" cy="0"/>
-          <a:chOff x="0" y="0"/>
-          <a:chExt cx="0" cy="0"/>
-        </a:xfrm>
-      </p:grpSpPr>
-      <p:pic>
-        <p:nvPicPr>
-          <p:cNvPr id="2" name="Object 1"/>
-          <p:cNvPicPr>
-            <a:picLocks noChangeAspect="1"/>
-          </p:cNvPicPr>
-          <p:nvPr/>
-        </p:nvPicPr>
-        <p:blipFill>
-          <a:blip r:embed="rId2" cstate="print"/>
-          <a:stretch>
-            <a:fillRect/>
-          </a:stretch>
-        </p:blipFill>
-        <p:spPr>
-          <a:xfrm>
-            <a:off x="509722" y="409250"/>
-            <a:ext cx="9814499" cy="1674747"/>
-          </a:xfrm>
-          <a:prstGeom prst="rect">
-            <a:avLst/>
-          </a:prstGeom>
-        </p:spPr>
-      </p:pic>
-      <p:grpSp>
-        <p:nvGrpSpPr>
-          <p:cNvPr id="1001" name="그룹 1001"/>
-          <p:cNvGrpSpPr/>
-          <p:nvPr/>
-        </p:nvGrpSpPr>
-        <p:grpSpPr>
-          <a:xfrm>
-            <a:off x="-57143" y="1685430"/>
-            <a:ext cx="18394831" cy="14286"/>
-            <a:chOff x="-57143" y="1685430"/>
-            <a:chExt cx="18394831" cy="14286"/>
-          </a:xfrm>
-        </p:grpSpPr>
-        <p:pic>
-          <p:nvPicPr>
-            <p:cNvPr id="4" name="Object 3"/>
-            <p:cNvPicPr>
-              <a:picLocks noChangeAspect="1"/>
-            </p:cNvPicPr>
-            <p:nvPr/>
-          </p:nvPicPr>
-          <p:blipFill>
-            <a:blip r:embed="rId3" cstate="print"/>
-            <a:stretch>
-              <a:fillRect/>
-            </a:stretch>
-          </p:blipFill>
-          <p:spPr>
-            <a:xfrm>
-              <a:off x="-57143" y="1685430"/>
-              <a:ext cx="18394831" cy="14286"/>
-            </a:xfrm>
-            <a:prstGeom prst="rect">
-              <a:avLst/>
-            </a:prstGeom>
-          </p:spPr>
-        </p:pic>
-      </p:grpSp>
-      <p:pic>
-        <p:nvPicPr>
-          <p:cNvPr id="6" name="Object 5"/>
-          <p:cNvPicPr>
-            <a:picLocks noChangeAspect="1"/>
-          </p:cNvPicPr>
-          <p:nvPr/>
-        </p:nvPicPr>
-        <p:blipFill>
-          <a:blip r:embed="rId4" cstate="print"/>
-          <a:stretch>
-            <a:fillRect/>
-          </a:stretch>
-        </p:blipFill>
-        <p:spPr>
-          <a:xfrm>
-            <a:off x="10051335" y="1085449"/>
-            <a:ext cx="5855737" cy="663899"/>
-          </a:xfrm>
-          <a:prstGeom prst="rect">
-            <a:avLst/>
-          </a:prstGeom>
-        </p:spPr>
-      </p:pic>
-      <p:grpSp>
-        <p:nvGrpSpPr>
-          <p:cNvPr id="1002" name="그룹 1002"/>
-          <p:cNvGrpSpPr/>
-          <p:nvPr/>
-        </p:nvGrpSpPr>
-        <p:grpSpPr>
-          <a:xfrm>
-            <a:off x="652575" y="2047481"/>
-            <a:ext cx="12466770" cy="7888485"/>
-            <a:chOff x="652575" y="2047481"/>
-            <a:chExt cx="12466770" cy="7888485"/>
-          </a:xfrm>
-        </p:grpSpPr>
-        <p:pic>
-          <p:nvPicPr>
-            <p:cNvPr id="8" name="Object 7"/>
-            <p:cNvPicPr>
-              <a:picLocks noChangeAspect="1"/>
-            </p:cNvPicPr>
-            <p:nvPr/>
-          </p:nvPicPr>
-          <p:blipFill>
-            <a:blip r:embed="rId5" cstate="print"/>
-            <a:stretch>
-              <a:fillRect/>
-            </a:stretch>
-          </p:blipFill>
-          <p:spPr>
-            <a:xfrm>
-              <a:off x="652575" y="2047481"/>
-              <a:ext cx="12466770" cy="7888485"/>
-            </a:xfrm>
-            <a:prstGeom prst="rect">
-              <a:avLst/>
-            </a:prstGeom>
-          </p:spPr>
-        </p:pic>
-      </p:grpSp>
-      <p:grpSp>
-        <p:nvGrpSpPr>
-          <p:cNvPr id="1003" name="그룹 1003"/>
-          <p:cNvGrpSpPr/>
-          <p:nvPr/>
-        </p:nvGrpSpPr>
-        <p:grpSpPr>
-          <a:xfrm>
-            <a:off x="1474120" y="3213251"/>
-            <a:ext cx="6627556" cy="2103520"/>
-            <a:chOff x="1474120" y="3213251"/>
-            <a:chExt cx="6627556" cy="2103520"/>
-          </a:xfrm>
-        </p:grpSpPr>
-        <p:pic>
-          <p:nvPicPr>
-            <p:cNvPr id="11" name="Object 10"/>
-            <p:cNvPicPr>
-              <a:picLocks noChangeAspect="1"/>
-            </p:cNvPicPr>
-            <p:nvPr/>
-          </p:nvPicPr>
-          <p:blipFill>
-            <a:blip r:embed="rId6" cstate="print"/>
-            <a:stretch>
-              <a:fillRect/>
-            </a:stretch>
-          </p:blipFill>
-          <p:spPr>
-            <a:xfrm>
-              <a:off x="1474120" y="3213251"/>
-              <a:ext cx="6627556" cy="2103520"/>
-            </a:xfrm>
-            <a:prstGeom prst="rect">
-              <a:avLst/>
-            </a:prstGeom>
-          </p:spPr>
-        </p:pic>
-      </p:grpSp>
-      <p:grpSp>
-        <p:nvGrpSpPr>
-          <p:cNvPr id="1004" name="그룹 1004"/>
-          <p:cNvGrpSpPr/>
-          <p:nvPr/>
-        </p:nvGrpSpPr>
-        <p:grpSpPr>
-          <a:xfrm>
-            <a:off x="9321390" y="3453024"/>
-            <a:ext cx="8462831" cy="1623973"/>
-            <a:chOff x="9321390" y="3453024"/>
-            <a:chExt cx="8462831" cy="1623973"/>
+            <a:off x="0" y="4278540"/>
+            <a:ext cx="9140272" cy="6066726"/>
+            <a:chOff x="0" y="4278540"/>
+            <a:chExt cx="9140272" cy="6066726"/>
           </a:xfrm>
         </p:grpSpPr>
         <p:grpSp>
@@ -4310,10 +3247,10 @@
           </p:nvGrpSpPr>
           <p:grpSpPr>
             <a:xfrm>
-              <a:off x="9321390" y="3453024"/>
-              <a:ext cx="8462831" cy="1623973"/>
-              <a:chOff x="9321390" y="3453024"/>
-              <a:chExt cx="8462831" cy="1623973"/>
+              <a:off x="0" y="5554492"/>
+              <a:ext cx="6307580" cy="4790774"/>
+              <a:chOff x="0" y="5554492"/>
+              <a:chExt cx="6307580" cy="4790774"/>
             </a:xfrm>
           </p:grpSpPr>
           <p:pic>
@@ -4332,8 +3269,8 @@
             </p:blipFill>
             <p:spPr>
               <a:xfrm>
-                <a:off x="9321390" y="3453024"/>
-                <a:ext cx="8462831" cy="1623973"/>
+                <a:off x="0" y="5554492"/>
+                <a:ext cx="6307580" cy="4790774"/>
               </a:xfrm>
               <a:prstGeom prst="rect">
                 <a:avLst/>
@@ -4349,10 +3286,10 @@
           </p:nvGrpSpPr>
           <p:grpSpPr>
             <a:xfrm>
-              <a:off x="9511516" y="3717760"/>
-              <a:ext cx="8069541" cy="1001842"/>
-              <a:chOff x="9511516" y="3717760"/>
-              <a:chExt cx="8069541" cy="1001842"/>
+              <a:off x="5199393" y="4278540"/>
+              <a:ext cx="3940879" cy="2457411"/>
+              <a:chOff x="5199393" y="4278540"/>
+              <a:chExt cx="3940879" cy="2457411"/>
             </a:xfrm>
           </p:grpSpPr>
           <p:pic>
@@ -4371,8 +3308,8 @@
             </p:blipFill>
             <p:spPr>
               <a:xfrm>
-                <a:off x="9511516" y="3717760"/>
-                <a:ext cx="8069541" cy="1001842"/>
+                <a:off x="5199393" y="4278540"/>
+                <a:ext cx="3940879" cy="2457411"/>
               </a:xfrm>
               <a:prstGeom prst="rect">
                 <a:avLst/>
@@ -4380,45 +3317,240 @@
             </p:spPr>
           </p:pic>
         </p:grpSp>
-      </p:grpSp>
-      <p:grpSp>
-        <p:nvGrpSpPr>
-          <p:cNvPr id="1007" name="그룹 1007"/>
-          <p:cNvGrpSpPr/>
-          <p:nvPr/>
-        </p:nvGrpSpPr>
-        <p:grpSpPr>
-          <a:xfrm>
-            <a:off x="8305519" y="3832851"/>
-            <a:ext cx="837338" cy="864318"/>
-            <a:chOff x="8305519" y="3832851"/>
-            <a:chExt cx="837338" cy="864318"/>
-          </a:xfrm>
-        </p:grpSpPr>
-        <p:pic>
-          <p:nvPicPr>
-            <p:cNvPr id="22" name="Object 21"/>
-            <p:cNvPicPr>
-              <a:picLocks noChangeAspect="1"/>
-            </p:cNvPicPr>
+        <p:grpSp>
+          <p:nvGrpSpPr>
+            <p:cNvPr id="1007" name="그룹 1007"/>
+            <p:cNvGrpSpPr/>
             <p:nvPr/>
-          </p:nvPicPr>
-          <p:blipFill>
-            <a:blip r:embed="rId9" cstate="print"/>
-            <a:stretch>
-              <a:fillRect/>
-            </a:stretch>
-          </p:blipFill>
-          <p:spPr>
+          </p:nvGrpSpPr>
+          <p:grpSpPr>
             <a:xfrm>
-              <a:off x="8305519" y="3832851"/>
-              <a:ext cx="837338" cy="864318"/>
+              <a:off x="6009593" y="4862679"/>
+              <a:ext cx="822728" cy="822728"/>
+              <a:chOff x="6009593" y="4862679"/>
+              <a:chExt cx="822728" cy="822728"/>
             </a:xfrm>
-            <a:prstGeom prst="rect">
-              <a:avLst/>
-            </a:prstGeom>
-          </p:spPr>
-        </p:pic>
+          </p:grpSpPr>
+          <p:pic>
+            <p:nvPicPr>
+              <p:cNvPr id="21" name="Object 20"/>
+              <p:cNvPicPr>
+                <a:picLocks noChangeAspect="1"/>
+              </p:cNvPicPr>
+              <p:nvPr/>
+            </p:nvPicPr>
+            <p:blipFill>
+              <a:blip r:embed="rId9" cstate="print"/>
+              <a:stretch>
+                <a:fillRect/>
+              </a:stretch>
+            </p:blipFill>
+            <p:spPr>
+              <a:xfrm rot="-1380000">
+                <a:off x="6009593" y="4862679"/>
+                <a:ext cx="822728" cy="822728"/>
+              </a:xfrm>
+              <a:prstGeom prst="rect">
+                <a:avLst/>
+              </a:prstGeom>
+            </p:spPr>
+          </p:pic>
+        </p:grpSp>
+        <p:grpSp>
+          <p:nvGrpSpPr>
+            <p:cNvPr id="1008" name="그룹 1008"/>
+            <p:cNvGrpSpPr/>
+            <p:nvPr/>
+          </p:nvGrpSpPr>
+          <p:grpSpPr>
+            <a:xfrm>
+              <a:off x="6862447" y="4374971"/>
+              <a:ext cx="992515" cy="992515"/>
+              <a:chOff x="6862447" y="4374971"/>
+              <a:chExt cx="992515" cy="992515"/>
+            </a:xfrm>
+          </p:grpSpPr>
+          <p:pic>
+            <p:nvPicPr>
+              <p:cNvPr id="24" name="Object 23"/>
+              <p:cNvPicPr>
+                <a:picLocks noChangeAspect="1"/>
+              </p:cNvPicPr>
+              <p:nvPr/>
+            </p:nvPicPr>
+            <p:blipFill>
+              <a:blip r:embed="rId10" cstate="print"/>
+              <a:stretch>
+                <a:fillRect/>
+              </a:stretch>
+            </p:blipFill>
+            <p:spPr>
+              <a:xfrm rot="120000">
+                <a:off x="6862447" y="4374971"/>
+                <a:ext cx="992515" cy="992515"/>
+              </a:xfrm>
+              <a:prstGeom prst="rect">
+                <a:avLst/>
+              </a:prstGeom>
+            </p:spPr>
+          </p:pic>
+        </p:grpSp>
+        <p:grpSp>
+          <p:nvGrpSpPr>
+            <p:cNvPr id="1009" name="그룹 1009"/>
+            <p:cNvGrpSpPr/>
+            <p:nvPr/>
+          </p:nvGrpSpPr>
+          <p:grpSpPr>
+            <a:xfrm>
+              <a:off x="7742544" y="5196675"/>
+              <a:ext cx="666950" cy="584235"/>
+              <a:chOff x="7742544" y="5196675"/>
+              <a:chExt cx="666950" cy="584235"/>
+            </a:xfrm>
+          </p:grpSpPr>
+          <p:pic>
+            <p:nvPicPr>
+              <p:cNvPr id="27" name="Object 26"/>
+              <p:cNvPicPr>
+                <a:picLocks noChangeAspect="1"/>
+              </p:cNvPicPr>
+              <p:nvPr/>
+            </p:nvPicPr>
+            <p:blipFill>
+              <a:blip r:embed="rId11" cstate="print"/>
+              <a:stretch>
+                <a:fillRect/>
+              </a:stretch>
+            </p:blipFill>
+            <p:spPr>
+              <a:xfrm rot="1080000">
+                <a:off x="7742544" y="5196675"/>
+                <a:ext cx="666950" cy="584235"/>
+              </a:xfrm>
+              <a:prstGeom prst="rect">
+                <a:avLst/>
+              </a:prstGeom>
+            </p:spPr>
+          </p:pic>
+        </p:grpSp>
+        <p:grpSp>
+          <p:nvGrpSpPr>
+            <p:cNvPr id="1010" name="그룹 1010"/>
+            <p:cNvGrpSpPr/>
+            <p:nvPr/>
+          </p:nvGrpSpPr>
+          <p:grpSpPr>
+            <a:xfrm>
+              <a:off x="8145422" y="4777207"/>
+              <a:ext cx="243439" cy="368305"/>
+              <a:chOff x="8145422" y="4777207"/>
+              <a:chExt cx="243439" cy="368305"/>
+            </a:xfrm>
+          </p:grpSpPr>
+          <p:pic>
+            <p:nvPicPr>
+              <p:cNvPr id="30" name="Object 29"/>
+              <p:cNvPicPr>
+                <a:picLocks noChangeAspect="1"/>
+              </p:cNvPicPr>
+              <p:nvPr/>
+            </p:nvPicPr>
+            <p:blipFill>
+              <a:blip r:embed="rId12" cstate="print"/>
+              <a:stretch>
+                <a:fillRect/>
+              </a:stretch>
+            </p:blipFill>
+            <p:spPr>
+              <a:xfrm rot="1080000">
+                <a:off x="8145422" y="4777207"/>
+                <a:ext cx="243439" cy="368305"/>
+              </a:xfrm>
+              <a:prstGeom prst="rect">
+                <a:avLst/>
+              </a:prstGeom>
+            </p:spPr>
+          </p:pic>
+        </p:grpSp>
+        <p:grpSp>
+          <p:nvGrpSpPr>
+            <p:cNvPr id="1011" name="그룹 1011"/>
+            <p:cNvGrpSpPr/>
+            <p:nvPr/>
+          </p:nvGrpSpPr>
+          <p:grpSpPr>
+            <a:xfrm>
+              <a:off x="7085020" y="5493905"/>
+              <a:ext cx="243439" cy="368305"/>
+              <a:chOff x="7085020" y="5493905"/>
+              <a:chExt cx="243439" cy="368305"/>
+            </a:xfrm>
+          </p:grpSpPr>
+          <p:pic>
+            <p:nvPicPr>
+              <p:cNvPr id="33" name="Object 32"/>
+              <p:cNvPicPr>
+                <a:picLocks noChangeAspect="1"/>
+              </p:cNvPicPr>
+              <p:nvPr/>
+            </p:nvPicPr>
+            <p:blipFill>
+              <a:blip r:embed="rId13" cstate="print"/>
+              <a:stretch>
+                <a:fillRect/>
+              </a:stretch>
+            </p:blipFill>
+            <p:spPr>
+              <a:xfrm rot="-1440000">
+                <a:off x="7085020" y="5493905"/>
+                <a:ext cx="243439" cy="368305"/>
+              </a:xfrm>
+              <a:prstGeom prst="rect">
+                <a:avLst/>
+              </a:prstGeom>
+            </p:spPr>
+          </p:pic>
+        </p:grpSp>
+        <p:grpSp>
+          <p:nvGrpSpPr>
+            <p:cNvPr id="1012" name="그룹 1012"/>
+            <p:cNvGrpSpPr/>
+            <p:nvPr/>
+          </p:nvGrpSpPr>
+          <p:grpSpPr>
+            <a:xfrm>
+              <a:off x="5831396" y="4777207"/>
+              <a:ext cx="243439" cy="368305"/>
+              <a:chOff x="5831396" y="4777207"/>
+              <a:chExt cx="243439" cy="368305"/>
+            </a:xfrm>
+          </p:grpSpPr>
+          <p:pic>
+            <p:nvPicPr>
+              <p:cNvPr id="36" name="Object 35"/>
+              <p:cNvPicPr>
+                <a:picLocks noChangeAspect="1"/>
+              </p:cNvPicPr>
+              <p:nvPr/>
+            </p:nvPicPr>
+            <p:blipFill>
+              <a:blip r:embed="rId14" cstate="print"/>
+              <a:stretch>
+                <a:fillRect/>
+              </a:stretch>
+            </p:blipFill>
+            <p:spPr>
+              <a:xfrm rot="-300000">
+                <a:off x="5831396" y="4777207"/>
+                <a:ext cx="243439" cy="368305"/>
+              </a:xfrm>
+              <a:prstGeom prst="rect">
+                <a:avLst/>
+              </a:prstGeom>
+            </p:spPr>
+          </p:pic>
+        </p:grpSp>
       </p:grpSp>
     </p:spTree>
   </p:cSld>
@@ -4428,804 +3560,9 @@
 </p:sld>
 </file>
 
-<file path=ppt/slides/slide4.xml><?xml version="1.0" encoding="utf-8"?>
+<file path=ppt/slides/slide10.xml><?xml version="1.0" encoding="utf-8"?>
 <p:sld xmlns:a="http://schemas.openxmlformats.org/drawingml/2006/main" xmlns:r="http://schemas.openxmlformats.org/officeDocument/2006/relationships" xmlns:p="http://schemas.openxmlformats.org/presentationml/2006/main">
-  <p:cSld name="Slide 4">
-    <p:bg>
-      <p:bgPr>
-        <a:solidFill>
-          <a:srgbClr val="FFFFFF"/>
-        </a:solidFill>
-        <a:effectLst/>
-      </p:bgPr>
-    </p:bg>
-    <p:spTree>
-      <p:nvGrpSpPr>
-        <p:cNvPr id="1" name=""/>
-        <p:cNvGrpSpPr/>
-        <p:nvPr/>
-      </p:nvGrpSpPr>
-      <p:grpSpPr>
-        <a:xfrm>
-          <a:off x="0" y="0"/>
-          <a:ext cx="0" cy="0"/>
-          <a:chOff x="0" y="0"/>
-          <a:chExt cx="0" cy="0"/>
-        </a:xfrm>
-      </p:grpSpPr>
-      <p:pic>
-        <p:nvPicPr>
-          <p:cNvPr id="2" name="Object 1"/>
-          <p:cNvPicPr>
-            <a:picLocks noChangeAspect="1"/>
-          </p:cNvPicPr>
-          <p:nvPr/>
-        </p:nvPicPr>
-        <p:blipFill>
-          <a:blip r:embed="rId2" cstate="print"/>
-          <a:stretch>
-            <a:fillRect/>
-          </a:stretch>
-        </p:blipFill>
-        <p:spPr>
-          <a:xfrm>
-            <a:off x="509722" y="409250"/>
-            <a:ext cx="9814499" cy="1674747"/>
-          </a:xfrm>
-          <a:prstGeom prst="rect">
-            <a:avLst/>
-          </a:prstGeom>
-        </p:spPr>
-      </p:pic>
-      <p:grpSp>
-        <p:nvGrpSpPr>
-          <p:cNvPr id="1001" name="그룹 1001"/>
-          <p:cNvGrpSpPr/>
-          <p:nvPr/>
-        </p:nvGrpSpPr>
-        <p:grpSpPr>
-          <a:xfrm>
-            <a:off x="-57143" y="1685430"/>
-            <a:ext cx="18394831" cy="14286"/>
-            <a:chOff x="-57143" y="1685430"/>
-            <a:chExt cx="18394831" cy="14286"/>
-          </a:xfrm>
-        </p:grpSpPr>
-        <p:pic>
-          <p:nvPicPr>
-            <p:cNvPr id="4" name="Object 3"/>
-            <p:cNvPicPr>
-              <a:picLocks noChangeAspect="1"/>
-            </p:cNvPicPr>
-            <p:nvPr/>
-          </p:nvPicPr>
-          <p:blipFill>
-            <a:blip r:embed="rId3" cstate="print"/>
-            <a:stretch>
-              <a:fillRect/>
-            </a:stretch>
-          </p:blipFill>
-          <p:spPr>
-            <a:xfrm>
-              <a:off x="-57143" y="1685430"/>
-              <a:ext cx="18394831" cy="14286"/>
-            </a:xfrm>
-            <a:prstGeom prst="rect">
-              <a:avLst/>
-            </a:prstGeom>
-          </p:spPr>
-        </p:pic>
-      </p:grpSp>
-      <p:pic>
-        <p:nvPicPr>
-          <p:cNvPr id="6" name="Object 5"/>
-          <p:cNvPicPr>
-            <a:picLocks noChangeAspect="1"/>
-          </p:cNvPicPr>
-          <p:nvPr/>
-        </p:nvPicPr>
-        <p:blipFill>
-          <a:blip r:embed="rId4" cstate="print"/>
-          <a:stretch>
-            <a:fillRect/>
-          </a:stretch>
-        </p:blipFill>
-        <p:spPr>
-          <a:xfrm>
-            <a:off x="10051335" y="1085449"/>
-            <a:ext cx="5857642" cy="663899"/>
-          </a:xfrm>
-          <a:prstGeom prst="rect">
-            <a:avLst/>
-          </a:prstGeom>
-        </p:spPr>
-      </p:pic>
-      <p:grpSp>
-        <p:nvGrpSpPr>
-          <p:cNvPr id="1002" name="그룹 1002"/>
-          <p:cNvGrpSpPr/>
-          <p:nvPr/>
-        </p:nvGrpSpPr>
-        <p:grpSpPr>
-          <a:xfrm>
-            <a:off x="652575" y="1875211"/>
-            <a:ext cx="15205428" cy="8050966"/>
-            <a:chOff x="652575" y="1875211"/>
-            <a:chExt cx="15205428" cy="8050966"/>
-          </a:xfrm>
-        </p:grpSpPr>
-        <p:pic>
-          <p:nvPicPr>
-            <p:cNvPr id="8" name="Object 7"/>
-            <p:cNvPicPr>
-              <a:picLocks noChangeAspect="1"/>
-            </p:cNvPicPr>
-            <p:nvPr/>
-          </p:nvPicPr>
-          <p:blipFill>
-            <a:blip r:embed="rId5" cstate="print"/>
-            <a:stretch>
-              <a:fillRect/>
-            </a:stretch>
-          </p:blipFill>
-          <p:spPr>
-            <a:xfrm>
-              <a:off x="652575" y="1875211"/>
-              <a:ext cx="15205428" cy="8050966"/>
-            </a:xfrm>
-            <a:prstGeom prst="rect">
-              <a:avLst/>
-            </a:prstGeom>
-          </p:spPr>
-        </p:pic>
-      </p:grpSp>
-    </p:spTree>
-  </p:cSld>
-  <p:clrMapOvr>
-    <a:masterClrMapping/>
-  </p:clrMapOvr>
-</p:sld>
-</file>
-
-<file path=ppt/slides/slide5.xml><?xml version="1.0" encoding="utf-8"?>
-<p:sld xmlns:a="http://schemas.openxmlformats.org/drawingml/2006/main" xmlns:r="http://schemas.openxmlformats.org/officeDocument/2006/relationships" xmlns:p="http://schemas.openxmlformats.org/presentationml/2006/main">
-  <p:cSld name="Slide 5">
-    <p:bg>
-      <p:bgPr>
-        <a:solidFill>
-          <a:srgbClr val="FFFFFF"/>
-        </a:solidFill>
-        <a:effectLst/>
-      </p:bgPr>
-    </p:bg>
-    <p:spTree>
-      <p:nvGrpSpPr>
-        <p:cNvPr id="1" name=""/>
-        <p:cNvGrpSpPr/>
-        <p:nvPr/>
-      </p:nvGrpSpPr>
-      <p:grpSpPr>
-        <a:xfrm>
-          <a:off x="0" y="0"/>
-          <a:ext cx="0" cy="0"/>
-          <a:chOff x="0" y="0"/>
-          <a:chExt cx="0" cy="0"/>
-        </a:xfrm>
-      </p:grpSpPr>
-      <p:pic>
-        <p:nvPicPr>
-          <p:cNvPr id="2" name="Object 1"/>
-          <p:cNvPicPr>
-            <a:picLocks noChangeAspect="1"/>
-          </p:cNvPicPr>
-          <p:nvPr/>
-        </p:nvPicPr>
-        <p:blipFill>
-          <a:blip r:embed="rId2" cstate="print"/>
-          <a:stretch>
-            <a:fillRect/>
-          </a:stretch>
-        </p:blipFill>
-        <p:spPr>
-          <a:xfrm>
-            <a:off x="509722" y="409250"/>
-            <a:ext cx="9814499" cy="1674747"/>
-          </a:xfrm>
-          <a:prstGeom prst="rect">
-            <a:avLst/>
-          </a:prstGeom>
-        </p:spPr>
-      </p:pic>
-      <p:grpSp>
-        <p:nvGrpSpPr>
-          <p:cNvPr id="1001" name="그룹 1001"/>
-          <p:cNvGrpSpPr/>
-          <p:nvPr/>
-        </p:nvGrpSpPr>
-        <p:grpSpPr>
-          <a:xfrm>
-            <a:off x="-57143" y="1685430"/>
-            <a:ext cx="18394831" cy="14286"/>
-            <a:chOff x="-57143" y="1685430"/>
-            <a:chExt cx="18394831" cy="14286"/>
-          </a:xfrm>
-        </p:grpSpPr>
-        <p:pic>
-          <p:nvPicPr>
-            <p:cNvPr id="4" name="Object 3"/>
-            <p:cNvPicPr>
-              <a:picLocks noChangeAspect="1"/>
-            </p:cNvPicPr>
-            <p:nvPr/>
-          </p:nvPicPr>
-          <p:blipFill>
-            <a:blip r:embed="rId3" cstate="print"/>
-            <a:stretch>
-              <a:fillRect/>
-            </a:stretch>
-          </p:blipFill>
-          <p:spPr>
-            <a:xfrm>
-              <a:off x="-57143" y="1685430"/>
-              <a:ext cx="18394831" cy="14286"/>
-            </a:xfrm>
-            <a:prstGeom prst="rect">
-              <a:avLst/>
-            </a:prstGeom>
-          </p:spPr>
-        </p:pic>
-      </p:grpSp>
-      <p:pic>
-        <p:nvPicPr>
-          <p:cNvPr id="6" name="Object 5"/>
-          <p:cNvPicPr>
-            <a:picLocks noChangeAspect="1"/>
-          </p:cNvPicPr>
-          <p:nvPr/>
-        </p:nvPicPr>
-        <p:blipFill>
-          <a:blip r:embed="rId4" cstate="print"/>
-          <a:stretch>
-            <a:fillRect/>
-          </a:stretch>
-        </p:blipFill>
-        <p:spPr>
-          <a:xfrm>
-            <a:off x="10051335" y="1085449"/>
-            <a:ext cx="5855737" cy="663899"/>
-          </a:xfrm>
-          <a:prstGeom prst="rect">
-            <a:avLst/>
-          </a:prstGeom>
-        </p:spPr>
-      </p:pic>
-      <p:grpSp>
-        <p:nvGrpSpPr>
-          <p:cNvPr id="1002" name="그룹 1002"/>
-          <p:cNvGrpSpPr/>
-          <p:nvPr/>
-        </p:nvGrpSpPr>
-        <p:grpSpPr>
-          <a:xfrm>
-            <a:off x="652575" y="2376785"/>
-            <a:ext cx="15059252" cy="6264649"/>
-            <a:chOff x="652575" y="2376785"/>
-            <a:chExt cx="15059252" cy="6264649"/>
-          </a:xfrm>
-        </p:grpSpPr>
-        <p:pic>
-          <p:nvPicPr>
-            <p:cNvPr id="8" name="Object 7"/>
-            <p:cNvPicPr>
-              <a:picLocks noChangeAspect="1"/>
-            </p:cNvPicPr>
-            <p:nvPr/>
-          </p:nvPicPr>
-          <p:blipFill>
-            <a:blip r:embed="rId5" cstate="print"/>
-            <a:stretch>
-              <a:fillRect/>
-            </a:stretch>
-          </p:blipFill>
-          <p:spPr>
-            <a:xfrm>
-              <a:off x="652575" y="2376785"/>
-              <a:ext cx="15059252" cy="6264649"/>
-            </a:xfrm>
-            <a:prstGeom prst="rect">
-              <a:avLst/>
-            </a:prstGeom>
-          </p:spPr>
-        </p:pic>
-      </p:grpSp>
-    </p:spTree>
-  </p:cSld>
-  <p:clrMapOvr>
-    <a:masterClrMapping/>
-  </p:clrMapOvr>
-</p:sld>
-</file>
-
-<file path=ppt/slides/slide6.xml><?xml version="1.0" encoding="utf-8"?>
-<p:sld xmlns:a="http://schemas.openxmlformats.org/drawingml/2006/main" xmlns:r="http://schemas.openxmlformats.org/officeDocument/2006/relationships" xmlns:p="http://schemas.openxmlformats.org/presentationml/2006/main">
-  <p:cSld name="Slide 6">
-    <p:bg>
-      <p:bgPr>
-        <a:solidFill>
-          <a:srgbClr val="FFFFFF"/>
-        </a:solidFill>
-        <a:effectLst/>
-      </p:bgPr>
-    </p:bg>
-    <p:spTree>
-      <p:nvGrpSpPr>
-        <p:cNvPr id="1" name=""/>
-        <p:cNvGrpSpPr/>
-        <p:nvPr/>
-      </p:nvGrpSpPr>
-      <p:grpSpPr>
-        <a:xfrm>
-          <a:off x="0" y="0"/>
-          <a:ext cx="0" cy="0"/>
-          <a:chOff x="0" y="0"/>
-          <a:chExt cx="0" cy="0"/>
-        </a:xfrm>
-      </p:grpSpPr>
-      <p:pic>
-        <p:nvPicPr>
-          <p:cNvPr id="2" name="Object 1"/>
-          <p:cNvPicPr>
-            <a:picLocks noChangeAspect="1"/>
-          </p:cNvPicPr>
-          <p:nvPr/>
-        </p:nvPicPr>
-        <p:blipFill>
-          <a:blip r:embed="rId2" cstate="print"/>
-          <a:stretch>
-            <a:fillRect/>
-          </a:stretch>
-        </p:blipFill>
-        <p:spPr>
-          <a:xfrm>
-            <a:off x="509722" y="409250"/>
-            <a:ext cx="9814499" cy="1674747"/>
-          </a:xfrm>
-          <a:prstGeom prst="rect">
-            <a:avLst/>
-          </a:prstGeom>
-        </p:spPr>
-      </p:pic>
-      <p:grpSp>
-        <p:nvGrpSpPr>
-          <p:cNvPr id="1001" name="그룹 1001"/>
-          <p:cNvGrpSpPr/>
-          <p:nvPr/>
-        </p:nvGrpSpPr>
-        <p:grpSpPr>
-          <a:xfrm>
-            <a:off x="-57143" y="1685430"/>
-            <a:ext cx="18394831" cy="14286"/>
-            <a:chOff x="-57143" y="1685430"/>
-            <a:chExt cx="18394831" cy="14286"/>
-          </a:xfrm>
-        </p:grpSpPr>
-        <p:pic>
-          <p:nvPicPr>
-            <p:cNvPr id="4" name="Object 3"/>
-            <p:cNvPicPr>
-              <a:picLocks noChangeAspect="1"/>
-            </p:cNvPicPr>
-            <p:nvPr/>
-          </p:nvPicPr>
-          <p:blipFill>
-            <a:blip r:embed="rId3" cstate="print"/>
-            <a:stretch>
-              <a:fillRect/>
-            </a:stretch>
-          </p:blipFill>
-          <p:spPr>
-            <a:xfrm>
-              <a:off x="-57143" y="1685430"/>
-              <a:ext cx="18394831" cy="14286"/>
-            </a:xfrm>
-            <a:prstGeom prst="rect">
-              <a:avLst/>
-            </a:prstGeom>
-          </p:spPr>
-        </p:pic>
-      </p:grpSp>
-      <p:grpSp>
-        <p:nvGrpSpPr>
-          <p:cNvPr id="1002" name="그룹 1002"/>
-          <p:cNvGrpSpPr/>
-          <p:nvPr/>
-        </p:nvGrpSpPr>
-        <p:grpSpPr>
-          <a:xfrm>
-            <a:off x="652575" y="2542420"/>
-            <a:ext cx="13044661" cy="6608605"/>
-            <a:chOff x="652575" y="2542420"/>
-            <a:chExt cx="13044661" cy="6608605"/>
-          </a:xfrm>
-        </p:grpSpPr>
-        <p:pic>
-          <p:nvPicPr>
-            <p:cNvPr id="7" name="Object 6"/>
-            <p:cNvPicPr>
-              <a:picLocks noChangeAspect="1"/>
-            </p:cNvPicPr>
-            <p:nvPr/>
-          </p:nvPicPr>
-          <p:blipFill>
-            <a:blip r:embed="rId4" cstate="print"/>
-            <a:stretch>
-              <a:fillRect/>
-            </a:stretch>
-          </p:blipFill>
-          <p:spPr>
-            <a:xfrm>
-              <a:off x="652575" y="2542420"/>
-              <a:ext cx="13044661" cy="6608605"/>
-            </a:xfrm>
-            <a:prstGeom prst="rect">
-              <a:avLst/>
-            </a:prstGeom>
-          </p:spPr>
-        </p:pic>
-      </p:grpSp>
-      <p:pic>
-        <p:nvPicPr>
-          <p:cNvPr id="9" name="Object 8"/>
-          <p:cNvPicPr>
-            <a:picLocks noChangeAspect="1"/>
-          </p:cNvPicPr>
-          <p:nvPr/>
-        </p:nvPicPr>
-        <p:blipFill>
-          <a:blip r:embed="rId5" cstate="print"/>
-          <a:stretch>
-            <a:fillRect/>
-          </a:stretch>
-        </p:blipFill>
-        <p:spPr>
-          <a:xfrm>
-            <a:off x="10051335" y="1085449"/>
-            <a:ext cx="5870975" cy="663899"/>
-          </a:xfrm>
-          <a:prstGeom prst="rect">
-            <a:avLst/>
-          </a:prstGeom>
-        </p:spPr>
-      </p:pic>
-    </p:spTree>
-  </p:cSld>
-  <p:clrMapOvr>
-    <a:masterClrMapping/>
-  </p:clrMapOvr>
-</p:sld>
-</file>
-
-<file path=ppt/slides/slide7.xml><?xml version="1.0" encoding="utf-8"?>
-<p:sld xmlns:a="http://schemas.openxmlformats.org/drawingml/2006/main" xmlns:r="http://schemas.openxmlformats.org/officeDocument/2006/relationships" xmlns:p="http://schemas.openxmlformats.org/presentationml/2006/main">
-  <p:cSld name="Slide 7">
-    <p:bg>
-      <p:bgPr>
-        <a:solidFill>
-          <a:srgbClr val="FFFFFF"/>
-        </a:solidFill>
-        <a:effectLst/>
-      </p:bgPr>
-    </p:bg>
-    <p:spTree>
-      <p:nvGrpSpPr>
-        <p:cNvPr id="1" name=""/>
-        <p:cNvGrpSpPr/>
-        <p:nvPr/>
-      </p:nvGrpSpPr>
-      <p:grpSpPr>
-        <a:xfrm>
-          <a:off x="0" y="0"/>
-          <a:ext cx="0" cy="0"/>
-          <a:chOff x="0" y="0"/>
-          <a:chExt cx="0" cy="0"/>
-        </a:xfrm>
-      </p:grpSpPr>
-      <p:pic>
-        <p:nvPicPr>
-          <p:cNvPr id="2" name="Object 1"/>
-          <p:cNvPicPr>
-            <a:picLocks noChangeAspect="1"/>
-          </p:cNvPicPr>
-          <p:nvPr/>
-        </p:nvPicPr>
-        <p:blipFill>
-          <a:blip r:embed="rId2" cstate="print"/>
-          <a:stretch>
-            <a:fillRect/>
-          </a:stretch>
-        </p:blipFill>
-        <p:spPr>
-          <a:xfrm>
-            <a:off x="509722" y="409250"/>
-            <a:ext cx="9814499" cy="1674747"/>
-          </a:xfrm>
-          <a:prstGeom prst="rect">
-            <a:avLst/>
-          </a:prstGeom>
-        </p:spPr>
-      </p:pic>
-      <p:grpSp>
-        <p:nvGrpSpPr>
-          <p:cNvPr id="1001" name="그룹 1001"/>
-          <p:cNvGrpSpPr/>
-          <p:nvPr/>
-        </p:nvGrpSpPr>
-        <p:grpSpPr>
-          <a:xfrm>
-            <a:off x="-57143" y="1685430"/>
-            <a:ext cx="18394831" cy="14286"/>
-            <a:chOff x="-57143" y="1685430"/>
-            <a:chExt cx="18394831" cy="14286"/>
-          </a:xfrm>
-        </p:grpSpPr>
-        <p:pic>
-          <p:nvPicPr>
-            <p:cNvPr id="4" name="Object 3"/>
-            <p:cNvPicPr>
-              <a:picLocks noChangeAspect="1"/>
-            </p:cNvPicPr>
-            <p:nvPr/>
-          </p:nvPicPr>
-          <p:blipFill>
-            <a:blip r:embed="rId3" cstate="print"/>
-            <a:stretch>
-              <a:fillRect/>
-            </a:stretch>
-          </p:blipFill>
-          <p:spPr>
-            <a:xfrm>
-              <a:off x="-57143" y="1685430"/>
-              <a:ext cx="18394831" cy="14286"/>
-            </a:xfrm>
-            <a:prstGeom prst="rect">
-              <a:avLst/>
-            </a:prstGeom>
-          </p:spPr>
-        </p:pic>
-      </p:grpSp>
-      <p:pic>
-        <p:nvPicPr>
-          <p:cNvPr id="6" name="Object 5"/>
-          <p:cNvPicPr>
-            <a:picLocks noChangeAspect="1"/>
-          </p:cNvPicPr>
-          <p:nvPr/>
-        </p:nvPicPr>
-        <p:blipFill>
-          <a:blip r:embed="rId4" cstate="print"/>
-          <a:stretch>
-            <a:fillRect/>
-          </a:stretch>
-        </p:blipFill>
-        <p:spPr>
-          <a:xfrm>
-            <a:off x="10051335" y="1085449"/>
-            <a:ext cx="5857642" cy="663899"/>
-          </a:xfrm>
-          <a:prstGeom prst="rect">
-            <a:avLst/>
-          </a:prstGeom>
-        </p:spPr>
-      </p:pic>
-      <p:grpSp>
-        <p:nvGrpSpPr>
-          <p:cNvPr id="1002" name="그룹 1002"/>
-          <p:cNvGrpSpPr/>
-          <p:nvPr/>
-        </p:nvGrpSpPr>
-        <p:grpSpPr>
-          <a:xfrm>
-            <a:off x="652575" y="1896457"/>
-            <a:ext cx="14381616" cy="7733690"/>
-            <a:chOff x="652575" y="1896457"/>
-            <a:chExt cx="14381616" cy="7733690"/>
-          </a:xfrm>
-        </p:grpSpPr>
-        <p:pic>
-          <p:nvPicPr>
-            <p:cNvPr id="8" name="Object 7"/>
-            <p:cNvPicPr>
-              <a:picLocks noChangeAspect="1"/>
-            </p:cNvPicPr>
-            <p:nvPr/>
-          </p:nvPicPr>
-          <p:blipFill>
-            <a:blip r:embed="rId5" cstate="print"/>
-            <a:stretch>
-              <a:fillRect/>
-            </a:stretch>
-          </p:blipFill>
-          <p:spPr>
-            <a:xfrm>
-              <a:off x="652575" y="1896457"/>
-              <a:ext cx="14381616" cy="7733690"/>
-            </a:xfrm>
-            <a:prstGeom prst="rect">
-              <a:avLst/>
-            </a:prstGeom>
-          </p:spPr>
-        </p:pic>
-      </p:grpSp>
-    </p:spTree>
-  </p:cSld>
-  <p:clrMapOvr>
-    <a:masterClrMapping/>
-  </p:clrMapOvr>
-</p:sld>
-</file>
-
-<file path=ppt/slides/slide8.xml><?xml version="1.0" encoding="utf-8"?>
-<p:sld xmlns:a="http://schemas.openxmlformats.org/drawingml/2006/main" xmlns:r="http://schemas.openxmlformats.org/officeDocument/2006/relationships" xmlns:p="http://schemas.openxmlformats.org/presentationml/2006/main">
-  <p:cSld name="Slide 8">
-    <p:bg>
-      <p:bgPr>
-        <a:solidFill>
-          <a:srgbClr val="FFFFFF"/>
-        </a:solidFill>
-        <a:effectLst/>
-      </p:bgPr>
-    </p:bg>
-    <p:spTree>
-      <p:nvGrpSpPr>
-        <p:cNvPr id="1" name=""/>
-        <p:cNvGrpSpPr/>
-        <p:nvPr/>
-      </p:nvGrpSpPr>
-      <p:grpSpPr>
-        <a:xfrm>
-          <a:off x="0" y="0"/>
-          <a:ext cx="0" cy="0"/>
-          <a:chOff x="0" y="0"/>
-          <a:chExt cx="0" cy="0"/>
-        </a:xfrm>
-      </p:grpSpPr>
-      <p:pic>
-        <p:nvPicPr>
-          <p:cNvPr id="2" name="Object 1"/>
-          <p:cNvPicPr>
-            <a:picLocks noChangeAspect="1"/>
-          </p:cNvPicPr>
-          <p:nvPr/>
-        </p:nvPicPr>
-        <p:blipFill>
-          <a:blip r:embed="rId2" cstate="print"/>
-          <a:stretch>
-            <a:fillRect/>
-          </a:stretch>
-        </p:blipFill>
-        <p:spPr>
-          <a:xfrm>
-            <a:off x="509722" y="409250"/>
-            <a:ext cx="9814499" cy="1674747"/>
-          </a:xfrm>
-          <a:prstGeom prst="rect">
-            <a:avLst/>
-          </a:prstGeom>
-        </p:spPr>
-      </p:pic>
-      <p:grpSp>
-        <p:nvGrpSpPr>
-          <p:cNvPr id="1001" name="그룹 1001"/>
-          <p:cNvGrpSpPr/>
-          <p:nvPr/>
-        </p:nvGrpSpPr>
-        <p:grpSpPr>
-          <a:xfrm>
-            <a:off x="-57143" y="1685430"/>
-            <a:ext cx="18394831" cy="14286"/>
-            <a:chOff x="-57143" y="1685430"/>
-            <a:chExt cx="18394831" cy="14286"/>
-          </a:xfrm>
-        </p:grpSpPr>
-        <p:pic>
-          <p:nvPicPr>
-            <p:cNvPr id="4" name="Object 3"/>
-            <p:cNvPicPr>
-              <a:picLocks noChangeAspect="1"/>
-            </p:cNvPicPr>
-            <p:nvPr/>
-          </p:nvPicPr>
-          <p:blipFill>
-            <a:blip r:embed="rId3" cstate="print"/>
-            <a:stretch>
-              <a:fillRect/>
-            </a:stretch>
-          </p:blipFill>
-          <p:spPr>
-            <a:xfrm>
-              <a:off x="-57143" y="1685430"/>
-              <a:ext cx="18394831" cy="14286"/>
-            </a:xfrm>
-            <a:prstGeom prst="rect">
-              <a:avLst/>
-            </a:prstGeom>
-          </p:spPr>
-        </p:pic>
-      </p:grpSp>
-      <p:pic>
-        <p:nvPicPr>
-          <p:cNvPr id="6" name="Object 5"/>
-          <p:cNvPicPr>
-            <a:picLocks noChangeAspect="1"/>
-          </p:cNvPicPr>
-          <p:nvPr/>
-        </p:nvPicPr>
-        <p:blipFill>
-          <a:blip r:embed="rId4" cstate="print"/>
-          <a:stretch>
-            <a:fillRect/>
-          </a:stretch>
-        </p:blipFill>
-        <p:spPr>
-          <a:xfrm>
-            <a:off x="10051335" y="1085449"/>
-            <a:ext cx="5863356" cy="663899"/>
-          </a:xfrm>
-          <a:prstGeom prst="rect">
-            <a:avLst/>
-          </a:prstGeom>
-        </p:spPr>
-      </p:pic>
-      <p:grpSp>
-        <p:nvGrpSpPr>
-          <p:cNvPr id="1002" name="그룹 1002"/>
-          <p:cNvGrpSpPr/>
-          <p:nvPr/>
-        </p:nvGrpSpPr>
-        <p:grpSpPr>
-          <a:xfrm>
-            <a:off x="652575" y="2277410"/>
-            <a:ext cx="15201930" cy="6489618"/>
-            <a:chOff x="652575" y="2277410"/>
-            <a:chExt cx="15201930" cy="6489618"/>
-          </a:xfrm>
-        </p:grpSpPr>
-        <p:pic>
-          <p:nvPicPr>
-            <p:cNvPr id="8" name="Object 7"/>
-            <p:cNvPicPr>
-              <a:picLocks noChangeAspect="1"/>
-            </p:cNvPicPr>
-            <p:nvPr/>
-          </p:nvPicPr>
-          <p:blipFill>
-            <a:blip r:embed="rId5" cstate="print"/>
-            <a:stretch>
-              <a:fillRect/>
-            </a:stretch>
-          </p:blipFill>
-          <p:spPr>
-            <a:xfrm>
-              <a:off x="652575" y="2277410"/>
-              <a:ext cx="15201930" cy="6489618"/>
-            </a:xfrm>
-            <a:prstGeom prst="rect">
-              <a:avLst/>
-            </a:prstGeom>
-          </p:spPr>
-        </p:pic>
-      </p:grpSp>
-    </p:spTree>
-  </p:cSld>
-  <p:clrMapOvr>
-    <a:masterClrMapping/>
-  </p:clrMapOvr>
-</p:sld>
-</file>
-
-<file path=ppt/slides/slide9.xml><?xml version="1.0" encoding="utf-8"?>
-<p:sld xmlns:a="http://schemas.openxmlformats.org/drawingml/2006/main" xmlns:r="http://schemas.openxmlformats.org/officeDocument/2006/relationships" xmlns:p="http://schemas.openxmlformats.org/presentationml/2006/main">
-  <p:cSld name="Slide 9">
+  <p:cSld name="Slide 10">
     <p:bg>
       <p:bgPr>
         <a:solidFill>
@@ -5590,7 +3927,7 @@
                 <p:nvPr/>
               </p:nvPicPr>
               <p:blipFill>
-                <a:blip r:embed="rId7" cstate="print"/>
+                <a:blip r:embed="rId11" cstate="print"/>
                 <a:stretch>
                   <a:fillRect/>
                 </a:stretch>
@@ -5615,7 +3952,7 @@
               <p:nvPr/>
             </p:nvPicPr>
             <p:blipFill>
-              <a:blip r:embed="rId11" cstate="print"/>
+              <a:blip r:embed="rId12" cstate="print"/>
               <a:stretch>
                 <a:fillRect/>
               </a:stretch>
@@ -5653,7 +3990,7 @@
                 <p:nvPr/>
               </p:nvPicPr>
               <p:blipFill>
-                <a:blip r:embed="rId9" cstate="print"/>
+                <a:blip r:embed="rId13" cstate="print"/>
                 <a:stretch>
                   <a:fillRect/>
                 </a:stretch>
@@ -5678,7 +4015,7 @@
               <p:nvPr/>
             </p:nvPicPr>
             <p:blipFill>
-              <a:blip r:embed="rId12" cstate="print"/>
+              <a:blip r:embed="rId14" cstate="print"/>
               <a:stretch>
                 <a:fillRect/>
               </a:stretch>
@@ -5716,7 +4053,7 @@
                 <p:nvPr/>
               </p:nvPicPr>
               <p:blipFill>
-                <a:blip r:embed="rId7" cstate="print"/>
+                <a:blip r:embed="rId15" cstate="print"/>
                 <a:stretch>
                   <a:fillRect/>
                 </a:stretch>
@@ -5741,7 +4078,7 @@
               <p:nvPr/>
             </p:nvPicPr>
             <p:blipFill>
-              <a:blip r:embed="rId13" cstate="print"/>
+              <a:blip r:embed="rId16" cstate="print"/>
               <a:stretch>
                 <a:fillRect/>
               </a:stretch>
@@ -5809,7 +4146,7 @@
                 <p:nvPr/>
               </p:nvPicPr>
               <p:blipFill>
-                <a:blip r:embed="rId14" cstate="print"/>
+                <a:blip r:embed="rId17" cstate="print"/>
                 <a:stretch>
                   <a:fillRect/>
                 </a:stretch>
@@ -5848,7 +4185,7 @@
                 <p:nvPr/>
               </p:nvPicPr>
               <p:blipFill>
-                <a:blip r:embed="rId15" cstate="print"/>
+                <a:blip r:embed="rId18" cstate="print"/>
                 <a:stretch>
                   <a:fillRect/>
                 </a:stretch>
@@ -5887,7 +4224,7 @@
                 <p:nvPr/>
               </p:nvPicPr>
               <p:blipFill>
-                <a:blip r:embed="rId16" cstate="print"/>
+                <a:blip r:embed="rId19" cstate="print"/>
                 <a:stretch>
                   <a:fillRect/>
                 </a:stretch>
@@ -5927,7 +4264,7 @@
               <p:nvPr/>
             </p:nvPicPr>
             <p:blipFill>
-              <a:blip r:embed="rId17" cstate="print"/>
+              <a:blip r:embed="rId20" cstate="print"/>
               <a:stretch>
                 <a:fillRect/>
               </a:stretch>
@@ -5952,7 +4289,7 @@
             <p:nvPr/>
           </p:nvPicPr>
           <p:blipFill>
-            <a:blip r:embed="rId18" cstate="print"/>
+            <a:blip r:embed="rId21" cstate="print"/>
             <a:stretch>
               <a:fillRect/>
             </a:stretch>
@@ -6005,7 +4342,7 @@
               <p:nvPr/>
             </p:nvPicPr>
             <p:blipFill>
-              <a:blip r:embed="rId19" cstate="print"/>
+              <a:blip r:embed="rId22" cstate="print"/>
               <a:stretch>
                 <a:fillRect/>
               </a:stretch>
@@ -6030,7 +4367,7 @@
             <p:nvPr/>
           </p:nvPicPr>
           <p:blipFill>
-            <a:blip r:embed="rId20" cstate="print"/>
+            <a:blip r:embed="rId23" cstate="print"/>
             <a:stretch>
               <a:fillRect/>
             </a:stretch>
@@ -6068,7 +4405,7 @@
               <p:nvPr/>
             </p:nvPicPr>
             <p:blipFill>
-              <a:blip r:embed="rId21" cstate="print"/>
+              <a:blip r:embed="rId24" cstate="print"/>
               <a:stretch>
                 <a:fillRect/>
               </a:stretch>
@@ -6093,7 +4430,7 @@
             <p:nvPr/>
           </p:nvPicPr>
           <p:blipFill>
-            <a:blip r:embed="rId22" cstate="print"/>
+            <a:blip r:embed="rId25" cstate="print"/>
             <a:stretch>
               <a:fillRect/>
             </a:stretch>
@@ -6102,6 +4439,3453 @@
             <a:xfrm>
               <a:off x="6270780" y="2301312"/>
               <a:ext cx="2376430" cy="667782"/>
+            </a:xfrm>
+            <a:prstGeom prst="rect">
+              <a:avLst/>
+            </a:prstGeom>
+          </p:spPr>
+        </p:pic>
+      </p:grpSp>
+    </p:spTree>
+  </p:cSld>
+  <p:clrMapOvr>
+    <a:masterClrMapping/>
+  </p:clrMapOvr>
+</p:sld>
+</file>
+
+<file path=ppt/slides/slide11.xml><?xml version="1.0" encoding="utf-8"?>
+<p:sld xmlns:a="http://schemas.openxmlformats.org/drawingml/2006/main" xmlns:r="http://schemas.openxmlformats.org/officeDocument/2006/relationships" xmlns:p="http://schemas.openxmlformats.org/presentationml/2006/main">
+  <p:cSld name="Slide 11">
+    <p:bg>
+      <p:bgPr>
+        <a:solidFill>
+          <a:srgbClr val="FFFFFF"/>
+        </a:solidFill>
+        <a:effectLst/>
+      </p:bgPr>
+    </p:bg>
+    <p:spTree>
+      <p:nvGrpSpPr>
+        <p:cNvPr id="1" name=""/>
+        <p:cNvGrpSpPr/>
+        <p:nvPr/>
+      </p:nvGrpSpPr>
+      <p:grpSpPr>
+        <a:xfrm>
+          <a:off x="0" y="0"/>
+          <a:ext cx="0" cy="0"/>
+          <a:chOff x="0" y="0"/>
+          <a:chExt cx="0" cy="0"/>
+        </a:xfrm>
+      </p:grpSpPr>
+      <p:pic>
+        <p:nvPicPr>
+          <p:cNvPr id="2" name="Object 1"/>
+          <p:cNvPicPr>
+            <a:picLocks noChangeAspect="1"/>
+          </p:cNvPicPr>
+          <p:nvPr/>
+        </p:nvPicPr>
+        <p:blipFill>
+          <a:blip r:embed="rId2" cstate="print"/>
+          <a:stretch>
+            <a:fillRect/>
+          </a:stretch>
+        </p:blipFill>
+        <p:spPr>
+          <a:xfrm>
+            <a:off x="509722" y="409250"/>
+            <a:ext cx="8009737" cy="1674747"/>
+          </a:xfrm>
+          <a:prstGeom prst="rect">
+            <a:avLst/>
+          </a:prstGeom>
+        </p:spPr>
+      </p:pic>
+      <p:grpSp>
+        <p:nvGrpSpPr>
+          <p:cNvPr id="1001" name="그룹 1001"/>
+          <p:cNvGrpSpPr/>
+          <p:nvPr/>
+        </p:nvGrpSpPr>
+        <p:grpSpPr>
+          <a:xfrm>
+            <a:off x="-57143" y="1685430"/>
+            <a:ext cx="18394831" cy="14286"/>
+            <a:chOff x="-57143" y="1685430"/>
+            <a:chExt cx="18394831" cy="14286"/>
+          </a:xfrm>
+        </p:grpSpPr>
+        <p:pic>
+          <p:nvPicPr>
+            <p:cNvPr id="4" name="Object 3"/>
+            <p:cNvPicPr>
+              <a:picLocks noChangeAspect="1"/>
+            </p:cNvPicPr>
+            <p:nvPr/>
+          </p:nvPicPr>
+          <p:blipFill>
+            <a:blip r:embed="rId3" cstate="print"/>
+            <a:stretch>
+              <a:fillRect/>
+            </a:stretch>
+          </p:blipFill>
+          <p:spPr>
+            <a:xfrm>
+              <a:off x="-57143" y="1685430"/>
+              <a:ext cx="18394831" cy="14286"/>
+            </a:xfrm>
+            <a:prstGeom prst="rect">
+              <a:avLst/>
+            </a:prstGeom>
+          </p:spPr>
+        </p:pic>
+      </p:grpSp>
+      <p:grpSp>
+        <p:nvGrpSpPr>
+          <p:cNvPr id="1002" name="그룹 1002"/>
+          <p:cNvGrpSpPr/>
+          <p:nvPr/>
+        </p:nvGrpSpPr>
+        <p:grpSpPr>
+          <a:xfrm>
+            <a:off x="9142857" y="3309756"/>
+            <a:ext cx="6307143" cy="1789324"/>
+            <a:chOff x="9142857" y="3309756"/>
+            <a:chExt cx="6307143" cy="1789324"/>
+          </a:xfrm>
+        </p:grpSpPr>
+        <p:pic>
+          <p:nvPicPr>
+            <p:cNvPr id="7" name="Object 6"/>
+            <p:cNvPicPr>
+              <a:picLocks noChangeAspect="1"/>
+            </p:cNvPicPr>
+            <p:nvPr/>
+          </p:nvPicPr>
+          <p:blipFill>
+            <a:blip r:embed="rId4" cstate="print"/>
+            <a:stretch>
+              <a:fillRect/>
+            </a:stretch>
+          </p:blipFill>
+          <p:spPr>
+            <a:xfrm>
+              <a:off x="9142857" y="3309756"/>
+              <a:ext cx="6307143" cy="1789324"/>
+            </a:xfrm>
+            <a:prstGeom prst="rect">
+              <a:avLst/>
+            </a:prstGeom>
+          </p:spPr>
+        </p:pic>
+      </p:grpSp>
+      <p:grpSp>
+        <p:nvGrpSpPr>
+          <p:cNvPr id="1003" name="그룹 1003"/>
+          <p:cNvGrpSpPr/>
+          <p:nvPr/>
+        </p:nvGrpSpPr>
+        <p:grpSpPr>
+          <a:xfrm>
+            <a:off x="2412970" y="3309756"/>
+            <a:ext cx="5533799" cy="1805892"/>
+            <a:chOff x="2412970" y="3309756"/>
+            <a:chExt cx="5533799" cy="1805892"/>
+          </a:xfrm>
+        </p:grpSpPr>
+        <p:pic>
+          <p:nvPicPr>
+            <p:cNvPr id="10" name="Object 9"/>
+            <p:cNvPicPr>
+              <a:picLocks noChangeAspect="1"/>
+            </p:cNvPicPr>
+            <p:nvPr/>
+          </p:nvPicPr>
+          <p:blipFill>
+            <a:blip r:embed="rId5" cstate="print"/>
+            <a:stretch>
+              <a:fillRect/>
+            </a:stretch>
+          </p:blipFill>
+          <p:spPr>
+            <a:xfrm>
+              <a:off x="2412970" y="3309756"/>
+              <a:ext cx="5533799" cy="1805892"/>
+            </a:xfrm>
+            <a:prstGeom prst="rect">
+              <a:avLst/>
+            </a:prstGeom>
+          </p:spPr>
+        </p:pic>
+      </p:grpSp>
+      <p:grpSp>
+        <p:nvGrpSpPr>
+          <p:cNvPr id="1004" name="그룹 1004"/>
+          <p:cNvGrpSpPr/>
+          <p:nvPr/>
+        </p:nvGrpSpPr>
+        <p:grpSpPr>
+          <a:xfrm>
+            <a:off x="8427381" y="4030272"/>
+            <a:ext cx="404991" cy="348292"/>
+            <a:chOff x="8427381" y="4030272"/>
+            <a:chExt cx="404991" cy="348292"/>
+          </a:xfrm>
+        </p:grpSpPr>
+        <p:pic>
+          <p:nvPicPr>
+            <p:cNvPr id="13" name="Object 12"/>
+            <p:cNvPicPr>
+              <a:picLocks noChangeAspect="1"/>
+            </p:cNvPicPr>
+            <p:nvPr/>
+          </p:nvPicPr>
+          <p:blipFill>
+            <a:blip r:embed="rId6" cstate="print"/>
+            <a:stretch>
+              <a:fillRect/>
+            </a:stretch>
+          </p:blipFill>
+          <p:spPr>
+            <a:xfrm rot="5400000">
+              <a:off x="8427381" y="4030272"/>
+              <a:ext cx="404991" cy="348292"/>
+            </a:xfrm>
+            <a:prstGeom prst="rect">
+              <a:avLst/>
+            </a:prstGeom>
+          </p:spPr>
+        </p:pic>
+      </p:grpSp>
+      <p:grpSp>
+        <p:nvGrpSpPr>
+          <p:cNvPr id="1005" name="그룹 1005"/>
+          <p:cNvGrpSpPr/>
+          <p:nvPr/>
+        </p:nvGrpSpPr>
+        <p:grpSpPr>
+          <a:xfrm>
+            <a:off x="9142857" y="5629250"/>
+            <a:ext cx="6307143" cy="1789324"/>
+            <a:chOff x="9142857" y="5629250"/>
+            <a:chExt cx="6307143" cy="1789324"/>
+          </a:xfrm>
+        </p:grpSpPr>
+        <p:pic>
+          <p:nvPicPr>
+            <p:cNvPr id="16" name="Object 15"/>
+            <p:cNvPicPr>
+              <a:picLocks noChangeAspect="1"/>
+            </p:cNvPicPr>
+            <p:nvPr/>
+          </p:nvPicPr>
+          <p:blipFill>
+            <a:blip r:embed="rId7" cstate="print"/>
+            <a:stretch>
+              <a:fillRect/>
+            </a:stretch>
+          </p:blipFill>
+          <p:spPr>
+            <a:xfrm>
+              <a:off x="9142857" y="5629250"/>
+              <a:ext cx="6307143" cy="1789324"/>
+            </a:xfrm>
+            <a:prstGeom prst="rect">
+              <a:avLst/>
+            </a:prstGeom>
+          </p:spPr>
+        </p:pic>
+      </p:grpSp>
+      <p:grpSp>
+        <p:nvGrpSpPr>
+          <p:cNvPr id="1006" name="그룹 1006"/>
+          <p:cNvGrpSpPr/>
+          <p:nvPr/>
+        </p:nvGrpSpPr>
+        <p:grpSpPr>
+          <a:xfrm>
+            <a:off x="2412970" y="5629250"/>
+            <a:ext cx="5533799" cy="1805892"/>
+            <a:chOff x="2412970" y="5629250"/>
+            <a:chExt cx="5533799" cy="1805892"/>
+          </a:xfrm>
+        </p:grpSpPr>
+        <p:pic>
+          <p:nvPicPr>
+            <p:cNvPr id="19" name="Object 18"/>
+            <p:cNvPicPr>
+              <a:picLocks noChangeAspect="1"/>
+            </p:cNvPicPr>
+            <p:nvPr/>
+          </p:nvPicPr>
+          <p:blipFill>
+            <a:blip r:embed="rId8" cstate="print"/>
+            <a:stretch>
+              <a:fillRect/>
+            </a:stretch>
+          </p:blipFill>
+          <p:spPr>
+            <a:xfrm>
+              <a:off x="2412970" y="5629250"/>
+              <a:ext cx="5533799" cy="1805892"/>
+            </a:xfrm>
+            <a:prstGeom prst="rect">
+              <a:avLst/>
+            </a:prstGeom>
+          </p:spPr>
+        </p:pic>
+      </p:grpSp>
+      <p:grpSp>
+        <p:nvGrpSpPr>
+          <p:cNvPr id="1007" name="그룹 1007"/>
+          <p:cNvGrpSpPr/>
+          <p:nvPr/>
+        </p:nvGrpSpPr>
+        <p:grpSpPr>
+          <a:xfrm>
+            <a:off x="8427381" y="6349766"/>
+            <a:ext cx="404991" cy="348292"/>
+            <a:chOff x="8427381" y="6349766"/>
+            <a:chExt cx="404991" cy="348292"/>
+          </a:xfrm>
+        </p:grpSpPr>
+        <p:pic>
+          <p:nvPicPr>
+            <p:cNvPr id="22" name="Object 21"/>
+            <p:cNvPicPr>
+              <a:picLocks noChangeAspect="1"/>
+            </p:cNvPicPr>
+            <p:nvPr/>
+          </p:nvPicPr>
+          <p:blipFill>
+            <a:blip r:embed="rId9" cstate="print"/>
+            <a:stretch>
+              <a:fillRect/>
+            </a:stretch>
+          </p:blipFill>
+          <p:spPr>
+            <a:xfrm rot="5400000">
+              <a:off x="8427381" y="6349766"/>
+              <a:ext cx="404991" cy="348292"/>
+            </a:xfrm>
+            <a:prstGeom prst="rect">
+              <a:avLst/>
+            </a:prstGeom>
+          </p:spPr>
+        </p:pic>
+      </p:grpSp>
+      <p:grpSp>
+        <p:nvGrpSpPr>
+          <p:cNvPr id="1008" name="그룹 1008"/>
+          <p:cNvGrpSpPr/>
+          <p:nvPr/>
+        </p:nvGrpSpPr>
+        <p:grpSpPr>
+          <a:xfrm>
+            <a:off x="9142857" y="7948744"/>
+            <a:ext cx="6307143" cy="1789324"/>
+            <a:chOff x="9142857" y="7948744"/>
+            <a:chExt cx="6307143" cy="1789324"/>
+          </a:xfrm>
+        </p:grpSpPr>
+        <p:pic>
+          <p:nvPicPr>
+            <p:cNvPr id="25" name="Object 24"/>
+            <p:cNvPicPr>
+              <a:picLocks noChangeAspect="1"/>
+            </p:cNvPicPr>
+            <p:nvPr/>
+          </p:nvPicPr>
+          <p:blipFill>
+            <a:blip r:embed="rId10" cstate="print"/>
+            <a:stretch>
+              <a:fillRect/>
+            </a:stretch>
+          </p:blipFill>
+          <p:spPr>
+            <a:xfrm>
+              <a:off x="9142857" y="7948744"/>
+              <a:ext cx="6307143" cy="1789324"/>
+            </a:xfrm>
+            <a:prstGeom prst="rect">
+              <a:avLst/>
+            </a:prstGeom>
+          </p:spPr>
+        </p:pic>
+      </p:grpSp>
+      <p:grpSp>
+        <p:nvGrpSpPr>
+          <p:cNvPr id="1009" name="그룹 1009"/>
+          <p:cNvGrpSpPr/>
+          <p:nvPr/>
+        </p:nvGrpSpPr>
+        <p:grpSpPr>
+          <a:xfrm>
+            <a:off x="8427381" y="8669260"/>
+            <a:ext cx="404991" cy="348292"/>
+            <a:chOff x="8427381" y="8669260"/>
+            <a:chExt cx="404991" cy="348292"/>
+          </a:xfrm>
+        </p:grpSpPr>
+        <p:pic>
+          <p:nvPicPr>
+            <p:cNvPr id="28" name="Object 27"/>
+            <p:cNvPicPr>
+              <a:picLocks noChangeAspect="1"/>
+            </p:cNvPicPr>
+            <p:nvPr/>
+          </p:nvPicPr>
+          <p:blipFill>
+            <a:blip r:embed="rId11" cstate="print"/>
+            <a:stretch>
+              <a:fillRect/>
+            </a:stretch>
+          </p:blipFill>
+          <p:spPr>
+            <a:xfrm rot="5400000">
+              <a:off x="8427381" y="8669260"/>
+              <a:ext cx="404991" cy="348292"/>
+            </a:xfrm>
+            <a:prstGeom prst="rect">
+              <a:avLst/>
+            </a:prstGeom>
+          </p:spPr>
+        </p:pic>
+      </p:grpSp>
+      <p:grpSp>
+        <p:nvGrpSpPr>
+          <p:cNvPr id="1010" name="그룹 1010"/>
+          <p:cNvGrpSpPr/>
+          <p:nvPr/>
+        </p:nvGrpSpPr>
+        <p:grpSpPr>
+          <a:xfrm>
+            <a:off x="9142857" y="2473678"/>
+            <a:ext cx="6137817" cy="256734"/>
+            <a:chOff x="9142857" y="2473678"/>
+            <a:chExt cx="6137817" cy="256734"/>
+          </a:xfrm>
+        </p:grpSpPr>
+        <p:pic>
+          <p:nvPicPr>
+            <p:cNvPr id="31" name="Object 30"/>
+            <p:cNvPicPr>
+              <a:picLocks noChangeAspect="1"/>
+            </p:cNvPicPr>
+            <p:nvPr/>
+          </p:nvPicPr>
+          <p:blipFill>
+            <a:blip r:embed="rId12" cstate="print"/>
+            <a:stretch>
+              <a:fillRect/>
+            </a:stretch>
+          </p:blipFill>
+          <p:spPr>
+            <a:xfrm>
+              <a:off x="9142857" y="2473678"/>
+              <a:ext cx="6137817" cy="256734"/>
+            </a:xfrm>
+            <a:prstGeom prst="rect">
+              <a:avLst/>
+            </a:prstGeom>
+          </p:spPr>
+        </p:pic>
+      </p:grpSp>
+      <p:pic>
+        <p:nvPicPr>
+          <p:cNvPr id="33" name="Object 32"/>
+          <p:cNvPicPr>
+            <a:picLocks noChangeAspect="1"/>
+          </p:cNvPicPr>
+          <p:nvPr/>
+        </p:nvPicPr>
+        <p:blipFill>
+          <a:blip r:embed="rId13" cstate="print"/>
+          <a:stretch>
+            <a:fillRect/>
+          </a:stretch>
+        </p:blipFill>
+        <p:spPr>
+          <a:xfrm>
+            <a:off x="10714639" y="1845633"/>
+            <a:ext cx="2808564" cy="873993"/>
+          </a:xfrm>
+          <a:prstGeom prst="rect">
+            <a:avLst/>
+          </a:prstGeom>
+        </p:spPr>
+      </p:pic>
+      <p:pic>
+        <p:nvPicPr>
+          <p:cNvPr id="34" name="Object 33"/>
+          <p:cNvPicPr>
+            <a:picLocks noChangeAspect="1"/>
+          </p:cNvPicPr>
+          <p:nvPr/>
+        </p:nvPicPr>
+        <p:blipFill>
+          <a:blip r:embed="rId14" cstate="print"/>
+          <a:stretch>
+            <a:fillRect/>
+          </a:stretch>
+        </p:blipFill>
+        <p:spPr>
+          <a:xfrm>
+            <a:off x="10706090" y="3445526"/>
+            <a:ext cx="2797772" cy="638001"/>
+          </a:xfrm>
+          <a:prstGeom prst="rect">
+            <a:avLst/>
+          </a:prstGeom>
+        </p:spPr>
+      </p:pic>
+      <p:pic>
+        <p:nvPicPr>
+          <p:cNvPr id="35" name="Object 34"/>
+          <p:cNvPicPr>
+            <a:picLocks noChangeAspect="1"/>
+          </p:cNvPicPr>
+          <p:nvPr/>
+        </p:nvPicPr>
+        <p:blipFill>
+          <a:blip r:embed="rId15" cstate="print"/>
+          <a:stretch>
+            <a:fillRect/>
+          </a:stretch>
+        </p:blipFill>
+        <p:spPr>
+          <a:xfrm>
+            <a:off x="9722271" y="3956209"/>
+            <a:ext cx="5243662" cy="980853"/>
+          </a:xfrm>
+          <a:prstGeom prst="rect">
+            <a:avLst/>
+          </a:prstGeom>
+        </p:spPr>
+      </p:pic>
+      <p:pic>
+        <p:nvPicPr>
+          <p:cNvPr id="36" name="Object 35"/>
+          <p:cNvPicPr>
+            <a:picLocks noChangeAspect="1"/>
+          </p:cNvPicPr>
+          <p:nvPr/>
+        </p:nvPicPr>
+        <p:blipFill>
+          <a:blip r:embed="rId16" cstate="print"/>
+          <a:stretch>
+            <a:fillRect/>
+          </a:stretch>
+        </p:blipFill>
+        <p:spPr>
+          <a:xfrm>
+            <a:off x="630647" y="3633632"/>
+            <a:ext cx="1195211" cy="1173145"/>
+          </a:xfrm>
+          <a:prstGeom prst="rect">
+            <a:avLst/>
+          </a:prstGeom>
+        </p:spPr>
+      </p:pic>
+      <p:pic>
+        <p:nvPicPr>
+          <p:cNvPr id="37" name="Object 36"/>
+          <p:cNvPicPr>
+            <a:picLocks noChangeAspect="1"/>
+          </p:cNvPicPr>
+          <p:nvPr/>
+        </p:nvPicPr>
+        <p:blipFill>
+          <a:blip r:embed="rId17" cstate="print"/>
+          <a:stretch>
+            <a:fillRect/>
+          </a:stretch>
+        </p:blipFill>
+        <p:spPr>
+          <a:xfrm>
+            <a:off x="630647" y="5862897"/>
+            <a:ext cx="1290449" cy="1173145"/>
+          </a:xfrm>
+          <a:prstGeom prst="rect">
+            <a:avLst/>
+          </a:prstGeom>
+        </p:spPr>
+      </p:pic>
+      <p:pic>
+        <p:nvPicPr>
+          <p:cNvPr id="38" name="Object 37"/>
+          <p:cNvPicPr>
+            <a:picLocks noChangeAspect="1"/>
+          </p:cNvPicPr>
+          <p:nvPr/>
+        </p:nvPicPr>
+        <p:blipFill>
+          <a:blip r:embed="rId18" cstate="print"/>
+          <a:stretch>
+            <a:fillRect/>
+          </a:stretch>
+        </p:blipFill>
+        <p:spPr>
+          <a:xfrm>
+            <a:off x="630647" y="8174107"/>
+            <a:ext cx="1290449" cy="1173145"/>
+          </a:xfrm>
+          <a:prstGeom prst="rect">
+            <a:avLst/>
+          </a:prstGeom>
+        </p:spPr>
+      </p:pic>
+      <p:grpSp>
+        <p:nvGrpSpPr>
+          <p:cNvPr id="1011" name="그룹 1011"/>
+          <p:cNvGrpSpPr/>
+          <p:nvPr/>
+        </p:nvGrpSpPr>
+        <p:grpSpPr>
+          <a:xfrm>
+            <a:off x="16524407" y="6022026"/>
+            <a:ext cx="1027227" cy="1003772"/>
+            <a:chOff x="16524407" y="6022026"/>
+            <a:chExt cx="1027227" cy="1003772"/>
+          </a:xfrm>
+        </p:grpSpPr>
+        <p:pic>
+          <p:nvPicPr>
+            <p:cNvPr id="40" name="Object 39"/>
+            <p:cNvPicPr>
+              <a:picLocks noChangeAspect="1"/>
+            </p:cNvPicPr>
+            <p:nvPr/>
+          </p:nvPicPr>
+          <p:blipFill>
+            <a:blip r:embed="rId19" cstate="print"/>
+            <a:stretch>
+              <a:fillRect/>
+            </a:stretch>
+          </p:blipFill>
+          <p:spPr>
+            <a:xfrm>
+              <a:off x="16524407" y="6022026"/>
+              <a:ext cx="1027227" cy="1003772"/>
+            </a:xfrm>
+            <a:prstGeom prst="rect">
+              <a:avLst/>
+            </a:prstGeom>
+          </p:spPr>
+        </p:pic>
+      </p:grpSp>
+      <p:grpSp>
+        <p:nvGrpSpPr>
+          <p:cNvPr id="1012" name="그룹 1012"/>
+          <p:cNvGrpSpPr/>
+          <p:nvPr/>
+        </p:nvGrpSpPr>
+        <p:grpSpPr>
+          <a:xfrm>
+            <a:off x="16529669" y="3629146"/>
+            <a:ext cx="1016704" cy="993456"/>
+            <a:chOff x="16529669" y="3629146"/>
+            <a:chExt cx="1016704" cy="993456"/>
+          </a:xfrm>
+        </p:grpSpPr>
+        <p:pic>
+          <p:nvPicPr>
+            <p:cNvPr id="43" name="Object 42"/>
+            <p:cNvPicPr>
+              <a:picLocks noChangeAspect="1"/>
+            </p:cNvPicPr>
+            <p:nvPr/>
+          </p:nvPicPr>
+          <p:blipFill>
+            <a:blip r:embed="rId20" cstate="print"/>
+            <a:stretch>
+              <a:fillRect/>
+            </a:stretch>
+          </p:blipFill>
+          <p:spPr>
+            <a:xfrm>
+              <a:off x="16529669" y="3629146"/>
+              <a:ext cx="1016704" cy="993456"/>
+            </a:xfrm>
+            <a:prstGeom prst="rect">
+              <a:avLst/>
+            </a:prstGeom>
+          </p:spPr>
+        </p:pic>
+      </p:grpSp>
+      <p:grpSp>
+        <p:nvGrpSpPr>
+          <p:cNvPr id="1013" name="그룹 1013"/>
+          <p:cNvGrpSpPr/>
+          <p:nvPr/>
+        </p:nvGrpSpPr>
+        <p:grpSpPr>
+          <a:xfrm>
+            <a:off x="16524407" y="8301737"/>
+            <a:ext cx="1027227" cy="1003772"/>
+            <a:chOff x="16524407" y="8301737"/>
+            <a:chExt cx="1027227" cy="1003772"/>
+          </a:xfrm>
+        </p:grpSpPr>
+        <p:pic>
+          <p:nvPicPr>
+            <p:cNvPr id="46" name="Object 45"/>
+            <p:cNvPicPr>
+              <a:picLocks noChangeAspect="1"/>
+            </p:cNvPicPr>
+            <p:nvPr/>
+          </p:nvPicPr>
+          <p:blipFill>
+            <a:blip r:embed="rId21" cstate="print"/>
+            <a:stretch>
+              <a:fillRect/>
+            </a:stretch>
+          </p:blipFill>
+          <p:spPr>
+            <a:xfrm>
+              <a:off x="16524407" y="8301737"/>
+              <a:ext cx="1027227" cy="1003772"/>
+            </a:xfrm>
+            <a:prstGeom prst="rect">
+              <a:avLst/>
+            </a:prstGeom>
+          </p:spPr>
+        </p:pic>
+      </p:grpSp>
+      <p:grpSp>
+        <p:nvGrpSpPr>
+          <p:cNvPr id="1014" name="그룹 1014"/>
+          <p:cNvGrpSpPr/>
+          <p:nvPr/>
+        </p:nvGrpSpPr>
+        <p:grpSpPr>
+          <a:xfrm>
+            <a:off x="15648916" y="4043163"/>
+            <a:ext cx="706066" cy="269465"/>
+            <a:chOff x="15648916" y="4043163"/>
+            <a:chExt cx="706066" cy="269465"/>
+          </a:xfrm>
+        </p:grpSpPr>
+        <p:pic>
+          <p:nvPicPr>
+            <p:cNvPr id="49" name="Object 48"/>
+            <p:cNvPicPr>
+              <a:picLocks noChangeAspect="1"/>
+            </p:cNvPicPr>
+            <p:nvPr/>
+          </p:nvPicPr>
+          <p:blipFill>
+            <a:blip r:embed="rId22" cstate="print"/>
+            <a:stretch>
+              <a:fillRect/>
+            </a:stretch>
+          </p:blipFill>
+          <p:spPr>
+            <a:xfrm>
+              <a:off x="15648916" y="4043163"/>
+              <a:ext cx="706066" cy="269465"/>
+            </a:xfrm>
+            <a:prstGeom prst="rect">
+              <a:avLst/>
+            </a:prstGeom>
+          </p:spPr>
+        </p:pic>
+      </p:grpSp>
+      <p:grpSp>
+        <p:nvGrpSpPr>
+          <p:cNvPr id="1015" name="그룹 1015"/>
+          <p:cNvGrpSpPr/>
+          <p:nvPr/>
+        </p:nvGrpSpPr>
+        <p:grpSpPr>
+          <a:xfrm>
+            <a:off x="15648916" y="6397463"/>
+            <a:ext cx="706066" cy="269465"/>
+            <a:chOff x="15648916" y="6397463"/>
+            <a:chExt cx="706066" cy="269465"/>
+          </a:xfrm>
+        </p:grpSpPr>
+        <p:pic>
+          <p:nvPicPr>
+            <p:cNvPr id="52" name="Object 51"/>
+            <p:cNvPicPr>
+              <a:picLocks noChangeAspect="1"/>
+            </p:cNvPicPr>
+            <p:nvPr/>
+          </p:nvPicPr>
+          <p:blipFill>
+            <a:blip r:embed="rId23" cstate="print"/>
+            <a:stretch>
+              <a:fillRect/>
+            </a:stretch>
+          </p:blipFill>
+          <p:spPr>
+            <a:xfrm>
+              <a:off x="15648916" y="6397463"/>
+              <a:ext cx="706066" cy="269465"/>
+            </a:xfrm>
+            <a:prstGeom prst="rect">
+              <a:avLst/>
+            </a:prstGeom>
+          </p:spPr>
+        </p:pic>
+      </p:grpSp>
+      <p:grpSp>
+        <p:nvGrpSpPr>
+          <p:cNvPr id="1016" name="그룹 1016"/>
+          <p:cNvGrpSpPr/>
+          <p:nvPr/>
+        </p:nvGrpSpPr>
+        <p:grpSpPr>
+          <a:xfrm>
+            <a:off x="15648916" y="8701575"/>
+            <a:ext cx="706066" cy="269465"/>
+            <a:chOff x="15648916" y="8701575"/>
+            <a:chExt cx="706066" cy="269465"/>
+          </a:xfrm>
+        </p:grpSpPr>
+        <p:pic>
+          <p:nvPicPr>
+            <p:cNvPr id="55" name="Object 54"/>
+            <p:cNvPicPr>
+              <a:picLocks noChangeAspect="1"/>
+            </p:cNvPicPr>
+            <p:nvPr/>
+          </p:nvPicPr>
+          <p:blipFill>
+            <a:blip r:embed="rId24" cstate="print"/>
+            <a:stretch>
+              <a:fillRect/>
+            </a:stretch>
+          </p:blipFill>
+          <p:spPr>
+            <a:xfrm>
+              <a:off x="15648916" y="8701575"/>
+              <a:ext cx="706066" cy="269465"/>
+            </a:xfrm>
+            <a:prstGeom prst="rect">
+              <a:avLst/>
+            </a:prstGeom>
+          </p:spPr>
+        </p:pic>
+      </p:grpSp>
+      <p:grpSp>
+        <p:nvGrpSpPr>
+          <p:cNvPr id="1017" name="그룹 1017"/>
+          <p:cNvGrpSpPr/>
+          <p:nvPr/>
+        </p:nvGrpSpPr>
+        <p:grpSpPr>
+          <a:xfrm>
+            <a:off x="2412970" y="7948744"/>
+            <a:ext cx="5533799" cy="1805892"/>
+            <a:chOff x="2412970" y="7948744"/>
+            <a:chExt cx="5533799" cy="1805892"/>
+          </a:xfrm>
+        </p:grpSpPr>
+        <p:pic>
+          <p:nvPicPr>
+            <p:cNvPr id="58" name="Object 57"/>
+            <p:cNvPicPr>
+              <a:picLocks noChangeAspect="1"/>
+            </p:cNvPicPr>
+            <p:nvPr/>
+          </p:nvPicPr>
+          <p:blipFill>
+            <a:blip r:embed="rId25" cstate="print"/>
+            <a:stretch>
+              <a:fillRect/>
+            </a:stretch>
+          </p:blipFill>
+          <p:spPr>
+            <a:xfrm>
+              <a:off x="2412970" y="7948744"/>
+              <a:ext cx="5533799" cy="1805892"/>
+            </a:xfrm>
+            <a:prstGeom prst="rect">
+              <a:avLst/>
+            </a:prstGeom>
+          </p:spPr>
+        </p:pic>
+      </p:grpSp>
+      <p:grpSp>
+        <p:nvGrpSpPr>
+          <p:cNvPr id="1018" name="그룹 1018"/>
+          <p:cNvGrpSpPr/>
+          <p:nvPr/>
+        </p:nvGrpSpPr>
+        <p:grpSpPr>
+          <a:xfrm>
+            <a:off x="2592693" y="2473678"/>
+            <a:ext cx="5354075" cy="256734"/>
+            <a:chOff x="2592693" y="2473678"/>
+            <a:chExt cx="5354075" cy="256734"/>
+          </a:xfrm>
+        </p:grpSpPr>
+        <p:pic>
+          <p:nvPicPr>
+            <p:cNvPr id="61" name="Object 60"/>
+            <p:cNvPicPr>
+              <a:picLocks noChangeAspect="1"/>
+            </p:cNvPicPr>
+            <p:nvPr/>
+          </p:nvPicPr>
+          <p:blipFill>
+            <a:blip r:embed="rId26" cstate="print"/>
+            <a:stretch>
+              <a:fillRect/>
+            </a:stretch>
+          </p:blipFill>
+          <p:spPr>
+            <a:xfrm>
+              <a:off x="2592693" y="2473678"/>
+              <a:ext cx="5354075" cy="256734"/>
+            </a:xfrm>
+            <a:prstGeom prst="rect">
+              <a:avLst/>
+            </a:prstGeom>
+          </p:spPr>
+        </p:pic>
+      </p:grpSp>
+      <p:pic>
+        <p:nvPicPr>
+          <p:cNvPr id="63" name="Object 62"/>
+          <p:cNvPicPr>
+            <a:picLocks noChangeAspect="1"/>
+          </p:cNvPicPr>
+          <p:nvPr/>
+        </p:nvPicPr>
+        <p:blipFill>
+          <a:blip r:embed="rId27" cstate="print"/>
+          <a:stretch>
+            <a:fillRect/>
+          </a:stretch>
+        </p:blipFill>
+        <p:spPr>
+          <a:xfrm>
+            <a:off x="3682742" y="1826898"/>
+            <a:ext cx="2789517" cy="873993"/>
+          </a:xfrm>
+          <a:prstGeom prst="rect">
+            <a:avLst/>
+          </a:prstGeom>
+        </p:spPr>
+      </p:pic>
+      <p:pic>
+        <p:nvPicPr>
+          <p:cNvPr id="64" name="Object 63"/>
+          <p:cNvPicPr>
+            <a:picLocks noChangeAspect="1"/>
+          </p:cNvPicPr>
+          <p:nvPr/>
+        </p:nvPicPr>
+        <p:blipFill>
+          <a:blip r:embed="rId28" cstate="print"/>
+          <a:stretch>
+            <a:fillRect/>
+          </a:stretch>
+        </p:blipFill>
+        <p:spPr>
+          <a:xfrm>
+            <a:off x="3217078" y="3811197"/>
+            <a:ext cx="4209165" cy="812155"/>
+          </a:xfrm>
+          <a:prstGeom prst="rect">
+            <a:avLst/>
+          </a:prstGeom>
+        </p:spPr>
+      </p:pic>
+      <p:pic>
+        <p:nvPicPr>
+          <p:cNvPr id="65" name="Object 64"/>
+          <p:cNvPicPr>
+            <a:picLocks noChangeAspect="1"/>
+          </p:cNvPicPr>
+          <p:nvPr/>
+        </p:nvPicPr>
+        <p:blipFill>
+          <a:blip r:embed="rId29" cstate="print"/>
+          <a:stretch>
+            <a:fillRect/>
+          </a:stretch>
+        </p:blipFill>
+        <p:spPr>
+          <a:xfrm>
+            <a:off x="10706084" y="5721976"/>
+            <a:ext cx="2882077" cy="628477"/>
+          </a:xfrm>
+          <a:prstGeom prst="rect">
+            <a:avLst/>
+          </a:prstGeom>
+        </p:spPr>
+      </p:pic>
+      <p:pic>
+        <p:nvPicPr>
+          <p:cNvPr id="66" name="Object 65"/>
+          <p:cNvPicPr>
+            <a:picLocks noChangeAspect="1"/>
+          </p:cNvPicPr>
+          <p:nvPr/>
+        </p:nvPicPr>
+        <p:blipFill>
+          <a:blip r:embed="rId30" cstate="print"/>
+          <a:stretch>
+            <a:fillRect/>
+          </a:stretch>
+        </p:blipFill>
+        <p:spPr>
+          <a:xfrm>
+            <a:off x="9722271" y="6275703"/>
+            <a:ext cx="4871615" cy="980853"/>
+          </a:xfrm>
+          <a:prstGeom prst="rect">
+            <a:avLst/>
+          </a:prstGeom>
+        </p:spPr>
+      </p:pic>
+      <p:pic>
+        <p:nvPicPr>
+          <p:cNvPr id="67" name="Object 66"/>
+          <p:cNvPicPr>
+            <a:picLocks noChangeAspect="1"/>
+          </p:cNvPicPr>
+          <p:nvPr/>
+        </p:nvPicPr>
+        <p:blipFill>
+          <a:blip r:embed="rId31" cstate="print"/>
+          <a:stretch>
+            <a:fillRect/>
+          </a:stretch>
+        </p:blipFill>
+        <p:spPr>
+          <a:xfrm>
+            <a:off x="10450244" y="8084514"/>
+            <a:ext cx="3645820" cy="638001"/>
+          </a:xfrm>
+          <a:prstGeom prst="rect">
+            <a:avLst/>
+          </a:prstGeom>
+        </p:spPr>
+      </p:pic>
+      <p:pic>
+        <p:nvPicPr>
+          <p:cNvPr id="68" name="Object 67"/>
+          <p:cNvPicPr>
+            <a:picLocks noChangeAspect="1"/>
+          </p:cNvPicPr>
+          <p:nvPr/>
+        </p:nvPicPr>
+        <p:blipFill>
+          <a:blip r:embed="rId32" cstate="print"/>
+          <a:stretch>
+            <a:fillRect/>
+          </a:stretch>
+        </p:blipFill>
+        <p:spPr>
+          <a:xfrm>
+            <a:off x="9722271" y="8595197"/>
+            <a:ext cx="5262739" cy="980853"/>
+          </a:xfrm>
+          <a:prstGeom prst="rect">
+            <a:avLst/>
+          </a:prstGeom>
+        </p:spPr>
+      </p:pic>
+      <p:pic>
+        <p:nvPicPr>
+          <p:cNvPr id="69" name="Object 68"/>
+          <p:cNvPicPr>
+            <a:picLocks noChangeAspect="1"/>
+          </p:cNvPicPr>
+          <p:nvPr/>
+        </p:nvPicPr>
+        <p:blipFill>
+          <a:blip r:embed="rId33" cstate="print"/>
+          <a:stretch>
+            <a:fillRect/>
+          </a:stretch>
+        </p:blipFill>
+        <p:spPr>
+          <a:xfrm>
+            <a:off x="3217078" y="6130687"/>
+            <a:ext cx="4190869" cy="802631"/>
+          </a:xfrm>
+          <a:prstGeom prst="rect">
+            <a:avLst/>
+          </a:prstGeom>
+        </p:spPr>
+      </p:pic>
+      <p:pic>
+        <p:nvPicPr>
+          <p:cNvPr id="70" name="Object 69"/>
+          <p:cNvPicPr>
+            <a:picLocks noChangeAspect="1"/>
+          </p:cNvPicPr>
+          <p:nvPr/>
+        </p:nvPicPr>
+        <p:blipFill>
+          <a:blip r:embed="rId34" cstate="print"/>
+          <a:stretch>
+            <a:fillRect/>
+          </a:stretch>
+        </p:blipFill>
+        <p:spPr>
+          <a:xfrm>
+            <a:off x="3217078" y="8431449"/>
+            <a:ext cx="3725717" cy="802631"/>
+          </a:xfrm>
+          <a:prstGeom prst="rect">
+            <a:avLst/>
+          </a:prstGeom>
+        </p:spPr>
+      </p:pic>
+    </p:spTree>
+  </p:cSld>
+  <p:clrMapOvr>
+    <a:masterClrMapping/>
+  </p:clrMapOvr>
+</p:sld>
+</file>
+
+<file path=ppt/slides/slide2.xml><?xml version="1.0" encoding="utf-8"?>
+<p:sld xmlns:a="http://schemas.openxmlformats.org/drawingml/2006/main" xmlns:r="http://schemas.openxmlformats.org/officeDocument/2006/relationships" xmlns:p="http://schemas.openxmlformats.org/presentationml/2006/main">
+  <p:cSld name="Slide 2">
+    <p:bg>
+      <p:bgPr>
+        <a:solidFill>
+          <a:srgbClr val="FFFFFF"/>
+        </a:solidFill>
+        <a:effectLst/>
+      </p:bgPr>
+    </p:bg>
+    <p:spTree>
+      <p:nvGrpSpPr>
+        <p:cNvPr id="1" name=""/>
+        <p:cNvGrpSpPr/>
+        <p:nvPr/>
+      </p:nvGrpSpPr>
+      <p:grpSpPr>
+        <a:xfrm>
+          <a:off x="0" y="0"/>
+          <a:ext cx="0" cy="0"/>
+          <a:chOff x="0" y="0"/>
+          <a:chExt cx="0" cy="0"/>
+        </a:xfrm>
+      </p:grpSpPr>
+      <p:pic>
+        <p:nvPicPr>
+          <p:cNvPr id="2" name="Object 1"/>
+          <p:cNvPicPr>
+            <a:picLocks noChangeAspect="1"/>
+          </p:cNvPicPr>
+          <p:nvPr/>
+        </p:nvPicPr>
+        <p:blipFill>
+          <a:blip r:embed="rId2" cstate="print"/>
+          <a:stretch>
+            <a:fillRect/>
+          </a:stretch>
+        </p:blipFill>
+        <p:spPr>
+          <a:xfrm>
+            <a:off x="509722" y="409250"/>
+            <a:ext cx="9814499" cy="1674747"/>
+          </a:xfrm>
+          <a:prstGeom prst="rect">
+            <a:avLst/>
+          </a:prstGeom>
+        </p:spPr>
+      </p:pic>
+      <p:grpSp>
+        <p:nvGrpSpPr>
+          <p:cNvPr id="1001" name="그룹 1001"/>
+          <p:cNvGrpSpPr/>
+          <p:nvPr/>
+        </p:nvGrpSpPr>
+        <p:grpSpPr>
+          <a:xfrm>
+            <a:off x="-57143" y="1685430"/>
+            <a:ext cx="18394831" cy="14286"/>
+            <a:chOff x="-57143" y="1685430"/>
+            <a:chExt cx="18394831" cy="14286"/>
+          </a:xfrm>
+        </p:grpSpPr>
+        <p:pic>
+          <p:nvPicPr>
+            <p:cNvPr id="4" name="Object 3"/>
+            <p:cNvPicPr>
+              <a:picLocks noChangeAspect="1"/>
+            </p:cNvPicPr>
+            <p:nvPr/>
+          </p:nvPicPr>
+          <p:blipFill>
+            <a:blip r:embed="rId3" cstate="print"/>
+            <a:stretch>
+              <a:fillRect/>
+            </a:stretch>
+          </p:blipFill>
+          <p:spPr>
+            <a:xfrm>
+              <a:off x="-57143" y="1685430"/>
+              <a:ext cx="18394831" cy="14286"/>
+            </a:xfrm>
+            <a:prstGeom prst="rect">
+              <a:avLst/>
+            </a:prstGeom>
+          </p:spPr>
+        </p:pic>
+      </p:grpSp>
+      <p:pic>
+        <p:nvPicPr>
+          <p:cNvPr id="6" name="Object 5"/>
+          <p:cNvPicPr>
+            <a:picLocks noChangeAspect="1"/>
+          </p:cNvPicPr>
+          <p:nvPr/>
+        </p:nvPicPr>
+        <p:blipFill>
+          <a:blip r:embed="rId4" cstate="print"/>
+          <a:stretch>
+            <a:fillRect/>
+          </a:stretch>
+        </p:blipFill>
+        <p:spPr>
+          <a:xfrm>
+            <a:off x="10051335" y="1085449"/>
+            <a:ext cx="2289509" cy="641128"/>
+          </a:xfrm>
+          <a:prstGeom prst="rect">
+            <a:avLst/>
+          </a:prstGeom>
+        </p:spPr>
+      </p:pic>
+      <p:grpSp>
+        <p:nvGrpSpPr>
+          <p:cNvPr id="1002" name="그룹 1002"/>
+          <p:cNvGrpSpPr/>
+          <p:nvPr/>
+        </p:nvGrpSpPr>
+        <p:grpSpPr>
+          <a:xfrm>
+            <a:off x="6542169" y="2935254"/>
+            <a:ext cx="8335418" cy="6009763"/>
+            <a:chOff x="6542169" y="2935254"/>
+            <a:chExt cx="8335418" cy="6009763"/>
+          </a:xfrm>
+        </p:grpSpPr>
+        <p:pic>
+          <p:nvPicPr>
+            <p:cNvPr id="8" name="Object 7"/>
+            <p:cNvPicPr>
+              <a:picLocks noChangeAspect="1"/>
+            </p:cNvPicPr>
+            <p:nvPr/>
+          </p:nvPicPr>
+          <p:blipFill>
+            <a:blip r:embed="rId5" cstate="print"/>
+            <a:stretch>
+              <a:fillRect/>
+            </a:stretch>
+          </p:blipFill>
+          <p:spPr>
+            <a:xfrm rot="480000">
+              <a:off x="6542169" y="2935254"/>
+              <a:ext cx="8335418" cy="6009763"/>
+            </a:xfrm>
+            <a:prstGeom prst="rect">
+              <a:avLst/>
+            </a:prstGeom>
+          </p:spPr>
+        </p:pic>
+      </p:grpSp>
+      <p:pic>
+        <p:nvPicPr>
+          <p:cNvPr id="10" name="Object 9"/>
+          <p:cNvPicPr>
+            <a:picLocks noChangeAspect="1"/>
+          </p:cNvPicPr>
+          <p:nvPr/>
+        </p:nvPicPr>
+        <p:blipFill>
+          <a:blip r:embed="rId6" cstate="print"/>
+          <a:stretch>
+            <a:fillRect/>
+          </a:stretch>
+        </p:blipFill>
+        <p:spPr>
+          <a:xfrm rot="300000">
+            <a:off x="7065880" y="5437697"/>
+            <a:ext cx="6020590" cy="2678514"/>
+          </a:xfrm>
+          <a:prstGeom prst="rect">
+            <a:avLst/>
+          </a:prstGeom>
+        </p:spPr>
+      </p:pic>
+      <p:pic>
+        <p:nvPicPr>
+          <p:cNvPr id="11" name="Object 10"/>
+          <p:cNvPicPr>
+            <a:picLocks noChangeAspect="1"/>
+          </p:cNvPicPr>
+          <p:nvPr/>
+        </p:nvPicPr>
+        <p:blipFill>
+          <a:blip r:embed="rId7" cstate="print"/>
+          <a:stretch>
+            <a:fillRect/>
+          </a:stretch>
+        </p:blipFill>
+        <p:spPr>
+          <a:xfrm>
+            <a:off x="3794889" y="2399192"/>
+            <a:ext cx="3689167" cy="1319700"/>
+          </a:xfrm>
+          <a:prstGeom prst="rect">
+            <a:avLst/>
+          </a:prstGeom>
+        </p:spPr>
+      </p:pic>
+      <p:grpSp>
+        <p:nvGrpSpPr>
+          <p:cNvPr id="1003" name="그룹 1003"/>
+          <p:cNvGrpSpPr/>
+          <p:nvPr/>
+        </p:nvGrpSpPr>
+        <p:grpSpPr>
+          <a:xfrm>
+            <a:off x="2992468" y="2668066"/>
+            <a:ext cx="5682328" cy="882233"/>
+            <a:chOff x="2992468" y="2668066"/>
+            <a:chExt cx="5682328" cy="882233"/>
+          </a:xfrm>
+        </p:grpSpPr>
+        <p:grpSp>
+          <p:nvGrpSpPr>
+            <p:cNvPr id="1004" name="그룹 1004"/>
+            <p:cNvGrpSpPr/>
+            <p:nvPr/>
+          </p:nvGrpSpPr>
+          <p:grpSpPr>
+            <a:xfrm>
+              <a:off x="3009880" y="2740575"/>
+              <a:ext cx="5662048" cy="388566"/>
+              <a:chOff x="3009880" y="2740575"/>
+              <a:chExt cx="5662048" cy="388566"/>
+            </a:xfrm>
+          </p:grpSpPr>
+          <p:pic>
+            <p:nvPicPr>
+              <p:cNvPr id="14" name="Object 13"/>
+              <p:cNvPicPr>
+                <a:picLocks noChangeAspect="1"/>
+              </p:cNvPicPr>
+              <p:nvPr/>
+            </p:nvPicPr>
+            <p:blipFill>
+              <a:blip r:embed="rId8" cstate="print"/>
+              <a:stretch>
+                <a:fillRect/>
+              </a:stretch>
+            </p:blipFill>
+            <p:spPr>
+              <a:xfrm>
+                <a:off x="3009880" y="2740575"/>
+                <a:ext cx="5662048" cy="388566"/>
+              </a:xfrm>
+              <a:prstGeom prst="rect">
+                <a:avLst/>
+              </a:prstGeom>
+            </p:spPr>
+          </p:pic>
+        </p:grpSp>
+        <p:grpSp>
+          <p:nvGrpSpPr>
+            <p:cNvPr id="1005" name="그룹 1005"/>
+            <p:cNvGrpSpPr/>
+            <p:nvPr/>
+          </p:nvGrpSpPr>
+          <p:grpSpPr>
+            <a:xfrm>
+              <a:off x="3002608" y="2864953"/>
+              <a:ext cx="5662048" cy="488458"/>
+              <a:chOff x="3002608" y="2864953"/>
+              <a:chExt cx="5662048" cy="488458"/>
+            </a:xfrm>
+          </p:grpSpPr>
+          <p:pic>
+            <p:nvPicPr>
+              <p:cNvPr id="17" name="Object 16"/>
+              <p:cNvPicPr>
+                <a:picLocks noChangeAspect="1"/>
+              </p:cNvPicPr>
+              <p:nvPr/>
+            </p:nvPicPr>
+            <p:blipFill>
+              <a:blip r:embed="rId9" cstate="print"/>
+              <a:stretch>
+                <a:fillRect/>
+              </a:stretch>
+            </p:blipFill>
+            <p:spPr>
+              <a:xfrm rot="240000">
+                <a:off x="3002608" y="2864953"/>
+                <a:ext cx="5662048" cy="488458"/>
+              </a:xfrm>
+              <a:prstGeom prst="rect">
+                <a:avLst/>
+              </a:prstGeom>
+            </p:spPr>
+          </p:pic>
+        </p:grpSp>
+        <p:grpSp>
+          <p:nvGrpSpPr>
+            <p:cNvPr id="1006" name="그룹 1006"/>
+            <p:cNvGrpSpPr/>
+            <p:nvPr/>
+          </p:nvGrpSpPr>
+          <p:grpSpPr>
+            <a:xfrm>
+              <a:off x="2992468" y="3029478"/>
+              <a:ext cx="5662048" cy="457773"/>
+              <a:chOff x="2992468" y="3029478"/>
+              <a:chExt cx="5662048" cy="457773"/>
+            </a:xfrm>
+          </p:grpSpPr>
+          <p:pic>
+            <p:nvPicPr>
+              <p:cNvPr id="20" name="Object 19"/>
+              <p:cNvPicPr>
+                <a:picLocks noChangeAspect="1"/>
+              </p:cNvPicPr>
+              <p:nvPr/>
+            </p:nvPicPr>
+            <p:blipFill>
+              <a:blip r:embed="rId10" cstate="print"/>
+              <a:stretch>
+                <a:fillRect/>
+              </a:stretch>
+            </p:blipFill>
+            <p:spPr>
+              <a:xfrm>
+                <a:off x="2992468" y="3029478"/>
+                <a:ext cx="5662048" cy="457773"/>
+              </a:xfrm>
+              <a:prstGeom prst="rect">
+                <a:avLst/>
+              </a:prstGeom>
+            </p:spPr>
+          </p:pic>
+        </p:grpSp>
+      </p:grpSp>
+      <p:grpSp>
+        <p:nvGrpSpPr>
+          <p:cNvPr id="1007" name="그룹 1007"/>
+          <p:cNvGrpSpPr/>
+          <p:nvPr/>
+        </p:nvGrpSpPr>
+        <p:grpSpPr>
+          <a:xfrm>
+            <a:off x="4874644" y="3067630"/>
+            <a:ext cx="3134529" cy="3134529"/>
+            <a:chOff x="4874644" y="3067630"/>
+            <a:chExt cx="3134529" cy="3134529"/>
+          </a:xfrm>
+        </p:grpSpPr>
+        <p:pic>
+          <p:nvPicPr>
+            <p:cNvPr id="24" name="Object 23"/>
+            <p:cNvPicPr>
+              <a:picLocks noChangeAspect="1"/>
+            </p:cNvPicPr>
+            <p:nvPr/>
+          </p:nvPicPr>
+          <p:blipFill>
+            <a:blip r:embed="rId11" cstate="print"/>
+            <a:stretch>
+              <a:fillRect/>
+            </a:stretch>
+          </p:blipFill>
+          <p:spPr>
+            <a:xfrm rot="-540000">
+              <a:off x="4874644" y="3067630"/>
+              <a:ext cx="3134529" cy="3134529"/>
+            </a:xfrm>
+            <a:prstGeom prst="rect">
+              <a:avLst/>
+            </a:prstGeom>
+          </p:spPr>
+        </p:pic>
+      </p:grpSp>
+    </p:spTree>
+  </p:cSld>
+  <p:clrMapOvr>
+    <a:masterClrMapping/>
+  </p:clrMapOvr>
+</p:sld>
+</file>
+
+<file path=ppt/slides/slide3.xml><?xml version="1.0" encoding="utf-8"?>
+<p:sld xmlns:a="http://schemas.openxmlformats.org/drawingml/2006/main" xmlns:r="http://schemas.openxmlformats.org/officeDocument/2006/relationships" xmlns:p="http://schemas.openxmlformats.org/presentationml/2006/main">
+  <p:cSld name="Slide 3">
+    <p:bg>
+      <p:bgPr>
+        <a:solidFill>
+          <a:srgbClr val="FFFFFF"/>
+        </a:solidFill>
+        <a:effectLst/>
+      </p:bgPr>
+    </p:bg>
+    <p:spTree>
+      <p:nvGrpSpPr>
+        <p:cNvPr id="1" name=""/>
+        <p:cNvGrpSpPr/>
+        <p:nvPr/>
+      </p:nvGrpSpPr>
+      <p:grpSpPr>
+        <a:xfrm>
+          <a:off x="0" y="0"/>
+          <a:ext cx="0" cy="0"/>
+          <a:chOff x="0" y="0"/>
+          <a:chExt cx="0" cy="0"/>
+        </a:xfrm>
+      </p:grpSpPr>
+      <p:grpSp>
+        <p:nvGrpSpPr>
+          <p:cNvPr id="1001" name="그룹 1001"/>
+          <p:cNvGrpSpPr/>
+          <p:nvPr/>
+        </p:nvGrpSpPr>
+        <p:grpSpPr>
+          <a:xfrm>
+            <a:off x="9637948" y="4401880"/>
+            <a:ext cx="7074958" cy="2932271"/>
+            <a:chOff x="9637948" y="4401880"/>
+            <a:chExt cx="7074958" cy="2932271"/>
+          </a:xfrm>
+        </p:grpSpPr>
+        <p:grpSp>
+          <p:nvGrpSpPr>
+            <p:cNvPr id="1002" name="그룹 1002"/>
+            <p:cNvGrpSpPr/>
+            <p:nvPr/>
+          </p:nvGrpSpPr>
+          <p:grpSpPr>
+            <a:xfrm>
+              <a:off x="9888199" y="6745030"/>
+              <a:ext cx="1895563" cy="589121"/>
+              <a:chOff x="9888199" y="6745030"/>
+              <a:chExt cx="1895563" cy="589121"/>
+            </a:xfrm>
+          </p:grpSpPr>
+          <p:pic>
+            <p:nvPicPr>
+              <p:cNvPr id="4" name="Object 3"/>
+              <p:cNvPicPr>
+                <a:picLocks noChangeAspect="1"/>
+              </p:cNvPicPr>
+              <p:nvPr/>
+            </p:nvPicPr>
+            <p:blipFill>
+              <a:blip r:embed="rId2" cstate="print"/>
+              <a:stretch>
+                <a:fillRect/>
+              </a:stretch>
+            </p:blipFill>
+            <p:spPr>
+              <a:xfrm>
+                <a:off x="9888199" y="6745030"/>
+                <a:ext cx="1895563" cy="589121"/>
+              </a:xfrm>
+              <a:prstGeom prst="rect">
+                <a:avLst/>
+              </a:prstGeom>
+            </p:spPr>
+          </p:pic>
+        </p:grpSp>
+        <p:grpSp>
+          <p:nvGrpSpPr>
+            <p:cNvPr id="1003" name="그룹 1003"/>
+            <p:cNvGrpSpPr/>
+            <p:nvPr/>
+          </p:nvGrpSpPr>
+          <p:grpSpPr>
+            <a:xfrm>
+              <a:off x="9637948" y="5017460"/>
+              <a:ext cx="5344909" cy="589121"/>
+              <a:chOff x="9637948" y="5017460"/>
+              <a:chExt cx="5344909" cy="589121"/>
+            </a:xfrm>
+          </p:grpSpPr>
+          <p:pic>
+            <p:nvPicPr>
+              <p:cNvPr id="7" name="Object 6"/>
+              <p:cNvPicPr>
+                <a:picLocks noChangeAspect="1"/>
+              </p:cNvPicPr>
+              <p:nvPr/>
+            </p:nvPicPr>
+            <p:blipFill>
+              <a:blip r:embed="rId3" cstate="print"/>
+              <a:stretch>
+                <a:fillRect/>
+              </a:stretch>
+            </p:blipFill>
+            <p:spPr>
+              <a:xfrm>
+                <a:off x="9637948" y="5017460"/>
+                <a:ext cx="5344909" cy="589121"/>
+              </a:xfrm>
+              <a:prstGeom prst="rect">
+                <a:avLst/>
+              </a:prstGeom>
+            </p:spPr>
+          </p:pic>
+        </p:grpSp>
+        <p:pic>
+          <p:nvPicPr>
+            <p:cNvPr id="9" name="Object 8"/>
+            <p:cNvPicPr>
+              <a:picLocks noChangeAspect="1"/>
+            </p:cNvPicPr>
+            <p:nvPr/>
+          </p:nvPicPr>
+          <p:blipFill>
+            <a:blip r:embed="rId4" cstate="print"/>
+            <a:stretch>
+              <a:fillRect/>
+            </a:stretch>
+          </p:blipFill>
+          <p:spPr>
+            <a:xfrm>
+              <a:off x="9565899" y="4329831"/>
+              <a:ext cx="7158748" cy="3139053"/>
+            </a:xfrm>
+            <a:prstGeom prst="rect">
+              <a:avLst/>
+            </a:prstGeom>
+          </p:spPr>
+        </p:pic>
+      </p:grpSp>
+      <p:grpSp>
+        <p:nvGrpSpPr>
+          <p:cNvPr id="1004" name="그룹 1004"/>
+          <p:cNvGrpSpPr/>
+          <p:nvPr/>
+        </p:nvGrpSpPr>
+        <p:grpSpPr>
+          <a:xfrm>
+            <a:off x="3965453" y="3439995"/>
+            <a:ext cx="4117708" cy="3405725"/>
+            <a:chOff x="3965453" y="3439995"/>
+            <a:chExt cx="4117708" cy="3405725"/>
+          </a:xfrm>
+        </p:grpSpPr>
+        <p:pic>
+          <p:nvPicPr>
+            <p:cNvPr id="12" name="Object 11"/>
+            <p:cNvPicPr>
+              <a:picLocks noChangeAspect="1"/>
+            </p:cNvPicPr>
+            <p:nvPr/>
+          </p:nvPicPr>
+          <p:blipFill>
+            <a:blip r:embed="rId5" cstate="print"/>
+            <a:stretch>
+              <a:fillRect/>
+            </a:stretch>
+          </p:blipFill>
+          <p:spPr>
+            <a:xfrm>
+              <a:off x="3965453" y="3439995"/>
+              <a:ext cx="4117708" cy="3405725"/>
+            </a:xfrm>
+            <a:prstGeom prst="rect">
+              <a:avLst/>
+            </a:prstGeom>
+          </p:spPr>
+        </p:pic>
+      </p:grpSp>
+      <p:pic>
+        <p:nvPicPr>
+          <p:cNvPr id="14" name="Object 13"/>
+          <p:cNvPicPr>
+            <a:picLocks noChangeAspect="1"/>
+          </p:cNvPicPr>
+          <p:nvPr/>
+        </p:nvPicPr>
+        <p:blipFill>
+          <a:blip r:embed="rId6" cstate="print"/>
+          <a:stretch>
+            <a:fillRect/>
+          </a:stretch>
+        </p:blipFill>
+        <p:spPr>
+          <a:xfrm>
+            <a:off x="509722" y="409250"/>
+            <a:ext cx="9814499" cy="1674747"/>
+          </a:xfrm>
+          <a:prstGeom prst="rect">
+            <a:avLst/>
+          </a:prstGeom>
+        </p:spPr>
+      </p:pic>
+      <p:grpSp>
+        <p:nvGrpSpPr>
+          <p:cNvPr id="1005" name="그룹 1005"/>
+          <p:cNvGrpSpPr/>
+          <p:nvPr/>
+        </p:nvGrpSpPr>
+        <p:grpSpPr>
+          <a:xfrm>
+            <a:off x="-57143" y="1685430"/>
+            <a:ext cx="18394831" cy="14286"/>
+            <a:chOff x="-57143" y="1685430"/>
+            <a:chExt cx="18394831" cy="14286"/>
+          </a:xfrm>
+        </p:grpSpPr>
+        <p:pic>
+          <p:nvPicPr>
+            <p:cNvPr id="16" name="Object 15"/>
+            <p:cNvPicPr>
+              <a:picLocks noChangeAspect="1"/>
+            </p:cNvPicPr>
+            <p:nvPr/>
+          </p:nvPicPr>
+          <p:blipFill>
+            <a:blip r:embed="rId7" cstate="print"/>
+            <a:stretch>
+              <a:fillRect/>
+            </a:stretch>
+          </p:blipFill>
+          <p:spPr>
+            <a:xfrm>
+              <a:off x="-57143" y="1685430"/>
+              <a:ext cx="18394831" cy="14286"/>
+            </a:xfrm>
+            <a:prstGeom prst="rect">
+              <a:avLst/>
+            </a:prstGeom>
+          </p:spPr>
+        </p:pic>
+      </p:grpSp>
+      <p:pic>
+        <p:nvPicPr>
+          <p:cNvPr id="18" name="Object 17"/>
+          <p:cNvPicPr>
+            <a:picLocks noChangeAspect="1"/>
+          </p:cNvPicPr>
+          <p:nvPr/>
+        </p:nvPicPr>
+        <p:blipFill>
+          <a:blip r:embed="rId8" cstate="print"/>
+          <a:stretch>
+            <a:fillRect/>
+          </a:stretch>
+        </p:blipFill>
+        <p:spPr>
+          <a:xfrm>
+            <a:off x="10051335" y="1085449"/>
+            <a:ext cx="3044870" cy="662556"/>
+          </a:xfrm>
+          <a:prstGeom prst="rect">
+            <a:avLst/>
+          </a:prstGeom>
+        </p:spPr>
+      </p:pic>
+      <p:grpSp>
+        <p:nvGrpSpPr>
+          <p:cNvPr id="1006" name="그룹 1006"/>
+          <p:cNvGrpSpPr/>
+          <p:nvPr/>
+        </p:nvGrpSpPr>
+        <p:grpSpPr>
+          <a:xfrm>
+            <a:off x="1013590" y="6373574"/>
+            <a:ext cx="3216874" cy="3216874"/>
+            <a:chOff x="1013590" y="6373574"/>
+            <a:chExt cx="3216874" cy="3216874"/>
+          </a:xfrm>
+        </p:grpSpPr>
+        <p:pic>
+          <p:nvPicPr>
+            <p:cNvPr id="20" name="Object 19"/>
+            <p:cNvPicPr>
+              <a:picLocks noChangeAspect="1"/>
+            </p:cNvPicPr>
+            <p:nvPr/>
+          </p:nvPicPr>
+          <p:blipFill>
+            <a:blip r:embed="rId9" cstate="print"/>
+            <a:stretch>
+              <a:fillRect/>
+            </a:stretch>
+          </p:blipFill>
+          <p:spPr>
+            <a:xfrm>
+              <a:off x="1013590" y="6373574"/>
+              <a:ext cx="3216874" cy="3216874"/>
+            </a:xfrm>
+            <a:prstGeom prst="rect">
+              <a:avLst/>
+            </a:prstGeom>
+          </p:spPr>
+        </p:pic>
+      </p:grpSp>
+      <p:grpSp>
+        <p:nvGrpSpPr>
+          <p:cNvPr id="1007" name="그룹 1007"/>
+          <p:cNvGrpSpPr/>
+          <p:nvPr/>
+        </p:nvGrpSpPr>
+        <p:grpSpPr>
+          <a:xfrm>
+            <a:off x="4495799" y="3357374"/>
+            <a:ext cx="2975383" cy="2975383"/>
+            <a:chOff x="4495799" y="3357374"/>
+            <a:chExt cx="2975383" cy="2975383"/>
+          </a:xfrm>
+        </p:grpSpPr>
+        <p:pic>
+          <p:nvPicPr>
+            <p:cNvPr id="23" name="Object 22"/>
+            <p:cNvPicPr>
+              <a:picLocks noChangeAspect="1"/>
+            </p:cNvPicPr>
+            <p:nvPr/>
+          </p:nvPicPr>
+          <p:blipFill>
+            <a:blip r:embed="rId10" cstate="print"/>
+            <a:stretch>
+              <a:fillRect/>
+            </a:stretch>
+          </p:blipFill>
+          <p:spPr>
+            <a:xfrm>
+              <a:off x="4495799" y="3357374"/>
+              <a:ext cx="2975383" cy="2975383"/>
+            </a:xfrm>
+            <a:prstGeom prst="rect">
+              <a:avLst/>
+            </a:prstGeom>
+          </p:spPr>
+        </p:pic>
+      </p:grpSp>
+    </p:spTree>
+  </p:cSld>
+  <p:clrMapOvr>
+    <a:masterClrMapping/>
+  </p:clrMapOvr>
+</p:sld>
+</file>
+
+<file path=ppt/slides/slide4.xml><?xml version="1.0" encoding="utf-8"?>
+<p:sld xmlns:a="http://schemas.openxmlformats.org/drawingml/2006/main" xmlns:r="http://schemas.openxmlformats.org/officeDocument/2006/relationships" xmlns:p="http://schemas.openxmlformats.org/presentationml/2006/main">
+  <p:cSld name="Slide 4">
+    <p:bg>
+      <p:bgPr>
+        <a:solidFill>
+          <a:srgbClr val="FFFFFF"/>
+        </a:solidFill>
+        <a:effectLst/>
+      </p:bgPr>
+    </p:bg>
+    <p:spTree>
+      <p:nvGrpSpPr>
+        <p:cNvPr id="1" name=""/>
+        <p:cNvGrpSpPr/>
+        <p:nvPr/>
+      </p:nvGrpSpPr>
+      <p:grpSpPr>
+        <a:xfrm>
+          <a:off x="0" y="0"/>
+          <a:ext cx="0" cy="0"/>
+          <a:chOff x="0" y="0"/>
+          <a:chExt cx="0" cy="0"/>
+        </a:xfrm>
+      </p:grpSpPr>
+      <p:pic>
+        <p:nvPicPr>
+          <p:cNvPr id="2" name="Object 1"/>
+          <p:cNvPicPr>
+            <a:picLocks noChangeAspect="1"/>
+          </p:cNvPicPr>
+          <p:nvPr/>
+        </p:nvPicPr>
+        <p:blipFill>
+          <a:blip r:embed="rId2" cstate="print"/>
+          <a:stretch>
+            <a:fillRect/>
+          </a:stretch>
+        </p:blipFill>
+        <p:spPr>
+          <a:xfrm>
+            <a:off x="509722" y="409250"/>
+            <a:ext cx="9814499" cy="1674747"/>
+          </a:xfrm>
+          <a:prstGeom prst="rect">
+            <a:avLst/>
+          </a:prstGeom>
+        </p:spPr>
+      </p:pic>
+      <p:grpSp>
+        <p:nvGrpSpPr>
+          <p:cNvPr id="1001" name="그룹 1001"/>
+          <p:cNvGrpSpPr/>
+          <p:nvPr/>
+        </p:nvGrpSpPr>
+        <p:grpSpPr>
+          <a:xfrm>
+            <a:off x="-57143" y="1685430"/>
+            <a:ext cx="18394831" cy="14286"/>
+            <a:chOff x="-57143" y="1685430"/>
+            <a:chExt cx="18394831" cy="14286"/>
+          </a:xfrm>
+        </p:grpSpPr>
+        <p:pic>
+          <p:nvPicPr>
+            <p:cNvPr id="4" name="Object 3"/>
+            <p:cNvPicPr>
+              <a:picLocks noChangeAspect="1"/>
+            </p:cNvPicPr>
+            <p:nvPr/>
+          </p:nvPicPr>
+          <p:blipFill>
+            <a:blip r:embed="rId3" cstate="print"/>
+            <a:stretch>
+              <a:fillRect/>
+            </a:stretch>
+          </p:blipFill>
+          <p:spPr>
+            <a:xfrm>
+              <a:off x="-57143" y="1685430"/>
+              <a:ext cx="18394831" cy="14286"/>
+            </a:xfrm>
+            <a:prstGeom prst="rect">
+              <a:avLst/>
+            </a:prstGeom>
+          </p:spPr>
+        </p:pic>
+      </p:grpSp>
+      <p:pic>
+        <p:nvPicPr>
+          <p:cNvPr id="6" name="Object 5"/>
+          <p:cNvPicPr>
+            <a:picLocks noChangeAspect="1"/>
+          </p:cNvPicPr>
+          <p:nvPr/>
+        </p:nvPicPr>
+        <p:blipFill>
+          <a:blip r:embed="rId4" cstate="print"/>
+          <a:stretch>
+            <a:fillRect/>
+          </a:stretch>
+        </p:blipFill>
+        <p:spPr>
+          <a:xfrm>
+            <a:off x="10051335" y="1085449"/>
+            <a:ext cx="2720604" cy="641128"/>
+          </a:xfrm>
+          <a:prstGeom prst="rect">
+            <a:avLst/>
+          </a:prstGeom>
+        </p:spPr>
+      </p:pic>
+      <p:grpSp>
+        <p:nvGrpSpPr>
+          <p:cNvPr id="1002" name="그룹 1002"/>
+          <p:cNvGrpSpPr/>
+          <p:nvPr/>
+        </p:nvGrpSpPr>
+        <p:grpSpPr>
+          <a:xfrm>
+            <a:off x="2840497" y="2040818"/>
+            <a:ext cx="12599550" cy="7941643"/>
+            <a:chOff x="2840497" y="2040818"/>
+            <a:chExt cx="12599550" cy="7941643"/>
+          </a:xfrm>
+        </p:grpSpPr>
+        <p:pic>
+          <p:nvPicPr>
+            <p:cNvPr id="8" name="Object 7"/>
+            <p:cNvPicPr>
+              <a:picLocks noChangeAspect="1"/>
+            </p:cNvPicPr>
+            <p:nvPr/>
+          </p:nvPicPr>
+          <p:blipFill>
+            <a:blip r:embed="rId5" cstate="print"/>
+            <a:stretch>
+              <a:fillRect/>
+            </a:stretch>
+          </p:blipFill>
+          <p:spPr>
+            <a:xfrm>
+              <a:off x="2840497" y="2040818"/>
+              <a:ext cx="12599550" cy="7941643"/>
+            </a:xfrm>
+            <a:prstGeom prst="rect">
+              <a:avLst/>
+            </a:prstGeom>
+          </p:spPr>
+        </p:pic>
+      </p:grpSp>
+    </p:spTree>
+  </p:cSld>
+  <p:clrMapOvr>
+    <a:masterClrMapping/>
+  </p:clrMapOvr>
+</p:sld>
+</file>
+
+<file path=ppt/slides/slide5.xml><?xml version="1.0" encoding="utf-8"?>
+<p:sld xmlns:a="http://schemas.openxmlformats.org/drawingml/2006/main" xmlns:r="http://schemas.openxmlformats.org/officeDocument/2006/relationships" xmlns:p="http://schemas.openxmlformats.org/presentationml/2006/main">
+  <p:cSld name="Slide 5">
+    <p:bg>
+      <p:bgPr>
+        <a:solidFill>
+          <a:srgbClr val="FFFFFF"/>
+        </a:solidFill>
+        <a:effectLst/>
+      </p:bgPr>
+    </p:bg>
+    <p:spTree>
+      <p:nvGrpSpPr>
+        <p:cNvPr id="1" name=""/>
+        <p:cNvGrpSpPr/>
+        <p:nvPr/>
+      </p:nvGrpSpPr>
+      <p:grpSpPr>
+        <a:xfrm>
+          <a:off x="0" y="0"/>
+          <a:ext cx="0" cy="0"/>
+          <a:chOff x="0" y="0"/>
+          <a:chExt cx="0" cy="0"/>
+        </a:xfrm>
+      </p:grpSpPr>
+      <p:pic>
+        <p:nvPicPr>
+          <p:cNvPr id="2" name="Object 1"/>
+          <p:cNvPicPr>
+            <a:picLocks noChangeAspect="1"/>
+          </p:cNvPicPr>
+          <p:nvPr/>
+        </p:nvPicPr>
+        <p:blipFill>
+          <a:blip r:embed="rId2" cstate="print"/>
+          <a:stretch>
+            <a:fillRect/>
+          </a:stretch>
+        </p:blipFill>
+        <p:spPr>
+          <a:xfrm>
+            <a:off x="509722" y="409250"/>
+            <a:ext cx="9814499" cy="1674747"/>
+          </a:xfrm>
+          <a:prstGeom prst="rect">
+            <a:avLst/>
+          </a:prstGeom>
+        </p:spPr>
+      </p:pic>
+      <p:grpSp>
+        <p:nvGrpSpPr>
+          <p:cNvPr id="1001" name="그룹 1001"/>
+          <p:cNvGrpSpPr/>
+          <p:nvPr/>
+        </p:nvGrpSpPr>
+        <p:grpSpPr>
+          <a:xfrm>
+            <a:off x="-57143" y="1685430"/>
+            <a:ext cx="18394831" cy="14286"/>
+            <a:chOff x="-57143" y="1685430"/>
+            <a:chExt cx="18394831" cy="14286"/>
+          </a:xfrm>
+        </p:grpSpPr>
+        <p:pic>
+          <p:nvPicPr>
+            <p:cNvPr id="4" name="Object 3"/>
+            <p:cNvPicPr>
+              <a:picLocks noChangeAspect="1"/>
+            </p:cNvPicPr>
+            <p:nvPr/>
+          </p:nvPicPr>
+          <p:blipFill>
+            <a:blip r:embed="rId3" cstate="print"/>
+            <a:stretch>
+              <a:fillRect/>
+            </a:stretch>
+          </p:blipFill>
+          <p:spPr>
+            <a:xfrm>
+              <a:off x="-57143" y="1685430"/>
+              <a:ext cx="18394831" cy="14286"/>
+            </a:xfrm>
+            <a:prstGeom prst="rect">
+              <a:avLst/>
+            </a:prstGeom>
+          </p:spPr>
+        </p:pic>
+      </p:grpSp>
+      <p:pic>
+        <p:nvPicPr>
+          <p:cNvPr id="6" name="Object 5"/>
+          <p:cNvPicPr>
+            <a:picLocks noChangeAspect="1"/>
+          </p:cNvPicPr>
+          <p:nvPr/>
+        </p:nvPicPr>
+        <p:blipFill>
+          <a:blip r:embed="rId4" cstate="print"/>
+          <a:stretch>
+            <a:fillRect/>
+          </a:stretch>
+        </p:blipFill>
+        <p:spPr>
+          <a:xfrm>
+            <a:off x="10051335" y="1085449"/>
+            <a:ext cx="5864670" cy="669699"/>
+          </a:xfrm>
+          <a:prstGeom prst="rect">
+            <a:avLst/>
+          </a:prstGeom>
+        </p:spPr>
+      </p:pic>
+      <p:grpSp>
+        <p:nvGrpSpPr>
+          <p:cNvPr id="1002" name="그룹 1002"/>
+          <p:cNvGrpSpPr/>
+          <p:nvPr/>
+        </p:nvGrpSpPr>
+        <p:grpSpPr>
+          <a:xfrm>
+            <a:off x="652575" y="2047481"/>
+            <a:ext cx="12466770" cy="7888485"/>
+            <a:chOff x="652575" y="2047481"/>
+            <a:chExt cx="12466770" cy="7888485"/>
+          </a:xfrm>
+        </p:grpSpPr>
+        <p:pic>
+          <p:nvPicPr>
+            <p:cNvPr id="8" name="Object 7"/>
+            <p:cNvPicPr>
+              <a:picLocks noChangeAspect="1"/>
+            </p:cNvPicPr>
+            <p:nvPr/>
+          </p:nvPicPr>
+          <p:blipFill>
+            <a:blip r:embed="rId5" cstate="print"/>
+            <a:stretch>
+              <a:fillRect/>
+            </a:stretch>
+          </p:blipFill>
+          <p:spPr>
+            <a:xfrm>
+              <a:off x="652575" y="2047481"/>
+              <a:ext cx="12466770" cy="7888485"/>
+            </a:xfrm>
+            <a:prstGeom prst="rect">
+              <a:avLst/>
+            </a:prstGeom>
+          </p:spPr>
+        </p:pic>
+      </p:grpSp>
+      <p:grpSp>
+        <p:nvGrpSpPr>
+          <p:cNvPr id="1003" name="그룹 1003"/>
+          <p:cNvGrpSpPr/>
+          <p:nvPr/>
+        </p:nvGrpSpPr>
+        <p:grpSpPr>
+          <a:xfrm>
+            <a:off x="1474120" y="3213251"/>
+            <a:ext cx="6627556" cy="2103520"/>
+            <a:chOff x="1474120" y="3213251"/>
+            <a:chExt cx="6627556" cy="2103520"/>
+          </a:xfrm>
+        </p:grpSpPr>
+        <p:pic>
+          <p:nvPicPr>
+            <p:cNvPr id="11" name="Object 10"/>
+            <p:cNvPicPr>
+              <a:picLocks noChangeAspect="1"/>
+            </p:cNvPicPr>
+            <p:nvPr/>
+          </p:nvPicPr>
+          <p:blipFill>
+            <a:blip r:embed="rId6" cstate="print"/>
+            <a:stretch>
+              <a:fillRect/>
+            </a:stretch>
+          </p:blipFill>
+          <p:spPr>
+            <a:xfrm>
+              <a:off x="1474120" y="3213251"/>
+              <a:ext cx="6627556" cy="2103520"/>
+            </a:xfrm>
+            <a:prstGeom prst="rect">
+              <a:avLst/>
+            </a:prstGeom>
+          </p:spPr>
+        </p:pic>
+      </p:grpSp>
+      <p:grpSp>
+        <p:nvGrpSpPr>
+          <p:cNvPr id="1004" name="그룹 1004"/>
+          <p:cNvGrpSpPr/>
+          <p:nvPr/>
+        </p:nvGrpSpPr>
+        <p:grpSpPr>
+          <a:xfrm>
+            <a:off x="9321390" y="3453024"/>
+            <a:ext cx="8462831" cy="1623973"/>
+            <a:chOff x="9321390" y="3453024"/>
+            <a:chExt cx="8462831" cy="1623973"/>
+          </a:xfrm>
+        </p:grpSpPr>
+        <p:grpSp>
+          <p:nvGrpSpPr>
+            <p:cNvPr id="1005" name="그룹 1005"/>
+            <p:cNvGrpSpPr/>
+            <p:nvPr/>
+          </p:nvGrpSpPr>
+          <p:grpSpPr>
+            <a:xfrm>
+              <a:off x="9321390" y="3453024"/>
+              <a:ext cx="8462831" cy="1623973"/>
+              <a:chOff x="9321390" y="3453024"/>
+              <a:chExt cx="8462831" cy="1623973"/>
+            </a:xfrm>
+          </p:grpSpPr>
+          <p:pic>
+            <p:nvPicPr>
+              <p:cNvPr id="15" name="Object 14"/>
+              <p:cNvPicPr>
+                <a:picLocks noChangeAspect="1"/>
+              </p:cNvPicPr>
+              <p:nvPr/>
+            </p:nvPicPr>
+            <p:blipFill>
+              <a:blip r:embed="rId7" cstate="print"/>
+              <a:stretch>
+                <a:fillRect/>
+              </a:stretch>
+            </p:blipFill>
+            <p:spPr>
+              <a:xfrm>
+                <a:off x="9321390" y="3453024"/>
+                <a:ext cx="8462831" cy="1623973"/>
+              </a:xfrm>
+              <a:prstGeom prst="rect">
+                <a:avLst/>
+              </a:prstGeom>
+            </p:spPr>
+          </p:pic>
+        </p:grpSp>
+        <p:grpSp>
+          <p:nvGrpSpPr>
+            <p:cNvPr id="1006" name="그룹 1006"/>
+            <p:cNvGrpSpPr/>
+            <p:nvPr/>
+          </p:nvGrpSpPr>
+          <p:grpSpPr>
+            <a:xfrm>
+              <a:off x="9511516" y="3717760"/>
+              <a:ext cx="8069541" cy="1001842"/>
+              <a:chOff x="9511516" y="3717760"/>
+              <a:chExt cx="8069541" cy="1001842"/>
+            </a:xfrm>
+          </p:grpSpPr>
+          <p:pic>
+            <p:nvPicPr>
+              <p:cNvPr id="18" name="Object 17"/>
+              <p:cNvPicPr>
+                <a:picLocks noChangeAspect="1"/>
+              </p:cNvPicPr>
+              <p:nvPr/>
+            </p:nvPicPr>
+            <p:blipFill>
+              <a:blip r:embed="rId8" cstate="print"/>
+              <a:stretch>
+                <a:fillRect/>
+              </a:stretch>
+            </p:blipFill>
+            <p:spPr>
+              <a:xfrm>
+                <a:off x="9511516" y="3717760"/>
+                <a:ext cx="8069541" cy="1001842"/>
+              </a:xfrm>
+              <a:prstGeom prst="rect">
+                <a:avLst/>
+              </a:prstGeom>
+            </p:spPr>
+          </p:pic>
+        </p:grpSp>
+      </p:grpSp>
+      <p:grpSp>
+        <p:nvGrpSpPr>
+          <p:cNvPr id="1007" name="그룹 1007"/>
+          <p:cNvGrpSpPr/>
+          <p:nvPr/>
+        </p:nvGrpSpPr>
+        <p:grpSpPr>
+          <a:xfrm>
+            <a:off x="8305519" y="3832851"/>
+            <a:ext cx="837338" cy="864318"/>
+            <a:chOff x="8305519" y="3832851"/>
+            <a:chExt cx="837338" cy="864318"/>
+          </a:xfrm>
+        </p:grpSpPr>
+        <p:pic>
+          <p:nvPicPr>
+            <p:cNvPr id="22" name="Object 21"/>
+            <p:cNvPicPr>
+              <a:picLocks noChangeAspect="1"/>
+            </p:cNvPicPr>
+            <p:nvPr/>
+          </p:nvPicPr>
+          <p:blipFill>
+            <a:blip r:embed="rId9" cstate="print"/>
+            <a:stretch>
+              <a:fillRect/>
+            </a:stretch>
+          </p:blipFill>
+          <p:spPr>
+            <a:xfrm>
+              <a:off x="8305519" y="3832851"/>
+              <a:ext cx="837338" cy="864318"/>
+            </a:xfrm>
+            <a:prstGeom prst="rect">
+              <a:avLst/>
+            </a:prstGeom>
+          </p:spPr>
+        </p:pic>
+      </p:grpSp>
+    </p:spTree>
+  </p:cSld>
+  <p:clrMapOvr>
+    <a:masterClrMapping/>
+  </p:clrMapOvr>
+</p:sld>
+</file>
+
+<file path=ppt/slides/slide6.xml><?xml version="1.0" encoding="utf-8"?>
+<p:sld xmlns:a="http://schemas.openxmlformats.org/drawingml/2006/main" xmlns:r="http://schemas.openxmlformats.org/officeDocument/2006/relationships" xmlns:p="http://schemas.openxmlformats.org/presentationml/2006/main">
+  <p:cSld name="Slide 6">
+    <p:bg>
+      <p:bgPr>
+        <a:solidFill>
+          <a:srgbClr val="FFFFFF"/>
+        </a:solidFill>
+        <a:effectLst/>
+      </p:bgPr>
+    </p:bg>
+    <p:spTree>
+      <p:nvGrpSpPr>
+        <p:cNvPr id="1" name=""/>
+        <p:cNvGrpSpPr/>
+        <p:nvPr/>
+      </p:nvGrpSpPr>
+      <p:grpSpPr>
+        <a:xfrm>
+          <a:off x="0" y="0"/>
+          <a:ext cx="0" cy="0"/>
+          <a:chOff x="0" y="0"/>
+          <a:chExt cx="0" cy="0"/>
+        </a:xfrm>
+      </p:grpSpPr>
+      <p:pic>
+        <p:nvPicPr>
+          <p:cNvPr id="2" name="Object 1"/>
+          <p:cNvPicPr>
+            <a:picLocks noChangeAspect="1"/>
+          </p:cNvPicPr>
+          <p:nvPr/>
+        </p:nvPicPr>
+        <p:blipFill>
+          <a:blip r:embed="rId2" cstate="print"/>
+          <a:stretch>
+            <a:fillRect/>
+          </a:stretch>
+        </p:blipFill>
+        <p:spPr>
+          <a:xfrm>
+            <a:off x="509722" y="409250"/>
+            <a:ext cx="9814499" cy="1674747"/>
+          </a:xfrm>
+          <a:prstGeom prst="rect">
+            <a:avLst/>
+          </a:prstGeom>
+        </p:spPr>
+      </p:pic>
+      <p:grpSp>
+        <p:nvGrpSpPr>
+          <p:cNvPr id="1001" name="그룹 1001"/>
+          <p:cNvGrpSpPr/>
+          <p:nvPr/>
+        </p:nvGrpSpPr>
+        <p:grpSpPr>
+          <a:xfrm>
+            <a:off x="-57143" y="1685430"/>
+            <a:ext cx="18394831" cy="14286"/>
+            <a:chOff x="-57143" y="1685430"/>
+            <a:chExt cx="18394831" cy="14286"/>
+          </a:xfrm>
+        </p:grpSpPr>
+        <p:pic>
+          <p:nvPicPr>
+            <p:cNvPr id="4" name="Object 3"/>
+            <p:cNvPicPr>
+              <a:picLocks noChangeAspect="1"/>
+            </p:cNvPicPr>
+            <p:nvPr/>
+          </p:nvPicPr>
+          <p:blipFill>
+            <a:blip r:embed="rId3" cstate="print"/>
+            <a:stretch>
+              <a:fillRect/>
+            </a:stretch>
+          </p:blipFill>
+          <p:spPr>
+            <a:xfrm>
+              <a:off x="-57143" y="1685430"/>
+              <a:ext cx="18394831" cy="14286"/>
+            </a:xfrm>
+            <a:prstGeom prst="rect">
+              <a:avLst/>
+            </a:prstGeom>
+          </p:spPr>
+        </p:pic>
+      </p:grpSp>
+      <p:pic>
+        <p:nvPicPr>
+          <p:cNvPr id="6" name="Object 5"/>
+          <p:cNvPicPr>
+            <a:picLocks noChangeAspect="1"/>
+          </p:cNvPicPr>
+          <p:nvPr/>
+        </p:nvPicPr>
+        <p:blipFill>
+          <a:blip r:embed="rId4" cstate="print"/>
+          <a:stretch>
+            <a:fillRect/>
+          </a:stretch>
+        </p:blipFill>
+        <p:spPr>
+          <a:xfrm>
+            <a:off x="10051335" y="1085449"/>
+            <a:ext cx="5866575" cy="669699"/>
+          </a:xfrm>
+          <a:prstGeom prst="rect">
+            <a:avLst/>
+          </a:prstGeom>
+        </p:spPr>
+      </p:pic>
+      <p:grpSp>
+        <p:nvGrpSpPr>
+          <p:cNvPr id="1002" name="그룹 1002"/>
+          <p:cNvGrpSpPr/>
+          <p:nvPr/>
+        </p:nvGrpSpPr>
+        <p:grpSpPr>
+          <a:xfrm>
+            <a:off x="5152998" y="2204090"/>
+            <a:ext cx="7923292" cy="6482006"/>
+            <a:chOff x="5152998" y="2204090"/>
+            <a:chExt cx="7923292" cy="6482006"/>
+          </a:xfrm>
+        </p:grpSpPr>
+        <p:pic>
+          <p:nvPicPr>
+            <p:cNvPr id="8" name="Object 7"/>
+            <p:cNvPicPr>
+              <a:picLocks noChangeAspect="1"/>
+            </p:cNvPicPr>
+            <p:nvPr/>
+          </p:nvPicPr>
+          <p:blipFill>
+            <a:blip r:embed="rId5" cstate="print"/>
+            <a:stretch>
+              <a:fillRect/>
+            </a:stretch>
+          </p:blipFill>
+          <p:spPr>
+            <a:xfrm>
+              <a:off x="5152998" y="2204090"/>
+              <a:ext cx="7923292" cy="6482006"/>
+            </a:xfrm>
+            <a:prstGeom prst="rect">
+              <a:avLst/>
+            </a:prstGeom>
+          </p:spPr>
+        </p:pic>
+      </p:grpSp>
+      <p:pic>
+        <p:nvPicPr>
+          <p:cNvPr id="10" name="Object 9"/>
+          <p:cNvPicPr>
+            <a:picLocks noChangeAspect="1"/>
+          </p:cNvPicPr>
+          <p:nvPr/>
+        </p:nvPicPr>
+        <p:blipFill>
+          <a:blip r:embed="rId6" cstate="print"/>
+          <a:stretch>
+            <a:fillRect/>
+          </a:stretch>
+        </p:blipFill>
+        <p:spPr>
+          <a:xfrm>
+            <a:off x="8056348" y="8801059"/>
+            <a:ext cx="1981365" cy="668156"/>
+          </a:xfrm>
+          <a:prstGeom prst="rect">
+            <a:avLst/>
+          </a:prstGeom>
+        </p:spPr>
+      </p:pic>
+      <p:pic>
+        <p:nvPicPr>
+          <p:cNvPr id="11" name="Object 10"/>
+          <p:cNvPicPr>
+            <a:picLocks noChangeAspect="1"/>
+          </p:cNvPicPr>
+          <p:nvPr/>
+        </p:nvPicPr>
+        <p:blipFill>
+          <a:blip r:embed="rId7" cstate="print"/>
+          <a:stretch>
+            <a:fillRect/>
+          </a:stretch>
+        </p:blipFill>
+        <p:spPr>
+          <a:xfrm>
+            <a:off x="7323936" y="3890906"/>
+            <a:ext cx="2931531" cy="1315150"/>
+          </a:xfrm>
+          <a:prstGeom prst="rect">
+            <a:avLst/>
+          </a:prstGeom>
+        </p:spPr>
+      </p:pic>
+      <p:grpSp>
+        <p:nvGrpSpPr>
+          <p:cNvPr id="1003" name="그룹 1003"/>
+          <p:cNvGrpSpPr/>
+          <p:nvPr/>
+        </p:nvGrpSpPr>
+        <p:grpSpPr>
+          <a:xfrm>
+            <a:off x="8693765" y="7508848"/>
+            <a:ext cx="870918" cy="870918"/>
+            <a:chOff x="8693765" y="7508848"/>
+            <a:chExt cx="870918" cy="870918"/>
+          </a:xfrm>
+        </p:grpSpPr>
+        <p:pic>
+          <p:nvPicPr>
+            <p:cNvPr id="13" name="Object 12"/>
+            <p:cNvPicPr>
+              <a:picLocks noChangeAspect="1"/>
+            </p:cNvPicPr>
+            <p:nvPr/>
+          </p:nvPicPr>
+          <p:blipFill>
+            <a:blip r:embed="rId8" cstate="print"/>
+            <a:stretch>
+              <a:fillRect/>
+            </a:stretch>
+          </p:blipFill>
+          <p:spPr>
+            <a:xfrm>
+              <a:off x="8693765" y="7508848"/>
+              <a:ext cx="870918" cy="870918"/>
+            </a:xfrm>
+            <a:prstGeom prst="rect">
+              <a:avLst/>
+            </a:prstGeom>
+          </p:spPr>
+        </p:pic>
+      </p:grpSp>
+      <p:grpSp>
+        <p:nvGrpSpPr>
+          <p:cNvPr id="1004" name="그룹 1004"/>
+          <p:cNvGrpSpPr/>
+          <p:nvPr/>
+        </p:nvGrpSpPr>
+        <p:grpSpPr>
+          <a:xfrm>
+            <a:off x="5485043" y="5139467"/>
+            <a:ext cx="870918" cy="870918"/>
+            <a:chOff x="5485043" y="5139467"/>
+            <a:chExt cx="870918" cy="870918"/>
+          </a:xfrm>
+        </p:grpSpPr>
+        <p:pic>
+          <p:nvPicPr>
+            <p:cNvPr id="16" name="Object 15"/>
+            <p:cNvPicPr>
+              <a:picLocks noChangeAspect="1"/>
+            </p:cNvPicPr>
+            <p:nvPr/>
+          </p:nvPicPr>
+          <p:blipFill>
+            <a:blip r:embed="rId9" cstate="print"/>
+            <a:stretch>
+              <a:fillRect/>
+            </a:stretch>
+          </p:blipFill>
+          <p:spPr>
+            <a:xfrm>
+              <a:off x="5485043" y="5139467"/>
+              <a:ext cx="870918" cy="870918"/>
+            </a:xfrm>
+            <a:prstGeom prst="rect">
+              <a:avLst/>
+            </a:prstGeom>
+          </p:spPr>
+        </p:pic>
+      </p:grpSp>
+      <p:grpSp>
+        <p:nvGrpSpPr>
+          <p:cNvPr id="1005" name="그룹 1005"/>
+          <p:cNvGrpSpPr/>
+          <p:nvPr/>
+        </p:nvGrpSpPr>
+        <p:grpSpPr>
+          <a:xfrm>
+            <a:off x="10674350" y="6861793"/>
+            <a:ext cx="870918" cy="870918"/>
+            <a:chOff x="10674350" y="6861793"/>
+            <a:chExt cx="870918" cy="870918"/>
+          </a:xfrm>
+        </p:grpSpPr>
+        <p:pic>
+          <p:nvPicPr>
+            <p:cNvPr id="19" name="Object 18"/>
+            <p:cNvPicPr>
+              <a:picLocks noChangeAspect="1"/>
+            </p:cNvPicPr>
+            <p:nvPr/>
+          </p:nvPicPr>
+          <p:blipFill>
+            <a:blip r:embed="rId10" cstate="print"/>
+            <a:stretch>
+              <a:fillRect/>
+            </a:stretch>
+          </p:blipFill>
+          <p:spPr>
+            <a:xfrm>
+              <a:off x="10674350" y="6861793"/>
+              <a:ext cx="870918" cy="870918"/>
+            </a:xfrm>
+            <a:prstGeom prst="rect">
+              <a:avLst/>
+            </a:prstGeom>
+          </p:spPr>
+        </p:pic>
+      </p:grpSp>
+      <p:grpSp>
+        <p:nvGrpSpPr>
+          <p:cNvPr id="1006" name="그룹 1006"/>
+          <p:cNvGrpSpPr/>
+          <p:nvPr/>
+        </p:nvGrpSpPr>
+        <p:grpSpPr>
+          <a:xfrm>
+            <a:off x="11937352" y="5153574"/>
+            <a:ext cx="870918" cy="870918"/>
+            <a:chOff x="11937352" y="5153574"/>
+            <a:chExt cx="870918" cy="870918"/>
+          </a:xfrm>
+        </p:grpSpPr>
+        <p:pic>
+          <p:nvPicPr>
+            <p:cNvPr id="22" name="Object 21"/>
+            <p:cNvPicPr>
+              <a:picLocks noChangeAspect="1"/>
+            </p:cNvPicPr>
+            <p:nvPr/>
+          </p:nvPicPr>
+          <p:blipFill>
+            <a:blip r:embed="rId11" cstate="print"/>
+            <a:stretch>
+              <a:fillRect/>
+            </a:stretch>
+          </p:blipFill>
+          <p:spPr>
+            <a:xfrm>
+              <a:off x="11937352" y="5153574"/>
+              <a:ext cx="870918" cy="870918"/>
+            </a:xfrm>
+            <a:prstGeom prst="rect">
+              <a:avLst/>
+            </a:prstGeom>
+          </p:spPr>
+        </p:pic>
+      </p:grpSp>
+      <p:grpSp>
+        <p:nvGrpSpPr>
+          <p:cNvPr id="1007" name="그룹 1007"/>
+          <p:cNvGrpSpPr/>
+          <p:nvPr/>
+        </p:nvGrpSpPr>
+        <p:grpSpPr>
+          <a:xfrm>
+            <a:off x="6734751" y="6839321"/>
+            <a:ext cx="870918" cy="870918"/>
+            <a:chOff x="6734751" y="6839321"/>
+            <a:chExt cx="870918" cy="870918"/>
+          </a:xfrm>
+        </p:grpSpPr>
+        <p:pic>
+          <p:nvPicPr>
+            <p:cNvPr id="25" name="Object 24"/>
+            <p:cNvPicPr>
+              <a:picLocks noChangeAspect="1"/>
+            </p:cNvPicPr>
+            <p:nvPr/>
+          </p:nvPicPr>
+          <p:blipFill>
+            <a:blip r:embed="rId12" cstate="print"/>
+            <a:stretch>
+              <a:fillRect/>
+            </a:stretch>
+          </p:blipFill>
+          <p:spPr>
+            <a:xfrm>
+              <a:off x="6734751" y="6839321"/>
+              <a:ext cx="870918" cy="870918"/>
+            </a:xfrm>
+            <a:prstGeom prst="rect">
+              <a:avLst/>
+            </a:prstGeom>
+          </p:spPr>
+        </p:pic>
+      </p:grpSp>
+      <p:pic>
+        <p:nvPicPr>
+          <p:cNvPr id="27" name="Object 26"/>
+          <p:cNvPicPr>
+            <a:picLocks noChangeAspect="1"/>
+          </p:cNvPicPr>
+          <p:nvPr/>
+        </p:nvPicPr>
+        <p:blipFill>
+          <a:blip r:embed="rId13" cstate="print"/>
+          <a:stretch>
+            <a:fillRect/>
+          </a:stretch>
+        </p:blipFill>
+        <p:spPr>
+          <a:xfrm>
+            <a:off x="12121399" y="7188788"/>
+            <a:ext cx="2466451" cy="668156"/>
+          </a:xfrm>
+          <a:prstGeom prst="rect">
+            <a:avLst/>
+          </a:prstGeom>
+        </p:spPr>
+      </p:pic>
+      <p:pic>
+        <p:nvPicPr>
+          <p:cNvPr id="28" name="Object 27"/>
+          <p:cNvPicPr>
+            <a:picLocks noChangeAspect="1"/>
+          </p:cNvPicPr>
+          <p:nvPr/>
+        </p:nvPicPr>
+        <p:blipFill>
+          <a:blip r:embed="rId14" cstate="print"/>
+          <a:stretch>
+            <a:fillRect/>
+          </a:stretch>
+        </p:blipFill>
+        <p:spPr>
+          <a:xfrm>
+            <a:off x="3203999" y="7132582"/>
+            <a:ext cx="3175165" cy="668156"/>
+          </a:xfrm>
+          <a:prstGeom prst="rect">
+            <a:avLst/>
+          </a:prstGeom>
+        </p:spPr>
+      </p:pic>
+      <p:pic>
+        <p:nvPicPr>
+          <p:cNvPr id="29" name="Object 28"/>
+          <p:cNvPicPr>
+            <a:picLocks noChangeAspect="1"/>
+          </p:cNvPicPr>
+          <p:nvPr/>
+        </p:nvPicPr>
+        <p:blipFill>
+          <a:blip r:embed="rId15" cstate="print"/>
+          <a:stretch>
+            <a:fillRect/>
+          </a:stretch>
+        </p:blipFill>
+        <p:spPr>
+          <a:xfrm>
+            <a:off x="13225150" y="5254866"/>
+            <a:ext cx="2545184" cy="668156"/>
+          </a:xfrm>
+          <a:prstGeom prst="rect">
+            <a:avLst/>
+          </a:prstGeom>
+        </p:spPr>
+      </p:pic>
+      <p:pic>
+        <p:nvPicPr>
+          <p:cNvPr id="30" name="Object 29"/>
+          <p:cNvPicPr>
+            <a:picLocks noChangeAspect="1"/>
+          </p:cNvPicPr>
+          <p:nvPr/>
+        </p:nvPicPr>
+        <p:blipFill>
+          <a:blip r:embed="rId16" cstate="print"/>
+          <a:stretch>
+            <a:fillRect/>
+          </a:stretch>
+        </p:blipFill>
+        <p:spPr>
+          <a:xfrm>
+            <a:off x="2509601" y="5254866"/>
+            <a:ext cx="2506670" cy="668156"/>
+          </a:xfrm>
+          <a:prstGeom prst="rect">
+            <a:avLst/>
+          </a:prstGeom>
+        </p:spPr>
+      </p:pic>
+    </p:spTree>
+  </p:cSld>
+  <p:clrMapOvr>
+    <a:masterClrMapping/>
+  </p:clrMapOvr>
+</p:sld>
+</file>
+
+<file path=ppt/slides/slide7.xml><?xml version="1.0" encoding="utf-8"?>
+<p:sld xmlns:a="http://schemas.openxmlformats.org/drawingml/2006/main" xmlns:r="http://schemas.openxmlformats.org/officeDocument/2006/relationships" xmlns:p="http://schemas.openxmlformats.org/presentationml/2006/main">
+  <p:cSld name="Slide 7">
+    <p:bg>
+      <p:bgPr>
+        <a:solidFill>
+          <a:srgbClr val="FFFFFF"/>
+        </a:solidFill>
+        <a:effectLst/>
+      </p:bgPr>
+    </p:bg>
+    <p:spTree>
+      <p:nvGrpSpPr>
+        <p:cNvPr id="1" name=""/>
+        <p:cNvGrpSpPr/>
+        <p:nvPr/>
+      </p:nvGrpSpPr>
+      <p:grpSpPr>
+        <a:xfrm>
+          <a:off x="0" y="0"/>
+          <a:ext cx="0" cy="0"/>
+          <a:chOff x="0" y="0"/>
+          <a:chExt cx="0" cy="0"/>
+        </a:xfrm>
+      </p:grpSpPr>
+      <p:pic>
+        <p:nvPicPr>
+          <p:cNvPr id="2" name="Object 1"/>
+          <p:cNvPicPr>
+            <a:picLocks noChangeAspect="1"/>
+          </p:cNvPicPr>
+          <p:nvPr/>
+        </p:nvPicPr>
+        <p:blipFill>
+          <a:blip r:embed="rId2" cstate="print"/>
+          <a:stretch>
+            <a:fillRect/>
+          </a:stretch>
+        </p:blipFill>
+        <p:spPr>
+          <a:xfrm>
+            <a:off x="509722" y="409250"/>
+            <a:ext cx="9814499" cy="1674747"/>
+          </a:xfrm>
+          <a:prstGeom prst="rect">
+            <a:avLst/>
+          </a:prstGeom>
+        </p:spPr>
+      </p:pic>
+      <p:grpSp>
+        <p:nvGrpSpPr>
+          <p:cNvPr id="1001" name="그룹 1001"/>
+          <p:cNvGrpSpPr/>
+          <p:nvPr/>
+        </p:nvGrpSpPr>
+        <p:grpSpPr>
+          <a:xfrm>
+            <a:off x="-57143" y="1685430"/>
+            <a:ext cx="18394831" cy="14286"/>
+            <a:chOff x="-57143" y="1685430"/>
+            <a:chExt cx="18394831" cy="14286"/>
+          </a:xfrm>
+        </p:grpSpPr>
+        <p:pic>
+          <p:nvPicPr>
+            <p:cNvPr id="4" name="Object 3"/>
+            <p:cNvPicPr>
+              <a:picLocks noChangeAspect="1"/>
+            </p:cNvPicPr>
+            <p:nvPr/>
+          </p:nvPicPr>
+          <p:blipFill>
+            <a:blip r:embed="rId3" cstate="print"/>
+            <a:stretch>
+              <a:fillRect/>
+            </a:stretch>
+          </p:blipFill>
+          <p:spPr>
+            <a:xfrm>
+              <a:off x="-57143" y="1685430"/>
+              <a:ext cx="18394831" cy="14286"/>
+            </a:xfrm>
+            <a:prstGeom prst="rect">
+              <a:avLst/>
+            </a:prstGeom>
+          </p:spPr>
+        </p:pic>
+      </p:grpSp>
+      <p:pic>
+        <p:nvPicPr>
+          <p:cNvPr id="6" name="Object 5"/>
+          <p:cNvPicPr>
+            <a:picLocks noChangeAspect="1"/>
+          </p:cNvPicPr>
+          <p:nvPr/>
+        </p:nvPicPr>
+        <p:blipFill>
+          <a:blip r:embed="rId4" cstate="print"/>
+          <a:stretch>
+            <a:fillRect/>
+          </a:stretch>
+        </p:blipFill>
+        <p:spPr>
+          <a:xfrm>
+            <a:off x="10089430" y="1085449"/>
+            <a:ext cx="5864670" cy="669699"/>
+          </a:xfrm>
+          <a:prstGeom prst="rect">
+            <a:avLst/>
+          </a:prstGeom>
+        </p:spPr>
+      </p:pic>
+      <p:grpSp>
+        <p:nvGrpSpPr>
+          <p:cNvPr id="1002" name="그룹 1002"/>
+          <p:cNvGrpSpPr/>
+          <p:nvPr/>
+        </p:nvGrpSpPr>
+        <p:grpSpPr>
+          <a:xfrm>
+            <a:off x="652575" y="1875211"/>
+            <a:ext cx="15205428" cy="8050966"/>
+            <a:chOff x="652575" y="1875211"/>
+            <a:chExt cx="15205428" cy="8050966"/>
+          </a:xfrm>
+        </p:grpSpPr>
+        <p:pic>
+          <p:nvPicPr>
+            <p:cNvPr id="8" name="Object 7"/>
+            <p:cNvPicPr>
+              <a:picLocks noChangeAspect="1"/>
+            </p:cNvPicPr>
+            <p:nvPr/>
+          </p:nvPicPr>
+          <p:blipFill>
+            <a:blip r:embed="rId5" cstate="print"/>
+            <a:stretch>
+              <a:fillRect/>
+            </a:stretch>
+          </p:blipFill>
+          <p:spPr>
+            <a:xfrm>
+              <a:off x="652575" y="1875211"/>
+              <a:ext cx="15205428" cy="8050966"/>
+            </a:xfrm>
+            <a:prstGeom prst="rect">
+              <a:avLst/>
+            </a:prstGeom>
+          </p:spPr>
+        </p:pic>
+      </p:grpSp>
+      <p:grpSp>
+        <p:nvGrpSpPr>
+          <p:cNvPr id="1003" name="그룹 1003"/>
+          <p:cNvGrpSpPr/>
+          <p:nvPr/>
+        </p:nvGrpSpPr>
+        <p:grpSpPr>
+          <a:xfrm>
+            <a:off x="1540816" y="7737705"/>
+            <a:ext cx="9627096" cy="430913"/>
+            <a:chOff x="1540816" y="7737705"/>
+            <a:chExt cx="9627096" cy="430913"/>
+          </a:xfrm>
+        </p:grpSpPr>
+        <p:pic>
+          <p:nvPicPr>
+            <p:cNvPr id="11" name="Object 10"/>
+            <p:cNvPicPr>
+              <a:picLocks noChangeAspect="1"/>
+            </p:cNvPicPr>
+            <p:nvPr/>
+          </p:nvPicPr>
+          <p:blipFill>
+            <a:blip r:embed="rId6" cstate="print"/>
+            <a:stretch>
+              <a:fillRect/>
+            </a:stretch>
+          </p:blipFill>
+          <p:spPr>
+            <a:xfrm>
+              <a:off x="1540816" y="7737705"/>
+              <a:ext cx="9627096" cy="430913"/>
+            </a:xfrm>
+            <a:prstGeom prst="rect">
+              <a:avLst/>
+            </a:prstGeom>
+          </p:spPr>
+        </p:pic>
+      </p:grpSp>
+      <p:grpSp>
+        <p:nvGrpSpPr>
+          <p:cNvPr id="1004" name="그룹 1004"/>
+          <p:cNvGrpSpPr/>
+          <p:nvPr/>
+        </p:nvGrpSpPr>
+        <p:grpSpPr>
+          <a:xfrm>
+            <a:off x="1522081" y="6145199"/>
+            <a:ext cx="14335922" cy="393443"/>
+            <a:chOff x="1522081" y="6145199"/>
+            <a:chExt cx="14335922" cy="393443"/>
+          </a:xfrm>
+        </p:grpSpPr>
+        <p:pic>
+          <p:nvPicPr>
+            <p:cNvPr id="14" name="Object 13"/>
+            <p:cNvPicPr>
+              <a:picLocks noChangeAspect="1"/>
+            </p:cNvPicPr>
+            <p:nvPr/>
+          </p:nvPicPr>
+          <p:blipFill>
+            <a:blip r:embed="rId7" cstate="print"/>
+            <a:stretch>
+              <a:fillRect/>
+            </a:stretch>
+          </p:blipFill>
+          <p:spPr>
+            <a:xfrm>
+              <a:off x="1522081" y="6145199"/>
+              <a:ext cx="14335922" cy="393443"/>
+            </a:xfrm>
+            <a:prstGeom prst="rect">
+              <a:avLst/>
+            </a:prstGeom>
+          </p:spPr>
+        </p:pic>
+      </p:grpSp>
+    </p:spTree>
+  </p:cSld>
+  <p:clrMapOvr>
+    <a:masterClrMapping/>
+  </p:clrMapOvr>
+</p:sld>
+</file>
+
+<file path=ppt/slides/slide8.xml><?xml version="1.0" encoding="utf-8"?>
+<p:sld xmlns:a="http://schemas.openxmlformats.org/drawingml/2006/main" xmlns:r="http://schemas.openxmlformats.org/officeDocument/2006/relationships" xmlns:p="http://schemas.openxmlformats.org/presentationml/2006/main">
+  <p:cSld name="Slide 8">
+    <p:bg>
+      <p:bgPr>
+        <a:solidFill>
+          <a:srgbClr val="FFFFFF"/>
+        </a:solidFill>
+        <a:effectLst/>
+      </p:bgPr>
+    </p:bg>
+    <p:spTree>
+      <p:nvGrpSpPr>
+        <p:cNvPr id="1" name=""/>
+        <p:cNvGrpSpPr/>
+        <p:nvPr/>
+      </p:nvGrpSpPr>
+      <p:grpSpPr>
+        <a:xfrm>
+          <a:off x="0" y="0"/>
+          <a:ext cx="0" cy="0"/>
+          <a:chOff x="0" y="0"/>
+          <a:chExt cx="0" cy="0"/>
+        </a:xfrm>
+      </p:grpSpPr>
+      <p:pic>
+        <p:nvPicPr>
+          <p:cNvPr id="2" name="Object 1"/>
+          <p:cNvPicPr>
+            <a:picLocks noChangeAspect="1"/>
+          </p:cNvPicPr>
+          <p:nvPr/>
+        </p:nvPicPr>
+        <p:blipFill>
+          <a:blip r:embed="rId2" cstate="print"/>
+          <a:stretch>
+            <a:fillRect/>
+          </a:stretch>
+        </p:blipFill>
+        <p:spPr>
+          <a:xfrm>
+            <a:off x="509722" y="409250"/>
+            <a:ext cx="9814499" cy="1674747"/>
+          </a:xfrm>
+          <a:prstGeom prst="rect">
+            <a:avLst/>
+          </a:prstGeom>
+        </p:spPr>
+      </p:pic>
+      <p:grpSp>
+        <p:nvGrpSpPr>
+          <p:cNvPr id="1001" name="그룹 1001"/>
+          <p:cNvGrpSpPr/>
+          <p:nvPr/>
+        </p:nvGrpSpPr>
+        <p:grpSpPr>
+          <a:xfrm>
+            <a:off x="-57143" y="1685430"/>
+            <a:ext cx="18394831" cy="14286"/>
+            <a:chOff x="-57143" y="1685430"/>
+            <a:chExt cx="18394831" cy="14286"/>
+          </a:xfrm>
+        </p:grpSpPr>
+        <p:pic>
+          <p:nvPicPr>
+            <p:cNvPr id="4" name="Object 3"/>
+            <p:cNvPicPr>
+              <a:picLocks noChangeAspect="1"/>
+            </p:cNvPicPr>
+            <p:nvPr/>
+          </p:nvPicPr>
+          <p:blipFill>
+            <a:blip r:embed="rId3" cstate="print"/>
+            <a:stretch>
+              <a:fillRect/>
+            </a:stretch>
+          </p:blipFill>
+          <p:spPr>
+            <a:xfrm>
+              <a:off x="-57143" y="1685430"/>
+              <a:ext cx="18394831" cy="14286"/>
+            </a:xfrm>
+            <a:prstGeom prst="rect">
+              <a:avLst/>
+            </a:prstGeom>
+          </p:spPr>
+        </p:pic>
+      </p:grpSp>
+      <p:grpSp>
+        <p:nvGrpSpPr>
+          <p:cNvPr id="1002" name="그룹 1002"/>
+          <p:cNvGrpSpPr/>
+          <p:nvPr/>
+        </p:nvGrpSpPr>
+        <p:grpSpPr>
+          <a:xfrm>
+            <a:off x="652575" y="2542420"/>
+            <a:ext cx="13044661" cy="6608605"/>
+            <a:chOff x="652575" y="2542420"/>
+            <a:chExt cx="13044661" cy="6608605"/>
+          </a:xfrm>
+        </p:grpSpPr>
+        <p:pic>
+          <p:nvPicPr>
+            <p:cNvPr id="7" name="Object 6"/>
+            <p:cNvPicPr>
+              <a:picLocks noChangeAspect="1"/>
+            </p:cNvPicPr>
+            <p:nvPr/>
+          </p:nvPicPr>
+          <p:blipFill>
+            <a:blip r:embed="rId4" cstate="print"/>
+            <a:stretch>
+              <a:fillRect/>
+            </a:stretch>
+          </p:blipFill>
+          <p:spPr>
+            <a:xfrm>
+              <a:off x="652575" y="2542420"/>
+              <a:ext cx="13044661" cy="6608605"/>
+            </a:xfrm>
+            <a:prstGeom prst="rect">
+              <a:avLst/>
+            </a:prstGeom>
+          </p:spPr>
+        </p:pic>
+      </p:grpSp>
+      <p:pic>
+        <p:nvPicPr>
+          <p:cNvPr id="9" name="Object 8"/>
+          <p:cNvPicPr>
+            <a:picLocks noChangeAspect="1"/>
+          </p:cNvPicPr>
+          <p:nvPr/>
+        </p:nvPicPr>
+        <p:blipFill>
+          <a:blip r:embed="rId5" cstate="print"/>
+          <a:stretch>
+            <a:fillRect/>
+          </a:stretch>
+        </p:blipFill>
+        <p:spPr>
+          <a:xfrm>
+            <a:off x="10051335" y="1085449"/>
+            <a:ext cx="5879909" cy="669699"/>
+          </a:xfrm>
+          <a:prstGeom prst="rect">
+            <a:avLst/>
+          </a:prstGeom>
+        </p:spPr>
+      </p:pic>
+      <p:grpSp>
+        <p:nvGrpSpPr>
+          <p:cNvPr id="1003" name="그룹 1003"/>
+          <p:cNvGrpSpPr/>
+          <p:nvPr/>
+        </p:nvGrpSpPr>
+        <p:grpSpPr>
+          <a:xfrm>
+            <a:off x="1500000" y="7394444"/>
+            <a:ext cx="12197236" cy="1756581"/>
+            <a:chOff x="1500000" y="7394444"/>
+            <a:chExt cx="12197236" cy="1756581"/>
+          </a:xfrm>
+        </p:grpSpPr>
+        <p:pic>
+          <p:nvPicPr>
+            <p:cNvPr id="11" name="Object 10"/>
+            <p:cNvPicPr>
+              <a:picLocks noChangeAspect="1"/>
+            </p:cNvPicPr>
+            <p:nvPr/>
+          </p:nvPicPr>
+          <p:blipFill>
+            <a:blip r:embed="rId6" cstate="print"/>
+            <a:stretch>
+              <a:fillRect/>
+            </a:stretch>
+          </p:blipFill>
+          <p:spPr>
+            <a:xfrm>
+              <a:off x="1500000" y="7394444"/>
+              <a:ext cx="12197236" cy="1756581"/>
+            </a:xfrm>
+            <a:prstGeom prst="rect">
+              <a:avLst/>
+            </a:prstGeom>
+          </p:spPr>
+        </p:pic>
+      </p:grpSp>
+    </p:spTree>
+  </p:cSld>
+  <p:clrMapOvr>
+    <a:masterClrMapping/>
+  </p:clrMapOvr>
+</p:sld>
+</file>
+
+<file path=ppt/slides/slide9.xml><?xml version="1.0" encoding="utf-8"?>
+<p:sld xmlns:a="http://schemas.openxmlformats.org/drawingml/2006/main" xmlns:r="http://schemas.openxmlformats.org/officeDocument/2006/relationships" xmlns:p="http://schemas.openxmlformats.org/presentationml/2006/main">
+  <p:cSld name="Slide 9">
+    <p:bg>
+      <p:bgPr>
+        <a:solidFill>
+          <a:srgbClr val="FFFFFF"/>
+        </a:solidFill>
+        <a:effectLst/>
+      </p:bgPr>
+    </p:bg>
+    <p:spTree>
+      <p:nvGrpSpPr>
+        <p:cNvPr id="1" name=""/>
+        <p:cNvGrpSpPr/>
+        <p:nvPr/>
+      </p:nvGrpSpPr>
+      <p:grpSpPr>
+        <a:xfrm>
+          <a:off x="0" y="0"/>
+          <a:ext cx="0" cy="0"/>
+          <a:chOff x="0" y="0"/>
+          <a:chExt cx="0" cy="0"/>
+        </a:xfrm>
+      </p:grpSpPr>
+      <p:pic>
+        <p:nvPicPr>
+          <p:cNvPr id="2" name="Object 1"/>
+          <p:cNvPicPr>
+            <a:picLocks noChangeAspect="1"/>
+          </p:cNvPicPr>
+          <p:nvPr/>
+        </p:nvPicPr>
+        <p:blipFill>
+          <a:blip r:embed="rId2" cstate="print"/>
+          <a:stretch>
+            <a:fillRect/>
+          </a:stretch>
+        </p:blipFill>
+        <p:spPr>
+          <a:xfrm>
+            <a:off x="509722" y="409250"/>
+            <a:ext cx="9814499" cy="1674747"/>
+          </a:xfrm>
+          <a:prstGeom prst="rect">
+            <a:avLst/>
+          </a:prstGeom>
+        </p:spPr>
+      </p:pic>
+      <p:grpSp>
+        <p:nvGrpSpPr>
+          <p:cNvPr id="1001" name="그룹 1001"/>
+          <p:cNvGrpSpPr/>
+          <p:nvPr/>
+        </p:nvGrpSpPr>
+        <p:grpSpPr>
+          <a:xfrm>
+            <a:off x="-57143" y="1685430"/>
+            <a:ext cx="18394831" cy="14286"/>
+            <a:chOff x="-57143" y="1685430"/>
+            <a:chExt cx="18394831" cy="14286"/>
+          </a:xfrm>
+        </p:grpSpPr>
+        <p:pic>
+          <p:nvPicPr>
+            <p:cNvPr id="4" name="Object 3"/>
+            <p:cNvPicPr>
+              <a:picLocks noChangeAspect="1"/>
+            </p:cNvPicPr>
+            <p:nvPr/>
+          </p:nvPicPr>
+          <p:blipFill>
+            <a:blip r:embed="rId3" cstate="print"/>
+            <a:stretch>
+              <a:fillRect/>
+            </a:stretch>
+          </p:blipFill>
+          <p:spPr>
+            <a:xfrm>
+              <a:off x="-57143" y="1685430"/>
+              <a:ext cx="18394831" cy="14286"/>
+            </a:xfrm>
+            <a:prstGeom prst="rect">
+              <a:avLst/>
+            </a:prstGeom>
+          </p:spPr>
+        </p:pic>
+      </p:grpSp>
+      <p:pic>
+        <p:nvPicPr>
+          <p:cNvPr id="6" name="Object 5"/>
+          <p:cNvPicPr>
+            <a:picLocks noChangeAspect="1"/>
+          </p:cNvPicPr>
+          <p:nvPr/>
+        </p:nvPicPr>
+        <p:blipFill>
+          <a:blip r:embed="rId4" cstate="print"/>
+          <a:stretch>
+            <a:fillRect/>
+          </a:stretch>
+        </p:blipFill>
+        <p:spPr>
+          <a:xfrm>
+            <a:off x="10051335" y="1085449"/>
+            <a:ext cx="5866575" cy="669699"/>
+          </a:xfrm>
+          <a:prstGeom prst="rect">
+            <a:avLst/>
+          </a:prstGeom>
+        </p:spPr>
+      </p:pic>
+      <p:grpSp>
+        <p:nvGrpSpPr>
+          <p:cNvPr id="1002" name="그룹 1002"/>
+          <p:cNvGrpSpPr/>
+          <p:nvPr/>
+        </p:nvGrpSpPr>
+        <p:grpSpPr>
+          <a:xfrm>
+            <a:off x="652575" y="1896457"/>
+            <a:ext cx="14381616" cy="7733690"/>
+            <a:chOff x="652575" y="1896457"/>
+            <a:chExt cx="14381616" cy="7733690"/>
+          </a:xfrm>
+        </p:grpSpPr>
+        <p:pic>
+          <p:nvPicPr>
+            <p:cNvPr id="8" name="Object 7"/>
+            <p:cNvPicPr>
+              <a:picLocks noChangeAspect="1"/>
+            </p:cNvPicPr>
+            <p:nvPr/>
+          </p:nvPicPr>
+          <p:blipFill>
+            <a:blip r:embed="rId5" cstate="print"/>
+            <a:stretch>
+              <a:fillRect/>
+            </a:stretch>
+          </p:blipFill>
+          <p:spPr>
+            <a:xfrm>
+              <a:off x="652575" y="1896457"/>
+              <a:ext cx="14381616" cy="7733690"/>
+            </a:xfrm>
+            <a:prstGeom prst="rect">
+              <a:avLst/>
+            </a:prstGeom>
+          </p:spPr>
+        </p:pic>
+      </p:grpSp>
+      <p:grpSp>
+        <p:nvGrpSpPr>
+          <p:cNvPr id="1003" name="그룹 1003"/>
+          <p:cNvGrpSpPr/>
+          <p:nvPr/>
+        </p:nvGrpSpPr>
+        <p:grpSpPr>
+          <a:xfrm>
+            <a:off x="2132653" y="4264567"/>
+            <a:ext cx="8228069" cy="3153801"/>
+            <a:chOff x="2132653" y="4264567"/>
+            <a:chExt cx="8228069" cy="3153801"/>
+          </a:xfrm>
+        </p:grpSpPr>
+        <p:pic>
+          <p:nvPicPr>
+            <p:cNvPr id="11" name="Object 10"/>
+            <p:cNvPicPr>
+              <a:picLocks noChangeAspect="1"/>
+            </p:cNvPicPr>
+            <p:nvPr/>
+          </p:nvPicPr>
+          <p:blipFill>
+            <a:blip r:embed="rId6" cstate="print"/>
+            <a:stretch>
+              <a:fillRect/>
+            </a:stretch>
+          </p:blipFill>
+          <p:spPr>
+            <a:xfrm>
+              <a:off x="2132653" y="4264567"/>
+              <a:ext cx="8228069" cy="3153801"/>
             </a:xfrm>
             <a:prstGeom prst="rect">
               <a:avLst/>

--- a/KB2023_DB_PROJECT_PPT_서정빈.pptx
+++ b/KB2023_DB_PROJECT_PPT_서정빈.pptx
@@ -17,7 +17,7 @@
     <p:sldId id="265" r:id="rId11"/>
     <p:sldId id="266" r:id="rId12"/>
   </p:sldIdLst>
-  <p:sldSz cx="18288000" cy="10287000" type="screen4x3"/>
+  <p:sldSz cx="18288000" cy="10287000"/>
   <p:notesSz cx="10287000" cy="18288000"/>
   <p:defaultTextStyle>
     <a:defPPr>
@@ -116,7 +116,18 @@
   </p:defaultTextStyle>
   <p:extLst>
     <p:ext uri="{EFAFB233-063F-42B5-8137-9DF3F51BA10A}">
-      <p15:sldGuideLst xmlns:p15="http://schemas.microsoft.com/office/powerpoint/2012/main"/>
+      <p15:sldGuideLst xmlns:p15="http://schemas.microsoft.com/office/powerpoint/2012/main">
+        <p15:guide id="1" orient="horz" pos="2160">
+          <p15:clr>
+            <a:srgbClr val="A4A3A4"/>
+          </p15:clr>
+        </p15:guide>
+        <p15:guide id="2" pos="2880">
+          <p15:clr>
+            <a:srgbClr val="A4A3A4"/>
+          </p15:clr>
+        </p15:guide>
+      </p15:sldGuideLst>
     </p:ext>
   </p:extLst>
 </p:presentation>
@@ -160,10 +171,9 @@
           <a:lstStyle/>
           <a:p>
             <a:r>
-              <a:rPr lang="en-US" smtClean="0"/>
+              <a:rPr lang="en-US"/>
               <a:t>Click to edit Master title style</a:t>
             </a:r>
-            <a:endParaRPr lang="en-US"/>
           </a:p>
         </p:txBody>
       </p:sp>
@@ -279,10 +289,9 @@
           </a:lstStyle>
           <a:p>
             <a:r>
-              <a:rPr lang="en-US" smtClean="0"/>
+              <a:rPr lang="en-US"/>
               <a:t>Click to edit Master subtitle style</a:t>
             </a:r>
-            <a:endParaRPr lang="en-US"/>
           </a:p>
         </p:txBody>
       </p:sp>
@@ -392,10 +401,9 @@
           <a:lstStyle/>
           <a:p>
             <a:r>
-              <a:rPr lang="en-US" smtClean="0"/>
+              <a:rPr lang="en-US"/>
               <a:t>Click to edit Master title style</a:t>
             </a:r>
-            <a:endParaRPr lang="en-US"/>
           </a:p>
         </p:txBody>
       </p:sp>
@@ -416,38 +424,37 @@
           <a:p>
             <a:pPr lvl="0"/>
             <a:r>
-              <a:rPr lang="en-US" smtClean="0"/>
+              <a:rPr lang="en-US"/>
               <a:t>Click to edit Master text styles</a:t>
             </a:r>
           </a:p>
           <a:p>
             <a:pPr lvl="1"/>
             <a:r>
-              <a:rPr lang="en-US" smtClean="0"/>
+              <a:rPr lang="en-US"/>
               <a:t>Second level</a:t>
             </a:r>
           </a:p>
           <a:p>
             <a:pPr lvl="2"/>
             <a:r>
-              <a:rPr lang="en-US" smtClean="0"/>
+              <a:rPr lang="en-US"/>
               <a:t>Third level</a:t>
             </a:r>
           </a:p>
           <a:p>
             <a:pPr lvl="3"/>
             <a:r>
-              <a:rPr lang="en-US" smtClean="0"/>
+              <a:rPr lang="en-US"/>
               <a:t>Fourth level</a:t>
             </a:r>
           </a:p>
           <a:p>
             <a:pPr lvl="4"/>
             <a:r>
-              <a:rPr lang="en-US" smtClean="0"/>
+              <a:rPr lang="en-US"/>
               <a:t>Fifth level</a:t>
             </a:r>
-            <a:endParaRPr lang="en-US"/>
           </a:p>
         </p:txBody>
       </p:sp>
@@ -468,7 +475,7 @@
           <a:p>
             <a:fld id="{A76116CE-C4A3-4A05-B2D7-7C2E9A889C0F}" type="datetimeFigureOut">
               <a:rPr lang="en-US" smtClean="0"/>
-              <a:t>1/30/2017</a:t>
+              <a:t>4/7/2023</a:t>
             </a:fld>
             <a:endParaRPr lang="en-US"/>
           </a:p>
@@ -562,10 +569,9 @@
           <a:lstStyle/>
           <a:p>
             <a:r>
-              <a:rPr lang="en-US" smtClean="0"/>
+              <a:rPr lang="en-US"/>
               <a:t>Click to edit Master title style</a:t>
             </a:r>
-            <a:endParaRPr lang="en-US"/>
           </a:p>
         </p:txBody>
       </p:sp>
@@ -591,38 +597,37 @@
           <a:p>
             <a:pPr lvl="0"/>
             <a:r>
-              <a:rPr lang="en-US" smtClean="0"/>
+              <a:rPr lang="en-US"/>
               <a:t>Click to edit Master text styles</a:t>
             </a:r>
           </a:p>
           <a:p>
             <a:pPr lvl="1"/>
             <a:r>
-              <a:rPr lang="en-US" smtClean="0"/>
+              <a:rPr lang="en-US"/>
               <a:t>Second level</a:t>
             </a:r>
           </a:p>
           <a:p>
             <a:pPr lvl="2"/>
             <a:r>
-              <a:rPr lang="en-US" smtClean="0"/>
+              <a:rPr lang="en-US"/>
               <a:t>Third level</a:t>
             </a:r>
           </a:p>
           <a:p>
             <a:pPr lvl="3"/>
             <a:r>
-              <a:rPr lang="en-US" smtClean="0"/>
+              <a:rPr lang="en-US"/>
               <a:t>Fourth level</a:t>
             </a:r>
           </a:p>
           <a:p>
             <a:pPr lvl="4"/>
             <a:r>
-              <a:rPr lang="en-US" smtClean="0"/>
+              <a:rPr lang="en-US"/>
               <a:t>Fifth level</a:t>
             </a:r>
-            <a:endParaRPr lang="en-US"/>
           </a:p>
         </p:txBody>
       </p:sp>
@@ -643,7 +648,7 @@
           <a:p>
             <a:fld id="{A76116CE-C4A3-4A05-B2D7-7C2E9A889C0F}" type="datetimeFigureOut">
               <a:rPr lang="en-US" smtClean="0"/>
-              <a:t>1/30/2017</a:t>
+              <a:t>4/7/2023</a:t>
             </a:fld>
             <a:endParaRPr lang="en-US"/>
           </a:p>
@@ -732,10 +737,9 @@
           <a:lstStyle/>
           <a:p>
             <a:r>
-              <a:rPr lang="en-US" smtClean="0"/>
+              <a:rPr lang="en-US"/>
               <a:t>Click to edit Master title style</a:t>
             </a:r>
-            <a:endParaRPr lang="en-US"/>
           </a:p>
         </p:txBody>
       </p:sp>
@@ -758,38 +762,37 @@
               <a:buChar char="•"/>
             </a:pPr>
             <a:r>
-              <a:rPr lang="en-US" smtClean="0"/>
+              <a:rPr lang="en-US"/>
               <a:t>Click to edit Master text styles</a:t>
             </a:r>
           </a:p>
           <a:p>
             <a:pPr lvl="1"/>
             <a:r>
-              <a:rPr lang="en-US" smtClean="0"/>
+              <a:rPr lang="en-US"/>
               <a:t>Second level</a:t>
             </a:r>
           </a:p>
           <a:p>
             <a:pPr lvl="2"/>
             <a:r>
-              <a:rPr lang="en-US" smtClean="0"/>
+              <a:rPr lang="en-US"/>
               <a:t>Third level</a:t>
             </a:r>
           </a:p>
           <a:p>
             <a:pPr lvl="3"/>
             <a:r>
-              <a:rPr lang="en-US" smtClean="0"/>
+              <a:rPr lang="en-US"/>
               <a:t>Fourth level</a:t>
             </a:r>
           </a:p>
           <a:p>
             <a:pPr lvl="4"/>
             <a:r>
-              <a:rPr lang="en-US" smtClean="0"/>
+              <a:rPr lang="en-US"/>
               <a:t>Fifth level</a:t>
             </a:r>
-            <a:endParaRPr lang="en-US"/>
           </a:p>
         </p:txBody>
       </p:sp>
@@ -908,10 +911,9 @@
           </a:lstStyle>
           <a:p>
             <a:r>
-              <a:rPr lang="en-US" smtClean="0"/>
+              <a:rPr lang="en-US"/>
               <a:t>Click to edit Master title style</a:t>
             </a:r>
-            <a:endParaRPr lang="en-US"/>
           </a:p>
         </p:txBody>
       </p:sp>
@@ -1028,7 +1030,7 @@
           <a:p>
             <a:pPr lvl="0"/>
             <a:r>
-              <a:rPr lang="en-US" smtClean="0"/>
+              <a:rPr lang="en-US"/>
               <a:t>Click to edit Master text styles</a:t>
             </a:r>
           </a:p>
@@ -1140,10 +1142,9 @@
           <a:lstStyle/>
           <a:p>
             <a:r>
-              <a:rPr lang="en-US" smtClean="0"/>
+              <a:rPr lang="en-US"/>
               <a:t>Click to edit Master title style</a:t>
             </a:r>
-            <a:endParaRPr lang="en-US"/>
           </a:p>
         </p:txBody>
       </p:sp>
@@ -1197,38 +1198,37 @@
           <a:p>
             <a:pPr lvl="0"/>
             <a:r>
-              <a:rPr lang="en-US" smtClean="0"/>
+              <a:rPr lang="en-US"/>
               <a:t>Click to edit Master text styles</a:t>
             </a:r>
           </a:p>
           <a:p>
             <a:pPr lvl="1"/>
             <a:r>
-              <a:rPr lang="en-US" smtClean="0"/>
+              <a:rPr lang="en-US"/>
               <a:t>Second level</a:t>
             </a:r>
           </a:p>
           <a:p>
             <a:pPr lvl="2"/>
             <a:r>
-              <a:rPr lang="en-US" smtClean="0"/>
+              <a:rPr lang="en-US"/>
               <a:t>Third level</a:t>
             </a:r>
           </a:p>
           <a:p>
             <a:pPr lvl="3"/>
             <a:r>
-              <a:rPr lang="en-US" smtClean="0"/>
+              <a:rPr lang="en-US"/>
               <a:t>Fourth level</a:t>
             </a:r>
           </a:p>
           <a:p>
             <a:pPr lvl="4"/>
             <a:r>
-              <a:rPr lang="en-US" smtClean="0"/>
+              <a:rPr lang="en-US"/>
               <a:t>Fifth level</a:t>
             </a:r>
-            <a:endParaRPr lang="en-US"/>
           </a:p>
         </p:txBody>
       </p:sp>
@@ -1282,38 +1282,37 @@
           <a:p>
             <a:pPr lvl="0"/>
             <a:r>
-              <a:rPr lang="en-US" smtClean="0"/>
+              <a:rPr lang="en-US"/>
               <a:t>Click to edit Master text styles</a:t>
             </a:r>
           </a:p>
           <a:p>
             <a:pPr lvl="1"/>
             <a:r>
-              <a:rPr lang="en-US" smtClean="0"/>
+              <a:rPr lang="en-US"/>
               <a:t>Second level</a:t>
             </a:r>
           </a:p>
           <a:p>
             <a:pPr lvl="2"/>
             <a:r>
-              <a:rPr lang="en-US" smtClean="0"/>
+              <a:rPr lang="en-US"/>
               <a:t>Third level</a:t>
             </a:r>
           </a:p>
           <a:p>
             <a:pPr lvl="3"/>
             <a:r>
-              <a:rPr lang="en-US" smtClean="0"/>
+              <a:rPr lang="en-US"/>
               <a:t>Fourth level</a:t>
             </a:r>
           </a:p>
           <a:p>
             <a:pPr lvl="4"/>
             <a:r>
-              <a:rPr lang="en-US" smtClean="0"/>
+              <a:rPr lang="en-US"/>
               <a:t>Fifth level</a:t>
             </a:r>
-            <a:endParaRPr lang="en-US"/>
           </a:p>
         </p:txBody>
       </p:sp>
@@ -1334,7 +1333,7 @@
           <a:p>
             <a:fld id="{A76116CE-C4A3-4A05-B2D7-7C2E9A889C0F}" type="datetimeFigureOut">
               <a:rPr lang="en-US" smtClean="0"/>
-              <a:t>1/30/2017</a:t>
+              <a:t>4/7/2023</a:t>
             </a:fld>
             <a:endParaRPr lang="en-US"/>
           </a:p>
@@ -1427,10 +1426,9 @@
           </a:lstStyle>
           <a:p>
             <a:r>
-              <a:rPr lang="en-US" smtClean="0"/>
+              <a:rPr lang="en-US"/>
               <a:t>Click to edit Master title style</a:t>
             </a:r>
-            <a:endParaRPr lang="en-US"/>
           </a:p>
         </p:txBody>
       </p:sp>
@@ -1493,7 +1491,7 @@
           <a:p>
             <a:pPr lvl="0"/>
             <a:r>
-              <a:rPr lang="en-US" smtClean="0"/>
+              <a:rPr lang="en-US"/>
               <a:t>Click to edit Master text styles</a:t>
             </a:r>
           </a:p>
@@ -1549,38 +1547,37 @@
           <a:p>
             <a:pPr lvl="0"/>
             <a:r>
-              <a:rPr lang="en-US" smtClean="0"/>
+              <a:rPr lang="en-US"/>
               <a:t>Click to edit Master text styles</a:t>
             </a:r>
           </a:p>
           <a:p>
             <a:pPr lvl="1"/>
             <a:r>
-              <a:rPr lang="en-US" smtClean="0"/>
+              <a:rPr lang="en-US"/>
               <a:t>Second level</a:t>
             </a:r>
           </a:p>
           <a:p>
             <a:pPr lvl="2"/>
             <a:r>
-              <a:rPr lang="en-US" smtClean="0"/>
+              <a:rPr lang="en-US"/>
               <a:t>Third level</a:t>
             </a:r>
           </a:p>
           <a:p>
             <a:pPr lvl="3"/>
             <a:r>
-              <a:rPr lang="en-US" smtClean="0"/>
+              <a:rPr lang="en-US"/>
               <a:t>Fourth level</a:t>
             </a:r>
           </a:p>
           <a:p>
             <a:pPr lvl="4"/>
             <a:r>
-              <a:rPr lang="en-US" smtClean="0"/>
+              <a:rPr lang="en-US"/>
               <a:t>Fifth level</a:t>
             </a:r>
-            <a:endParaRPr lang="en-US"/>
           </a:p>
         </p:txBody>
       </p:sp>
@@ -1643,7 +1640,7 @@
           <a:p>
             <a:pPr lvl="0"/>
             <a:r>
-              <a:rPr lang="en-US" smtClean="0"/>
+              <a:rPr lang="en-US"/>
               <a:t>Click to edit Master text styles</a:t>
             </a:r>
           </a:p>
@@ -1699,38 +1696,37 @@
           <a:p>
             <a:pPr lvl="0"/>
             <a:r>
-              <a:rPr lang="en-US" smtClean="0"/>
+              <a:rPr lang="en-US"/>
               <a:t>Click to edit Master text styles</a:t>
             </a:r>
           </a:p>
           <a:p>
             <a:pPr lvl="1"/>
             <a:r>
-              <a:rPr lang="en-US" smtClean="0"/>
+              <a:rPr lang="en-US"/>
               <a:t>Second level</a:t>
             </a:r>
           </a:p>
           <a:p>
             <a:pPr lvl="2"/>
             <a:r>
-              <a:rPr lang="en-US" smtClean="0"/>
+              <a:rPr lang="en-US"/>
               <a:t>Third level</a:t>
             </a:r>
           </a:p>
           <a:p>
             <a:pPr lvl="3"/>
             <a:r>
-              <a:rPr lang="en-US" smtClean="0"/>
+              <a:rPr lang="en-US"/>
               <a:t>Fourth level</a:t>
             </a:r>
           </a:p>
           <a:p>
             <a:pPr lvl="4"/>
             <a:r>
-              <a:rPr lang="en-US" smtClean="0"/>
+              <a:rPr lang="en-US"/>
               <a:t>Fifth level</a:t>
             </a:r>
-            <a:endParaRPr lang="en-US"/>
           </a:p>
         </p:txBody>
       </p:sp>
@@ -1751,7 +1747,7 @@
           <a:p>
             <a:fld id="{A76116CE-C4A3-4A05-B2D7-7C2E9A889C0F}" type="datetimeFigureOut">
               <a:rPr lang="en-US" smtClean="0"/>
-              <a:t>1/30/2017</a:t>
+              <a:t>4/7/2023</a:t>
             </a:fld>
             <a:endParaRPr lang="en-US"/>
           </a:p>
@@ -1840,10 +1836,9 @@
           <a:lstStyle/>
           <a:p>
             <a:r>
-              <a:rPr lang="en-US" smtClean="0"/>
+              <a:rPr lang="en-US"/>
               <a:t>Click to edit Master title style</a:t>
             </a:r>
-            <a:endParaRPr lang="en-US"/>
           </a:p>
         </p:txBody>
       </p:sp>
@@ -1864,7 +1859,7 @@
           <a:p>
             <a:fld id="{A76116CE-C4A3-4A05-B2D7-7C2E9A889C0F}" type="datetimeFigureOut">
               <a:rPr lang="en-US" smtClean="0"/>
-              <a:t>1/30/2017</a:t>
+              <a:t>4/7/2023</a:t>
             </a:fld>
             <a:endParaRPr lang="en-US"/>
           </a:p>
@@ -1954,7 +1949,7 @@
           <a:p>
             <a:fld id="{A76116CE-C4A3-4A05-B2D7-7C2E9A889C0F}" type="datetimeFigureOut">
               <a:rPr lang="en-US" smtClean="0"/>
-              <a:t>1/30/2017</a:t>
+              <a:t>4/7/2023</a:t>
             </a:fld>
             <a:endParaRPr lang="en-US"/>
           </a:p>
@@ -2052,10 +2047,9 @@
           </a:lstStyle>
           <a:p>
             <a:r>
-              <a:rPr lang="en-US" smtClean="0"/>
+              <a:rPr lang="en-US"/>
               <a:t>Click to edit Master title style</a:t>
             </a:r>
-            <a:endParaRPr lang="en-US"/>
           </a:p>
         </p:txBody>
       </p:sp>
@@ -2109,38 +2103,37 @@
           <a:p>
             <a:pPr lvl="0"/>
             <a:r>
-              <a:rPr lang="en-US" smtClean="0"/>
+              <a:rPr lang="en-US"/>
               <a:t>Click to edit Master text styles</a:t>
             </a:r>
           </a:p>
           <a:p>
             <a:pPr lvl="1"/>
             <a:r>
-              <a:rPr lang="en-US" smtClean="0"/>
+              <a:rPr lang="en-US"/>
               <a:t>Second level</a:t>
             </a:r>
           </a:p>
           <a:p>
             <a:pPr lvl="2"/>
             <a:r>
-              <a:rPr lang="en-US" smtClean="0"/>
+              <a:rPr lang="en-US"/>
               <a:t>Third level</a:t>
             </a:r>
           </a:p>
           <a:p>
             <a:pPr lvl="3"/>
             <a:r>
-              <a:rPr lang="en-US" smtClean="0"/>
+              <a:rPr lang="en-US"/>
               <a:t>Fourth level</a:t>
             </a:r>
           </a:p>
           <a:p>
             <a:pPr lvl="4"/>
             <a:r>
-              <a:rPr lang="en-US" smtClean="0"/>
+              <a:rPr lang="en-US"/>
               <a:t>Fifth level</a:t>
             </a:r>
-            <a:endParaRPr lang="en-US"/>
           </a:p>
         </p:txBody>
       </p:sp>
@@ -2203,7 +2196,7 @@
           <a:p>
             <a:pPr lvl="0"/>
             <a:r>
-              <a:rPr lang="en-US" smtClean="0"/>
+              <a:rPr lang="en-US"/>
               <a:t>Click to edit Master text styles</a:t>
             </a:r>
           </a:p>
@@ -2226,7 +2219,7 @@
           <a:p>
             <a:fld id="{A76116CE-C4A3-4A05-B2D7-7C2E9A889C0F}" type="datetimeFigureOut">
               <a:rPr lang="en-US" smtClean="0"/>
-              <a:t>1/30/2017</a:t>
+              <a:t>4/7/2023</a:t>
             </a:fld>
             <a:endParaRPr lang="en-US"/>
           </a:p>
@@ -2324,10 +2317,9 @@
           </a:lstStyle>
           <a:p>
             <a:r>
-              <a:rPr lang="en-US" smtClean="0"/>
+              <a:rPr lang="en-US"/>
               <a:t>Click to edit Master title style</a:t>
             </a:r>
-            <a:endParaRPr lang="en-US"/>
           </a:p>
         </p:txBody>
       </p:sp>
@@ -2451,7 +2443,7 @@
           <a:p>
             <a:pPr lvl="0"/>
             <a:r>
-              <a:rPr lang="en-US" smtClean="0"/>
+              <a:rPr lang="en-US"/>
               <a:t>Click to edit Master text styles</a:t>
             </a:r>
           </a:p>
@@ -2474,7 +2466,7 @@
           <a:p>
             <a:fld id="{A76116CE-C4A3-4A05-B2D7-7C2E9A889C0F}" type="datetimeFigureOut">
               <a:rPr lang="en-US" smtClean="0"/>
-              <a:t>1/30/2017</a:t>
+              <a:t>4/7/2023</a:t>
             </a:fld>
             <a:endParaRPr lang="en-US"/>
           </a:p>
@@ -2578,10 +2570,9 @@
           <a:lstStyle/>
           <a:p>
             <a:r>
-              <a:rPr lang="en-US" smtClean="0"/>
+              <a:rPr lang="en-US"/>
               <a:t>Click to edit Master title style</a:t>
             </a:r>
-            <a:endParaRPr lang="en-US"/>
           </a:p>
         </p:txBody>
       </p:sp>
@@ -2612,38 +2603,37 @@
           <a:p>
             <a:pPr lvl="0"/>
             <a:r>
-              <a:rPr lang="en-US" smtClean="0"/>
+              <a:rPr lang="en-US"/>
               <a:t>Click to edit Master text styles</a:t>
             </a:r>
           </a:p>
           <a:p>
             <a:pPr lvl="1"/>
             <a:r>
-              <a:rPr lang="en-US" smtClean="0"/>
+              <a:rPr lang="en-US"/>
               <a:t>Second level</a:t>
             </a:r>
           </a:p>
           <a:p>
             <a:pPr lvl="2"/>
             <a:r>
-              <a:rPr lang="en-US" smtClean="0"/>
+              <a:rPr lang="en-US"/>
               <a:t>Third level</a:t>
             </a:r>
           </a:p>
           <a:p>
             <a:pPr lvl="3"/>
             <a:r>
-              <a:rPr lang="en-US" smtClean="0"/>
+              <a:rPr lang="en-US"/>
               <a:t>Fourth level</a:t>
             </a:r>
           </a:p>
           <a:p>
             <a:pPr lvl="4"/>
             <a:r>
-              <a:rPr lang="en-US" smtClean="0"/>
+              <a:rPr lang="en-US"/>
               <a:t>Fifth level</a:t>
             </a:r>
-            <a:endParaRPr lang="en-US"/>
           </a:p>
         </p:txBody>
       </p:sp>
@@ -2682,7 +2672,7 @@
           <a:p>
             <a:fld id="{F8166F1F-CE9B-4651-A6AA-CD717754106B}" type="datetimeFigureOut">
               <a:rPr lang="en-US" smtClean="0"/>
-              <a:t>6/13/2013</a:t>
+              <a:t>4/7/2023</a:t>
             </a:fld>
             <a:endParaRPr lang="en-US"/>
           </a:p>
@@ -2760,7 +2750,7 @@
           <a:p>
             <a:fld id="{F7021451-1387-4CA6-816F-3879F97B5CBC}" type="slidenum">
               <a:rPr lang="en-US" smtClean="0"/>
-              <a:t>�#�</a:t>
+              <a:t>‹#›</a:t>
             </a:fld>
             <a:endParaRPr lang="en-US"/>
           </a:p>
@@ -2771,16 +2761,16 @@
   <p:clrMap bg1="lt1" tx1="dk1" bg2="lt2" tx2="dk2" accent1="accent1" accent2="accent2" accent3="accent3" accent4="accent4" accent5="accent5" accent6="accent6" hlink="hlink" folHlink="folHlink"/>
   <p:sldLayoutIdLst>
     <p:sldLayoutId id="2147483649" r:id="rId1"/>
-    <p:sldLayoutId id="2147483650" r:id="rId3"/>
-    <p:sldLayoutId id="2147483651" r:id="rId4"/>
-    <p:sldLayoutId id="2147483652" r:id="rId5"/>
-    <p:sldLayoutId id="2147483653" r:id="rId6"/>
-    <p:sldLayoutId id="2147483654" r:id="rId7"/>
-    <p:sldLayoutId id="2147483655" r:id="rId8"/>
-    <p:sldLayoutId id="2147483656" r:id="rId9"/>
-    <p:sldLayoutId id="2147483657" r:id="rId10"/>
-    <p:sldLayoutId id="2147483658" r:id="rId11"/>
-    <p:sldLayoutId id="2147483659" r:id="rId12"/>
+    <p:sldLayoutId id="2147483650" r:id="rId2"/>
+    <p:sldLayoutId id="2147483651" r:id="rId3"/>
+    <p:sldLayoutId id="2147483652" r:id="rId4"/>
+    <p:sldLayoutId id="2147483653" r:id="rId5"/>
+    <p:sldLayoutId id="2147483654" r:id="rId6"/>
+    <p:sldLayoutId id="2147483655" r:id="rId7"/>
+    <p:sldLayoutId id="2147483656" r:id="rId8"/>
+    <p:sldLayoutId id="2147483657" r:id="rId9"/>
+    <p:sldLayoutId id="2147483658" r:id="rId10"/>
+    <p:sldLayoutId id="2147483659" r:id="rId11"/>
   </p:sldLayoutIdLst>
   <p:txStyles>
     <p:titleStyle>
@@ -3496,7 +3486,7 @@
               <p:nvPr/>
             </p:nvPicPr>
             <p:blipFill>
-              <a:blip r:embed="rId13" cstate="print"/>
+              <a:blip r:embed="rId12" cstate="print"/>
               <a:stretch>
                 <a:fillRect/>
               </a:stretch>
@@ -3535,7 +3525,7 @@
               <p:nvPr/>
             </p:nvPicPr>
             <p:blipFill>
-              <a:blip r:embed="rId14" cstate="print"/>
+              <a:blip r:embed="rId12" cstate="print"/>
               <a:stretch>
                 <a:fillRect/>
               </a:stretch>
@@ -3927,7 +3917,7 @@
                 <p:nvPr/>
               </p:nvPicPr>
               <p:blipFill>
-                <a:blip r:embed="rId11" cstate="print"/>
+                <a:blip r:embed="rId7" cstate="print"/>
                 <a:stretch>
                   <a:fillRect/>
                 </a:stretch>
@@ -3952,7 +3942,7 @@
               <p:nvPr/>
             </p:nvPicPr>
             <p:blipFill>
-              <a:blip r:embed="rId12" cstate="print"/>
+              <a:blip r:embed="rId11" cstate="print"/>
               <a:stretch>
                 <a:fillRect/>
               </a:stretch>
@@ -3990,7 +3980,7 @@
                 <p:nvPr/>
               </p:nvPicPr>
               <p:blipFill>
-                <a:blip r:embed="rId13" cstate="print"/>
+                <a:blip r:embed="rId9" cstate="print"/>
                 <a:stretch>
                   <a:fillRect/>
                 </a:stretch>
@@ -4015,7 +4005,7 @@
               <p:nvPr/>
             </p:nvPicPr>
             <p:blipFill>
-              <a:blip r:embed="rId14" cstate="print"/>
+              <a:blip r:embed="rId12" cstate="print"/>
               <a:stretch>
                 <a:fillRect/>
               </a:stretch>
@@ -4053,7 +4043,7 @@
                 <p:nvPr/>
               </p:nvPicPr>
               <p:blipFill>
-                <a:blip r:embed="rId15" cstate="print"/>
+                <a:blip r:embed="rId7" cstate="print"/>
                 <a:stretch>
                   <a:fillRect/>
                 </a:stretch>
@@ -4078,7 +4068,7 @@
               <p:nvPr/>
             </p:nvPicPr>
             <p:blipFill>
-              <a:blip r:embed="rId16" cstate="print"/>
+              <a:blip r:embed="rId13" cstate="print"/>
               <a:stretch>
                 <a:fillRect/>
               </a:stretch>
@@ -4146,7 +4136,7 @@
                 <p:nvPr/>
               </p:nvPicPr>
               <p:blipFill>
-                <a:blip r:embed="rId17" cstate="print"/>
+                <a:blip r:embed="rId14" cstate="print"/>
                 <a:stretch>
                   <a:fillRect/>
                 </a:stretch>
@@ -4185,7 +4175,7 @@
                 <p:nvPr/>
               </p:nvPicPr>
               <p:blipFill>
-                <a:blip r:embed="rId18" cstate="print"/>
+                <a:blip r:embed="rId15" cstate="print"/>
                 <a:stretch>
                   <a:fillRect/>
                 </a:stretch>
@@ -4224,7 +4214,7 @@
                 <p:nvPr/>
               </p:nvPicPr>
               <p:blipFill>
-                <a:blip r:embed="rId19" cstate="print"/>
+                <a:blip r:embed="rId16" cstate="print"/>
                 <a:stretch>
                   <a:fillRect/>
                 </a:stretch>
@@ -4264,7 +4254,7 @@
               <p:nvPr/>
             </p:nvPicPr>
             <p:blipFill>
-              <a:blip r:embed="rId20" cstate="print"/>
+              <a:blip r:embed="rId17" cstate="print"/>
               <a:stretch>
                 <a:fillRect/>
               </a:stretch>
@@ -4289,7 +4279,7 @@
             <p:nvPr/>
           </p:nvPicPr>
           <p:blipFill>
-            <a:blip r:embed="rId21" cstate="print"/>
+            <a:blip r:embed="rId18" cstate="print"/>
             <a:stretch>
               <a:fillRect/>
             </a:stretch>
@@ -4342,7 +4332,7 @@
               <p:nvPr/>
             </p:nvPicPr>
             <p:blipFill>
-              <a:blip r:embed="rId22" cstate="print"/>
+              <a:blip r:embed="rId19" cstate="print"/>
               <a:stretch>
                 <a:fillRect/>
               </a:stretch>
@@ -4367,7 +4357,7 @@
             <p:nvPr/>
           </p:nvPicPr>
           <p:blipFill>
-            <a:blip r:embed="rId23" cstate="print"/>
+            <a:blip r:embed="rId20" cstate="print"/>
             <a:stretch>
               <a:fillRect/>
             </a:stretch>
@@ -4405,7 +4395,7 @@
               <p:nvPr/>
             </p:nvPicPr>
             <p:blipFill>
-              <a:blip r:embed="rId24" cstate="print"/>
+              <a:blip r:embed="rId21" cstate="print"/>
               <a:stretch>
                 <a:fillRect/>
               </a:stretch>
@@ -4430,7 +4420,7 @@
             <p:nvPr/>
           </p:nvPicPr>
           <p:blipFill>
-            <a:blip r:embed="rId25" cstate="print"/>
+            <a:blip r:embed="rId22" cstate="print"/>
             <a:stretch>
               <a:fillRect/>
             </a:stretch>
@@ -4682,7 +4672,7 @@
             <p:nvPr/>
           </p:nvPicPr>
           <p:blipFill>
-            <a:blip r:embed="rId7" cstate="print"/>
+            <a:blip r:embed="rId4" cstate="print"/>
             <a:stretch>
               <a:fillRect/>
             </a:stretch>
@@ -4721,7 +4711,7 @@
             <p:nvPr/>
           </p:nvPicPr>
           <p:blipFill>
-            <a:blip r:embed="rId8" cstate="print"/>
+            <a:blip r:embed="rId5" cstate="print"/>
             <a:stretch>
               <a:fillRect/>
             </a:stretch>
@@ -4760,7 +4750,7 @@
             <p:nvPr/>
           </p:nvPicPr>
           <p:blipFill>
-            <a:blip r:embed="rId9" cstate="print"/>
+            <a:blip r:embed="rId6" cstate="print"/>
             <a:stretch>
               <a:fillRect/>
             </a:stretch>
@@ -4799,7 +4789,7 @@
             <p:nvPr/>
           </p:nvPicPr>
           <p:blipFill>
-            <a:blip r:embed="rId10" cstate="print"/>
+            <a:blip r:embed="rId4" cstate="print"/>
             <a:stretch>
               <a:fillRect/>
             </a:stretch>
@@ -4838,7 +4828,7 @@
             <p:nvPr/>
           </p:nvPicPr>
           <p:blipFill>
-            <a:blip r:embed="rId11" cstate="print"/>
+            <a:blip r:embed="rId6" cstate="print"/>
             <a:stretch>
               <a:fillRect/>
             </a:stretch>
@@ -4877,7 +4867,7 @@
             <p:nvPr/>
           </p:nvPicPr>
           <p:blipFill>
-            <a:blip r:embed="rId12" cstate="print"/>
+            <a:blip r:embed="rId7" cstate="print"/>
             <a:stretch>
               <a:fillRect/>
             </a:stretch>
@@ -4902,7 +4892,7 @@
           <p:nvPr/>
         </p:nvPicPr>
         <p:blipFill>
-          <a:blip r:embed="rId13" cstate="print"/>
+          <a:blip r:embed="rId8" cstate="print"/>
           <a:stretch>
             <a:fillRect/>
           </a:stretch>
@@ -4926,7 +4916,7 @@
           <p:nvPr/>
         </p:nvPicPr>
         <p:blipFill>
-          <a:blip r:embed="rId14" cstate="print"/>
+          <a:blip r:embed="rId9" cstate="print"/>
           <a:stretch>
             <a:fillRect/>
           </a:stretch>
@@ -4950,7 +4940,7 @@
           <p:nvPr/>
         </p:nvPicPr>
         <p:blipFill>
-          <a:blip r:embed="rId15" cstate="print"/>
+          <a:blip r:embed="rId10" cstate="print"/>
           <a:stretch>
             <a:fillRect/>
           </a:stretch>
@@ -4974,7 +4964,7 @@
           <p:nvPr/>
         </p:nvPicPr>
         <p:blipFill>
-          <a:blip r:embed="rId16" cstate="print"/>
+          <a:blip r:embed="rId11" cstate="print"/>
           <a:stretch>
             <a:fillRect/>
           </a:stretch>
@@ -4998,7 +4988,7 @@
           <p:nvPr/>
         </p:nvPicPr>
         <p:blipFill>
-          <a:blip r:embed="rId17" cstate="print"/>
+          <a:blip r:embed="rId12" cstate="print"/>
           <a:stretch>
             <a:fillRect/>
           </a:stretch>
@@ -5022,7 +5012,7 @@
           <p:nvPr/>
         </p:nvPicPr>
         <p:blipFill>
-          <a:blip r:embed="rId18" cstate="print"/>
+          <a:blip r:embed="rId13" cstate="print"/>
           <a:stretch>
             <a:fillRect/>
           </a:stretch>
@@ -5060,7 +5050,7 @@
             <p:nvPr/>
           </p:nvPicPr>
           <p:blipFill>
-            <a:blip r:embed="rId19" cstate="print"/>
+            <a:blip r:embed="rId14" cstate="print"/>
             <a:stretch>
               <a:fillRect/>
             </a:stretch>
@@ -5099,7 +5089,7 @@
             <p:nvPr/>
           </p:nvPicPr>
           <p:blipFill>
-            <a:blip r:embed="rId20" cstate="print"/>
+            <a:blip r:embed="rId15" cstate="print"/>
             <a:stretch>
               <a:fillRect/>
             </a:stretch>
@@ -5138,7 +5128,7 @@
             <p:nvPr/>
           </p:nvPicPr>
           <p:blipFill>
-            <a:blip r:embed="rId21" cstate="print"/>
+            <a:blip r:embed="rId14" cstate="print"/>
             <a:stretch>
               <a:fillRect/>
             </a:stretch>
@@ -5177,7 +5167,7 @@
             <p:nvPr/>
           </p:nvPicPr>
           <p:blipFill>
-            <a:blip r:embed="rId22" cstate="print"/>
+            <a:blip r:embed="rId16" cstate="print"/>
             <a:stretch>
               <a:fillRect/>
             </a:stretch>
@@ -5216,7 +5206,7 @@
             <p:nvPr/>
           </p:nvPicPr>
           <p:blipFill>
-            <a:blip r:embed="rId23" cstate="print"/>
+            <a:blip r:embed="rId17" cstate="print"/>
             <a:stretch>
               <a:fillRect/>
             </a:stretch>
@@ -5255,7 +5245,7 @@
             <p:nvPr/>
           </p:nvPicPr>
           <p:blipFill>
-            <a:blip r:embed="rId24" cstate="print"/>
+            <a:blip r:embed="rId17" cstate="print"/>
             <a:stretch>
               <a:fillRect/>
             </a:stretch>
@@ -5294,7 +5284,7 @@
             <p:nvPr/>
           </p:nvPicPr>
           <p:blipFill>
-            <a:blip r:embed="rId25" cstate="print"/>
+            <a:blip r:embed="rId5" cstate="print"/>
             <a:stretch>
               <a:fillRect/>
             </a:stretch>
@@ -5333,7 +5323,7 @@
             <p:nvPr/>
           </p:nvPicPr>
           <p:blipFill>
-            <a:blip r:embed="rId26" cstate="print"/>
+            <a:blip r:embed="rId18" cstate="print"/>
             <a:stretch>
               <a:fillRect/>
             </a:stretch>
@@ -5358,7 +5348,7 @@
           <p:nvPr/>
         </p:nvPicPr>
         <p:blipFill>
-          <a:blip r:embed="rId27" cstate="print"/>
+          <a:blip r:embed="rId19" cstate="print"/>
           <a:stretch>
             <a:fillRect/>
           </a:stretch>
@@ -5382,7 +5372,7 @@
           <p:nvPr/>
         </p:nvPicPr>
         <p:blipFill>
-          <a:blip r:embed="rId28" cstate="print"/>
+          <a:blip r:embed="rId20" cstate="print"/>
           <a:stretch>
             <a:fillRect/>
           </a:stretch>
@@ -5406,7 +5396,7 @@
           <p:nvPr/>
         </p:nvPicPr>
         <p:blipFill>
-          <a:blip r:embed="rId29" cstate="print"/>
+          <a:blip r:embed="rId21" cstate="print"/>
           <a:stretch>
             <a:fillRect/>
           </a:stretch>
@@ -5430,7 +5420,7 @@
           <p:nvPr/>
         </p:nvPicPr>
         <p:blipFill>
-          <a:blip r:embed="rId30" cstate="print"/>
+          <a:blip r:embed="rId22" cstate="print"/>
           <a:stretch>
             <a:fillRect/>
           </a:stretch>
@@ -5454,7 +5444,7 @@
           <p:nvPr/>
         </p:nvPicPr>
         <p:blipFill>
-          <a:blip r:embed="rId31" cstate="print"/>
+          <a:blip r:embed="rId23" cstate="print"/>
           <a:stretch>
             <a:fillRect/>
           </a:stretch>
@@ -5478,7 +5468,7 @@
           <p:nvPr/>
         </p:nvPicPr>
         <p:blipFill>
-          <a:blip r:embed="rId32" cstate="print"/>
+          <a:blip r:embed="rId24" cstate="print"/>
           <a:stretch>
             <a:fillRect/>
           </a:stretch>
@@ -5502,7 +5492,7 @@
           <p:nvPr/>
         </p:nvPicPr>
         <p:blipFill>
-          <a:blip r:embed="rId33" cstate="print"/>
+          <a:blip r:embed="rId25" cstate="print"/>
           <a:stretch>
             <a:fillRect/>
           </a:stretch>
@@ -5526,7 +5516,7 @@
           <p:nvPr/>
         </p:nvPicPr>
         <p:blipFill>
-          <a:blip r:embed="rId34" cstate="print"/>
+          <a:blip r:embed="rId26" cstate="print"/>
           <a:stretch>
             <a:fillRect/>
           </a:stretch>
@@ -6393,45 +6383,42 @@
           </a:prstGeom>
         </p:spPr>
       </p:pic>
-      <p:grpSp>
-        <p:nvGrpSpPr>
-          <p:cNvPr id="1002" name="그룹 1002"/>
-          <p:cNvGrpSpPr/>
-          <p:nvPr/>
-        </p:nvGrpSpPr>
-        <p:grpSpPr>
-          <a:xfrm>
-            <a:off x="2840497" y="2040818"/>
-            <a:ext cx="12599550" cy="7941643"/>
-            <a:chOff x="2840497" y="2040818"/>
-            <a:chExt cx="12599550" cy="7941643"/>
-          </a:xfrm>
-        </p:grpSpPr>
-        <p:pic>
-          <p:nvPicPr>
-            <p:cNvPr id="8" name="Object 7"/>
-            <p:cNvPicPr>
-              <a:picLocks noChangeAspect="1"/>
-            </p:cNvPicPr>
-            <p:nvPr/>
-          </p:nvPicPr>
-          <p:blipFill>
-            <a:blip r:embed="rId5" cstate="print"/>
-            <a:stretch>
-              <a:fillRect/>
-            </a:stretch>
-          </p:blipFill>
-          <p:spPr>
-            <a:xfrm>
-              <a:off x="2840497" y="2040818"/>
-              <a:ext cx="12599550" cy="7941643"/>
-            </a:xfrm>
-            <a:prstGeom prst="rect">
-              <a:avLst/>
-            </a:prstGeom>
-          </p:spPr>
-        </p:pic>
-      </p:grpSp>
+      <p:pic>
+        <p:nvPicPr>
+          <p:cNvPr id="5" name="그림 4">
+            <a:extLst>
+              <a:ext uri="{FF2B5EF4-FFF2-40B4-BE49-F238E27FC236}">
+                <a16:creationId xmlns:a16="http://schemas.microsoft.com/office/drawing/2014/main" id="{657603AE-1CD4-B73C-8938-E591E31AE40B}"/>
+              </a:ext>
+            </a:extLst>
+          </p:cNvPr>
+          <p:cNvPicPr>
+            <a:picLocks noChangeAspect="1"/>
+          </p:cNvPicPr>
+          <p:nvPr/>
+        </p:nvPicPr>
+        <p:blipFill>
+          <a:blip r:embed="rId5">
+            <a:extLst>
+              <a:ext uri="{28A0092B-C50C-407E-A947-70E740481C1C}">
+                <a14:useLocalDpi xmlns:a14="http://schemas.microsoft.com/office/drawing/2010/main" val="0"/>
+              </a:ext>
+            </a:extLst>
+          </a:blip>
+          <a:stretch>
+            <a:fillRect/>
+          </a:stretch>
+        </p:blipFill>
+        <p:spPr>
+          <a:xfrm>
+            <a:off x="2737378" y="2069711"/>
+            <a:ext cx="12813244" cy="7576820"/>
+          </a:xfrm>
+          <a:prstGeom prst="rect">
+            <a:avLst/>
+          </a:prstGeom>
+        </p:spPr>
+      </p:pic>
     </p:spTree>
   </p:cSld>
   <p:clrMapOvr>
